--- a/images/20170120 Spark et LSST.pptx
+++ b/images/20170120 Spark et LSST.pptx
@@ -11,6 +11,12 @@
     <p:sldId id="263" r:id="rId5"/>
     <p:sldId id="266" r:id="rId6"/>
     <p:sldId id="267" r:id="rId7"/>
+    <p:sldId id="268" r:id="rId8"/>
+    <p:sldId id="273" r:id="rId9"/>
+    <p:sldId id="272" r:id="rId10"/>
+    <p:sldId id="269" r:id="rId11"/>
+    <p:sldId id="270" r:id="rId12"/>
+    <p:sldId id="271" r:id="rId13"/>
   </p:sldIdLst>
   <p:sldSz cx="9144000" cy="6858000" type="screen4x3"/>
   <p:notesSz cx="6858000" cy="9144000"/>
@@ -293,7 +299,7 @@
           <a:p>
             <a:fld id="{86B6C451-13DA-4D9F-AE7F-9788E91ABC15}" type="datetimeFigureOut">
               <a:rPr lang="fr-FR" smtClean="0"/>
-              <a:t>20/02/2017</a:t>
+              <a:t>01/03/2017</a:t>
             </a:fld>
             <a:endParaRPr lang="fr-FR"/>
           </a:p>
@@ -463,7 +469,7 @@
           <a:p>
             <a:fld id="{86B6C451-13DA-4D9F-AE7F-9788E91ABC15}" type="datetimeFigureOut">
               <a:rPr lang="fr-FR" smtClean="0"/>
-              <a:t>20/02/2017</a:t>
+              <a:t>01/03/2017</a:t>
             </a:fld>
             <a:endParaRPr lang="fr-FR"/>
           </a:p>
@@ -643,7 +649,7 @@
           <a:p>
             <a:fld id="{86B6C451-13DA-4D9F-AE7F-9788E91ABC15}" type="datetimeFigureOut">
               <a:rPr lang="fr-FR" smtClean="0"/>
-              <a:t>20/02/2017</a:t>
+              <a:t>01/03/2017</a:t>
             </a:fld>
             <a:endParaRPr lang="fr-FR"/>
           </a:p>
@@ -859,7 +865,7 @@
           <a:p>
             <a:fld id="{86B6C451-13DA-4D9F-AE7F-9788E91ABC15}" type="datetimeFigureOut">
               <a:rPr lang="fr-FR" smtClean="0"/>
-              <a:t>20/02/2017</a:t>
+              <a:t>01/03/2017</a:t>
             </a:fld>
             <a:endParaRPr lang="fr-FR"/>
           </a:p>
@@ -1105,7 +1111,7 @@
           <a:p>
             <a:fld id="{86B6C451-13DA-4D9F-AE7F-9788E91ABC15}" type="datetimeFigureOut">
               <a:rPr lang="fr-FR" smtClean="0"/>
-              <a:t>20/02/2017</a:t>
+              <a:t>01/03/2017</a:t>
             </a:fld>
             <a:endParaRPr lang="fr-FR"/>
           </a:p>
@@ -1393,7 +1399,7 @@
           <a:p>
             <a:fld id="{86B6C451-13DA-4D9F-AE7F-9788E91ABC15}" type="datetimeFigureOut">
               <a:rPr lang="fr-FR" smtClean="0"/>
-              <a:t>20/02/2017</a:t>
+              <a:t>01/03/2017</a:t>
             </a:fld>
             <a:endParaRPr lang="fr-FR"/>
           </a:p>
@@ -1815,7 +1821,7 @@
           <a:p>
             <a:fld id="{86B6C451-13DA-4D9F-AE7F-9788E91ABC15}" type="datetimeFigureOut">
               <a:rPr lang="fr-FR" smtClean="0"/>
-              <a:t>20/02/2017</a:t>
+              <a:t>01/03/2017</a:t>
             </a:fld>
             <a:endParaRPr lang="fr-FR"/>
           </a:p>
@@ -1933,7 +1939,7 @@
           <a:p>
             <a:fld id="{86B6C451-13DA-4D9F-AE7F-9788E91ABC15}" type="datetimeFigureOut">
               <a:rPr lang="fr-FR" smtClean="0"/>
-              <a:t>20/02/2017</a:t>
+              <a:t>01/03/2017</a:t>
             </a:fld>
             <a:endParaRPr lang="fr-FR"/>
           </a:p>
@@ -2028,7 +2034,7 @@
           <a:p>
             <a:fld id="{86B6C451-13DA-4D9F-AE7F-9788E91ABC15}" type="datetimeFigureOut">
               <a:rPr lang="fr-FR" smtClean="0"/>
-              <a:t>20/02/2017</a:t>
+              <a:t>01/03/2017</a:t>
             </a:fld>
             <a:endParaRPr lang="fr-FR"/>
           </a:p>
@@ -2305,7 +2311,7 @@
           <a:p>
             <a:fld id="{86B6C451-13DA-4D9F-AE7F-9788E91ABC15}" type="datetimeFigureOut">
               <a:rPr lang="fr-FR" smtClean="0"/>
-              <a:t>20/02/2017</a:t>
+              <a:t>01/03/2017</a:t>
             </a:fld>
             <a:endParaRPr lang="fr-FR"/>
           </a:p>
@@ -2558,7 +2564,7 @@
           <a:p>
             <a:fld id="{86B6C451-13DA-4D9F-AE7F-9788E91ABC15}" type="datetimeFigureOut">
               <a:rPr lang="fr-FR" smtClean="0"/>
-              <a:t>20/02/2017</a:t>
+              <a:t>01/03/2017</a:t>
             </a:fld>
             <a:endParaRPr lang="fr-FR"/>
           </a:p>
@@ -2771,7 +2777,7 @@
           <a:p>
             <a:fld id="{86B6C451-13DA-4D9F-AE7F-9788E91ABC15}" type="datetimeFigureOut">
               <a:rPr lang="fr-FR" smtClean="0"/>
-              <a:t>20/02/2017</a:t>
+              <a:t>01/03/2017</a:t>
             </a:fld>
             <a:endParaRPr lang="fr-FR"/>
           </a:p>
@@ -3206,6 +3212,2564 @@
   <p:clrMapOvr>
     <a:masterClrMapping/>
   </p:clrMapOvr>
+  <p:timing>
+    <p:tnLst>
+      <p:par>
+        <p:cTn id="1" dur="indefinite" restart="never" nodeType="tmRoot"/>
+      </p:par>
+    </p:tnLst>
+  </p:timing>
+</p:sld>
+</file>
+
+<file path=ppt/slides/slide10.xml><?xml version="1.0" encoding="utf-8"?>
+<p:sld xmlns:a="http://schemas.openxmlformats.org/drawingml/2006/main" xmlns:r="http://schemas.openxmlformats.org/officeDocument/2006/relationships" xmlns:p="http://schemas.openxmlformats.org/presentationml/2006/main">
+  <p:cSld>
+    <p:spTree>
+      <p:nvGrpSpPr>
+        <p:cNvPr id="1" name=""/>
+        <p:cNvGrpSpPr/>
+        <p:nvPr/>
+      </p:nvGrpSpPr>
+      <p:grpSpPr>
+        <a:xfrm>
+          <a:off x="0" y="0"/>
+          <a:ext cx="0" cy="0"/>
+          <a:chOff x="0" y="0"/>
+          <a:chExt cx="0" cy="0"/>
+        </a:xfrm>
+      </p:grpSpPr>
+      <p:sp>
+        <p:nvSpPr>
+          <p:cNvPr id="2" name="Titre 1"/>
+          <p:cNvSpPr>
+            <a:spLocks noGrp="1"/>
+          </p:cNvSpPr>
+          <p:nvPr>
+            <p:ph type="title"/>
+          </p:nvPr>
+        </p:nvSpPr>
+        <p:spPr/>
+        <p:txBody>
+          <a:bodyPr>
+            <a:normAutofit fontScale="90000"/>
+          </a:bodyPr>
+          <a:lstStyle/>
+          <a:p>
+            <a:r>
+              <a:rPr lang="fr-FR" dirty="0" smtClean="0"/>
+              <a:t>Création des images</a:t>
+            </a:r>
+            <a:endParaRPr lang="fr-FR" dirty="0"/>
+          </a:p>
+        </p:txBody>
+      </p:sp>
+      <p:sp>
+        <p:nvSpPr>
+          <p:cNvPr id="6" name="ZoneTexte 5"/>
+          <p:cNvSpPr txBox="1"/>
+          <p:nvPr/>
+        </p:nvSpPr>
+        <p:spPr>
+          <a:xfrm>
+            <a:off x="179512" y="1052736"/>
+            <a:ext cx="6785832" cy="1569660"/>
+          </a:xfrm>
+          <a:prstGeom prst="rect">
+            <a:avLst/>
+          </a:prstGeom>
+          <a:solidFill>
+            <a:schemeClr val="accent3">
+              <a:lumMod val="20000"/>
+              <a:lumOff val="80000"/>
+            </a:schemeClr>
+          </a:solidFill>
+          <a:ln>
+            <a:solidFill>
+              <a:srgbClr val="0070C0"/>
+            </a:solidFill>
+          </a:ln>
+        </p:spPr>
+        <p:txBody>
+          <a:bodyPr wrap="none" rtlCol="0">
+            <a:spAutoFit/>
+          </a:bodyPr>
+          <a:lstStyle/>
+          <a:p>
+            <a:r>
+              <a:rPr lang="fr-FR" sz="1200" dirty="0" err="1" smtClean="0">
+                <a:latin typeface="Courier New" panose="02070309020205020404" pitchFamily="49" charset="0"/>
+                <a:cs typeface="Courier New" panose="02070309020205020404" pitchFamily="49" charset="0"/>
+              </a:rPr>
+              <a:t>def</a:t>
+            </a:r>
+            <a:r>
+              <a:rPr lang="fr-FR" sz="1200" dirty="0" smtClean="0">
+                <a:latin typeface="Courier New" panose="02070309020205020404" pitchFamily="49" charset="0"/>
+                <a:cs typeface="Courier New" panose="02070309020205020404" pitchFamily="49" charset="0"/>
+              </a:rPr>
+              <a:t> </a:t>
+            </a:r>
+            <a:r>
+              <a:rPr lang="fr-FR" sz="1200" dirty="0" err="1" smtClean="0">
+                <a:latin typeface="Courier New" panose="02070309020205020404" pitchFamily="49" charset="0"/>
+                <a:cs typeface="Courier New" panose="02070309020205020404" pitchFamily="49" charset="0"/>
+              </a:rPr>
+              <a:t>make_schema</a:t>
+            </a:r>
+            <a:r>
+              <a:rPr lang="fr-FR" sz="1200" dirty="0" smtClean="0">
+                <a:latin typeface="Courier New" panose="02070309020205020404" pitchFamily="49" charset="0"/>
+                <a:cs typeface="Courier New" panose="02070309020205020404" pitchFamily="49" charset="0"/>
+              </a:rPr>
+              <a:t>():</a:t>
+            </a:r>
+          </a:p>
+          <a:p>
+            <a:r>
+              <a:rPr lang="fr-FR" sz="1200" dirty="0" smtClean="0">
+                <a:latin typeface="Courier New" panose="02070309020205020404" pitchFamily="49" charset="0"/>
+                <a:cs typeface="Courier New" panose="02070309020205020404" pitchFamily="49" charset="0"/>
+              </a:rPr>
+              <a:t>    </a:t>
+            </a:r>
+            <a:r>
+              <a:rPr lang="fr-FR" sz="1200" dirty="0" err="1" smtClean="0">
+                <a:latin typeface="Courier New" panose="02070309020205020404" pitchFamily="49" charset="0"/>
+                <a:cs typeface="Courier New" panose="02070309020205020404" pitchFamily="49" charset="0"/>
+              </a:rPr>
+              <a:t>schema</a:t>
+            </a:r>
+            <a:r>
+              <a:rPr lang="fr-FR" sz="1200" dirty="0" smtClean="0">
+                <a:latin typeface="Courier New" panose="02070309020205020404" pitchFamily="49" charset="0"/>
+                <a:cs typeface="Courier New" panose="02070309020205020404" pitchFamily="49" charset="0"/>
+              </a:rPr>
+              <a:t> </a:t>
+            </a:r>
+            <a:r>
+              <a:rPr lang="fr-FR" sz="1200" dirty="0">
+                <a:latin typeface="Courier New" panose="02070309020205020404" pitchFamily="49" charset="0"/>
+                <a:cs typeface="Courier New" panose="02070309020205020404" pitchFamily="49" charset="0"/>
+              </a:rPr>
+              <a:t>= </a:t>
+            </a:r>
+            <a:r>
+              <a:rPr lang="fr-FR" sz="1200" dirty="0" err="1">
+                <a:latin typeface="Courier New" panose="02070309020205020404" pitchFamily="49" charset="0"/>
+                <a:cs typeface="Courier New" panose="02070309020205020404" pitchFamily="49" charset="0"/>
+              </a:rPr>
+              <a:t>StructType</a:t>
+            </a:r>
+            <a:r>
+              <a:rPr lang="fr-FR" sz="1200" dirty="0">
+                <a:latin typeface="Courier New" panose="02070309020205020404" pitchFamily="49" charset="0"/>
+                <a:cs typeface="Courier New" panose="02070309020205020404" pitchFamily="49" charset="0"/>
+              </a:rPr>
+              <a:t>([</a:t>
+            </a:r>
+          </a:p>
+          <a:p>
+            <a:r>
+              <a:rPr lang="fr-FR" sz="1200" dirty="0">
+                <a:latin typeface="Courier New" panose="02070309020205020404" pitchFamily="49" charset="0"/>
+                <a:cs typeface="Courier New" panose="02070309020205020404" pitchFamily="49" charset="0"/>
+              </a:rPr>
+              <a:t>       </a:t>
+            </a:r>
+            <a:r>
+              <a:rPr lang="fr-FR" sz="1200" dirty="0" err="1">
+                <a:latin typeface="Courier New" panose="02070309020205020404" pitchFamily="49" charset="0"/>
+                <a:cs typeface="Courier New" panose="02070309020205020404" pitchFamily="49" charset="0"/>
+              </a:rPr>
+              <a:t>StructField</a:t>
+            </a:r>
+            <a:r>
+              <a:rPr lang="fr-FR" sz="1200" dirty="0">
+                <a:latin typeface="Courier New" panose="02070309020205020404" pitchFamily="49" charset="0"/>
+                <a:cs typeface="Courier New" panose="02070309020205020404" pitchFamily="49" charset="0"/>
+              </a:rPr>
+              <a:t>("id", </a:t>
+            </a:r>
+            <a:r>
+              <a:rPr lang="fr-FR" sz="1200" dirty="0" err="1">
+                <a:latin typeface="Courier New" panose="02070309020205020404" pitchFamily="49" charset="0"/>
+                <a:cs typeface="Courier New" panose="02070309020205020404" pitchFamily="49" charset="0"/>
+              </a:rPr>
+              <a:t>IntegerType</a:t>
+            </a:r>
+            <a:r>
+              <a:rPr lang="fr-FR" sz="1200" dirty="0">
+                <a:latin typeface="Courier New" panose="02070309020205020404" pitchFamily="49" charset="0"/>
+                <a:cs typeface="Courier New" panose="02070309020205020404" pitchFamily="49" charset="0"/>
+              </a:rPr>
+              <a:t>(), </a:t>
+            </a:r>
+            <a:r>
+              <a:rPr lang="fr-FR" sz="1200" dirty="0" err="1">
+                <a:latin typeface="Courier New" panose="02070309020205020404" pitchFamily="49" charset="0"/>
+                <a:cs typeface="Courier New" panose="02070309020205020404" pitchFamily="49" charset="0"/>
+              </a:rPr>
+              <a:t>True</a:t>
+            </a:r>
+            <a:r>
+              <a:rPr lang="fr-FR" sz="1200" dirty="0">
+                <a:latin typeface="Courier New" panose="02070309020205020404" pitchFamily="49" charset="0"/>
+                <a:cs typeface="Courier New" panose="02070309020205020404" pitchFamily="49" charset="0"/>
+              </a:rPr>
+              <a:t>),</a:t>
+            </a:r>
+            <a:br>
+              <a:rPr lang="fr-FR" sz="1200" dirty="0">
+                <a:latin typeface="Courier New" panose="02070309020205020404" pitchFamily="49" charset="0"/>
+                <a:cs typeface="Courier New" panose="02070309020205020404" pitchFamily="49" charset="0"/>
+              </a:rPr>
+            </a:br>
+            <a:r>
+              <a:rPr lang="fr-FR" sz="1200" dirty="0">
+                <a:latin typeface="Courier New" panose="02070309020205020404" pitchFamily="49" charset="0"/>
+                <a:cs typeface="Courier New" panose="02070309020205020404" pitchFamily="49" charset="0"/>
+              </a:rPr>
+              <a:t>       </a:t>
+            </a:r>
+            <a:r>
+              <a:rPr lang="fr-FR" sz="1200" dirty="0" err="1">
+                <a:latin typeface="Courier New" panose="02070309020205020404" pitchFamily="49" charset="0"/>
+                <a:cs typeface="Courier New" panose="02070309020205020404" pitchFamily="49" charset="0"/>
+              </a:rPr>
+              <a:t>StructField</a:t>
+            </a:r>
+            <a:r>
+              <a:rPr lang="fr-FR" sz="1200" dirty="0">
+                <a:latin typeface="Courier New" panose="02070309020205020404" pitchFamily="49" charset="0"/>
+                <a:cs typeface="Courier New" panose="02070309020205020404" pitchFamily="49" charset="0"/>
+              </a:rPr>
+              <a:t>("ra", </a:t>
+            </a:r>
+            <a:r>
+              <a:rPr lang="fr-FR" sz="1200" dirty="0" err="1">
+                <a:latin typeface="Courier New" panose="02070309020205020404" pitchFamily="49" charset="0"/>
+                <a:cs typeface="Courier New" panose="02070309020205020404" pitchFamily="49" charset="0"/>
+              </a:rPr>
+              <a:t>DoubleType</a:t>
+            </a:r>
+            <a:r>
+              <a:rPr lang="fr-FR" sz="1200" dirty="0">
+                <a:latin typeface="Courier New" panose="02070309020205020404" pitchFamily="49" charset="0"/>
+                <a:cs typeface="Courier New" panose="02070309020205020404" pitchFamily="49" charset="0"/>
+              </a:rPr>
+              <a:t>(), </a:t>
+            </a:r>
+            <a:r>
+              <a:rPr lang="fr-FR" sz="1200" dirty="0" err="1">
+                <a:latin typeface="Courier New" panose="02070309020205020404" pitchFamily="49" charset="0"/>
+                <a:cs typeface="Courier New" panose="02070309020205020404" pitchFamily="49" charset="0"/>
+              </a:rPr>
+              <a:t>True</a:t>
+            </a:r>
+            <a:r>
+              <a:rPr lang="fr-FR" sz="1200" dirty="0">
+                <a:latin typeface="Courier New" panose="02070309020205020404" pitchFamily="49" charset="0"/>
+                <a:cs typeface="Courier New" panose="02070309020205020404" pitchFamily="49" charset="0"/>
+              </a:rPr>
+              <a:t>),</a:t>
+            </a:r>
+            <a:br>
+              <a:rPr lang="fr-FR" sz="1200" dirty="0">
+                <a:latin typeface="Courier New" panose="02070309020205020404" pitchFamily="49" charset="0"/>
+                <a:cs typeface="Courier New" panose="02070309020205020404" pitchFamily="49" charset="0"/>
+              </a:rPr>
+            </a:br>
+            <a:r>
+              <a:rPr lang="fr-FR" sz="1200" dirty="0">
+                <a:latin typeface="Courier New" panose="02070309020205020404" pitchFamily="49" charset="0"/>
+                <a:cs typeface="Courier New" panose="02070309020205020404" pitchFamily="49" charset="0"/>
+              </a:rPr>
+              <a:t>       </a:t>
+            </a:r>
+            <a:r>
+              <a:rPr lang="fr-FR" sz="1200" dirty="0" err="1">
+                <a:latin typeface="Courier New" panose="02070309020205020404" pitchFamily="49" charset="0"/>
+                <a:cs typeface="Courier New" panose="02070309020205020404" pitchFamily="49" charset="0"/>
+              </a:rPr>
+              <a:t>StructField</a:t>
+            </a:r>
+            <a:r>
+              <a:rPr lang="fr-FR" sz="1200" dirty="0">
+                <a:latin typeface="Courier New" panose="02070309020205020404" pitchFamily="49" charset="0"/>
+                <a:cs typeface="Courier New" panose="02070309020205020404" pitchFamily="49" charset="0"/>
+              </a:rPr>
+              <a:t>("</a:t>
+            </a:r>
+            <a:r>
+              <a:rPr lang="fr-FR" sz="1200" dirty="0" err="1">
+                <a:latin typeface="Courier New" panose="02070309020205020404" pitchFamily="49" charset="0"/>
+                <a:cs typeface="Courier New" panose="02070309020205020404" pitchFamily="49" charset="0"/>
+              </a:rPr>
+              <a:t>dec</a:t>
+            </a:r>
+            <a:r>
+              <a:rPr lang="fr-FR" sz="1200" dirty="0">
+                <a:latin typeface="Courier New" panose="02070309020205020404" pitchFamily="49" charset="0"/>
+                <a:cs typeface="Courier New" panose="02070309020205020404" pitchFamily="49" charset="0"/>
+              </a:rPr>
+              <a:t>", </a:t>
+            </a:r>
+            <a:r>
+              <a:rPr lang="fr-FR" sz="1200" dirty="0" err="1">
+                <a:latin typeface="Courier New" panose="02070309020205020404" pitchFamily="49" charset="0"/>
+                <a:cs typeface="Courier New" panose="02070309020205020404" pitchFamily="49" charset="0"/>
+              </a:rPr>
+              <a:t>DoubleType</a:t>
+            </a:r>
+            <a:r>
+              <a:rPr lang="fr-FR" sz="1200" dirty="0">
+                <a:latin typeface="Courier New" panose="02070309020205020404" pitchFamily="49" charset="0"/>
+                <a:cs typeface="Courier New" panose="02070309020205020404" pitchFamily="49" charset="0"/>
+              </a:rPr>
+              <a:t>(), </a:t>
+            </a:r>
+            <a:r>
+              <a:rPr lang="fr-FR" sz="1200" dirty="0" err="1">
+                <a:latin typeface="Courier New" panose="02070309020205020404" pitchFamily="49" charset="0"/>
+                <a:cs typeface="Courier New" panose="02070309020205020404" pitchFamily="49" charset="0"/>
+              </a:rPr>
+              <a:t>True</a:t>
+            </a:r>
+            <a:r>
+              <a:rPr lang="fr-FR" sz="1200" dirty="0">
+                <a:latin typeface="Courier New" panose="02070309020205020404" pitchFamily="49" charset="0"/>
+                <a:cs typeface="Courier New" panose="02070309020205020404" pitchFamily="49" charset="0"/>
+              </a:rPr>
+              <a:t>),</a:t>
+            </a:r>
+            <a:br>
+              <a:rPr lang="fr-FR" sz="1200" dirty="0">
+                <a:latin typeface="Courier New" panose="02070309020205020404" pitchFamily="49" charset="0"/>
+                <a:cs typeface="Courier New" panose="02070309020205020404" pitchFamily="49" charset="0"/>
+              </a:rPr>
+            </a:br>
+            <a:r>
+              <a:rPr lang="fr-FR" sz="1200" dirty="0">
+                <a:latin typeface="Courier New" panose="02070309020205020404" pitchFamily="49" charset="0"/>
+                <a:cs typeface="Courier New" panose="02070309020205020404" pitchFamily="49" charset="0"/>
+              </a:rPr>
+              <a:t>       </a:t>
+            </a:r>
+            <a:r>
+              <a:rPr lang="fr-FR" sz="1200" dirty="0" err="1">
+                <a:latin typeface="Courier New" panose="02070309020205020404" pitchFamily="49" charset="0"/>
+                <a:cs typeface="Courier New" panose="02070309020205020404" pitchFamily="49" charset="0"/>
+              </a:rPr>
+              <a:t>StructField</a:t>
+            </a:r>
+            <a:r>
+              <a:rPr lang="fr-FR" sz="1200" dirty="0">
+                <a:latin typeface="Courier New" panose="02070309020205020404" pitchFamily="49" charset="0"/>
+                <a:cs typeface="Courier New" panose="02070309020205020404" pitchFamily="49" charset="0"/>
+              </a:rPr>
+              <a:t>("image", </a:t>
+            </a:r>
+            <a:r>
+              <a:rPr lang="fr-FR" sz="1200" dirty="0" err="1">
+                <a:latin typeface="Courier New" panose="02070309020205020404" pitchFamily="49" charset="0"/>
+                <a:cs typeface="Courier New" panose="02070309020205020404" pitchFamily="49" charset="0"/>
+              </a:rPr>
+              <a:t>ArrayType</a:t>
+            </a:r>
+            <a:r>
+              <a:rPr lang="fr-FR" sz="1200" dirty="0">
+                <a:latin typeface="Courier New" panose="02070309020205020404" pitchFamily="49" charset="0"/>
+                <a:cs typeface="Courier New" panose="02070309020205020404" pitchFamily="49" charset="0"/>
+              </a:rPr>
+              <a:t>(</a:t>
+            </a:r>
+            <a:r>
+              <a:rPr lang="fr-FR" sz="1200" dirty="0" err="1">
+                <a:latin typeface="Courier New" panose="02070309020205020404" pitchFamily="49" charset="0"/>
+                <a:cs typeface="Courier New" panose="02070309020205020404" pitchFamily="49" charset="0"/>
+              </a:rPr>
+              <a:t>ArrayType</a:t>
+            </a:r>
+            <a:r>
+              <a:rPr lang="fr-FR" sz="1200" dirty="0">
+                <a:latin typeface="Courier New" panose="02070309020205020404" pitchFamily="49" charset="0"/>
+                <a:cs typeface="Courier New" panose="02070309020205020404" pitchFamily="49" charset="0"/>
+              </a:rPr>
+              <a:t>(</a:t>
+            </a:r>
+            <a:r>
+              <a:rPr lang="fr-FR" sz="1200" dirty="0" err="1">
+                <a:latin typeface="Courier New" panose="02070309020205020404" pitchFamily="49" charset="0"/>
+                <a:cs typeface="Courier New" panose="02070309020205020404" pitchFamily="49" charset="0"/>
+              </a:rPr>
+              <a:t>DoubleType</a:t>
+            </a:r>
+            <a:r>
+              <a:rPr lang="fr-FR" sz="1200" dirty="0">
+                <a:latin typeface="Courier New" panose="02070309020205020404" pitchFamily="49" charset="0"/>
+                <a:cs typeface="Courier New" panose="02070309020205020404" pitchFamily="49" charset="0"/>
+              </a:rPr>
+              <a:t>()), </a:t>
+            </a:r>
+            <a:r>
+              <a:rPr lang="fr-FR" sz="1200" dirty="0" err="1">
+                <a:latin typeface="Courier New" panose="02070309020205020404" pitchFamily="49" charset="0"/>
+                <a:cs typeface="Courier New" panose="02070309020205020404" pitchFamily="49" charset="0"/>
+              </a:rPr>
+              <a:t>True</a:t>
+            </a:r>
+            <a:r>
+              <a:rPr lang="fr-FR" sz="1200" dirty="0" smtClean="0">
+                <a:latin typeface="Courier New" panose="02070309020205020404" pitchFamily="49" charset="0"/>
+                <a:cs typeface="Courier New" panose="02070309020205020404" pitchFamily="49" charset="0"/>
+              </a:rPr>
+              <a:t>))])</a:t>
+            </a:r>
+          </a:p>
+          <a:p>
+            <a:endParaRPr lang="fr-FR" sz="1200" dirty="0">
+              <a:latin typeface="Courier New" panose="02070309020205020404" pitchFamily="49" charset="0"/>
+              <a:cs typeface="Courier New" panose="02070309020205020404" pitchFamily="49" charset="0"/>
+            </a:endParaRPr>
+          </a:p>
+          <a:p>
+            <a:r>
+              <a:rPr lang="fr-FR" sz="1200" dirty="0" smtClean="0">
+                <a:latin typeface="Courier New" panose="02070309020205020404" pitchFamily="49" charset="0"/>
+                <a:cs typeface="Courier New" panose="02070309020205020404" pitchFamily="49" charset="0"/>
+              </a:rPr>
+              <a:t>    return </a:t>
+            </a:r>
+            <a:r>
+              <a:rPr lang="fr-FR" sz="1200" dirty="0" err="1" smtClean="0">
+                <a:latin typeface="Courier New" panose="02070309020205020404" pitchFamily="49" charset="0"/>
+                <a:cs typeface="Courier New" panose="02070309020205020404" pitchFamily="49" charset="0"/>
+              </a:rPr>
+              <a:t>schema</a:t>
+            </a:r>
+            <a:endParaRPr lang="fr-FR" sz="1200" dirty="0" smtClean="0">
+              <a:latin typeface="Courier New" panose="02070309020205020404" pitchFamily="49" charset="0"/>
+              <a:cs typeface="Courier New" panose="02070309020205020404" pitchFamily="49" charset="0"/>
+            </a:endParaRPr>
+          </a:p>
+        </p:txBody>
+      </p:sp>
+      <p:sp>
+        <p:nvSpPr>
+          <p:cNvPr id="4" name="ZoneTexte 3"/>
+          <p:cNvSpPr txBox="1"/>
+          <p:nvPr/>
+        </p:nvSpPr>
+        <p:spPr>
+          <a:xfrm>
+            <a:off x="486902" y="2852350"/>
+            <a:ext cx="7901522" cy="3231654"/>
+          </a:xfrm>
+          <a:prstGeom prst="rect">
+            <a:avLst/>
+          </a:prstGeom>
+          <a:solidFill>
+            <a:schemeClr val="bg1">
+              <a:lumMod val="95000"/>
+            </a:schemeClr>
+          </a:solidFill>
+          <a:ln>
+            <a:solidFill>
+              <a:srgbClr val="0070C0"/>
+            </a:solidFill>
+          </a:ln>
+        </p:spPr>
+        <p:txBody>
+          <a:bodyPr wrap="none" rtlCol="0">
+            <a:spAutoFit/>
+          </a:bodyPr>
+          <a:lstStyle/>
+          <a:p>
+            <a:r>
+              <a:rPr lang="fr-FR" sz="1200" dirty="0" err="1" smtClean="0">
+                <a:latin typeface="Courier New" panose="02070309020205020404" pitchFamily="49" charset="0"/>
+                <a:cs typeface="Courier New" panose="02070309020205020404" pitchFamily="49" charset="0"/>
+              </a:rPr>
+              <a:t>def</a:t>
+            </a:r>
+            <a:r>
+              <a:rPr lang="fr-FR" sz="1200" dirty="0" smtClean="0">
+                <a:latin typeface="Courier New" panose="02070309020205020404" pitchFamily="49" charset="0"/>
+                <a:cs typeface="Courier New" panose="02070309020205020404" pitchFamily="49" charset="0"/>
+              </a:rPr>
+              <a:t> </a:t>
+            </a:r>
+            <a:r>
+              <a:rPr lang="fr-FR" sz="1200" dirty="0" err="1" smtClean="0">
+                <a:latin typeface="Courier New" panose="02070309020205020404" pitchFamily="49" charset="0"/>
+                <a:cs typeface="Courier New" panose="02070309020205020404" pitchFamily="49" charset="0"/>
+              </a:rPr>
+              <a:t>create_image</a:t>
+            </a:r>
+            <a:r>
+              <a:rPr lang="fr-FR" sz="1200" dirty="0" smtClean="0">
+                <a:latin typeface="Courier New" panose="02070309020205020404" pitchFamily="49" charset="0"/>
+                <a:cs typeface="Courier New" panose="02070309020205020404" pitchFamily="49" charset="0"/>
+              </a:rPr>
+              <a:t>(</a:t>
+            </a:r>
+            <a:r>
+              <a:rPr lang="fr-FR" sz="1200" dirty="0" err="1" smtClean="0">
+                <a:latin typeface="Courier New" panose="02070309020205020404" pitchFamily="49" charset="0"/>
+                <a:cs typeface="Courier New" panose="02070309020205020404" pitchFamily="49" charset="0"/>
+              </a:rPr>
+              <a:t>spark</a:t>
+            </a:r>
+            <a:r>
+              <a:rPr lang="fr-FR" sz="1200" dirty="0" smtClean="0">
+                <a:latin typeface="Courier New" panose="02070309020205020404" pitchFamily="49" charset="0"/>
+                <a:cs typeface="Courier New" panose="02070309020205020404" pitchFamily="49" charset="0"/>
+              </a:rPr>
+              <a:t>):</a:t>
+            </a:r>
+          </a:p>
+          <a:p>
+            <a:r>
+              <a:rPr lang="fr-FR" sz="1200" dirty="0">
+                <a:latin typeface="Courier New" panose="02070309020205020404" pitchFamily="49" charset="0"/>
+                <a:cs typeface="Courier New" panose="02070309020205020404" pitchFamily="49" charset="0"/>
+              </a:rPr>
+              <a:t>    </a:t>
+            </a:r>
+            <a:r>
+              <a:rPr lang="fr-FR" sz="1200" dirty="0" err="1">
+                <a:latin typeface="Courier New" panose="02070309020205020404" pitchFamily="49" charset="0"/>
+                <a:cs typeface="Courier New" panose="02070309020205020404" pitchFamily="49" charset="0"/>
+              </a:rPr>
+              <a:t>rows</a:t>
+            </a:r>
+            <a:r>
+              <a:rPr lang="fr-FR" sz="1200" dirty="0">
+                <a:latin typeface="Courier New" panose="02070309020205020404" pitchFamily="49" charset="0"/>
+                <a:cs typeface="Courier New" panose="02070309020205020404" pitchFamily="49" charset="0"/>
+              </a:rPr>
+              <a:t> = </a:t>
+            </a:r>
+            <a:r>
+              <a:rPr lang="fr-FR" sz="1200" dirty="0" smtClean="0">
+                <a:latin typeface="Courier New" panose="02070309020205020404" pitchFamily="49" charset="0"/>
+                <a:cs typeface="Courier New" panose="02070309020205020404" pitchFamily="49" charset="0"/>
+              </a:rPr>
+              <a:t>3;</a:t>
+            </a:r>
+            <a:r>
+              <a:rPr lang="fr-FR" sz="1200" dirty="0">
+                <a:latin typeface="Courier New" panose="02070309020205020404" pitchFamily="49" charset="0"/>
+                <a:cs typeface="Courier New" panose="02070309020205020404" pitchFamily="49" charset="0"/>
+              </a:rPr>
+              <a:t>    cols = </a:t>
+            </a:r>
+            <a:r>
+              <a:rPr lang="fr-FR" sz="1200" dirty="0" smtClean="0">
+                <a:latin typeface="Courier New" panose="02070309020205020404" pitchFamily="49" charset="0"/>
+                <a:cs typeface="Courier New" panose="02070309020205020404" pitchFamily="49" charset="0"/>
+              </a:rPr>
+              <a:t>3; </a:t>
+            </a:r>
+            <a:r>
+              <a:rPr lang="fr-FR" sz="1200" dirty="0" err="1" smtClean="0">
+                <a:latin typeface="Courier New" panose="02070309020205020404" pitchFamily="49" charset="0"/>
+                <a:cs typeface="Courier New" panose="02070309020205020404" pitchFamily="49" charset="0"/>
+              </a:rPr>
+              <a:t>region_size</a:t>
+            </a:r>
+            <a:r>
+              <a:rPr lang="fr-FR" sz="1200" dirty="0" smtClean="0">
+                <a:latin typeface="Courier New" panose="02070309020205020404" pitchFamily="49" charset="0"/>
+                <a:cs typeface="Courier New" panose="02070309020205020404" pitchFamily="49" charset="0"/>
+              </a:rPr>
+              <a:t> </a:t>
+            </a:r>
+            <a:r>
+              <a:rPr lang="fr-FR" sz="1200" dirty="0">
+                <a:latin typeface="Courier New" panose="02070309020205020404" pitchFamily="49" charset="0"/>
+                <a:cs typeface="Courier New" panose="02070309020205020404" pitchFamily="49" charset="0"/>
+              </a:rPr>
+              <a:t>= 4000</a:t>
+            </a:r>
+            <a:br>
+              <a:rPr lang="fr-FR" sz="1200" dirty="0">
+                <a:latin typeface="Courier New" panose="02070309020205020404" pitchFamily="49" charset="0"/>
+                <a:cs typeface="Courier New" panose="02070309020205020404" pitchFamily="49" charset="0"/>
+              </a:rPr>
+            </a:br>
+            <a:r>
+              <a:rPr lang="fr-FR" sz="1200" dirty="0">
+                <a:latin typeface="Courier New" panose="02070309020205020404" pitchFamily="49" charset="0"/>
+                <a:cs typeface="Courier New" panose="02070309020205020404" pitchFamily="49" charset="0"/>
+              </a:rPr>
+              <a:t/>
+            </a:r>
+            <a:br>
+              <a:rPr lang="fr-FR" sz="1200" dirty="0">
+                <a:latin typeface="Courier New" panose="02070309020205020404" pitchFamily="49" charset="0"/>
+                <a:cs typeface="Courier New" panose="02070309020205020404" pitchFamily="49" charset="0"/>
+              </a:rPr>
+            </a:br>
+            <a:r>
+              <a:rPr lang="fr-FR" sz="1200" dirty="0">
+                <a:latin typeface="Courier New" panose="02070309020205020404" pitchFamily="49" charset="0"/>
+                <a:cs typeface="Courier New" panose="02070309020205020404" pitchFamily="49" charset="0"/>
+              </a:rPr>
+              <a:t>    </a:t>
+            </a:r>
+            <a:r>
+              <a:rPr lang="fr-FR" sz="1200" dirty="0" err="1">
+                <a:latin typeface="Courier New" panose="02070309020205020404" pitchFamily="49" charset="0"/>
+                <a:cs typeface="Courier New" panose="02070309020205020404" pitchFamily="49" charset="0"/>
+              </a:rPr>
+              <a:t>regions</a:t>
+            </a:r>
+            <a:r>
+              <a:rPr lang="fr-FR" sz="1200" dirty="0">
+                <a:latin typeface="Courier New" panose="02070309020205020404" pitchFamily="49" charset="0"/>
+                <a:cs typeface="Courier New" panose="02070309020205020404" pitchFamily="49" charset="0"/>
+              </a:rPr>
+              <a:t> = </a:t>
+            </a:r>
+            <a:r>
+              <a:rPr lang="fr-FR" sz="1200" dirty="0" smtClean="0">
+                <a:latin typeface="Courier New" panose="02070309020205020404" pitchFamily="49" charset="0"/>
+                <a:cs typeface="Courier New" panose="02070309020205020404" pitchFamily="49" charset="0"/>
+              </a:rPr>
+              <a:t>[]; </a:t>
+            </a:r>
+            <a:r>
+              <a:rPr lang="fr-FR" sz="1200" dirty="0" err="1" smtClean="0">
+                <a:latin typeface="Courier New" panose="02070309020205020404" pitchFamily="49" charset="0"/>
+                <a:cs typeface="Courier New" panose="02070309020205020404" pitchFamily="49" charset="0"/>
+              </a:rPr>
+              <a:t>region_id</a:t>
+            </a:r>
+            <a:r>
+              <a:rPr lang="fr-FR" sz="1200" dirty="0" smtClean="0">
+                <a:latin typeface="Courier New" panose="02070309020205020404" pitchFamily="49" charset="0"/>
+                <a:cs typeface="Courier New" panose="02070309020205020404" pitchFamily="49" charset="0"/>
+              </a:rPr>
+              <a:t> </a:t>
+            </a:r>
+            <a:r>
+              <a:rPr lang="fr-FR" sz="1200" dirty="0">
+                <a:latin typeface="Courier New" panose="02070309020205020404" pitchFamily="49" charset="0"/>
+                <a:cs typeface="Courier New" panose="02070309020205020404" pitchFamily="49" charset="0"/>
+              </a:rPr>
+              <a:t>= 0</a:t>
+            </a:r>
+            <a:br>
+              <a:rPr lang="fr-FR" sz="1200" dirty="0">
+                <a:latin typeface="Courier New" panose="02070309020205020404" pitchFamily="49" charset="0"/>
+                <a:cs typeface="Courier New" panose="02070309020205020404" pitchFamily="49" charset="0"/>
+              </a:rPr>
+            </a:br>
+            <a:r>
+              <a:rPr lang="fr-FR" sz="1200" dirty="0">
+                <a:latin typeface="Courier New" panose="02070309020205020404" pitchFamily="49" charset="0"/>
+                <a:cs typeface="Courier New" panose="02070309020205020404" pitchFamily="49" charset="0"/>
+              </a:rPr>
+              <a:t/>
+            </a:r>
+            <a:br>
+              <a:rPr lang="fr-FR" sz="1200" dirty="0">
+                <a:latin typeface="Courier New" panose="02070309020205020404" pitchFamily="49" charset="0"/>
+                <a:cs typeface="Courier New" panose="02070309020205020404" pitchFamily="49" charset="0"/>
+              </a:rPr>
+            </a:br>
+            <a:r>
+              <a:rPr lang="fr-FR" sz="1200" dirty="0">
+                <a:latin typeface="Courier New" panose="02070309020205020404" pitchFamily="49" charset="0"/>
+                <a:cs typeface="Courier New" panose="02070309020205020404" pitchFamily="49" charset="0"/>
+              </a:rPr>
+              <a:t>    # </a:t>
+            </a:r>
+            <a:r>
+              <a:rPr lang="fr-FR" sz="1200" dirty="0" err="1">
+                <a:latin typeface="Courier New" panose="02070309020205020404" pitchFamily="49" charset="0"/>
+                <a:cs typeface="Courier New" panose="02070309020205020404" pitchFamily="49" charset="0"/>
+              </a:rPr>
+              <a:t>initialize</a:t>
+            </a:r>
+            <a:r>
+              <a:rPr lang="fr-FR" sz="1200" dirty="0">
+                <a:latin typeface="Courier New" panose="02070309020205020404" pitchFamily="49" charset="0"/>
+                <a:cs typeface="Courier New" panose="02070309020205020404" pitchFamily="49" charset="0"/>
+              </a:rPr>
+              <a:t> </a:t>
+            </a:r>
+            <a:r>
+              <a:rPr lang="fr-FR" sz="1200" dirty="0" err="1">
+                <a:latin typeface="Courier New" panose="02070309020205020404" pitchFamily="49" charset="0"/>
+                <a:cs typeface="Courier New" panose="02070309020205020404" pitchFamily="49" charset="0"/>
+              </a:rPr>
+              <a:t>region</a:t>
+            </a:r>
+            <a:r>
+              <a:rPr lang="fr-FR" sz="1200" dirty="0">
+                <a:latin typeface="Courier New" panose="02070309020205020404" pitchFamily="49" charset="0"/>
+                <a:cs typeface="Courier New" panose="02070309020205020404" pitchFamily="49" charset="0"/>
+              </a:rPr>
+              <a:t> </a:t>
+            </a:r>
+            <a:r>
+              <a:rPr lang="fr-FR" sz="1200" dirty="0" err="1">
+                <a:latin typeface="Courier New" panose="02070309020205020404" pitchFamily="49" charset="0"/>
+                <a:cs typeface="Courier New" panose="02070309020205020404" pitchFamily="49" charset="0"/>
+              </a:rPr>
+              <a:t>descriptors</a:t>
+            </a:r>
+            <a:r>
+              <a:rPr lang="fr-FR" sz="1200" dirty="0">
+                <a:latin typeface="Courier New" panose="02070309020205020404" pitchFamily="49" charset="0"/>
+                <a:cs typeface="Courier New" panose="02070309020205020404" pitchFamily="49" charset="0"/>
+              </a:rPr>
+              <a:t/>
+            </a:r>
+            <a:br>
+              <a:rPr lang="fr-FR" sz="1200" dirty="0">
+                <a:latin typeface="Courier New" panose="02070309020205020404" pitchFamily="49" charset="0"/>
+                <a:cs typeface="Courier New" panose="02070309020205020404" pitchFamily="49" charset="0"/>
+              </a:rPr>
+            </a:br>
+            <a:r>
+              <a:rPr lang="fr-FR" sz="1200" dirty="0">
+                <a:latin typeface="Courier New" panose="02070309020205020404" pitchFamily="49" charset="0"/>
+                <a:cs typeface="Courier New" panose="02070309020205020404" pitchFamily="49" charset="0"/>
+              </a:rPr>
+              <a:t>    for r in range(</a:t>
+            </a:r>
+            <a:r>
+              <a:rPr lang="fr-FR" sz="1200" dirty="0" err="1">
+                <a:latin typeface="Courier New" panose="02070309020205020404" pitchFamily="49" charset="0"/>
+                <a:cs typeface="Courier New" panose="02070309020205020404" pitchFamily="49" charset="0"/>
+              </a:rPr>
+              <a:t>rows</a:t>
+            </a:r>
+            <a:r>
+              <a:rPr lang="fr-FR" sz="1200" dirty="0">
+                <a:latin typeface="Courier New" panose="02070309020205020404" pitchFamily="49" charset="0"/>
+                <a:cs typeface="Courier New" panose="02070309020205020404" pitchFamily="49" charset="0"/>
+              </a:rPr>
+              <a:t>):</a:t>
+            </a:r>
+            <a:br>
+              <a:rPr lang="fr-FR" sz="1200" dirty="0">
+                <a:latin typeface="Courier New" panose="02070309020205020404" pitchFamily="49" charset="0"/>
+                <a:cs typeface="Courier New" panose="02070309020205020404" pitchFamily="49" charset="0"/>
+              </a:rPr>
+            </a:br>
+            <a:r>
+              <a:rPr lang="fr-FR" sz="1200" dirty="0">
+                <a:latin typeface="Courier New" panose="02070309020205020404" pitchFamily="49" charset="0"/>
+                <a:cs typeface="Courier New" panose="02070309020205020404" pitchFamily="49" charset="0"/>
+              </a:rPr>
+              <a:t>        for c in range(cols</a:t>
+            </a:r>
+            <a:r>
+              <a:rPr lang="fr-FR" sz="1200" dirty="0" smtClean="0">
+                <a:latin typeface="Courier New" panose="02070309020205020404" pitchFamily="49" charset="0"/>
+                <a:cs typeface="Courier New" panose="02070309020205020404" pitchFamily="49" charset="0"/>
+              </a:rPr>
+              <a:t>):</a:t>
+            </a:r>
+          </a:p>
+          <a:p>
+            <a:r>
+              <a:rPr lang="fr-FR" sz="1200" dirty="0">
+                <a:latin typeface="Courier New" panose="02070309020205020404" pitchFamily="49" charset="0"/>
+                <a:cs typeface="Courier New" panose="02070309020205020404" pitchFamily="49" charset="0"/>
+              </a:rPr>
+              <a:t> </a:t>
+            </a:r>
+            <a:r>
+              <a:rPr lang="fr-FR" sz="1200" dirty="0" smtClean="0">
+                <a:latin typeface="Courier New" panose="02070309020205020404" pitchFamily="49" charset="0"/>
+                <a:cs typeface="Courier New" panose="02070309020205020404" pitchFamily="49" charset="0"/>
+              </a:rPr>
+              <a:t>           ra = ...; </a:t>
+            </a:r>
+            <a:r>
+              <a:rPr lang="fr-FR" sz="1200" dirty="0" err="1" smtClean="0">
+                <a:latin typeface="Courier New" panose="02070309020205020404" pitchFamily="49" charset="0"/>
+                <a:cs typeface="Courier New" panose="02070309020205020404" pitchFamily="49" charset="0"/>
+              </a:rPr>
+              <a:t>dec</a:t>
+            </a:r>
+            <a:r>
+              <a:rPr lang="fr-FR" sz="1200" dirty="0" smtClean="0">
+                <a:latin typeface="Courier New" panose="02070309020205020404" pitchFamily="49" charset="0"/>
+                <a:cs typeface="Courier New" panose="02070309020205020404" pitchFamily="49" charset="0"/>
+              </a:rPr>
+              <a:t> = ...</a:t>
+            </a:r>
+            <a:r>
+              <a:rPr lang="fr-FR" sz="1200" dirty="0">
+                <a:latin typeface="Courier New" panose="02070309020205020404" pitchFamily="49" charset="0"/>
+                <a:cs typeface="Courier New" panose="02070309020205020404" pitchFamily="49" charset="0"/>
+              </a:rPr>
+              <a:t/>
+            </a:r>
+            <a:br>
+              <a:rPr lang="fr-FR" sz="1200" dirty="0">
+                <a:latin typeface="Courier New" panose="02070309020205020404" pitchFamily="49" charset="0"/>
+                <a:cs typeface="Courier New" panose="02070309020205020404" pitchFamily="49" charset="0"/>
+              </a:rPr>
+            </a:br>
+            <a:r>
+              <a:rPr lang="fr-FR" sz="1200" dirty="0">
+                <a:latin typeface="Courier New" panose="02070309020205020404" pitchFamily="49" charset="0"/>
+                <a:cs typeface="Courier New" panose="02070309020205020404" pitchFamily="49" charset="0"/>
+              </a:rPr>
+              <a:t>            </a:t>
+            </a:r>
+            <a:r>
+              <a:rPr lang="fr-FR" sz="1200" dirty="0" err="1">
+                <a:latin typeface="Courier New" panose="02070309020205020404" pitchFamily="49" charset="0"/>
+                <a:cs typeface="Courier New" panose="02070309020205020404" pitchFamily="49" charset="0"/>
+              </a:rPr>
+              <a:t>regions.append</a:t>
+            </a:r>
+            <a:r>
+              <a:rPr lang="fr-FR" sz="1200" dirty="0">
+                <a:latin typeface="Courier New" panose="02070309020205020404" pitchFamily="49" charset="0"/>
+                <a:cs typeface="Courier New" panose="02070309020205020404" pitchFamily="49" charset="0"/>
+              </a:rPr>
+              <a:t>((</a:t>
+            </a:r>
+            <a:r>
+              <a:rPr lang="fr-FR" sz="1200" dirty="0" err="1">
+                <a:latin typeface="Courier New" panose="02070309020205020404" pitchFamily="49" charset="0"/>
+                <a:cs typeface="Courier New" panose="02070309020205020404" pitchFamily="49" charset="0"/>
+              </a:rPr>
+              <a:t>region_id</a:t>
+            </a:r>
+            <a:r>
+              <a:rPr lang="fr-FR" sz="1200" dirty="0">
+                <a:latin typeface="Courier New" panose="02070309020205020404" pitchFamily="49" charset="0"/>
+                <a:cs typeface="Courier New" panose="02070309020205020404" pitchFamily="49" charset="0"/>
+              </a:rPr>
+              <a:t>, </a:t>
+            </a:r>
+            <a:r>
+              <a:rPr lang="fr-FR" sz="1200" dirty="0" smtClean="0">
+                <a:latin typeface="Courier New" panose="02070309020205020404" pitchFamily="49" charset="0"/>
+                <a:cs typeface="Courier New" panose="02070309020205020404" pitchFamily="49" charset="0"/>
+              </a:rPr>
+              <a:t>ra, </a:t>
+            </a:r>
+            <a:r>
+              <a:rPr lang="fr-FR" sz="1200" dirty="0" err="1" smtClean="0">
+                <a:latin typeface="Courier New" panose="02070309020205020404" pitchFamily="49" charset="0"/>
+                <a:cs typeface="Courier New" panose="02070309020205020404" pitchFamily="49" charset="0"/>
+              </a:rPr>
+              <a:t>dec</a:t>
+            </a:r>
+            <a:r>
+              <a:rPr lang="fr-FR" sz="1200" dirty="0">
+                <a:latin typeface="Courier New" panose="02070309020205020404" pitchFamily="49" charset="0"/>
+                <a:cs typeface="Courier New" panose="02070309020205020404" pitchFamily="49" charset="0"/>
+              </a:rPr>
+              <a:t>))</a:t>
+            </a:r>
+            <a:br>
+              <a:rPr lang="fr-FR" sz="1200" dirty="0">
+                <a:latin typeface="Courier New" panose="02070309020205020404" pitchFamily="49" charset="0"/>
+                <a:cs typeface="Courier New" panose="02070309020205020404" pitchFamily="49" charset="0"/>
+              </a:rPr>
+            </a:br>
+            <a:r>
+              <a:rPr lang="fr-FR" sz="1200" dirty="0">
+                <a:latin typeface="Courier New" panose="02070309020205020404" pitchFamily="49" charset="0"/>
+                <a:cs typeface="Courier New" panose="02070309020205020404" pitchFamily="49" charset="0"/>
+              </a:rPr>
+              <a:t>            </a:t>
+            </a:r>
+            <a:r>
+              <a:rPr lang="fr-FR" sz="1200" dirty="0" err="1">
+                <a:latin typeface="Courier New" panose="02070309020205020404" pitchFamily="49" charset="0"/>
+                <a:cs typeface="Courier New" panose="02070309020205020404" pitchFamily="49" charset="0"/>
+              </a:rPr>
+              <a:t>region_id</a:t>
+            </a:r>
+            <a:r>
+              <a:rPr lang="fr-FR" sz="1200" dirty="0">
+                <a:latin typeface="Courier New" panose="02070309020205020404" pitchFamily="49" charset="0"/>
+                <a:cs typeface="Courier New" panose="02070309020205020404" pitchFamily="49" charset="0"/>
+              </a:rPr>
+              <a:t> += 1</a:t>
+            </a:r>
+            <a:br>
+              <a:rPr lang="fr-FR" sz="1200" dirty="0">
+                <a:latin typeface="Courier New" panose="02070309020205020404" pitchFamily="49" charset="0"/>
+                <a:cs typeface="Courier New" panose="02070309020205020404" pitchFamily="49" charset="0"/>
+              </a:rPr>
+            </a:br>
+            <a:r>
+              <a:rPr lang="fr-FR" sz="1200" dirty="0">
+                <a:latin typeface="Courier New" panose="02070309020205020404" pitchFamily="49" charset="0"/>
+                <a:cs typeface="Courier New" panose="02070309020205020404" pitchFamily="49" charset="0"/>
+              </a:rPr>
+              <a:t/>
+            </a:r>
+            <a:br>
+              <a:rPr lang="fr-FR" sz="1200" dirty="0">
+                <a:latin typeface="Courier New" panose="02070309020205020404" pitchFamily="49" charset="0"/>
+                <a:cs typeface="Courier New" panose="02070309020205020404" pitchFamily="49" charset="0"/>
+              </a:rPr>
+            </a:br>
+            <a:r>
+              <a:rPr lang="fr-FR" sz="1200" dirty="0">
+                <a:latin typeface="Courier New" panose="02070309020205020404" pitchFamily="49" charset="0"/>
+                <a:cs typeface="Courier New" panose="02070309020205020404" pitchFamily="49" charset="0"/>
+              </a:rPr>
+              <a:t>    </a:t>
+            </a:r>
+            <a:r>
+              <a:rPr lang="fr-FR" sz="1200" dirty="0" err="1">
+                <a:latin typeface="Courier New" panose="02070309020205020404" pitchFamily="49" charset="0"/>
+                <a:cs typeface="Courier New" panose="02070309020205020404" pitchFamily="49" charset="0"/>
+              </a:rPr>
+              <a:t>rdd</a:t>
+            </a:r>
+            <a:r>
+              <a:rPr lang="fr-FR" sz="1200" dirty="0">
+                <a:latin typeface="Courier New" panose="02070309020205020404" pitchFamily="49" charset="0"/>
+                <a:cs typeface="Courier New" panose="02070309020205020404" pitchFamily="49" charset="0"/>
+              </a:rPr>
+              <a:t> = </a:t>
+            </a:r>
+            <a:r>
+              <a:rPr lang="fr-FR" sz="1200" dirty="0" err="1">
+                <a:latin typeface="Courier New" panose="02070309020205020404" pitchFamily="49" charset="0"/>
+                <a:cs typeface="Courier New" panose="02070309020205020404" pitchFamily="49" charset="0"/>
+              </a:rPr>
+              <a:t>sc.parallelize</a:t>
+            </a:r>
+            <a:r>
+              <a:rPr lang="fr-FR" sz="1200" dirty="0">
+                <a:latin typeface="Courier New" panose="02070309020205020404" pitchFamily="49" charset="0"/>
+                <a:cs typeface="Courier New" panose="02070309020205020404" pitchFamily="49" charset="0"/>
+              </a:rPr>
+              <a:t>(</a:t>
+            </a:r>
+            <a:r>
+              <a:rPr lang="fr-FR" sz="1200" dirty="0" err="1">
+                <a:latin typeface="Courier New" panose="02070309020205020404" pitchFamily="49" charset="0"/>
+                <a:cs typeface="Courier New" panose="02070309020205020404" pitchFamily="49" charset="0"/>
+              </a:rPr>
+              <a:t>regions</a:t>
+            </a:r>
+            <a:r>
+              <a:rPr lang="fr-FR" sz="1200" dirty="0" smtClean="0">
+                <a:latin typeface="Courier New" panose="02070309020205020404" pitchFamily="49" charset="0"/>
+                <a:cs typeface="Courier New" panose="02070309020205020404" pitchFamily="49" charset="0"/>
+              </a:rPr>
+              <a:t>).</a:t>
+            </a:r>
+            <a:r>
+              <a:rPr lang="fr-FR" sz="1200" dirty="0" err="1" smtClean="0">
+                <a:latin typeface="Courier New" panose="02070309020205020404" pitchFamily="49" charset="0"/>
+                <a:cs typeface="Courier New" panose="02070309020205020404" pitchFamily="49" charset="0"/>
+              </a:rPr>
+              <a:t>map</a:t>
+            </a:r>
+            <a:r>
+              <a:rPr lang="fr-FR" sz="1200" dirty="0" smtClean="0">
+                <a:latin typeface="Courier New" panose="02070309020205020404" pitchFamily="49" charset="0"/>
+                <a:cs typeface="Courier New" panose="02070309020205020404" pitchFamily="49" charset="0"/>
+              </a:rPr>
+              <a:t>(lambda x: </a:t>
+            </a:r>
+            <a:r>
+              <a:rPr lang="fr-FR" sz="1200" dirty="0" err="1" smtClean="0">
+                <a:latin typeface="Courier New" panose="02070309020205020404" pitchFamily="49" charset="0"/>
+                <a:cs typeface="Courier New" panose="02070309020205020404" pitchFamily="49" charset="0"/>
+              </a:rPr>
+              <a:t>fill_image</a:t>
+            </a:r>
+            <a:r>
+              <a:rPr lang="fr-FR" sz="1200" dirty="0" smtClean="0">
+                <a:latin typeface="Courier New" panose="02070309020205020404" pitchFamily="49" charset="0"/>
+                <a:cs typeface="Courier New" panose="02070309020205020404" pitchFamily="49" charset="0"/>
+              </a:rPr>
+              <a:t>(x))</a:t>
+            </a:r>
+          </a:p>
+          <a:p>
+            <a:r>
+              <a:rPr lang="fr-FR" sz="1200" dirty="0">
+                <a:latin typeface="Courier New" panose="02070309020205020404" pitchFamily="49" charset="0"/>
+                <a:cs typeface="Courier New" panose="02070309020205020404" pitchFamily="49" charset="0"/>
+              </a:rPr>
+              <a:t/>
+            </a:r>
+            <a:br>
+              <a:rPr lang="fr-FR" sz="1200" dirty="0">
+                <a:latin typeface="Courier New" panose="02070309020205020404" pitchFamily="49" charset="0"/>
+                <a:cs typeface="Courier New" panose="02070309020205020404" pitchFamily="49" charset="0"/>
+              </a:rPr>
+            </a:br>
+            <a:r>
+              <a:rPr lang="fr-FR" sz="1200" dirty="0">
+                <a:latin typeface="Courier New" panose="02070309020205020404" pitchFamily="49" charset="0"/>
+                <a:cs typeface="Courier New" panose="02070309020205020404" pitchFamily="49" charset="0"/>
+              </a:rPr>
+              <a:t>    </a:t>
+            </a:r>
+            <a:r>
+              <a:rPr lang="fr-FR" sz="1200" dirty="0" err="1">
+                <a:latin typeface="Courier New" panose="02070309020205020404" pitchFamily="49" charset="0"/>
+                <a:cs typeface="Courier New" panose="02070309020205020404" pitchFamily="49" charset="0"/>
+              </a:rPr>
+              <a:t>df</a:t>
+            </a:r>
+            <a:r>
+              <a:rPr lang="fr-FR" sz="1200" dirty="0">
+                <a:latin typeface="Courier New" panose="02070309020205020404" pitchFamily="49" charset="0"/>
+                <a:cs typeface="Courier New" panose="02070309020205020404" pitchFamily="49" charset="0"/>
+              </a:rPr>
+              <a:t> = </a:t>
+            </a:r>
+            <a:r>
+              <a:rPr lang="fr-FR" sz="1200" dirty="0" err="1">
+                <a:latin typeface="Courier New" panose="02070309020205020404" pitchFamily="49" charset="0"/>
+                <a:cs typeface="Courier New" panose="02070309020205020404" pitchFamily="49" charset="0"/>
+              </a:rPr>
+              <a:t>spark.createDataFrame</a:t>
+            </a:r>
+            <a:r>
+              <a:rPr lang="fr-FR" sz="1200" dirty="0">
+                <a:latin typeface="Courier New" panose="02070309020205020404" pitchFamily="49" charset="0"/>
+                <a:cs typeface="Courier New" panose="02070309020205020404" pitchFamily="49" charset="0"/>
+              </a:rPr>
+              <a:t>(</a:t>
+            </a:r>
+            <a:r>
+              <a:rPr lang="fr-FR" sz="1200" dirty="0" err="1">
+                <a:latin typeface="Courier New" panose="02070309020205020404" pitchFamily="49" charset="0"/>
+                <a:cs typeface="Courier New" panose="02070309020205020404" pitchFamily="49" charset="0"/>
+              </a:rPr>
+              <a:t>rdd</a:t>
+            </a:r>
+            <a:r>
+              <a:rPr lang="fr-FR" sz="1200" dirty="0">
+                <a:latin typeface="Courier New" panose="02070309020205020404" pitchFamily="49" charset="0"/>
+                <a:cs typeface="Courier New" panose="02070309020205020404" pitchFamily="49" charset="0"/>
+              </a:rPr>
+              <a:t>, </a:t>
+            </a:r>
+            <a:r>
+              <a:rPr lang="fr-FR" sz="1200" dirty="0" err="1" smtClean="0">
+                <a:latin typeface="Courier New" panose="02070309020205020404" pitchFamily="49" charset="0"/>
+                <a:cs typeface="Courier New" panose="02070309020205020404" pitchFamily="49" charset="0"/>
+              </a:rPr>
+              <a:t>make_schema</a:t>
+            </a:r>
+            <a:r>
+              <a:rPr lang="fr-FR" sz="1200" dirty="0" smtClean="0">
+                <a:latin typeface="Courier New" panose="02070309020205020404" pitchFamily="49" charset="0"/>
+                <a:cs typeface="Courier New" panose="02070309020205020404" pitchFamily="49" charset="0"/>
+              </a:rPr>
+              <a:t>())</a:t>
+            </a:r>
+          </a:p>
+          <a:p>
+            <a:r>
+              <a:rPr lang="fr-FR" sz="1200" dirty="0">
+                <a:latin typeface="Courier New" panose="02070309020205020404" pitchFamily="49" charset="0"/>
+                <a:cs typeface="Courier New" panose="02070309020205020404" pitchFamily="49" charset="0"/>
+              </a:rPr>
+              <a:t/>
+            </a:r>
+            <a:br>
+              <a:rPr lang="fr-FR" sz="1200" dirty="0">
+                <a:latin typeface="Courier New" panose="02070309020205020404" pitchFamily="49" charset="0"/>
+                <a:cs typeface="Courier New" panose="02070309020205020404" pitchFamily="49" charset="0"/>
+              </a:rPr>
+            </a:br>
+            <a:r>
+              <a:rPr lang="fr-FR" sz="1200" dirty="0" smtClean="0">
+                <a:latin typeface="Courier New" panose="02070309020205020404" pitchFamily="49" charset="0"/>
+                <a:cs typeface="Courier New" panose="02070309020205020404" pitchFamily="49" charset="0"/>
+              </a:rPr>
+              <a:t> </a:t>
+            </a:r>
+            <a:r>
+              <a:rPr lang="fr-FR" sz="1200" dirty="0">
+                <a:latin typeface="Courier New" panose="02070309020205020404" pitchFamily="49" charset="0"/>
+                <a:cs typeface="Courier New" panose="02070309020205020404" pitchFamily="49" charset="0"/>
+              </a:rPr>
+              <a:t>   </a:t>
+            </a:r>
+            <a:r>
+              <a:rPr lang="fr-FR" sz="1200" dirty="0" err="1">
+                <a:latin typeface="Courier New" panose="02070309020205020404" pitchFamily="49" charset="0"/>
+                <a:cs typeface="Courier New" panose="02070309020205020404" pitchFamily="49" charset="0"/>
+              </a:rPr>
+              <a:t>df.write.format</a:t>
+            </a:r>
+            <a:r>
+              <a:rPr lang="fr-FR" sz="1200" dirty="0">
+                <a:latin typeface="Courier New" panose="02070309020205020404" pitchFamily="49" charset="0"/>
+                <a:cs typeface="Courier New" panose="02070309020205020404" pitchFamily="49" charset="0"/>
+              </a:rPr>
+              <a:t>("</a:t>
+            </a:r>
+            <a:r>
+              <a:rPr lang="fr-FR" sz="1200" dirty="0" err="1">
+                <a:latin typeface="Courier New" panose="02070309020205020404" pitchFamily="49" charset="0"/>
+                <a:cs typeface="Courier New" panose="02070309020205020404" pitchFamily="49" charset="0"/>
+              </a:rPr>
+              <a:t>com.databricks.spark.avro</a:t>
+            </a:r>
+            <a:r>
+              <a:rPr lang="fr-FR" sz="1200" dirty="0">
+                <a:latin typeface="Courier New" panose="02070309020205020404" pitchFamily="49" charset="0"/>
+                <a:cs typeface="Courier New" panose="02070309020205020404" pitchFamily="49" charset="0"/>
+              </a:rPr>
+              <a:t>").mode("</a:t>
+            </a:r>
+            <a:r>
+              <a:rPr lang="fr-FR" sz="1200" dirty="0" err="1">
+                <a:latin typeface="Courier New" panose="02070309020205020404" pitchFamily="49" charset="0"/>
+                <a:cs typeface="Courier New" panose="02070309020205020404" pitchFamily="49" charset="0"/>
+              </a:rPr>
+              <a:t>overwrite</a:t>
+            </a:r>
+            <a:r>
+              <a:rPr lang="fr-FR" sz="1200" dirty="0">
+                <a:latin typeface="Courier New" panose="02070309020205020404" pitchFamily="49" charset="0"/>
+                <a:cs typeface="Courier New" panose="02070309020205020404" pitchFamily="49" charset="0"/>
+              </a:rPr>
+              <a:t>").</a:t>
+            </a:r>
+            <a:r>
+              <a:rPr lang="fr-FR" sz="1200" dirty="0" err="1">
+                <a:latin typeface="Courier New" panose="02070309020205020404" pitchFamily="49" charset="0"/>
+                <a:cs typeface="Courier New" panose="02070309020205020404" pitchFamily="49" charset="0"/>
+              </a:rPr>
+              <a:t>save</a:t>
+            </a:r>
+            <a:r>
+              <a:rPr lang="fr-FR" sz="1200" dirty="0">
+                <a:latin typeface="Courier New" panose="02070309020205020404" pitchFamily="49" charset="0"/>
+                <a:cs typeface="Courier New" panose="02070309020205020404" pitchFamily="49" charset="0"/>
+              </a:rPr>
+              <a:t>("./images</a:t>
+            </a:r>
+            <a:r>
+              <a:rPr lang="fr-FR" sz="1200" dirty="0" smtClean="0">
+                <a:latin typeface="Courier New" panose="02070309020205020404" pitchFamily="49" charset="0"/>
+                <a:cs typeface="Courier New" panose="02070309020205020404" pitchFamily="49" charset="0"/>
+              </a:rPr>
+              <a:t>")</a:t>
+            </a:r>
+          </a:p>
+        </p:txBody>
+      </p:sp>
+      <p:sp>
+        <p:nvSpPr>
+          <p:cNvPr id="5" name="ZoneTexte 4"/>
+          <p:cNvSpPr txBox="1"/>
+          <p:nvPr/>
+        </p:nvSpPr>
+        <p:spPr>
+          <a:xfrm>
+            <a:off x="6446358" y="4150821"/>
+            <a:ext cx="2230098" cy="646331"/>
+          </a:xfrm>
+          <a:prstGeom prst="rect">
+            <a:avLst/>
+          </a:prstGeom>
+          <a:solidFill>
+            <a:schemeClr val="accent2">
+              <a:lumMod val="20000"/>
+              <a:lumOff val="80000"/>
+            </a:schemeClr>
+          </a:solidFill>
+          <a:ln>
+            <a:solidFill>
+              <a:srgbClr val="0070C0"/>
+            </a:solidFill>
+          </a:ln>
+        </p:spPr>
+        <p:txBody>
+          <a:bodyPr wrap="none" rtlCol="0">
+            <a:spAutoFit/>
+          </a:bodyPr>
+          <a:lstStyle/>
+          <a:p>
+            <a:r>
+              <a:rPr lang="fr-FR" sz="1200" dirty="0" err="1" smtClean="0">
+                <a:latin typeface="Courier New" panose="02070309020205020404" pitchFamily="49" charset="0"/>
+                <a:cs typeface="Courier New" panose="02070309020205020404" pitchFamily="49" charset="0"/>
+              </a:rPr>
+              <a:t>def</a:t>
+            </a:r>
+            <a:r>
+              <a:rPr lang="fr-FR" sz="1200" dirty="0" smtClean="0">
+                <a:latin typeface="Courier New" panose="02070309020205020404" pitchFamily="49" charset="0"/>
+                <a:cs typeface="Courier New" panose="02070309020205020404" pitchFamily="49" charset="0"/>
+              </a:rPr>
+              <a:t> </a:t>
+            </a:r>
+            <a:r>
+              <a:rPr lang="fr-FR" sz="1200" dirty="0" err="1" smtClean="0">
+                <a:latin typeface="Courier New" panose="02070309020205020404" pitchFamily="49" charset="0"/>
+                <a:cs typeface="Courier New" panose="02070309020205020404" pitchFamily="49" charset="0"/>
+              </a:rPr>
+              <a:t>fill_image</a:t>
+            </a:r>
+            <a:r>
+              <a:rPr lang="fr-FR" sz="1200" dirty="0" smtClean="0">
+                <a:latin typeface="Courier New" panose="02070309020205020404" pitchFamily="49" charset="0"/>
+                <a:cs typeface="Courier New" panose="02070309020205020404" pitchFamily="49" charset="0"/>
+              </a:rPr>
+              <a:t>(image):</a:t>
+            </a:r>
+          </a:p>
+          <a:p>
+            <a:r>
+              <a:rPr lang="fr-FR" sz="1200" dirty="0" smtClean="0">
+                <a:latin typeface="Courier New" panose="02070309020205020404" pitchFamily="49" charset="0"/>
+                <a:cs typeface="Courier New" panose="02070309020205020404" pitchFamily="49" charset="0"/>
+              </a:rPr>
+              <a:t>    </a:t>
+            </a:r>
+            <a:r>
+              <a:rPr lang="fr-FR" sz="1200" dirty="0" err="1" smtClean="0">
+                <a:latin typeface="Courier New" panose="02070309020205020404" pitchFamily="49" charset="0"/>
+                <a:cs typeface="Courier New" panose="02070309020205020404" pitchFamily="49" charset="0"/>
+              </a:rPr>
+              <a:t>filled</a:t>
+            </a:r>
+            <a:r>
+              <a:rPr lang="fr-FR" sz="1200" dirty="0" smtClean="0">
+                <a:latin typeface="Courier New" panose="02070309020205020404" pitchFamily="49" charset="0"/>
+                <a:cs typeface="Courier New" panose="02070309020205020404" pitchFamily="49" charset="0"/>
+              </a:rPr>
+              <a:t> = ...</a:t>
+            </a:r>
+          </a:p>
+          <a:p>
+            <a:r>
+              <a:rPr lang="fr-FR" sz="1200" dirty="0">
+                <a:latin typeface="Courier New" panose="02070309020205020404" pitchFamily="49" charset="0"/>
+                <a:cs typeface="Courier New" panose="02070309020205020404" pitchFamily="49" charset="0"/>
+              </a:rPr>
+              <a:t> </a:t>
+            </a:r>
+            <a:r>
+              <a:rPr lang="fr-FR" sz="1200" dirty="0" smtClean="0">
+                <a:latin typeface="Courier New" panose="02070309020205020404" pitchFamily="49" charset="0"/>
+                <a:cs typeface="Courier New" panose="02070309020205020404" pitchFamily="49" charset="0"/>
+              </a:rPr>
+              <a:t>   return </a:t>
+            </a:r>
+            <a:r>
+              <a:rPr lang="fr-FR" sz="1200" dirty="0" err="1" smtClean="0">
+                <a:latin typeface="Courier New" panose="02070309020205020404" pitchFamily="49" charset="0"/>
+                <a:cs typeface="Courier New" panose="02070309020205020404" pitchFamily="49" charset="0"/>
+              </a:rPr>
+              <a:t>filled</a:t>
+            </a:r>
+            <a:endParaRPr lang="fr-FR" sz="1200" dirty="0" smtClean="0">
+              <a:latin typeface="Courier New" panose="02070309020205020404" pitchFamily="49" charset="0"/>
+              <a:cs typeface="Courier New" panose="02070309020205020404" pitchFamily="49" charset="0"/>
+            </a:endParaRPr>
+          </a:p>
+        </p:txBody>
+      </p:sp>
+    </p:spTree>
+    <p:extLst>
+      <p:ext uri="{BB962C8B-B14F-4D97-AF65-F5344CB8AC3E}">
+        <p14:creationId xmlns:p14="http://schemas.microsoft.com/office/powerpoint/2010/main" val="398435638"/>
+      </p:ext>
+    </p:extLst>
+  </p:cSld>
+  <p:clrMapOvr>
+    <a:masterClrMapping/>
+  </p:clrMapOvr>
+  <p:timing>
+    <p:tnLst>
+      <p:par>
+        <p:cTn id="1" dur="indefinite" restart="never" nodeType="tmRoot"/>
+      </p:par>
+    </p:tnLst>
+  </p:timing>
+</p:sld>
+</file>
+
+<file path=ppt/slides/slide11.xml><?xml version="1.0" encoding="utf-8"?>
+<p:sld xmlns:a="http://schemas.openxmlformats.org/drawingml/2006/main" xmlns:r="http://schemas.openxmlformats.org/officeDocument/2006/relationships" xmlns:p="http://schemas.openxmlformats.org/presentationml/2006/main">
+  <p:cSld>
+    <p:spTree>
+      <p:nvGrpSpPr>
+        <p:cNvPr id="1" name=""/>
+        <p:cNvGrpSpPr/>
+        <p:nvPr/>
+      </p:nvGrpSpPr>
+      <p:grpSpPr>
+        <a:xfrm>
+          <a:off x="0" y="0"/>
+          <a:ext cx="0" cy="0"/>
+          <a:chOff x="0" y="0"/>
+          <a:chExt cx="0" cy="0"/>
+        </a:xfrm>
+      </p:grpSpPr>
+      <p:sp>
+        <p:nvSpPr>
+          <p:cNvPr id="2" name="Titre 1"/>
+          <p:cNvSpPr>
+            <a:spLocks noGrp="1"/>
+          </p:cNvSpPr>
+          <p:nvPr>
+            <p:ph type="title"/>
+          </p:nvPr>
+        </p:nvSpPr>
+        <p:spPr/>
+        <p:txBody>
+          <a:bodyPr>
+            <a:normAutofit fontScale="90000"/>
+          </a:bodyPr>
+          <a:lstStyle/>
+          <a:p>
+            <a:r>
+              <a:rPr lang="fr-FR" dirty="0" smtClean="0"/>
+              <a:t>Utilisation des images</a:t>
+            </a:r>
+            <a:endParaRPr lang="fr-FR" dirty="0"/>
+          </a:p>
+        </p:txBody>
+      </p:sp>
+      <p:sp>
+        <p:nvSpPr>
+          <p:cNvPr id="4" name="ZoneTexte 3"/>
+          <p:cNvSpPr txBox="1"/>
+          <p:nvPr/>
+        </p:nvSpPr>
+        <p:spPr>
+          <a:xfrm>
+            <a:off x="683568" y="1124744"/>
+            <a:ext cx="6878806" cy="1938992"/>
+          </a:xfrm>
+          <a:prstGeom prst="rect">
+            <a:avLst/>
+          </a:prstGeom>
+          <a:solidFill>
+            <a:schemeClr val="bg1">
+              <a:lumMod val="95000"/>
+            </a:schemeClr>
+          </a:solidFill>
+          <a:ln>
+            <a:solidFill>
+              <a:srgbClr val="0070C0"/>
+            </a:solidFill>
+          </a:ln>
+        </p:spPr>
+        <p:txBody>
+          <a:bodyPr wrap="none" rtlCol="0">
+            <a:spAutoFit/>
+          </a:bodyPr>
+          <a:lstStyle/>
+          <a:p>
+            <a:r>
+              <a:rPr lang="fr-FR" sz="1200" dirty="0" err="1">
+                <a:latin typeface="Courier New" panose="02070309020205020404" pitchFamily="49" charset="0"/>
+                <a:cs typeface="Courier New" panose="02070309020205020404" pitchFamily="49" charset="0"/>
+              </a:rPr>
+              <a:t>def</a:t>
+            </a:r>
+            <a:r>
+              <a:rPr lang="fr-FR" sz="1200" dirty="0">
+                <a:latin typeface="Courier New" panose="02070309020205020404" pitchFamily="49" charset="0"/>
+                <a:cs typeface="Courier New" panose="02070309020205020404" pitchFamily="49" charset="0"/>
+              </a:rPr>
+              <a:t> </a:t>
+            </a:r>
+            <a:r>
+              <a:rPr lang="fr-FR" sz="1200" dirty="0" err="1">
+                <a:latin typeface="Courier New" panose="02070309020205020404" pitchFamily="49" charset="0"/>
+                <a:cs typeface="Courier New" panose="02070309020205020404" pitchFamily="49" charset="0"/>
+              </a:rPr>
+              <a:t>analyze</a:t>
+            </a:r>
+            <a:r>
+              <a:rPr lang="fr-FR" sz="1200" dirty="0">
+                <a:latin typeface="Courier New" panose="02070309020205020404" pitchFamily="49" charset="0"/>
+                <a:cs typeface="Courier New" panose="02070309020205020404" pitchFamily="49" charset="0"/>
+              </a:rPr>
+              <a:t>(x):</a:t>
+            </a:r>
+            <a:br>
+              <a:rPr lang="fr-FR" sz="1200" dirty="0">
+                <a:latin typeface="Courier New" panose="02070309020205020404" pitchFamily="49" charset="0"/>
+                <a:cs typeface="Courier New" panose="02070309020205020404" pitchFamily="49" charset="0"/>
+              </a:rPr>
+            </a:br>
+            <a:r>
+              <a:rPr lang="fr-FR" sz="1200" dirty="0">
+                <a:latin typeface="Courier New" panose="02070309020205020404" pitchFamily="49" charset="0"/>
+                <a:cs typeface="Courier New" panose="02070309020205020404" pitchFamily="49" charset="0"/>
+              </a:rPr>
+              <a:t>    return '</a:t>
+            </a:r>
+            <a:r>
+              <a:rPr lang="fr-FR" sz="1200" dirty="0" err="1">
+                <a:latin typeface="Courier New" panose="02070309020205020404" pitchFamily="49" charset="0"/>
+                <a:cs typeface="Courier New" panose="02070309020205020404" pitchFamily="49" charset="0"/>
+              </a:rPr>
+              <a:t>analyze</a:t>
+            </a:r>
+            <a:r>
+              <a:rPr lang="fr-FR" sz="1200" dirty="0">
+                <a:latin typeface="Courier New" panose="02070309020205020404" pitchFamily="49" charset="0"/>
+                <a:cs typeface="Courier New" panose="02070309020205020404" pitchFamily="49" charset="0"/>
+              </a:rPr>
+              <a:t> image', x[0]</a:t>
+            </a:r>
+            <a:br>
+              <a:rPr lang="fr-FR" sz="1200" dirty="0">
+                <a:latin typeface="Courier New" panose="02070309020205020404" pitchFamily="49" charset="0"/>
+                <a:cs typeface="Courier New" panose="02070309020205020404" pitchFamily="49" charset="0"/>
+              </a:rPr>
+            </a:br>
+            <a:r>
+              <a:rPr lang="fr-FR" sz="1200" dirty="0">
+                <a:latin typeface="Courier New" panose="02070309020205020404" pitchFamily="49" charset="0"/>
+                <a:cs typeface="Courier New" panose="02070309020205020404" pitchFamily="49" charset="0"/>
+              </a:rPr>
+              <a:t/>
+            </a:r>
+            <a:br>
+              <a:rPr lang="fr-FR" sz="1200" dirty="0">
+                <a:latin typeface="Courier New" panose="02070309020205020404" pitchFamily="49" charset="0"/>
+                <a:cs typeface="Courier New" panose="02070309020205020404" pitchFamily="49" charset="0"/>
+              </a:rPr>
+            </a:br>
+            <a:r>
+              <a:rPr lang="fr-FR" sz="1200" dirty="0" err="1">
+                <a:latin typeface="Courier New" panose="02070309020205020404" pitchFamily="49" charset="0"/>
+                <a:cs typeface="Courier New" panose="02070309020205020404" pitchFamily="49" charset="0"/>
+              </a:rPr>
+              <a:t>def</a:t>
+            </a:r>
+            <a:r>
+              <a:rPr lang="fr-FR" sz="1200" dirty="0">
+                <a:latin typeface="Courier New" panose="02070309020205020404" pitchFamily="49" charset="0"/>
+                <a:cs typeface="Courier New" panose="02070309020205020404" pitchFamily="49" charset="0"/>
+              </a:rPr>
+              <a:t> </a:t>
+            </a:r>
+            <a:r>
+              <a:rPr lang="fr-FR" sz="1200" dirty="0" err="1">
+                <a:latin typeface="Courier New" panose="02070309020205020404" pitchFamily="49" charset="0"/>
+                <a:cs typeface="Courier New" panose="02070309020205020404" pitchFamily="49" charset="0"/>
+              </a:rPr>
+              <a:t>read_images</a:t>
+            </a:r>
+            <a:r>
+              <a:rPr lang="fr-FR" sz="1200" dirty="0">
+                <a:latin typeface="Courier New" panose="02070309020205020404" pitchFamily="49" charset="0"/>
+                <a:cs typeface="Courier New" panose="02070309020205020404" pitchFamily="49" charset="0"/>
+              </a:rPr>
+              <a:t>(</a:t>
+            </a:r>
+            <a:r>
+              <a:rPr lang="fr-FR" sz="1200" dirty="0" err="1">
+                <a:latin typeface="Courier New" panose="02070309020205020404" pitchFamily="49" charset="0"/>
+                <a:cs typeface="Courier New" panose="02070309020205020404" pitchFamily="49" charset="0"/>
+              </a:rPr>
+              <a:t>spark</a:t>
+            </a:r>
+            <a:r>
+              <a:rPr lang="fr-FR" sz="1200" dirty="0">
+                <a:latin typeface="Courier New" panose="02070309020205020404" pitchFamily="49" charset="0"/>
+                <a:cs typeface="Courier New" panose="02070309020205020404" pitchFamily="49" charset="0"/>
+              </a:rPr>
+              <a:t>):</a:t>
+            </a:r>
+            <a:br>
+              <a:rPr lang="fr-FR" sz="1200" dirty="0">
+                <a:latin typeface="Courier New" panose="02070309020205020404" pitchFamily="49" charset="0"/>
+                <a:cs typeface="Courier New" panose="02070309020205020404" pitchFamily="49" charset="0"/>
+              </a:rPr>
+            </a:br>
+            <a:r>
+              <a:rPr lang="fr-FR" sz="1200" dirty="0">
+                <a:latin typeface="Courier New" panose="02070309020205020404" pitchFamily="49" charset="0"/>
+                <a:cs typeface="Courier New" panose="02070309020205020404" pitchFamily="49" charset="0"/>
+              </a:rPr>
+              <a:t>    </a:t>
+            </a:r>
+            <a:r>
+              <a:rPr lang="fr-FR" sz="1200" dirty="0" err="1">
+                <a:latin typeface="Courier New" panose="02070309020205020404" pitchFamily="49" charset="0"/>
+                <a:cs typeface="Courier New" panose="02070309020205020404" pitchFamily="49" charset="0"/>
+              </a:rPr>
+              <a:t>df</a:t>
+            </a:r>
+            <a:r>
+              <a:rPr lang="fr-FR" sz="1200" dirty="0">
+                <a:latin typeface="Courier New" panose="02070309020205020404" pitchFamily="49" charset="0"/>
+                <a:cs typeface="Courier New" panose="02070309020205020404" pitchFamily="49" charset="0"/>
+              </a:rPr>
+              <a:t> = </a:t>
+            </a:r>
+            <a:r>
+              <a:rPr lang="fr-FR" sz="1200" dirty="0" err="1">
+                <a:latin typeface="Courier New" panose="02070309020205020404" pitchFamily="49" charset="0"/>
+                <a:cs typeface="Courier New" panose="02070309020205020404" pitchFamily="49" charset="0"/>
+              </a:rPr>
+              <a:t>spark.read.format</a:t>
+            </a:r>
+            <a:r>
+              <a:rPr lang="fr-FR" sz="1200" dirty="0">
+                <a:latin typeface="Courier New" panose="02070309020205020404" pitchFamily="49" charset="0"/>
+                <a:cs typeface="Courier New" panose="02070309020205020404" pitchFamily="49" charset="0"/>
+              </a:rPr>
+              <a:t>("</a:t>
+            </a:r>
+            <a:r>
+              <a:rPr lang="fr-FR" sz="1200" dirty="0" err="1">
+                <a:latin typeface="Courier New" panose="02070309020205020404" pitchFamily="49" charset="0"/>
+                <a:cs typeface="Courier New" panose="02070309020205020404" pitchFamily="49" charset="0"/>
+              </a:rPr>
+              <a:t>com.databricks.spark.avro</a:t>
+            </a:r>
+            <a:r>
+              <a:rPr lang="fr-FR" sz="1200" dirty="0">
+                <a:latin typeface="Courier New" panose="02070309020205020404" pitchFamily="49" charset="0"/>
+                <a:cs typeface="Courier New" panose="02070309020205020404" pitchFamily="49" charset="0"/>
+              </a:rPr>
+              <a:t>").</a:t>
+            </a:r>
+            <a:r>
+              <a:rPr lang="fr-FR" sz="1200" dirty="0" err="1">
+                <a:latin typeface="Courier New" panose="02070309020205020404" pitchFamily="49" charset="0"/>
+                <a:cs typeface="Courier New" panose="02070309020205020404" pitchFamily="49" charset="0"/>
+              </a:rPr>
+              <a:t>load</a:t>
+            </a:r>
+            <a:r>
+              <a:rPr lang="fr-FR" sz="1200" dirty="0">
+                <a:latin typeface="Courier New" panose="02070309020205020404" pitchFamily="49" charset="0"/>
+                <a:cs typeface="Courier New" panose="02070309020205020404" pitchFamily="49" charset="0"/>
+              </a:rPr>
+              <a:t>("./images")</a:t>
+            </a:r>
+            <a:br>
+              <a:rPr lang="fr-FR" sz="1200" dirty="0">
+                <a:latin typeface="Courier New" panose="02070309020205020404" pitchFamily="49" charset="0"/>
+                <a:cs typeface="Courier New" panose="02070309020205020404" pitchFamily="49" charset="0"/>
+              </a:rPr>
+            </a:br>
+            <a:r>
+              <a:rPr lang="fr-FR" sz="1200" dirty="0">
+                <a:latin typeface="Courier New" panose="02070309020205020404" pitchFamily="49" charset="0"/>
+                <a:cs typeface="Courier New" panose="02070309020205020404" pitchFamily="49" charset="0"/>
+              </a:rPr>
+              <a:t/>
+            </a:r>
+            <a:br>
+              <a:rPr lang="fr-FR" sz="1200" dirty="0">
+                <a:latin typeface="Courier New" panose="02070309020205020404" pitchFamily="49" charset="0"/>
+                <a:cs typeface="Courier New" panose="02070309020205020404" pitchFamily="49" charset="0"/>
+              </a:rPr>
+            </a:br>
+            <a:r>
+              <a:rPr lang="fr-FR" sz="1200" dirty="0">
+                <a:latin typeface="Courier New" panose="02070309020205020404" pitchFamily="49" charset="0"/>
+                <a:cs typeface="Courier New" panose="02070309020205020404" pitchFamily="49" charset="0"/>
+              </a:rPr>
+              <a:t>    </a:t>
+            </a:r>
+            <a:r>
+              <a:rPr lang="fr-FR" sz="1200" dirty="0" err="1" smtClean="0">
+                <a:latin typeface="Courier New" panose="02070309020205020404" pitchFamily="49" charset="0"/>
+                <a:cs typeface="Courier New" panose="02070309020205020404" pitchFamily="49" charset="0"/>
+              </a:rPr>
+              <a:t>rdd</a:t>
+            </a:r>
+            <a:r>
+              <a:rPr lang="fr-FR" sz="1200" dirty="0" smtClean="0">
+                <a:latin typeface="Courier New" panose="02070309020205020404" pitchFamily="49" charset="0"/>
+                <a:cs typeface="Courier New" panose="02070309020205020404" pitchFamily="49" charset="0"/>
+              </a:rPr>
+              <a:t> </a:t>
+            </a:r>
+            <a:r>
+              <a:rPr lang="fr-FR" sz="1200" dirty="0">
+                <a:latin typeface="Courier New" panose="02070309020205020404" pitchFamily="49" charset="0"/>
+                <a:cs typeface="Courier New" panose="02070309020205020404" pitchFamily="49" charset="0"/>
+              </a:rPr>
+              <a:t>= </a:t>
+            </a:r>
+            <a:r>
+              <a:rPr lang="fr-FR" sz="1200" dirty="0" err="1">
+                <a:latin typeface="Courier New" panose="02070309020205020404" pitchFamily="49" charset="0"/>
+                <a:cs typeface="Courier New" panose="02070309020205020404" pitchFamily="49" charset="0"/>
+              </a:rPr>
+              <a:t>df.rdd.map</a:t>
+            </a:r>
+            <a:r>
+              <a:rPr lang="fr-FR" sz="1200" dirty="0">
+                <a:latin typeface="Courier New" panose="02070309020205020404" pitchFamily="49" charset="0"/>
+                <a:cs typeface="Courier New" panose="02070309020205020404" pitchFamily="49" charset="0"/>
+              </a:rPr>
+              <a:t>(lambda x: </a:t>
+            </a:r>
+            <a:r>
+              <a:rPr lang="fr-FR" sz="1200" dirty="0" err="1" smtClean="0">
+                <a:latin typeface="Courier New" panose="02070309020205020404" pitchFamily="49" charset="0"/>
+                <a:cs typeface="Courier New" panose="02070309020205020404" pitchFamily="49" charset="0"/>
+              </a:rPr>
+              <a:t>analyze</a:t>
+            </a:r>
+            <a:r>
+              <a:rPr lang="fr-FR" sz="1200" dirty="0" smtClean="0">
+                <a:latin typeface="Courier New" panose="02070309020205020404" pitchFamily="49" charset="0"/>
+                <a:cs typeface="Courier New" panose="02070309020205020404" pitchFamily="49" charset="0"/>
+              </a:rPr>
+              <a:t>(x))</a:t>
+            </a:r>
+            <a:r>
+              <a:rPr lang="fr-FR" sz="1200" dirty="0">
+                <a:latin typeface="Courier New" panose="02070309020205020404" pitchFamily="49" charset="0"/>
+                <a:cs typeface="Courier New" panose="02070309020205020404" pitchFamily="49" charset="0"/>
+              </a:rPr>
+              <a:t/>
+            </a:r>
+            <a:br>
+              <a:rPr lang="fr-FR" sz="1200" dirty="0">
+                <a:latin typeface="Courier New" panose="02070309020205020404" pitchFamily="49" charset="0"/>
+                <a:cs typeface="Courier New" panose="02070309020205020404" pitchFamily="49" charset="0"/>
+              </a:rPr>
+            </a:br>
+            <a:r>
+              <a:rPr lang="fr-FR" sz="1200" dirty="0">
+                <a:latin typeface="Courier New" panose="02070309020205020404" pitchFamily="49" charset="0"/>
+                <a:cs typeface="Courier New" panose="02070309020205020404" pitchFamily="49" charset="0"/>
+              </a:rPr>
+              <a:t/>
+            </a:r>
+            <a:br>
+              <a:rPr lang="fr-FR" sz="1200" dirty="0">
+                <a:latin typeface="Courier New" panose="02070309020205020404" pitchFamily="49" charset="0"/>
+                <a:cs typeface="Courier New" panose="02070309020205020404" pitchFamily="49" charset="0"/>
+              </a:rPr>
+            </a:br>
+            <a:r>
+              <a:rPr lang="fr-FR" sz="1200" dirty="0">
+                <a:latin typeface="Courier New" panose="02070309020205020404" pitchFamily="49" charset="0"/>
+                <a:cs typeface="Courier New" panose="02070309020205020404" pitchFamily="49" charset="0"/>
+              </a:rPr>
+              <a:t>    </a:t>
+            </a:r>
+            <a:r>
+              <a:rPr lang="fr-FR" sz="1200" dirty="0" err="1">
+                <a:latin typeface="Courier New" panose="02070309020205020404" pitchFamily="49" charset="0"/>
+                <a:cs typeface="Courier New" panose="02070309020205020404" pitchFamily="49" charset="0"/>
+              </a:rPr>
+              <a:t>result</a:t>
+            </a:r>
+            <a:r>
+              <a:rPr lang="fr-FR" sz="1200" dirty="0">
+                <a:latin typeface="Courier New" panose="02070309020205020404" pitchFamily="49" charset="0"/>
+                <a:cs typeface="Courier New" panose="02070309020205020404" pitchFamily="49" charset="0"/>
+              </a:rPr>
+              <a:t> = </a:t>
+            </a:r>
+            <a:r>
+              <a:rPr lang="fr-FR" sz="1200" dirty="0" err="1" smtClean="0">
+                <a:latin typeface="Courier New" panose="02070309020205020404" pitchFamily="49" charset="0"/>
+                <a:cs typeface="Courier New" panose="02070309020205020404" pitchFamily="49" charset="0"/>
+              </a:rPr>
+              <a:t>rdd.collect</a:t>
+            </a:r>
+            <a:r>
+              <a:rPr lang="fr-FR" sz="1200" dirty="0">
+                <a:latin typeface="Courier New" panose="02070309020205020404" pitchFamily="49" charset="0"/>
+                <a:cs typeface="Courier New" panose="02070309020205020404" pitchFamily="49" charset="0"/>
+              </a:rPr>
+              <a:t>()</a:t>
+            </a:r>
+            <a:br>
+              <a:rPr lang="fr-FR" sz="1200" dirty="0">
+                <a:latin typeface="Courier New" panose="02070309020205020404" pitchFamily="49" charset="0"/>
+                <a:cs typeface="Courier New" panose="02070309020205020404" pitchFamily="49" charset="0"/>
+              </a:rPr>
+            </a:br>
+            <a:r>
+              <a:rPr lang="fr-FR" sz="1200" dirty="0">
+                <a:latin typeface="Courier New" panose="02070309020205020404" pitchFamily="49" charset="0"/>
+                <a:cs typeface="Courier New" panose="02070309020205020404" pitchFamily="49" charset="0"/>
+              </a:rPr>
+              <a:t>    </a:t>
+            </a:r>
+            <a:r>
+              <a:rPr lang="fr-FR" sz="1200" dirty="0" err="1">
+                <a:latin typeface="Courier New" panose="02070309020205020404" pitchFamily="49" charset="0"/>
+                <a:cs typeface="Courier New" panose="02070309020205020404" pitchFamily="49" charset="0"/>
+              </a:rPr>
+              <a:t>print</a:t>
+            </a:r>
+            <a:r>
+              <a:rPr lang="fr-FR" sz="1200" dirty="0">
+                <a:latin typeface="Courier New" panose="02070309020205020404" pitchFamily="49" charset="0"/>
+                <a:cs typeface="Courier New" panose="02070309020205020404" pitchFamily="49" charset="0"/>
+              </a:rPr>
+              <a:t>(</a:t>
+            </a:r>
+            <a:r>
+              <a:rPr lang="fr-FR" sz="1200" dirty="0" err="1">
+                <a:latin typeface="Courier New" panose="02070309020205020404" pitchFamily="49" charset="0"/>
+                <a:cs typeface="Courier New" panose="02070309020205020404" pitchFamily="49" charset="0"/>
+              </a:rPr>
+              <a:t>result</a:t>
+            </a:r>
+            <a:r>
+              <a:rPr lang="fr-FR" sz="1200" dirty="0">
+                <a:latin typeface="Courier New" panose="02070309020205020404" pitchFamily="49" charset="0"/>
+                <a:cs typeface="Courier New" panose="02070309020205020404" pitchFamily="49" charset="0"/>
+              </a:rPr>
+              <a:t>)</a:t>
+            </a:r>
+            <a:endParaRPr lang="fr-FR" sz="1200" dirty="0" smtClean="0">
+              <a:latin typeface="Courier New" panose="02070309020205020404" pitchFamily="49" charset="0"/>
+              <a:cs typeface="Courier New" panose="02070309020205020404" pitchFamily="49" charset="0"/>
+            </a:endParaRPr>
+          </a:p>
+        </p:txBody>
+      </p:sp>
+    </p:spTree>
+    <p:extLst>
+      <p:ext uri="{BB962C8B-B14F-4D97-AF65-F5344CB8AC3E}">
+        <p14:creationId xmlns:p14="http://schemas.microsoft.com/office/powerpoint/2010/main" val="2659078028"/>
+      </p:ext>
+    </p:extLst>
+  </p:cSld>
+  <p:clrMapOvr>
+    <a:masterClrMapping/>
+  </p:clrMapOvr>
+  <p:timing>
+    <p:tnLst>
+      <p:par>
+        <p:cTn id="1" dur="indefinite" restart="never" nodeType="tmRoot"/>
+      </p:par>
+    </p:tnLst>
+  </p:timing>
+</p:sld>
+</file>
+
+<file path=ppt/slides/slide12.xml><?xml version="1.0" encoding="utf-8"?>
+<p:sld xmlns:a="http://schemas.openxmlformats.org/drawingml/2006/main" xmlns:r="http://schemas.openxmlformats.org/officeDocument/2006/relationships" xmlns:p="http://schemas.openxmlformats.org/presentationml/2006/main">
+  <p:cSld>
+    <p:spTree>
+      <p:nvGrpSpPr>
+        <p:cNvPr id="1" name=""/>
+        <p:cNvGrpSpPr/>
+        <p:nvPr/>
+      </p:nvGrpSpPr>
+      <p:grpSpPr>
+        <a:xfrm>
+          <a:off x="0" y="0"/>
+          <a:ext cx="0" cy="0"/>
+          <a:chOff x="0" y="0"/>
+          <a:chExt cx="0" cy="0"/>
+        </a:xfrm>
+      </p:grpSpPr>
+      <p:sp>
+        <p:nvSpPr>
+          <p:cNvPr id="2" name="Titre 1"/>
+          <p:cNvSpPr>
+            <a:spLocks noGrp="1"/>
+          </p:cNvSpPr>
+          <p:nvPr>
+            <p:ph type="title"/>
+          </p:nvPr>
+        </p:nvSpPr>
+        <p:spPr/>
+        <p:txBody>
+          <a:bodyPr>
+            <a:normAutofit fontScale="90000"/>
+          </a:bodyPr>
+          <a:lstStyle/>
+          <a:p>
+            <a:r>
+              <a:rPr lang="fr-FR" dirty="0" err="1" smtClean="0"/>
+              <a:t>MongoDB</a:t>
+            </a:r>
+            <a:endParaRPr lang="fr-FR" dirty="0"/>
+          </a:p>
+        </p:txBody>
+      </p:sp>
+      <p:sp>
+        <p:nvSpPr>
+          <p:cNvPr id="4" name="ZoneTexte 3"/>
+          <p:cNvSpPr txBox="1"/>
+          <p:nvPr/>
+        </p:nvSpPr>
+        <p:spPr>
+          <a:xfrm>
+            <a:off x="683568" y="1124744"/>
+            <a:ext cx="6692858" cy="3416320"/>
+          </a:xfrm>
+          <a:prstGeom prst="rect">
+            <a:avLst/>
+          </a:prstGeom>
+          <a:solidFill>
+            <a:schemeClr val="bg1">
+              <a:lumMod val="95000"/>
+            </a:schemeClr>
+          </a:solidFill>
+          <a:ln>
+            <a:solidFill>
+              <a:srgbClr val="0070C0"/>
+            </a:solidFill>
+          </a:ln>
+        </p:spPr>
+        <p:txBody>
+          <a:bodyPr wrap="none" rtlCol="0">
+            <a:spAutoFit/>
+          </a:bodyPr>
+          <a:lstStyle/>
+          <a:p>
+            <a:r>
+              <a:rPr lang="fr-FR" sz="1200" dirty="0" smtClean="0">
+                <a:latin typeface="Courier New" panose="02070309020205020404" pitchFamily="49" charset="0"/>
+                <a:cs typeface="Courier New" panose="02070309020205020404" pitchFamily="49" charset="0"/>
+              </a:rPr>
+              <a:t>client </a:t>
+            </a:r>
+            <a:r>
+              <a:rPr lang="fr-FR" sz="1200" dirty="0">
+                <a:latin typeface="Courier New" panose="02070309020205020404" pitchFamily="49" charset="0"/>
+                <a:cs typeface="Courier New" panose="02070309020205020404" pitchFamily="49" charset="0"/>
+              </a:rPr>
+              <a:t>= </a:t>
+            </a:r>
+            <a:r>
+              <a:rPr lang="fr-FR" sz="1200" dirty="0" err="1">
+                <a:latin typeface="Courier New" panose="02070309020205020404" pitchFamily="49" charset="0"/>
+                <a:cs typeface="Courier New" panose="02070309020205020404" pitchFamily="49" charset="0"/>
+              </a:rPr>
+              <a:t>pymongo.MongoClient</a:t>
+            </a:r>
+            <a:r>
+              <a:rPr lang="fr-FR" sz="1200" dirty="0">
+                <a:latin typeface="Courier New" panose="02070309020205020404" pitchFamily="49" charset="0"/>
+                <a:cs typeface="Courier New" panose="02070309020205020404" pitchFamily="49" charset="0"/>
+              </a:rPr>
+              <a:t>(MONGO_URL)</a:t>
+            </a:r>
+          </a:p>
+          <a:p>
+            <a:r>
+              <a:rPr lang="fr-FR" sz="1200" dirty="0" err="1">
+                <a:latin typeface="Courier New" panose="02070309020205020404" pitchFamily="49" charset="0"/>
+                <a:cs typeface="Courier New" panose="02070309020205020404" pitchFamily="49" charset="0"/>
+              </a:rPr>
+              <a:t>lsst</a:t>
+            </a:r>
+            <a:r>
+              <a:rPr lang="fr-FR" sz="1200" dirty="0">
+                <a:latin typeface="Courier New" panose="02070309020205020404" pitchFamily="49" charset="0"/>
+                <a:cs typeface="Courier New" panose="02070309020205020404" pitchFamily="49" charset="0"/>
+              </a:rPr>
+              <a:t> = </a:t>
+            </a:r>
+            <a:r>
+              <a:rPr lang="fr-FR" sz="1200" dirty="0" err="1">
+                <a:latin typeface="Courier New" panose="02070309020205020404" pitchFamily="49" charset="0"/>
+                <a:cs typeface="Courier New" panose="02070309020205020404" pitchFamily="49" charset="0"/>
+              </a:rPr>
+              <a:t>client.lsst</a:t>
+            </a:r>
+            <a:endParaRPr lang="fr-FR" sz="1200" dirty="0">
+              <a:latin typeface="Courier New" panose="02070309020205020404" pitchFamily="49" charset="0"/>
+              <a:cs typeface="Courier New" panose="02070309020205020404" pitchFamily="49" charset="0"/>
+            </a:endParaRPr>
+          </a:p>
+          <a:p>
+            <a:endParaRPr lang="fr-FR" sz="1200" dirty="0">
+              <a:latin typeface="Courier New" panose="02070309020205020404" pitchFamily="49" charset="0"/>
+              <a:cs typeface="Courier New" panose="02070309020205020404" pitchFamily="49" charset="0"/>
+            </a:endParaRPr>
+          </a:p>
+          <a:p>
+            <a:r>
+              <a:rPr lang="fr-FR" sz="1200" dirty="0" smtClean="0">
+                <a:latin typeface="Courier New" panose="02070309020205020404" pitchFamily="49" charset="0"/>
+                <a:cs typeface="Courier New" panose="02070309020205020404" pitchFamily="49" charset="0"/>
+              </a:rPr>
+              <a:t>stars </a:t>
+            </a:r>
+            <a:r>
+              <a:rPr lang="fr-FR" sz="1200" dirty="0">
+                <a:latin typeface="Courier New" panose="02070309020205020404" pitchFamily="49" charset="0"/>
+                <a:cs typeface="Courier New" panose="02070309020205020404" pitchFamily="49" charset="0"/>
+              </a:rPr>
+              <a:t>= </a:t>
+            </a:r>
+            <a:r>
+              <a:rPr lang="fr-FR" sz="1200" dirty="0" err="1">
+                <a:latin typeface="Courier New" panose="02070309020205020404" pitchFamily="49" charset="0"/>
+                <a:cs typeface="Courier New" panose="02070309020205020404" pitchFamily="49" charset="0"/>
+              </a:rPr>
+              <a:t>lsst.stars</a:t>
+            </a:r>
+            <a:endParaRPr lang="fr-FR" sz="1200" dirty="0">
+              <a:latin typeface="Courier New" panose="02070309020205020404" pitchFamily="49" charset="0"/>
+              <a:cs typeface="Courier New" panose="02070309020205020404" pitchFamily="49" charset="0"/>
+            </a:endParaRPr>
+          </a:p>
+          <a:p>
+            <a:endParaRPr lang="fr-FR" sz="1200" dirty="0">
+              <a:latin typeface="Courier New" panose="02070309020205020404" pitchFamily="49" charset="0"/>
+              <a:cs typeface="Courier New" panose="02070309020205020404" pitchFamily="49" charset="0"/>
+            </a:endParaRPr>
+          </a:p>
+          <a:p>
+            <a:r>
+              <a:rPr lang="fr-FR" sz="1200" dirty="0">
+                <a:latin typeface="Courier New" panose="02070309020205020404" pitchFamily="49" charset="0"/>
+                <a:cs typeface="Courier New" panose="02070309020205020404" pitchFamily="49" charset="0"/>
+              </a:rPr>
+              <a:t>for </a:t>
+            </a:r>
+            <a:r>
+              <a:rPr lang="fr-FR" sz="1200" dirty="0" err="1">
+                <a:latin typeface="Courier New" panose="02070309020205020404" pitchFamily="49" charset="0"/>
+                <a:cs typeface="Courier New" panose="02070309020205020404" pitchFamily="49" charset="0"/>
+              </a:rPr>
+              <a:t>o_id</a:t>
+            </a:r>
+            <a:r>
+              <a:rPr lang="fr-FR" sz="1200" dirty="0">
+                <a:latin typeface="Courier New" panose="02070309020205020404" pitchFamily="49" charset="0"/>
+                <a:cs typeface="Courier New" panose="02070309020205020404" pitchFamily="49" charset="0"/>
+              </a:rPr>
+              <a:t> in </a:t>
+            </a:r>
+            <a:r>
+              <a:rPr lang="fr-FR" sz="1200" dirty="0" err="1">
+                <a:latin typeface="Courier New" panose="02070309020205020404" pitchFamily="49" charset="0"/>
+                <a:cs typeface="Courier New" panose="02070309020205020404" pitchFamily="49" charset="0"/>
+              </a:rPr>
+              <a:t>objects</a:t>
+            </a:r>
+            <a:r>
+              <a:rPr lang="fr-FR" sz="1200" dirty="0">
+                <a:latin typeface="Courier New" panose="02070309020205020404" pitchFamily="49" charset="0"/>
+                <a:cs typeface="Courier New" panose="02070309020205020404" pitchFamily="49" charset="0"/>
+              </a:rPr>
+              <a:t>:</a:t>
+            </a:r>
+          </a:p>
+          <a:p>
+            <a:r>
+              <a:rPr lang="fr-FR" sz="1200" dirty="0">
+                <a:latin typeface="Courier New" panose="02070309020205020404" pitchFamily="49" charset="0"/>
+                <a:cs typeface="Courier New" panose="02070309020205020404" pitchFamily="49" charset="0"/>
+              </a:rPr>
+              <a:t>    o = </a:t>
+            </a:r>
+            <a:r>
+              <a:rPr lang="fr-FR" sz="1200" dirty="0" err="1">
+                <a:latin typeface="Courier New" panose="02070309020205020404" pitchFamily="49" charset="0"/>
+                <a:cs typeface="Courier New" panose="02070309020205020404" pitchFamily="49" charset="0"/>
+              </a:rPr>
+              <a:t>objects</a:t>
+            </a:r>
+            <a:r>
+              <a:rPr lang="fr-FR" sz="1200" dirty="0">
+                <a:latin typeface="Courier New" panose="02070309020205020404" pitchFamily="49" charset="0"/>
+                <a:cs typeface="Courier New" panose="02070309020205020404" pitchFamily="49" charset="0"/>
+              </a:rPr>
+              <a:t>[</a:t>
+            </a:r>
+            <a:r>
+              <a:rPr lang="fr-FR" sz="1200" dirty="0" err="1">
+                <a:latin typeface="Courier New" panose="02070309020205020404" pitchFamily="49" charset="0"/>
+                <a:cs typeface="Courier New" panose="02070309020205020404" pitchFamily="49" charset="0"/>
+              </a:rPr>
+              <a:t>o_id</a:t>
+            </a:r>
+            <a:r>
+              <a:rPr lang="fr-FR" sz="1200" dirty="0">
+                <a:latin typeface="Courier New" panose="02070309020205020404" pitchFamily="49" charset="0"/>
+                <a:cs typeface="Courier New" panose="02070309020205020404" pitchFamily="49" charset="0"/>
+              </a:rPr>
+              <a:t>]</a:t>
+            </a:r>
+          </a:p>
+          <a:p>
+            <a:endParaRPr lang="fr-FR" sz="1200" dirty="0">
+              <a:latin typeface="Courier New" panose="02070309020205020404" pitchFamily="49" charset="0"/>
+              <a:cs typeface="Courier New" panose="02070309020205020404" pitchFamily="49" charset="0"/>
+            </a:endParaRPr>
+          </a:p>
+          <a:p>
+            <a:r>
+              <a:rPr lang="fr-FR" sz="1200" dirty="0">
+                <a:latin typeface="Courier New" panose="02070309020205020404" pitchFamily="49" charset="0"/>
+                <a:cs typeface="Courier New" panose="02070309020205020404" pitchFamily="49" charset="0"/>
+              </a:rPr>
+              <a:t>    </a:t>
+            </a:r>
+            <a:r>
+              <a:rPr lang="fr-FR" sz="1200" dirty="0" err="1">
+                <a:latin typeface="Courier New" panose="02070309020205020404" pitchFamily="49" charset="0"/>
+                <a:cs typeface="Courier New" panose="02070309020205020404" pitchFamily="49" charset="0"/>
+              </a:rPr>
+              <a:t>object</a:t>
+            </a:r>
+            <a:r>
+              <a:rPr lang="fr-FR" sz="1200" dirty="0">
+                <a:latin typeface="Courier New" panose="02070309020205020404" pitchFamily="49" charset="0"/>
+                <a:cs typeface="Courier New" panose="02070309020205020404" pitchFamily="49" charset="0"/>
+              </a:rPr>
+              <a:t> = </a:t>
+            </a:r>
+            <a:r>
+              <a:rPr lang="fr-FR" sz="1200" dirty="0" err="1">
+                <a:latin typeface="Courier New" panose="02070309020205020404" pitchFamily="49" charset="0"/>
+                <a:cs typeface="Courier New" panose="02070309020205020404" pitchFamily="49" charset="0"/>
+              </a:rPr>
+              <a:t>o.to_db</a:t>
+            </a:r>
+            <a:r>
+              <a:rPr lang="fr-FR" sz="1200" dirty="0">
+                <a:latin typeface="Courier New" panose="02070309020205020404" pitchFamily="49" charset="0"/>
+                <a:cs typeface="Courier New" panose="02070309020205020404" pitchFamily="49" charset="0"/>
+              </a:rPr>
+              <a:t>()</a:t>
+            </a:r>
+          </a:p>
+          <a:p>
+            <a:endParaRPr lang="fr-FR" sz="1200" dirty="0">
+              <a:latin typeface="Courier New" panose="02070309020205020404" pitchFamily="49" charset="0"/>
+              <a:cs typeface="Courier New" panose="02070309020205020404" pitchFamily="49" charset="0"/>
+            </a:endParaRPr>
+          </a:p>
+          <a:p>
+            <a:r>
+              <a:rPr lang="fr-FR" sz="1200" dirty="0">
+                <a:latin typeface="Courier New" panose="02070309020205020404" pitchFamily="49" charset="0"/>
+                <a:cs typeface="Courier New" panose="02070309020205020404" pitchFamily="49" charset="0"/>
+              </a:rPr>
+              <a:t>    </a:t>
+            </a:r>
+            <a:r>
+              <a:rPr lang="fr-FR" sz="1200" dirty="0" err="1">
+                <a:latin typeface="Courier New" panose="02070309020205020404" pitchFamily="49" charset="0"/>
+                <a:cs typeface="Courier New" panose="02070309020205020404" pitchFamily="49" charset="0"/>
+              </a:rPr>
+              <a:t>object</a:t>
+            </a:r>
+            <a:r>
+              <a:rPr lang="fr-FR" sz="1200" dirty="0">
+                <a:latin typeface="Courier New" panose="02070309020205020404" pitchFamily="49" charset="0"/>
+                <a:cs typeface="Courier New" panose="02070309020205020404" pitchFamily="49" charset="0"/>
+              </a:rPr>
+              <a:t>['center'] = {'type': 'Point', '</a:t>
+            </a:r>
+            <a:r>
+              <a:rPr lang="fr-FR" sz="1200" dirty="0" err="1">
+                <a:latin typeface="Courier New" panose="02070309020205020404" pitchFamily="49" charset="0"/>
+                <a:cs typeface="Courier New" panose="02070309020205020404" pitchFamily="49" charset="0"/>
+              </a:rPr>
+              <a:t>coordinates</a:t>
+            </a:r>
+            <a:r>
+              <a:rPr lang="fr-FR" sz="1200" dirty="0">
+                <a:latin typeface="Courier New" panose="02070309020205020404" pitchFamily="49" charset="0"/>
+                <a:cs typeface="Courier New" panose="02070309020205020404" pitchFamily="49" charset="0"/>
+              </a:rPr>
+              <a:t>': [</a:t>
+            </a:r>
+            <a:r>
+              <a:rPr lang="fr-FR" sz="1200" dirty="0" err="1">
+                <a:latin typeface="Courier New" panose="02070309020205020404" pitchFamily="49" charset="0"/>
+                <a:cs typeface="Courier New" panose="02070309020205020404" pitchFamily="49" charset="0"/>
+              </a:rPr>
+              <a:t>o.ra</a:t>
+            </a:r>
+            <a:r>
+              <a:rPr lang="fr-FR" sz="1200" dirty="0">
+                <a:latin typeface="Courier New" panose="02070309020205020404" pitchFamily="49" charset="0"/>
+                <a:cs typeface="Courier New" panose="02070309020205020404" pitchFamily="49" charset="0"/>
+              </a:rPr>
+              <a:t>, </a:t>
+            </a:r>
+            <a:r>
+              <a:rPr lang="fr-FR" sz="1200" dirty="0" err="1">
+                <a:latin typeface="Courier New" panose="02070309020205020404" pitchFamily="49" charset="0"/>
+                <a:cs typeface="Courier New" panose="02070309020205020404" pitchFamily="49" charset="0"/>
+              </a:rPr>
+              <a:t>o.dec</a:t>
+            </a:r>
+            <a:r>
+              <a:rPr lang="fr-FR" sz="1200" dirty="0">
+                <a:latin typeface="Courier New" panose="02070309020205020404" pitchFamily="49" charset="0"/>
+                <a:cs typeface="Courier New" panose="02070309020205020404" pitchFamily="49" charset="0"/>
+              </a:rPr>
+              <a:t>]}</a:t>
+            </a:r>
+          </a:p>
+          <a:p>
+            <a:r>
+              <a:rPr lang="fr-FR" sz="1200" dirty="0">
+                <a:latin typeface="Courier New" panose="02070309020205020404" pitchFamily="49" charset="0"/>
+                <a:cs typeface="Courier New" panose="02070309020205020404" pitchFamily="49" charset="0"/>
+              </a:rPr>
+              <a:t>    </a:t>
+            </a:r>
+            <a:r>
+              <a:rPr lang="fr-FR" sz="1200" dirty="0" err="1">
+                <a:latin typeface="Courier New" panose="02070309020205020404" pitchFamily="49" charset="0"/>
+                <a:cs typeface="Courier New" panose="02070309020205020404" pitchFamily="49" charset="0"/>
+              </a:rPr>
+              <a:t>try</a:t>
+            </a:r>
+            <a:r>
+              <a:rPr lang="fr-FR" sz="1200" dirty="0">
+                <a:latin typeface="Courier New" panose="02070309020205020404" pitchFamily="49" charset="0"/>
+                <a:cs typeface="Courier New" panose="02070309020205020404" pitchFamily="49" charset="0"/>
+              </a:rPr>
+              <a:t>:</a:t>
+            </a:r>
+          </a:p>
+          <a:p>
+            <a:r>
+              <a:rPr lang="fr-FR" sz="1200" dirty="0">
+                <a:latin typeface="Courier New" panose="02070309020205020404" pitchFamily="49" charset="0"/>
+                <a:cs typeface="Courier New" panose="02070309020205020404" pitchFamily="49" charset="0"/>
+              </a:rPr>
+              <a:t>        id = </a:t>
+            </a:r>
+            <a:r>
+              <a:rPr lang="fr-FR" sz="1200" dirty="0" err="1">
+                <a:latin typeface="Courier New" panose="02070309020205020404" pitchFamily="49" charset="0"/>
+                <a:cs typeface="Courier New" panose="02070309020205020404" pitchFamily="49" charset="0"/>
+              </a:rPr>
+              <a:t>stars.insert_one</a:t>
+            </a:r>
+            <a:r>
+              <a:rPr lang="fr-FR" sz="1200" dirty="0">
+                <a:latin typeface="Courier New" panose="02070309020205020404" pitchFamily="49" charset="0"/>
+                <a:cs typeface="Courier New" panose="02070309020205020404" pitchFamily="49" charset="0"/>
+              </a:rPr>
+              <a:t>(</a:t>
+            </a:r>
+            <a:r>
+              <a:rPr lang="fr-FR" sz="1200" dirty="0" err="1">
+                <a:latin typeface="Courier New" panose="02070309020205020404" pitchFamily="49" charset="0"/>
+                <a:cs typeface="Courier New" panose="02070309020205020404" pitchFamily="49" charset="0"/>
+              </a:rPr>
+              <a:t>object</a:t>
+            </a:r>
+            <a:r>
+              <a:rPr lang="fr-FR" sz="1200" dirty="0">
+                <a:latin typeface="Courier New" panose="02070309020205020404" pitchFamily="49" charset="0"/>
+                <a:cs typeface="Courier New" panose="02070309020205020404" pitchFamily="49" charset="0"/>
+              </a:rPr>
+              <a:t>)</a:t>
+            </a:r>
+          </a:p>
+          <a:p>
+            <a:r>
+              <a:rPr lang="fr-FR" sz="1200" dirty="0" smtClean="0">
+                <a:latin typeface="Courier New" panose="02070309020205020404" pitchFamily="49" charset="0"/>
+                <a:cs typeface="Courier New" panose="02070309020205020404" pitchFamily="49" charset="0"/>
+              </a:rPr>
+              <a:t>    </a:t>
+            </a:r>
+            <a:r>
+              <a:rPr lang="fr-FR" sz="1200" dirty="0" err="1" smtClean="0">
+                <a:latin typeface="Courier New" panose="02070309020205020404" pitchFamily="49" charset="0"/>
+                <a:cs typeface="Courier New" panose="02070309020205020404" pitchFamily="49" charset="0"/>
+              </a:rPr>
+              <a:t>except</a:t>
+            </a:r>
+            <a:r>
+              <a:rPr lang="fr-FR" sz="1200" dirty="0" smtClean="0">
+                <a:latin typeface="Courier New" panose="02070309020205020404" pitchFamily="49" charset="0"/>
+                <a:cs typeface="Courier New" panose="02070309020205020404" pitchFamily="49" charset="0"/>
+              </a:rPr>
+              <a:t> </a:t>
+            </a:r>
+            <a:r>
+              <a:rPr lang="fr-FR" sz="1200" dirty="0">
+                <a:latin typeface="Courier New" panose="02070309020205020404" pitchFamily="49" charset="0"/>
+                <a:cs typeface="Courier New" panose="02070309020205020404" pitchFamily="49" charset="0"/>
+              </a:rPr>
+              <a:t>Exception as e:</a:t>
+            </a:r>
+          </a:p>
+          <a:p>
+            <a:r>
+              <a:rPr lang="fr-FR" sz="1200" dirty="0" smtClean="0">
+                <a:latin typeface="Courier New" panose="02070309020205020404" pitchFamily="49" charset="0"/>
+                <a:cs typeface="Courier New" panose="02070309020205020404" pitchFamily="49" charset="0"/>
+              </a:rPr>
+              <a:t>        </a:t>
+            </a:r>
+            <a:r>
+              <a:rPr lang="fr-FR" sz="1200" dirty="0" err="1" smtClean="0">
+                <a:latin typeface="Courier New" panose="02070309020205020404" pitchFamily="49" charset="0"/>
+                <a:cs typeface="Courier New" panose="02070309020205020404" pitchFamily="49" charset="0"/>
+              </a:rPr>
+              <a:t>print</a:t>
+            </a:r>
+            <a:r>
+              <a:rPr lang="fr-FR" sz="1200" dirty="0" smtClean="0">
+                <a:latin typeface="Courier New" panose="02070309020205020404" pitchFamily="49" charset="0"/>
+                <a:cs typeface="Courier New" panose="02070309020205020404" pitchFamily="49" charset="0"/>
+              </a:rPr>
+              <a:t>(</a:t>
+            </a:r>
+            <a:r>
+              <a:rPr lang="fr-FR" sz="1200" dirty="0" err="1" smtClean="0">
+                <a:latin typeface="Courier New" panose="02070309020205020404" pitchFamily="49" charset="0"/>
+                <a:cs typeface="Courier New" panose="02070309020205020404" pitchFamily="49" charset="0"/>
+              </a:rPr>
+              <a:t>e.message</a:t>
+            </a:r>
+            <a:r>
+              <a:rPr lang="fr-FR" sz="1200" dirty="0">
+                <a:latin typeface="Courier New" panose="02070309020205020404" pitchFamily="49" charset="0"/>
+                <a:cs typeface="Courier New" panose="02070309020205020404" pitchFamily="49" charset="0"/>
+              </a:rPr>
+              <a:t>)</a:t>
+            </a:r>
+          </a:p>
+          <a:p>
+            <a:r>
+              <a:rPr lang="fr-FR" sz="1200" dirty="0">
+                <a:latin typeface="Courier New" panose="02070309020205020404" pitchFamily="49" charset="0"/>
+                <a:cs typeface="Courier New" panose="02070309020205020404" pitchFamily="49" charset="0"/>
+              </a:rPr>
+              <a:t>        </a:t>
+            </a:r>
+            <a:r>
+              <a:rPr lang="fr-FR" sz="1200" dirty="0" err="1">
+                <a:latin typeface="Courier New" panose="02070309020205020404" pitchFamily="49" charset="0"/>
+                <a:cs typeface="Courier New" panose="02070309020205020404" pitchFamily="49" charset="0"/>
+              </a:rPr>
+              <a:t>sys.exit</a:t>
+            </a:r>
+            <a:r>
+              <a:rPr lang="fr-FR" sz="1200" dirty="0">
+                <a:latin typeface="Courier New" panose="02070309020205020404" pitchFamily="49" charset="0"/>
+                <a:cs typeface="Courier New" panose="02070309020205020404" pitchFamily="49" charset="0"/>
+              </a:rPr>
+              <a:t>()</a:t>
+            </a:r>
+          </a:p>
+          <a:p>
+            <a:endParaRPr lang="fr-FR" sz="1200" dirty="0">
+              <a:latin typeface="Courier New" panose="02070309020205020404" pitchFamily="49" charset="0"/>
+              <a:cs typeface="Courier New" panose="02070309020205020404" pitchFamily="49" charset="0"/>
+            </a:endParaRPr>
+          </a:p>
+          <a:p>
+            <a:r>
+              <a:rPr lang="fr-FR" sz="1200" dirty="0" err="1">
+                <a:latin typeface="Courier New" panose="02070309020205020404" pitchFamily="49" charset="0"/>
+                <a:cs typeface="Courier New" panose="02070309020205020404" pitchFamily="49" charset="0"/>
+              </a:rPr>
+              <a:t>stars.create_index</a:t>
+            </a:r>
+            <a:r>
+              <a:rPr lang="fr-FR" sz="1200" dirty="0">
+                <a:latin typeface="Courier New" panose="02070309020205020404" pitchFamily="49" charset="0"/>
+                <a:cs typeface="Courier New" panose="02070309020205020404" pitchFamily="49" charset="0"/>
+              </a:rPr>
+              <a:t>([('center', '2dsphere')])</a:t>
+            </a:r>
+            <a:endParaRPr lang="fr-FR" sz="1200" dirty="0" smtClean="0">
+              <a:latin typeface="Courier New" panose="02070309020205020404" pitchFamily="49" charset="0"/>
+              <a:cs typeface="Courier New" panose="02070309020205020404" pitchFamily="49" charset="0"/>
+            </a:endParaRPr>
+          </a:p>
+        </p:txBody>
+      </p:sp>
+      <p:sp>
+        <p:nvSpPr>
+          <p:cNvPr id="5" name="ZoneTexte 4"/>
+          <p:cNvSpPr txBox="1"/>
+          <p:nvPr/>
+        </p:nvSpPr>
+        <p:spPr>
+          <a:xfrm>
+            <a:off x="611560" y="4748951"/>
+            <a:ext cx="7901522" cy="1200329"/>
+          </a:xfrm>
+          <a:prstGeom prst="rect">
+            <a:avLst/>
+          </a:prstGeom>
+          <a:solidFill>
+            <a:schemeClr val="bg1">
+              <a:lumMod val="95000"/>
+            </a:schemeClr>
+          </a:solidFill>
+          <a:ln>
+            <a:solidFill>
+              <a:srgbClr val="0070C0"/>
+            </a:solidFill>
+          </a:ln>
+        </p:spPr>
+        <p:txBody>
+          <a:bodyPr wrap="none" rtlCol="0">
+            <a:spAutoFit/>
+          </a:bodyPr>
+          <a:lstStyle/>
+          <a:p>
+            <a:endParaRPr lang="fr-FR" sz="1200" dirty="0">
+              <a:latin typeface="Courier New" panose="02070309020205020404" pitchFamily="49" charset="0"/>
+              <a:cs typeface="Courier New" panose="02070309020205020404" pitchFamily="49" charset="0"/>
+            </a:endParaRPr>
+          </a:p>
+          <a:p>
+            <a:r>
+              <a:rPr lang="fr-FR" sz="1200" dirty="0">
+                <a:latin typeface="Courier New" panose="02070309020205020404" pitchFamily="49" charset="0"/>
+                <a:cs typeface="Courier New" panose="02070309020205020404" pitchFamily="49" charset="0"/>
+              </a:rPr>
+              <a:t>c</a:t>
+            </a:r>
+            <a:r>
+              <a:rPr lang="fr-FR" sz="1200" dirty="0" smtClean="0">
+                <a:latin typeface="Courier New" panose="02070309020205020404" pitchFamily="49" charset="0"/>
+                <a:cs typeface="Courier New" panose="02070309020205020404" pitchFamily="49" charset="0"/>
+              </a:rPr>
+              <a:t>enter = </a:t>
+            </a:r>
+            <a:r>
+              <a:rPr lang="fr-FR" sz="1200" dirty="0">
+                <a:latin typeface="Courier New" panose="02070309020205020404" pitchFamily="49" charset="0"/>
+                <a:cs typeface="Courier New" panose="02070309020205020404" pitchFamily="49" charset="0"/>
+              </a:rPr>
+              <a:t>[[</a:t>
+            </a:r>
+            <a:r>
+              <a:rPr lang="fr-FR" sz="1200" dirty="0" err="1">
+                <a:latin typeface="Courier New" panose="02070309020205020404" pitchFamily="49" charset="0"/>
+                <a:cs typeface="Courier New" panose="02070309020205020404" pitchFamily="49" charset="0"/>
+              </a:rPr>
+              <a:t>cluster.ra</a:t>
+            </a:r>
+            <a:r>
+              <a:rPr lang="fr-FR" sz="1200" dirty="0">
+                <a:latin typeface="Courier New" panose="02070309020205020404" pitchFamily="49" charset="0"/>
+                <a:cs typeface="Courier New" panose="02070309020205020404" pitchFamily="49" charset="0"/>
+              </a:rPr>
+              <a:t>(), </a:t>
+            </a:r>
+            <a:r>
+              <a:rPr lang="fr-FR" sz="1200" dirty="0" err="1">
+                <a:latin typeface="Courier New" panose="02070309020205020404" pitchFamily="49" charset="0"/>
+                <a:cs typeface="Courier New" panose="02070309020205020404" pitchFamily="49" charset="0"/>
+              </a:rPr>
+              <a:t>cluster.dec</a:t>
+            </a:r>
+            <a:r>
+              <a:rPr lang="fr-FR" sz="1200" dirty="0">
+                <a:latin typeface="Courier New" panose="02070309020205020404" pitchFamily="49" charset="0"/>
+                <a:cs typeface="Courier New" panose="02070309020205020404" pitchFamily="49" charset="0"/>
+              </a:rPr>
+              <a:t>()]</a:t>
+            </a:r>
+            <a:endParaRPr lang="fr-FR" sz="1200" dirty="0" smtClean="0">
+              <a:latin typeface="Courier New" panose="02070309020205020404" pitchFamily="49" charset="0"/>
+              <a:cs typeface="Courier New" panose="02070309020205020404" pitchFamily="49" charset="0"/>
+            </a:endParaRPr>
+          </a:p>
+          <a:p>
+            <a:endParaRPr lang="fr-FR" sz="1200" dirty="0">
+              <a:latin typeface="Courier New" panose="02070309020205020404" pitchFamily="49" charset="0"/>
+              <a:cs typeface="Courier New" panose="02070309020205020404" pitchFamily="49" charset="0"/>
+            </a:endParaRPr>
+          </a:p>
+          <a:p>
+            <a:r>
+              <a:rPr lang="fr-FR" sz="1200" dirty="0" smtClean="0">
+                <a:latin typeface="Courier New" panose="02070309020205020404" pitchFamily="49" charset="0"/>
+                <a:cs typeface="Courier New" panose="02070309020205020404" pitchFamily="49" charset="0"/>
+              </a:rPr>
+              <a:t>for o </a:t>
+            </a:r>
+            <a:r>
+              <a:rPr lang="fr-FR" sz="1200" dirty="0">
+                <a:latin typeface="Courier New" panose="02070309020205020404" pitchFamily="49" charset="0"/>
+                <a:cs typeface="Courier New" panose="02070309020205020404" pitchFamily="49" charset="0"/>
+              </a:rPr>
+              <a:t>in </a:t>
+            </a:r>
+            <a:r>
+              <a:rPr lang="fr-FR" sz="1200" b="1" dirty="0" err="1" smtClean="0">
+                <a:latin typeface="Courier New" panose="02070309020205020404" pitchFamily="49" charset="0"/>
+                <a:cs typeface="Courier New" panose="02070309020205020404" pitchFamily="49" charset="0"/>
+              </a:rPr>
+              <a:t>stars.find</a:t>
+            </a:r>
+            <a:r>
+              <a:rPr lang="fr-FR" sz="1200" dirty="0">
+                <a:latin typeface="Courier New" panose="02070309020205020404" pitchFamily="49" charset="0"/>
+                <a:cs typeface="Courier New" panose="02070309020205020404" pitchFamily="49" charset="0"/>
+              </a:rPr>
+              <a:t>({'center': {'$</a:t>
+            </a:r>
+            <a:r>
+              <a:rPr lang="fr-FR" sz="1200" dirty="0" err="1">
+                <a:latin typeface="Courier New" panose="02070309020205020404" pitchFamily="49" charset="0"/>
+                <a:cs typeface="Courier New" panose="02070309020205020404" pitchFamily="49" charset="0"/>
+              </a:rPr>
+              <a:t>geoWithin</a:t>
+            </a:r>
+            <a:r>
+              <a:rPr lang="fr-FR" sz="1200" dirty="0">
+                <a:latin typeface="Courier New" panose="02070309020205020404" pitchFamily="49" charset="0"/>
+                <a:cs typeface="Courier New" panose="02070309020205020404" pitchFamily="49" charset="0"/>
+              </a:rPr>
+              <a:t>': {'$</a:t>
+            </a:r>
+            <a:r>
+              <a:rPr lang="fr-FR" sz="1200" dirty="0" err="1">
+                <a:latin typeface="Courier New" panose="02070309020205020404" pitchFamily="49" charset="0"/>
+                <a:cs typeface="Courier New" panose="02070309020205020404" pitchFamily="49" charset="0"/>
+              </a:rPr>
+              <a:t>centerSphere</a:t>
+            </a:r>
+            <a:r>
+              <a:rPr lang="fr-FR" sz="1200" dirty="0" smtClean="0">
+                <a:latin typeface="Courier New" panose="02070309020205020404" pitchFamily="49" charset="0"/>
+                <a:cs typeface="Courier New" panose="02070309020205020404" pitchFamily="49" charset="0"/>
+              </a:rPr>
+              <a:t>': center, </a:t>
+            </a:r>
+            <a:r>
+              <a:rPr lang="fr-FR" sz="1200" dirty="0">
+                <a:latin typeface="Courier New" panose="02070309020205020404" pitchFamily="49" charset="0"/>
+                <a:cs typeface="Courier New" panose="02070309020205020404" pitchFamily="49" charset="0"/>
+              </a:rPr>
+              <a:t>radius]}}},</a:t>
+            </a:r>
+          </a:p>
+          <a:p>
+            <a:r>
+              <a:rPr lang="fr-FR" sz="1200" dirty="0">
+                <a:latin typeface="Courier New" panose="02070309020205020404" pitchFamily="49" charset="0"/>
+                <a:cs typeface="Courier New" panose="02070309020205020404" pitchFamily="49" charset="0"/>
+              </a:rPr>
+              <a:t>                    {'_id': 0, '</a:t>
+            </a:r>
+            <a:r>
+              <a:rPr lang="fr-FR" sz="1200" dirty="0" err="1">
+                <a:latin typeface="Courier New" panose="02070309020205020404" pitchFamily="49" charset="0"/>
+                <a:cs typeface="Courier New" panose="02070309020205020404" pitchFamily="49" charset="0"/>
+              </a:rPr>
+              <a:t>where</a:t>
+            </a:r>
+            <a:r>
+              <a:rPr lang="fr-FR" sz="1200" dirty="0">
+                <a:latin typeface="Courier New" panose="02070309020205020404" pitchFamily="49" charset="0"/>
+                <a:cs typeface="Courier New" panose="02070309020205020404" pitchFamily="49" charset="0"/>
+              </a:rPr>
+              <a:t>': 1, 'center': 1</a:t>
+            </a:r>
+            <a:r>
+              <a:rPr lang="fr-FR" sz="1200" dirty="0" smtClean="0">
+                <a:latin typeface="Courier New" panose="02070309020205020404" pitchFamily="49" charset="0"/>
+                <a:cs typeface="Courier New" panose="02070309020205020404" pitchFamily="49" charset="0"/>
+              </a:rPr>
+              <a:t>}):</a:t>
+            </a:r>
+            <a:endParaRPr lang="fr-FR" sz="1200" dirty="0">
+              <a:latin typeface="Courier New" panose="02070309020205020404" pitchFamily="49" charset="0"/>
+              <a:cs typeface="Courier New" panose="02070309020205020404" pitchFamily="49" charset="0"/>
+            </a:endParaRPr>
+          </a:p>
+          <a:p>
+            <a:r>
+              <a:rPr lang="fr-FR" sz="1200" dirty="0">
+                <a:latin typeface="Courier New" panose="02070309020205020404" pitchFamily="49" charset="0"/>
+                <a:cs typeface="Courier New" panose="02070309020205020404" pitchFamily="49" charset="0"/>
+              </a:rPr>
+              <a:t>    </a:t>
+            </a:r>
+            <a:r>
+              <a:rPr lang="fr-FR" sz="1200" dirty="0" err="1">
+                <a:latin typeface="Courier New" panose="02070309020205020404" pitchFamily="49" charset="0"/>
+                <a:cs typeface="Courier New" panose="02070309020205020404" pitchFamily="49" charset="0"/>
+              </a:rPr>
+              <a:t>print</a:t>
+            </a:r>
+            <a:r>
+              <a:rPr lang="fr-FR" sz="1200" dirty="0">
+                <a:latin typeface="Courier New" panose="02070309020205020404" pitchFamily="49" charset="0"/>
+                <a:cs typeface="Courier New" panose="02070309020205020404" pitchFamily="49" charset="0"/>
+              </a:rPr>
+              <a:t>('</a:t>
+            </a:r>
+            <a:r>
+              <a:rPr lang="fr-FR" sz="1200" dirty="0" err="1">
+                <a:latin typeface="Courier New" panose="02070309020205020404" pitchFamily="49" charset="0"/>
+                <a:cs typeface="Courier New" panose="02070309020205020404" pitchFamily="49" charset="0"/>
+              </a:rPr>
+              <a:t>identified</a:t>
+            </a:r>
+            <a:r>
+              <a:rPr lang="fr-FR" sz="1200" dirty="0">
+                <a:latin typeface="Courier New" panose="02070309020205020404" pitchFamily="49" charset="0"/>
+                <a:cs typeface="Courier New" panose="02070309020205020404" pitchFamily="49" charset="0"/>
+              </a:rPr>
+              <a:t> </a:t>
+            </a:r>
+            <a:r>
+              <a:rPr lang="fr-FR" sz="1200" dirty="0" err="1">
+                <a:latin typeface="Courier New" panose="02070309020205020404" pitchFamily="49" charset="0"/>
+                <a:cs typeface="Courier New" panose="02070309020205020404" pitchFamily="49" charset="0"/>
+              </a:rPr>
+              <a:t>object</a:t>
+            </a:r>
+            <a:r>
+              <a:rPr lang="fr-FR" sz="1200" dirty="0">
+                <a:latin typeface="Courier New" panose="02070309020205020404" pitchFamily="49" charset="0"/>
+                <a:cs typeface="Courier New" panose="02070309020205020404" pitchFamily="49" charset="0"/>
+              </a:rPr>
+              <a:t>')</a:t>
+            </a:r>
+            <a:endParaRPr lang="fr-FR" sz="1200" dirty="0" smtClean="0">
+              <a:latin typeface="Courier New" panose="02070309020205020404" pitchFamily="49" charset="0"/>
+              <a:cs typeface="Courier New" panose="02070309020205020404" pitchFamily="49" charset="0"/>
+            </a:endParaRPr>
+          </a:p>
+        </p:txBody>
+      </p:sp>
+    </p:spTree>
+    <p:extLst>
+      <p:ext uri="{BB962C8B-B14F-4D97-AF65-F5344CB8AC3E}">
+        <p14:creationId xmlns:p14="http://schemas.microsoft.com/office/powerpoint/2010/main" val="2497904357"/>
+      </p:ext>
+    </p:extLst>
+  </p:cSld>
+  <p:clrMapOvr>
+    <a:masterClrMapping/>
+  </p:clrMapOvr>
+  <p:timing>
+    <p:tnLst>
+      <p:par>
+        <p:cTn id="1" dur="indefinite" restart="never" nodeType="tmRoot"/>
+      </p:par>
+    </p:tnLst>
+  </p:timing>
 </p:sld>
 </file>
 
@@ -4485,6 +7049,13 @@
   <p:clrMapOvr>
     <a:masterClrMapping/>
   </p:clrMapOvr>
+  <p:timing>
+    <p:tnLst>
+      <p:par>
+        <p:cTn id="1" dur="indefinite" restart="never" nodeType="tmRoot"/>
+      </p:par>
+    </p:tnLst>
+  </p:timing>
 </p:sld>
 </file>
 
@@ -4628,6 +7199,13 @@
   <p:clrMapOvr>
     <a:masterClrMapping/>
   </p:clrMapOvr>
+  <p:timing>
+    <p:tnLst>
+      <p:par>
+        <p:cTn id="1" dur="indefinite" restart="never" nodeType="tmRoot"/>
+      </p:par>
+    </p:tnLst>
+  </p:timing>
 </p:sld>
 </file>
 
@@ -4822,6 +7400,13 @@
   <p:clrMapOvr>
     <a:masterClrMapping/>
   </p:clrMapOvr>
+  <p:timing>
+    <p:tnLst>
+      <p:par>
+        <p:cTn id="1" dur="indefinite" restart="never" nodeType="tmRoot"/>
+      </p:par>
+    </p:tnLst>
+  </p:timing>
 </p:sld>
 </file>
 
@@ -4918,6 +7503,13 @@
   <p:clrMapOvr>
     <a:masterClrMapping/>
   </p:clrMapOvr>
+  <p:timing>
+    <p:tnLst>
+      <p:par>
+        <p:cTn id="1" dur="indefinite" restart="never" nodeType="tmRoot"/>
+      </p:par>
+    </p:tnLst>
+  </p:timing>
 </p:sld>
 </file>
 
@@ -5065,6 +7657,647 @@
   <p:clrMapOvr>
     <a:masterClrMapping/>
   </p:clrMapOvr>
+  <p:timing>
+    <p:tnLst>
+      <p:par>
+        <p:cTn id="1" dur="indefinite" restart="never" nodeType="tmRoot"/>
+      </p:par>
+    </p:tnLst>
+  </p:timing>
+</p:sld>
+</file>
+
+<file path=ppt/slides/slide7.xml><?xml version="1.0" encoding="utf-8"?>
+<p:sld xmlns:a="http://schemas.openxmlformats.org/drawingml/2006/main" xmlns:r="http://schemas.openxmlformats.org/officeDocument/2006/relationships" xmlns:p="http://schemas.openxmlformats.org/presentationml/2006/main">
+  <p:cSld>
+    <p:spTree>
+      <p:nvGrpSpPr>
+        <p:cNvPr id="1" name=""/>
+        <p:cNvGrpSpPr/>
+        <p:nvPr/>
+      </p:nvGrpSpPr>
+      <p:grpSpPr>
+        <a:xfrm>
+          <a:off x="0" y="0"/>
+          <a:ext cx="0" cy="0"/>
+          <a:chOff x="0" y="0"/>
+          <a:chExt cx="0" cy="0"/>
+        </a:xfrm>
+      </p:grpSpPr>
+      <p:sp>
+        <p:nvSpPr>
+          <p:cNvPr id="8" name="Espace réservé du contenu 2"/>
+          <p:cNvSpPr>
+            <a:spLocks noGrp="1"/>
+          </p:cNvSpPr>
+          <p:nvPr>
+            <p:ph idx="1"/>
+          </p:nvPr>
+        </p:nvSpPr>
+        <p:spPr>
+          <a:xfrm>
+            <a:off x="457200" y="980728"/>
+            <a:ext cx="8229600" cy="5145435"/>
+          </a:xfrm>
+        </p:spPr>
+        <p:txBody>
+          <a:bodyPr/>
+          <a:lstStyle/>
+          <a:p>
+            <a:r>
+              <a:rPr lang="fr-FR" dirty="0" smtClean="0"/>
+              <a:t>Python seul</a:t>
+            </a:r>
+          </a:p>
+          <a:p>
+            <a:endParaRPr lang="fr-FR" dirty="0"/>
+          </a:p>
+          <a:p>
+            <a:endParaRPr lang="fr-FR" dirty="0" smtClean="0"/>
+          </a:p>
+          <a:p>
+            <a:endParaRPr lang="fr-FR" dirty="0"/>
+          </a:p>
+          <a:p>
+            <a:endParaRPr lang="fr-FR" dirty="0" smtClean="0"/>
+          </a:p>
+          <a:p>
+            <a:r>
+              <a:rPr lang="fr-FR" dirty="0" smtClean="0"/>
+              <a:t>Avec </a:t>
+            </a:r>
+            <a:r>
+              <a:rPr lang="fr-FR" dirty="0" err="1" smtClean="0"/>
+              <a:t>Spark</a:t>
+            </a:r>
+            <a:endParaRPr lang="fr-FR" dirty="0" smtClean="0"/>
+          </a:p>
+        </p:txBody>
+      </p:sp>
+      <p:sp>
+        <p:nvSpPr>
+          <p:cNvPr id="2" name="Titre 1"/>
+          <p:cNvSpPr>
+            <a:spLocks noGrp="1"/>
+          </p:cNvSpPr>
+          <p:nvPr>
+            <p:ph type="title"/>
+          </p:nvPr>
+        </p:nvSpPr>
+        <p:spPr/>
+        <p:txBody>
+          <a:bodyPr>
+            <a:normAutofit fontScale="90000"/>
+          </a:bodyPr>
+          <a:lstStyle/>
+          <a:p>
+            <a:r>
+              <a:rPr lang="fr-FR" dirty="0" smtClean="0"/>
+              <a:t>Valeurs utilisées</a:t>
+            </a:r>
+            <a:endParaRPr lang="fr-FR" dirty="0"/>
+          </a:p>
+        </p:txBody>
+      </p:sp>
+      <p:sp>
+        <p:nvSpPr>
+          <p:cNvPr id="5" name="ZoneTexte 4"/>
+          <p:cNvSpPr txBox="1"/>
+          <p:nvPr/>
+        </p:nvSpPr>
+        <p:spPr>
+          <a:xfrm>
+            <a:off x="539552" y="1685707"/>
+            <a:ext cx="3493264" cy="2031325"/>
+          </a:xfrm>
+          <a:prstGeom prst="rect">
+            <a:avLst/>
+          </a:prstGeom>
+          <a:solidFill>
+            <a:schemeClr val="bg1">
+              <a:lumMod val="95000"/>
+            </a:schemeClr>
+          </a:solidFill>
+          <a:ln>
+            <a:solidFill>
+              <a:srgbClr val="0070C0"/>
+            </a:solidFill>
+          </a:ln>
+        </p:spPr>
+        <p:txBody>
+          <a:bodyPr wrap="none" rtlCol="0">
+            <a:spAutoFit/>
+          </a:bodyPr>
+          <a:lstStyle/>
+          <a:p>
+            <a:r>
+              <a:rPr lang="fr-FR" dirty="0" smtClean="0">
+                <a:latin typeface="Courier New" panose="02070309020205020404" pitchFamily="49" charset="0"/>
+                <a:cs typeface="Courier New" panose="02070309020205020404" pitchFamily="49" charset="0"/>
+              </a:rPr>
+              <a:t>RAPATCHES </a:t>
+            </a:r>
+            <a:r>
+              <a:rPr lang="fr-FR" dirty="0">
+                <a:latin typeface="Courier New" panose="02070309020205020404" pitchFamily="49" charset="0"/>
+                <a:cs typeface="Courier New" panose="02070309020205020404" pitchFamily="49" charset="0"/>
+              </a:rPr>
+              <a:t>= 800</a:t>
+            </a:r>
+            <a:br>
+              <a:rPr lang="fr-FR" dirty="0">
+                <a:latin typeface="Courier New" panose="02070309020205020404" pitchFamily="49" charset="0"/>
+                <a:cs typeface="Courier New" panose="02070309020205020404" pitchFamily="49" charset="0"/>
+              </a:rPr>
+            </a:br>
+            <a:r>
+              <a:rPr lang="fr-FR" dirty="0">
+                <a:latin typeface="Courier New" panose="02070309020205020404" pitchFamily="49" charset="0"/>
+                <a:cs typeface="Courier New" panose="02070309020205020404" pitchFamily="49" charset="0"/>
+              </a:rPr>
+              <a:t>DECPATCHES = </a:t>
+            </a:r>
+            <a:r>
+              <a:rPr lang="fr-FR" dirty="0" smtClean="0">
+                <a:latin typeface="Courier New" panose="02070309020205020404" pitchFamily="49" charset="0"/>
+                <a:cs typeface="Courier New" panose="02070309020205020404" pitchFamily="49" charset="0"/>
+              </a:rPr>
+              <a:t>400</a:t>
+            </a:r>
+            <a:r>
+              <a:rPr lang="fr-FR" dirty="0">
+                <a:latin typeface="Courier New" panose="02070309020205020404" pitchFamily="49" charset="0"/>
+                <a:cs typeface="Courier New" panose="02070309020205020404" pitchFamily="49" charset="0"/>
+              </a:rPr>
+              <a:t/>
+            </a:r>
+            <a:br>
+              <a:rPr lang="fr-FR" dirty="0">
+                <a:latin typeface="Courier New" panose="02070309020205020404" pitchFamily="49" charset="0"/>
+                <a:cs typeface="Courier New" panose="02070309020205020404" pitchFamily="49" charset="0"/>
+              </a:rPr>
+            </a:br>
+            <a:r>
+              <a:rPr lang="fr-FR" dirty="0">
+                <a:latin typeface="Courier New" panose="02070309020205020404" pitchFamily="49" charset="0"/>
+                <a:cs typeface="Courier New" panose="02070309020205020404" pitchFamily="49" charset="0"/>
+              </a:rPr>
+              <a:t>PIXELS_PER_DEGREE = </a:t>
+            </a:r>
+            <a:r>
+              <a:rPr lang="fr-FR" dirty="0" smtClean="0">
+                <a:latin typeface="Courier New" panose="02070309020205020404" pitchFamily="49" charset="0"/>
+                <a:cs typeface="Courier New" panose="02070309020205020404" pitchFamily="49" charset="0"/>
+              </a:rPr>
+              <a:t>8000</a:t>
+            </a:r>
+            <a:r>
+              <a:rPr lang="fr-FR" dirty="0">
+                <a:latin typeface="Courier New" panose="02070309020205020404" pitchFamily="49" charset="0"/>
+                <a:cs typeface="Courier New" panose="02070309020205020404" pitchFamily="49" charset="0"/>
+              </a:rPr>
+              <a:t/>
+            </a:r>
+            <a:br>
+              <a:rPr lang="fr-FR" dirty="0">
+                <a:latin typeface="Courier New" panose="02070309020205020404" pitchFamily="49" charset="0"/>
+                <a:cs typeface="Courier New" panose="02070309020205020404" pitchFamily="49" charset="0"/>
+              </a:rPr>
+            </a:br>
+            <a:r>
+              <a:rPr lang="fr-FR" dirty="0">
+                <a:latin typeface="Courier New" panose="02070309020205020404" pitchFamily="49" charset="0"/>
+                <a:cs typeface="Courier New" panose="02070309020205020404" pitchFamily="49" charset="0"/>
+              </a:rPr>
+              <a:t>RA0 = -20.0</a:t>
+            </a:r>
+            <a:br>
+              <a:rPr lang="fr-FR" dirty="0">
+                <a:latin typeface="Courier New" panose="02070309020205020404" pitchFamily="49" charset="0"/>
+                <a:cs typeface="Courier New" panose="02070309020205020404" pitchFamily="49" charset="0"/>
+              </a:rPr>
+            </a:br>
+            <a:r>
+              <a:rPr lang="fr-FR" dirty="0">
+                <a:latin typeface="Courier New" panose="02070309020205020404" pitchFamily="49" charset="0"/>
+                <a:cs typeface="Courier New" panose="02070309020205020404" pitchFamily="49" charset="0"/>
+              </a:rPr>
+              <a:t>DEC0 = 20</a:t>
+            </a:r>
+            <a:br>
+              <a:rPr lang="fr-FR" dirty="0">
+                <a:latin typeface="Courier New" panose="02070309020205020404" pitchFamily="49" charset="0"/>
+                <a:cs typeface="Courier New" panose="02070309020205020404" pitchFamily="49" charset="0"/>
+              </a:rPr>
+            </a:br>
+            <a:r>
+              <a:rPr lang="fr-FR" dirty="0">
+                <a:latin typeface="Courier New" panose="02070309020205020404" pitchFamily="49" charset="0"/>
+                <a:cs typeface="Courier New" panose="02070309020205020404" pitchFamily="49" charset="0"/>
+              </a:rPr>
+              <a:t>IMAGES_IN_RA = 3</a:t>
+            </a:r>
+            <a:br>
+              <a:rPr lang="fr-FR" dirty="0">
+                <a:latin typeface="Courier New" panose="02070309020205020404" pitchFamily="49" charset="0"/>
+                <a:cs typeface="Courier New" panose="02070309020205020404" pitchFamily="49" charset="0"/>
+              </a:rPr>
+            </a:br>
+            <a:r>
+              <a:rPr lang="fr-FR" dirty="0">
+                <a:latin typeface="Courier New" panose="02070309020205020404" pitchFamily="49" charset="0"/>
+                <a:cs typeface="Courier New" panose="02070309020205020404" pitchFamily="49" charset="0"/>
+              </a:rPr>
+              <a:t>IMAGES_IN_DEC = 2</a:t>
+            </a:r>
+            <a:endParaRPr lang="fr-FR" dirty="0" smtClean="0">
+              <a:latin typeface="Courier New" panose="02070309020205020404" pitchFamily="49" charset="0"/>
+              <a:cs typeface="Courier New" panose="02070309020205020404" pitchFamily="49" charset="0"/>
+            </a:endParaRPr>
+          </a:p>
+        </p:txBody>
+      </p:sp>
+      <p:sp>
+        <p:nvSpPr>
+          <p:cNvPr id="6" name="ZoneTexte 5"/>
+          <p:cNvSpPr txBox="1"/>
+          <p:nvPr/>
+        </p:nvSpPr>
+        <p:spPr>
+          <a:xfrm>
+            <a:off x="5580112" y="2062589"/>
+            <a:ext cx="2666114" cy="646331"/>
+          </a:xfrm>
+          <a:prstGeom prst="rect">
+            <a:avLst/>
+          </a:prstGeom>
+          <a:solidFill>
+            <a:schemeClr val="bg1">
+              <a:lumMod val="95000"/>
+            </a:schemeClr>
+          </a:solidFill>
+          <a:ln>
+            <a:solidFill>
+              <a:srgbClr val="0070C0"/>
+            </a:solidFill>
+          </a:ln>
+        </p:spPr>
+        <p:txBody>
+          <a:bodyPr wrap="none" rtlCol="0">
+            <a:spAutoFit/>
+          </a:bodyPr>
+          <a:lstStyle/>
+          <a:p>
+            <a:r>
+              <a:rPr lang="fr-FR" dirty="0" smtClean="0">
+                <a:latin typeface="Courier New" panose="02070309020205020404" pitchFamily="49" charset="0"/>
+                <a:cs typeface="Courier New" panose="02070309020205020404" pitchFamily="49" charset="0"/>
+              </a:rPr>
+              <a:t>13’5</a:t>
+            </a:r>
+          </a:p>
+          <a:p>
+            <a:r>
+              <a:rPr lang="fr-FR" dirty="0" smtClean="0">
+                <a:latin typeface="Courier New" panose="02070309020205020404" pitchFamily="49" charset="0"/>
+                <a:cs typeface="Courier New" panose="02070309020205020404" pitchFamily="49" charset="0"/>
+              </a:rPr>
+              <a:t>1800 x 1800 pixels</a:t>
+            </a:r>
+            <a:endParaRPr lang="fr-FR" dirty="0">
+              <a:latin typeface="Courier New" panose="02070309020205020404" pitchFamily="49" charset="0"/>
+              <a:cs typeface="Courier New" panose="02070309020205020404" pitchFamily="49" charset="0"/>
+            </a:endParaRPr>
+          </a:p>
+        </p:txBody>
+      </p:sp>
+      <p:sp>
+        <p:nvSpPr>
+          <p:cNvPr id="7" name="Flèche droite 6"/>
+          <p:cNvSpPr/>
+          <p:nvPr/>
+        </p:nvSpPr>
+        <p:spPr>
+          <a:xfrm>
+            <a:off x="4211960" y="2132856"/>
+            <a:ext cx="1152128" cy="504056"/>
+          </a:xfrm>
+          <a:prstGeom prst="rightArrow">
+            <a:avLst/>
+          </a:prstGeom>
+        </p:spPr>
+        <p:style>
+          <a:lnRef idx="2">
+            <a:schemeClr val="accent1">
+              <a:shade val="50000"/>
+            </a:schemeClr>
+          </a:lnRef>
+          <a:fillRef idx="1">
+            <a:schemeClr val="accent1"/>
+          </a:fillRef>
+          <a:effectRef idx="0">
+            <a:schemeClr val="accent1"/>
+          </a:effectRef>
+          <a:fontRef idx="minor">
+            <a:schemeClr val="lt1"/>
+          </a:fontRef>
+        </p:style>
+        <p:txBody>
+          <a:bodyPr rtlCol="0" anchor="ctr"/>
+          <a:lstStyle/>
+          <a:p>
+            <a:pPr algn="ctr"/>
+            <a:r>
+              <a:rPr lang="fr-FR" dirty="0" smtClean="0"/>
+              <a:t>1 image</a:t>
+            </a:r>
+            <a:endParaRPr lang="fr-FR" dirty="0"/>
+          </a:p>
+        </p:txBody>
+      </p:sp>
+      <p:sp>
+        <p:nvSpPr>
+          <p:cNvPr id="9" name="ZoneTexte 8"/>
+          <p:cNvSpPr txBox="1"/>
+          <p:nvPr/>
+        </p:nvSpPr>
+        <p:spPr>
+          <a:xfrm>
+            <a:off x="539552" y="4494019"/>
+            <a:ext cx="2666114" cy="923330"/>
+          </a:xfrm>
+          <a:prstGeom prst="rect">
+            <a:avLst/>
+          </a:prstGeom>
+          <a:solidFill>
+            <a:schemeClr val="bg1">
+              <a:lumMod val="95000"/>
+            </a:schemeClr>
+          </a:solidFill>
+          <a:ln>
+            <a:solidFill>
+              <a:srgbClr val="0070C0"/>
+            </a:solidFill>
+          </a:ln>
+        </p:spPr>
+        <p:txBody>
+          <a:bodyPr wrap="none" rtlCol="0">
+            <a:spAutoFit/>
+          </a:bodyPr>
+          <a:lstStyle/>
+          <a:p>
+            <a:r>
+              <a:rPr lang="fr-FR" dirty="0" smtClean="0">
+                <a:latin typeface="Courier New" panose="02070309020205020404" pitchFamily="49" charset="0"/>
+                <a:cs typeface="Courier New" panose="02070309020205020404" pitchFamily="49" charset="0"/>
+              </a:rPr>
+              <a:t>IMAGES_IN_RA </a:t>
+            </a:r>
+            <a:r>
+              <a:rPr lang="fr-FR" dirty="0">
+                <a:latin typeface="Courier New" panose="02070309020205020404" pitchFamily="49" charset="0"/>
+                <a:cs typeface="Courier New" panose="02070309020205020404" pitchFamily="49" charset="0"/>
+              </a:rPr>
+              <a:t>= </a:t>
+            </a:r>
+            <a:r>
+              <a:rPr lang="fr-FR" dirty="0" smtClean="0">
+                <a:latin typeface="Courier New" panose="02070309020205020404" pitchFamily="49" charset="0"/>
+                <a:cs typeface="Courier New" panose="02070309020205020404" pitchFamily="49" charset="0"/>
+              </a:rPr>
+              <a:t>5</a:t>
+            </a:r>
+            <a:r>
+              <a:rPr lang="fr-FR" dirty="0">
+                <a:latin typeface="Courier New" panose="02070309020205020404" pitchFamily="49" charset="0"/>
+                <a:cs typeface="Courier New" panose="02070309020205020404" pitchFamily="49" charset="0"/>
+              </a:rPr>
+              <a:t/>
+            </a:r>
+            <a:br>
+              <a:rPr lang="fr-FR" dirty="0">
+                <a:latin typeface="Courier New" panose="02070309020205020404" pitchFamily="49" charset="0"/>
+                <a:cs typeface="Courier New" panose="02070309020205020404" pitchFamily="49" charset="0"/>
+              </a:rPr>
+            </a:br>
+            <a:r>
+              <a:rPr lang="fr-FR" dirty="0">
+                <a:latin typeface="Courier New" panose="02070309020205020404" pitchFamily="49" charset="0"/>
+                <a:cs typeface="Courier New" panose="02070309020205020404" pitchFamily="49" charset="0"/>
+              </a:rPr>
+              <a:t>IMAGES_IN_DEC = </a:t>
+            </a:r>
+            <a:r>
+              <a:rPr lang="fr-FR" dirty="0" smtClean="0">
+                <a:latin typeface="Courier New" panose="02070309020205020404" pitchFamily="49" charset="0"/>
+                <a:cs typeface="Courier New" panose="02070309020205020404" pitchFamily="49" charset="0"/>
+              </a:rPr>
+              <a:t>5</a:t>
+            </a:r>
+          </a:p>
+          <a:p>
+            <a:r>
+              <a:rPr lang="fr-FR" dirty="0" smtClean="0">
+                <a:latin typeface="Courier New" panose="02070309020205020404" pitchFamily="49" charset="0"/>
+                <a:cs typeface="Courier New" panose="02070309020205020404" pitchFamily="49" charset="0"/>
+              </a:rPr>
+              <a:t>8000 x 8000 pixels</a:t>
+            </a:r>
+          </a:p>
+        </p:txBody>
+      </p:sp>
+    </p:spTree>
+    <p:extLst>
+      <p:ext uri="{BB962C8B-B14F-4D97-AF65-F5344CB8AC3E}">
+        <p14:creationId xmlns:p14="http://schemas.microsoft.com/office/powerpoint/2010/main" val="346030227"/>
+      </p:ext>
+    </p:extLst>
+  </p:cSld>
+  <p:clrMapOvr>
+    <a:masterClrMapping/>
+  </p:clrMapOvr>
+  <p:timing>
+    <p:tnLst>
+      <p:par>
+        <p:cTn id="1" dur="indefinite" restart="never" nodeType="tmRoot"/>
+      </p:par>
+    </p:tnLst>
+  </p:timing>
+</p:sld>
+</file>
+
+<file path=ppt/slides/slide8.xml><?xml version="1.0" encoding="utf-8"?>
+<p:sld xmlns:a="http://schemas.openxmlformats.org/drawingml/2006/main" xmlns:r="http://schemas.openxmlformats.org/officeDocument/2006/relationships" xmlns:p="http://schemas.openxmlformats.org/presentationml/2006/main">
+  <p:cSld>
+    <p:spTree>
+      <p:nvGrpSpPr>
+        <p:cNvPr id="1" name=""/>
+        <p:cNvGrpSpPr/>
+        <p:nvPr/>
+      </p:nvGrpSpPr>
+      <p:grpSpPr>
+        <a:xfrm>
+          <a:off x="0" y="0"/>
+          <a:ext cx="0" cy="0"/>
+          <a:chOff x="0" y="0"/>
+          <a:chExt cx="0" cy="0"/>
+        </a:xfrm>
+      </p:grpSpPr>
+      <p:pic>
+        <p:nvPicPr>
+          <p:cNvPr id="1026" name="Picture 2"/>
+          <p:cNvPicPr>
+            <a:picLocks noChangeAspect="1" noChangeArrowheads="1"/>
+          </p:cNvPicPr>
+          <p:nvPr/>
+        </p:nvPicPr>
+        <p:blipFill>
+          <a:blip r:embed="rId2">
+            <a:extLst>
+              <a:ext uri="{28A0092B-C50C-407E-A947-70E740481C1C}">
+                <a14:useLocalDpi xmlns:a14="http://schemas.microsoft.com/office/drawing/2010/main" val="0"/>
+              </a:ext>
+            </a:extLst>
+          </a:blip>
+          <a:srcRect/>
+          <a:stretch>
+            <a:fillRect/>
+          </a:stretch>
+        </p:blipFill>
+        <p:spPr bwMode="auto">
+          <a:xfrm>
+            <a:off x="1062038" y="285750"/>
+            <a:ext cx="7019925" cy="6286500"/>
+          </a:xfrm>
+          <a:prstGeom prst="rect">
+            <a:avLst/>
+          </a:prstGeom>
+          <a:noFill/>
+          <a:ln>
+            <a:noFill/>
+          </a:ln>
+          <a:extLst>
+            <a:ext uri="{909E8E84-426E-40DD-AFC4-6F175D3DCCD1}">
+              <a14:hiddenFill xmlns:a14="http://schemas.microsoft.com/office/drawing/2010/main">
+                <a:solidFill>
+                  <a:schemeClr val="accent1"/>
+                </a:solidFill>
+              </a14:hiddenFill>
+            </a:ext>
+            <a:ext uri="{91240B29-F687-4F45-9708-019B960494DF}">
+              <a14:hiddenLine xmlns:a14="http://schemas.microsoft.com/office/drawing/2010/main" w="9525">
+                <a:solidFill>
+                  <a:schemeClr val="tx1"/>
+                </a:solidFill>
+                <a:miter lim="800000"/>
+                <a:headEnd/>
+                <a:tailEnd/>
+              </a14:hiddenLine>
+            </a:ext>
+          </a:extLst>
+        </p:spPr>
+      </p:pic>
+    </p:spTree>
+    <p:extLst>
+      <p:ext uri="{BB962C8B-B14F-4D97-AF65-F5344CB8AC3E}">
+        <p14:creationId xmlns:p14="http://schemas.microsoft.com/office/powerpoint/2010/main" val="2532908120"/>
+      </p:ext>
+    </p:extLst>
+  </p:cSld>
+  <p:clrMapOvr>
+    <a:masterClrMapping/>
+  </p:clrMapOvr>
+</p:sld>
+</file>
+
+<file path=ppt/slides/slide9.xml><?xml version="1.0" encoding="utf-8"?>
+<p:sld xmlns:a="http://schemas.openxmlformats.org/drawingml/2006/main" xmlns:r="http://schemas.openxmlformats.org/officeDocument/2006/relationships" xmlns:p="http://schemas.openxmlformats.org/presentationml/2006/main">
+  <p:cSld>
+    <p:spTree>
+      <p:nvGrpSpPr>
+        <p:cNvPr id="1" name=""/>
+        <p:cNvGrpSpPr/>
+        <p:nvPr/>
+      </p:nvGrpSpPr>
+      <p:grpSpPr>
+        <a:xfrm>
+          <a:off x="0" y="0"/>
+          <a:ext cx="0" cy="0"/>
+          <a:chOff x="0" y="0"/>
+          <a:chExt cx="0" cy="0"/>
+        </a:xfrm>
+      </p:grpSpPr>
+      <p:pic>
+        <p:nvPicPr>
+          <p:cNvPr id="1026" name="Picture 2"/>
+          <p:cNvPicPr>
+            <a:picLocks noChangeAspect="1" noChangeArrowheads="1"/>
+          </p:cNvPicPr>
+          <p:nvPr/>
+        </p:nvPicPr>
+        <p:blipFill>
+          <a:blip r:embed="rId2">
+            <a:extLst>
+              <a:ext uri="{28A0092B-C50C-407E-A947-70E740481C1C}">
+                <a14:useLocalDpi xmlns:a14="http://schemas.microsoft.com/office/drawing/2010/main" val="0"/>
+              </a:ext>
+            </a:extLst>
+          </a:blip>
+          <a:srcRect/>
+          <a:stretch>
+            <a:fillRect/>
+          </a:stretch>
+        </p:blipFill>
+        <p:spPr bwMode="auto">
+          <a:xfrm>
+            <a:off x="809625" y="971550"/>
+            <a:ext cx="7524750" cy="4914900"/>
+          </a:xfrm>
+          <a:prstGeom prst="rect">
+            <a:avLst/>
+          </a:prstGeom>
+          <a:noFill/>
+          <a:ln>
+            <a:noFill/>
+          </a:ln>
+          <a:extLst>
+            <a:ext uri="{909E8E84-426E-40DD-AFC4-6F175D3DCCD1}">
+              <a14:hiddenFill xmlns:a14="http://schemas.microsoft.com/office/drawing/2010/main">
+                <a:solidFill>
+                  <a:schemeClr val="accent1"/>
+                </a:solidFill>
+              </a14:hiddenFill>
+            </a:ext>
+            <a:ext uri="{91240B29-F687-4F45-9708-019B960494DF}">
+              <a14:hiddenLine xmlns:a14="http://schemas.microsoft.com/office/drawing/2010/main" w="9525">
+                <a:solidFill>
+                  <a:schemeClr val="tx1"/>
+                </a:solidFill>
+                <a:miter lim="800000"/>
+                <a:headEnd/>
+                <a:tailEnd/>
+              </a14:hiddenLine>
+            </a:ext>
+          </a:extLst>
+        </p:spPr>
+      </p:pic>
+    </p:spTree>
+    <p:extLst>
+      <p:ext uri="{BB962C8B-B14F-4D97-AF65-F5344CB8AC3E}">
+        <p14:creationId xmlns:p14="http://schemas.microsoft.com/office/powerpoint/2010/main" val="3004235530"/>
+      </p:ext>
+    </p:extLst>
+  </p:cSld>
+  <p:clrMapOvr>
+    <a:masterClrMapping/>
+  </p:clrMapOvr>
+  <p:timing>
+    <p:tnLst>
+      <p:par>
+        <p:cTn id="1" dur="indefinite" restart="never" nodeType="tmRoot"/>
+      </p:par>
+    </p:tnLst>
+  </p:timing>
 </p:sld>
 </file>
 

--- a/images/20170120 Spark et LSST.pptx
+++ b/images/20170120 Spark et LSST.pptx
@@ -13,10 +13,14 @@
     <p:sldId id="267" r:id="rId7"/>
     <p:sldId id="268" r:id="rId8"/>
     <p:sldId id="273" r:id="rId9"/>
-    <p:sldId id="272" r:id="rId10"/>
-    <p:sldId id="269" r:id="rId11"/>
-    <p:sldId id="270" r:id="rId12"/>
-    <p:sldId id="271" r:id="rId13"/>
+    <p:sldId id="269" r:id="rId10"/>
+    <p:sldId id="270" r:id="rId11"/>
+    <p:sldId id="274" r:id="rId12"/>
+    <p:sldId id="276" r:id="rId13"/>
+    <p:sldId id="278" r:id="rId14"/>
+    <p:sldId id="280" r:id="rId15"/>
+    <p:sldId id="271" r:id="rId16"/>
+    <p:sldId id="279" r:id="rId17"/>
   </p:sldIdLst>
   <p:sldSz cx="9144000" cy="6858000" type="screen4x3"/>
   <p:notesSz cx="6858000" cy="9144000"/>
@@ -118,6 +122,140 @@
 </p:presentation>
 </file>
 
+<file path=ppt/charts/chart1.xml><?xml version="1.0" encoding="utf-8"?>
+<c:chartSpace xmlns:c="http://schemas.openxmlformats.org/drawingml/2006/chart" xmlns:a="http://schemas.openxmlformats.org/drawingml/2006/main" xmlns:r="http://schemas.openxmlformats.org/officeDocument/2006/relationships">
+  <c:date1904 val="0"/>
+  <c:lang val="fr-FR"/>
+  <c:roundedCorners val="0"/>
+  <mc:AlternateContent xmlns:mc="http://schemas.openxmlformats.org/markup-compatibility/2006">
+    <mc:Choice xmlns:c14="http://schemas.microsoft.com/office/drawing/2007/8/2/chart" Requires="c14">
+      <c14:style val="102"/>
+    </mc:Choice>
+    <mc:Fallback>
+      <c:style val="2"/>
+    </mc:Fallback>
+  </mc:AlternateContent>
+  <c:chart>
+    <c:autoTitleDeleted val="0"/>
+    <c:plotArea>
+      <c:layout/>
+      <c:scatterChart>
+        <c:scatterStyle val="smoothMarker"/>
+        <c:varyColors val="0"/>
+        <c:ser>
+          <c:idx val="0"/>
+          <c:order val="0"/>
+          <c:marker>
+            <c:symbol val="none"/>
+          </c:marker>
+          <c:xVal>
+            <c:numRef>
+              <c:f>Feuil1!$A$4:$A$8</c:f>
+              <c:numCache>
+                <c:formatCode>General</c:formatCode>
+                <c:ptCount val="5"/>
+                <c:pt idx="0">
+                  <c:v>100</c:v>
+                </c:pt>
+                <c:pt idx="1">
+                  <c:v>50</c:v>
+                </c:pt>
+                <c:pt idx="2">
+                  <c:v>25</c:v>
+                </c:pt>
+                <c:pt idx="3">
+                  <c:v>10</c:v>
+                </c:pt>
+                <c:pt idx="4">
+                  <c:v>1</c:v>
+                </c:pt>
+              </c:numCache>
+            </c:numRef>
+          </c:xVal>
+          <c:yVal>
+            <c:numRef>
+              <c:f>Feuil1!$B$4:$B$8</c:f>
+              <c:numCache>
+                <c:formatCode>General</c:formatCode>
+                <c:ptCount val="5"/>
+                <c:pt idx="0">
+                  <c:v>10.9</c:v>
+                </c:pt>
+                <c:pt idx="1">
+                  <c:v>5.29</c:v>
+                </c:pt>
+                <c:pt idx="2">
+                  <c:v>3.38</c:v>
+                </c:pt>
+                <c:pt idx="3">
+                  <c:v>1.57</c:v>
+                </c:pt>
+                <c:pt idx="4">
+                  <c:v>0.54</c:v>
+                </c:pt>
+              </c:numCache>
+            </c:numRef>
+          </c:yVal>
+          <c:smooth val="1"/>
+        </c:ser>
+        <c:dLbls>
+          <c:showLegendKey val="0"/>
+          <c:showVal val="0"/>
+          <c:showCatName val="0"/>
+          <c:showSerName val="0"/>
+          <c:showPercent val="0"/>
+          <c:showBubbleSize val="0"/>
+        </c:dLbls>
+        <c:axId val="160909952"/>
+        <c:axId val="201832320"/>
+      </c:scatterChart>
+      <c:valAx>
+        <c:axId val="160909952"/>
+        <c:scaling>
+          <c:orientation val="minMax"/>
+        </c:scaling>
+        <c:delete val="0"/>
+        <c:axPos val="b"/>
+        <c:numFmt formatCode="General" sourceLinked="1"/>
+        <c:majorTickMark val="out"/>
+        <c:minorTickMark val="none"/>
+        <c:tickLblPos val="nextTo"/>
+        <c:crossAx val="201832320"/>
+        <c:crosses val="autoZero"/>
+        <c:crossBetween val="midCat"/>
+      </c:valAx>
+      <c:valAx>
+        <c:axId val="201832320"/>
+        <c:scaling>
+          <c:orientation val="minMax"/>
+        </c:scaling>
+        <c:delete val="0"/>
+        <c:axPos val="l"/>
+        <c:majorGridlines/>
+        <c:numFmt formatCode="General" sourceLinked="1"/>
+        <c:majorTickMark val="out"/>
+        <c:minorTickMark val="none"/>
+        <c:tickLblPos val="nextTo"/>
+        <c:crossAx val="160909952"/>
+        <c:crosses val="autoZero"/>
+        <c:crossBetween val="midCat"/>
+      </c:valAx>
+    </c:plotArea>
+    <c:legend>
+      <c:legendPos val="r"/>
+      <c:layout/>
+      <c:overlay val="0"/>
+    </c:legend>
+    <c:plotVisOnly val="1"/>
+    <c:dispBlanksAs val="gap"/>
+    <c:showDLblsOverMax val="0"/>
+  </c:chart>
+  <c:externalData r:id="rId1">
+    <c:autoUpdate val="0"/>
+  </c:externalData>
+</c:chartSpace>
+</file>
+
 <file path=ppt/slideLayouts/slideLayout1.xml><?xml version="1.0" encoding="utf-8"?>
 <p:sldLayout xmlns:a="http://schemas.openxmlformats.org/drawingml/2006/main" xmlns:r="http://schemas.openxmlformats.org/officeDocument/2006/relationships" xmlns:p="http://schemas.openxmlformats.org/presentationml/2006/main" type="title" preserve="1">
   <p:cSld name="Diapositive de titre">
@@ -299,7 +437,7 @@
           <a:p>
             <a:fld id="{86B6C451-13DA-4D9F-AE7F-9788E91ABC15}" type="datetimeFigureOut">
               <a:rPr lang="fr-FR" smtClean="0"/>
-              <a:t>01/03/2017</a:t>
+              <a:t>18/03/2017</a:t>
             </a:fld>
             <a:endParaRPr lang="fr-FR"/>
           </a:p>
@@ -469,7 +607,7 @@
           <a:p>
             <a:fld id="{86B6C451-13DA-4D9F-AE7F-9788E91ABC15}" type="datetimeFigureOut">
               <a:rPr lang="fr-FR" smtClean="0"/>
-              <a:t>01/03/2017</a:t>
+              <a:t>18/03/2017</a:t>
             </a:fld>
             <a:endParaRPr lang="fr-FR"/>
           </a:p>
@@ -649,7 +787,7 @@
           <a:p>
             <a:fld id="{86B6C451-13DA-4D9F-AE7F-9788E91ABC15}" type="datetimeFigureOut">
               <a:rPr lang="fr-FR" smtClean="0"/>
-              <a:t>01/03/2017</a:t>
+              <a:t>18/03/2017</a:t>
             </a:fld>
             <a:endParaRPr lang="fr-FR"/>
           </a:p>
@@ -865,7 +1003,7 @@
           <a:p>
             <a:fld id="{86B6C451-13DA-4D9F-AE7F-9788E91ABC15}" type="datetimeFigureOut">
               <a:rPr lang="fr-FR" smtClean="0"/>
-              <a:t>01/03/2017</a:t>
+              <a:t>18/03/2017</a:t>
             </a:fld>
             <a:endParaRPr lang="fr-FR"/>
           </a:p>
@@ -1111,7 +1249,7 @@
           <a:p>
             <a:fld id="{86B6C451-13DA-4D9F-AE7F-9788E91ABC15}" type="datetimeFigureOut">
               <a:rPr lang="fr-FR" smtClean="0"/>
-              <a:t>01/03/2017</a:t>
+              <a:t>18/03/2017</a:t>
             </a:fld>
             <a:endParaRPr lang="fr-FR"/>
           </a:p>
@@ -1399,7 +1537,7 @@
           <a:p>
             <a:fld id="{86B6C451-13DA-4D9F-AE7F-9788E91ABC15}" type="datetimeFigureOut">
               <a:rPr lang="fr-FR" smtClean="0"/>
-              <a:t>01/03/2017</a:t>
+              <a:t>18/03/2017</a:t>
             </a:fld>
             <a:endParaRPr lang="fr-FR"/>
           </a:p>
@@ -1821,7 +1959,7 @@
           <a:p>
             <a:fld id="{86B6C451-13DA-4D9F-AE7F-9788E91ABC15}" type="datetimeFigureOut">
               <a:rPr lang="fr-FR" smtClean="0"/>
-              <a:t>01/03/2017</a:t>
+              <a:t>18/03/2017</a:t>
             </a:fld>
             <a:endParaRPr lang="fr-FR"/>
           </a:p>
@@ -1939,7 +2077,7 @@
           <a:p>
             <a:fld id="{86B6C451-13DA-4D9F-AE7F-9788E91ABC15}" type="datetimeFigureOut">
               <a:rPr lang="fr-FR" smtClean="0"/>
-              <a:t>01/03/2017</a:t>
+              <a:t>18/03/2017</a:t>
             </a:fld>
             <a:endParaRPr lang="fr-FR"/>
           </a:p>
@@ -2034,7 +2172,7 @@
           <a:p>
             <a:fld id="{86B6C451-13DA-4D9F-AE7F-9788E91ABC15}" type="datetimeFigureOut">
               <a:rPr lang="fr-FR" smtClean="0"/>
-              <a:t>01/03/2017</a:t>
+              <a:t>18/03/2017</a:t>
             </a:fld>
             <a:endParaRPr lang="fr-FR"/>
           </a:p>
@@ -2311,7 +2449,7 @@
           <a:p>
             <a:fld id="{86B6C451-13DA-4D9F-AE7F-9788E91ABC15}" type="datetimeFigureOut">
               <a:rPr lang="fr-FR" smtClean="0"/>
-              <a:t>01/03/2017</a:t>
+              <a:t>18/03/2017</a:t>
             </a:fld>
             <a:endParaRPr lang="fr-FR"/>
           </a:p>
@@ -2564,7 +2702,7 @@
           <a:p>
             <a:fld id="{86B6C451-13DA-4D9F-AE7F-9788E91ABC15}" type="datetimeFigureOut">
               <a:rPr lang="fr-FR" smtClean="0"/>
-              <a:t>01/03/2017</a:t>
+              <a:t>18/03/2017</a:t>
             </a:fld>
             <a:endParaRPr lang="fr-FR"/>
           </a:p>
@@ -2777,7 +2915,7 @@
           <a:p>
             <a:fld id="{86B6C451-13DA-4D9F-AE7F-9788E91ABC15}" type="datetimeFigureOut">
               <a:rPr lang="fr-FR" smtClean="0"/>
-              <a:t>01/03/2017</a:t>
+              <a:t>18/03/2017</a:t>
             </a:fld>
             <a:endParaRPr lang="fr-FR"/>
           </a:p>
@@ -3241,6 +3379,60 @@
       </p:grpSpPr>
       <p:sp>
         <p:nvSpPr>
+          <p:cNvPr id="5" name="Espace réservé du contenu 2"/>
+          <p:cNvSpPr>
+            <a:spLocks noGrp="1"/>
+          </p:cNvSpPr>
+          <p:nvPr>
+            <p:ph idx="1"/>
+          </p:nvPr>
+        </p:nvSpPr>
+        <p:spPr>
+          <a:xfrm>
+            <a:off x="457200" y="980728"/>
+            <a:ext cx="8229600" cy="5145435"/>
+          </a:xfrm>
+        </p:spPr>
+        <p:txBody>
+          <a:bodyPr/>
+          <a:lstStyle/>
+          <a:p>
+            <a:r>
+              <a:rPr lang="fr-FR" dirty="0" smtClean="0"/>
+              <a:t>Avec l’utilisation des RDD</a:t>
+            </a:r>
+          </a:p>
+          <a:p>
+            <a:pPr lvl="1"/>
+            <a:r>
+              <a:rPr lang="fr-FR" dirty="0" smtClean="0"/>
+              <a:t>Gestion des données structurées</a:t>
+            </a:r>
+          </a:p>
+          <a:p>
+            <a:pPr lvl="1"/>
+            <a:r>
+              <a:rPr lang="fr-FR" dirty="0" smtClean="0"/>
+              <a:t>Sélection par opérations </a:t>
+            </a:r>
+            <a:r>
+              <a:rPr lang="fr-FR" dirty="0" err="1" smtClean="0"/>
+              <a:t>map</a:t>
+            </a:r>
+            <a:r>
+              <a:rPr lang="fr-FR" dirty="0" smtClean="0"/>
+              <a:t>, </a:t>
+            </a:r>
+            <a:r>
+              <a:rPr lang="fr-FR" dirty="0" err="1" smtClean="0"/>
+              <a:t>filter</a:t>
+            </a:r>
+            <a:endParaRPr lang="fr-FR" dirty="0" smtClean="0"/>
+          </a:p>
+        </p:txBody>
+      </p:sp>
+      <p:sp>
+        <p:nvSpPr>
           <p:cNvPr id="2" name="Titre 1"/>
           <p:cNvSpPr>
             <a:spLocks noGrp="1"/>
@@ -3258,400 +3450,9 @@
           <a:p>
             <a:r>
               <a:rPr lang="fr-FR" dirty="0" smtClean="0"/>
-              <a:t>Création des images</a:t>
+              <a:t>Utilisation des images</a:t>
             </a:r>
             <a:endParaRPr lang="fr-FR" dirty="0"/>
-          </a:p>
-        </p:txBody>
-      </p:sp>
-      <p:sp>
-        <p:nvSpPr>
-          <p:cNvPr id="6" name="ZoneTexte 5"/>
-          <p:cNvSpPr txBox="1"/>
-          <p:nvPr/>
-        </p:nvSpPr>
-        <p:spPr>
-          <a:xfrm>
-            <a:off x="179512" y="1052736"/>
-            <a:ext cx="6785832" cy="1569660"/>
-          </a:xfrm>
-          <a:prstGeom prst="rect">
-            <a:avLst/>
-          </a:prstGeom>
-          <a:solidFill>
-            <a:schemeClr val="accent3">
-              <a:lumMod val="20000"/>
-              <a:lumOff val="80000"/>
-            </a:schemeClr>
-          </a:solidFill>
-          <a:ln>
-            <a:solidFill>
-              <a:srgbClr val="0070C0"/>
-            </a:solidFill>
-          </a:ln>
-        </p:spPr>
-        <p:txBody>
-          <a:bodyPr wrap="none" rtlCol="0">
-            <a:spAutoFit/>
-          </a:bodyPr>
-          <a:lstStyle/>
-          <a:p>
-            <a:r>
-              <a:rPr lang="fr-FR" sz="1200" dirty="0" err="1" smtClean="0">
-                <a:latin typeface="Courier New" panose="02070309020205020404" pitchFamily="49" charset="0"/>
-                <a:cs typeface="Courier New" panose="02070309020205020404" pitchFamily="49" charset="0"/>
-              </a:rPr>
-              <a:t>def</a:t>
-            </a:r>
-            <a:r>
-              <a:rPr lang="fr-FR" sz="1200" dirty="0" smtClean="0">
-                <a:latin typeface="Courier New" panose="02070309020205020404" pitchFamily="49" charset="0"/>
-                <a:cs typeface="Courier New" panose="02070309020205020404" pitchFamily="49" charset="0"/>
-              </a:rPr>
-              <a:t> </a:t>
-            </a:r>
-            <a:r>
-              <a:rPr lang="fr-FR" sz="1200" dirty="0" err="1" smtClean="0">
-                <a:latin typeface="Courier New" panose="02070309020205020404" pitchFamily="49" charset="0"/>
-                <a:cs typeface="Courier New" panose="02070309020205020404" pitchFamily="49" charset="0"/>
-              </a:rPr>
-              <a:t>make_schema</a:t>
-            </a:r>
-            <a:r>
-              <a:rPr lang="fr-FR" sz="1200" dirty="0" smtClean="0">
-                <a:latin typeface="Courier New" panose="02070309020205020404" pitchFamily="49" charset="0"/>
-                <a:cs typeface="Courier New" panose="02070309020205020404" pitchFamily="49" charset="0"/>
-              </a:rPr>
-              <a:t>():</a:t>
-            </a:r>
-          </a:p>
-          <a:p>
-            <a:r>
-              <a:rPr lang="fr-FR" sz="1200" dirty="0" smtClean="0">
-                <a:latin typeface="Courier New" panose="02070309020205020404" pitchFamily="49" charset="0"/>
-                <a:cs typeface="Courier New" panose="02070309020205020404" pitchFamily="49" charset="0"/>
-              </a:rPr>
-              <a:t>    </a:t>
-            </a:r>
-            <a:r>
-              <a:rPr lang="fr-FR" sz="1200" dirty="0" err="1" smtClean="0">
-                <a:latin typeface="Courier New" panose="02070309020205020404" pitchFamily="49" charset="0"/>
-                <a:cs typeface="Courier New" panose="02070309020205020404" pitchFamily="49" charset="0"/>
-              </a:rPr>
-              <a:t>schema</a:t>
-            </a:r>
-            <a:r>
-              <a:rPr lang="fr-FR" sz="1200" dirty="0" smtClean="0">
-                <a:latin typeface="Courier New" panose="02070309020205020404" pitchFamily="49" charset="0"/>
-                <a:cs typeface="Courier New" panose="02070309020205020404" pitchFamily="49" charset="0"/>
-              </a:rPr>
-              <a:t> </a:t>
-            </a:r>
-            <a:r>
-              <a:rPr lang="fr-FR" sz="1200" dirty="0">
-                <a:latin typeface="Courier New" panose="02070309020205020404" pitchFamily="49" charset="0"/>
-                <a:cs typeface="Courier New" panose="02070309020205020404" pitchFamily="49" charset="0"/>
-              </a:rPr>
-              <a:t>= </a:t>
-            </a:r>
-            <a:r>
-              <a:rPr lang="fr-FR" sz="1200" dirty="0" err="1">
-                <a:latin typeface="Courier New" panose="02070309020205020404" pitchFamily="49" charset="0"/>
-                <a:cs typeface="Courier New" panose="02070309020205020404" pitchFamily="49" charset="0"/>
-              </a:rPr>
-              <a:t>StructType</a:t>
-            </a:r>
-            <a:r>
-              <a:rPr lang="fr-FR" sz="1200" dirty="0">
-                <a:latin typeface="Courier New" panose="02070309020205020404" pitchFamily="49" charset="0"/>
-                <a:cs typeface="Courier New" panose="02070309020205020404" pitchFamily="49" charset="0"/>
-              </a:rPr>
-              <a:t>([</a:t>
-            </a:r>
-          </a:p>
-          <a:p>
-            <a:r>
-              <a:rPr lang="fr-FR" sz="1200" dirty="0">
-                <a:latin typeface="Courier New" panose="02070309020205020404" pitchFamily="49" charset="0"/>
-                <a:cs typeface="Courier New" panose="02070309020205020404" pitchFamily="49" charset="0"/>
-              </a:rPr>
-              <a:t>       </a:t>
-            </a:r>
-            <a:r>
-              <a:rPr lang="fr-FR" sz="1200" dirty="0" err="1">
-                <a:latin typeface="Courier New" panose="02070309020205020404" pitchFamily="49" charset="0"/>
-                <a:cs typeface="Courier New" panose="02070309020205020404" pitchFamily="49" charset="0"/>
-              </a:rPr>
-              <a:t>StructField</a:t>
-            </a:r>
-            <a:r>
-              <a:rPr lang="fr-FR" sz="1200" dirty="0">
-                <a:latin typeface="Courier New" panose="02070309020205020404" pitchFamily="49" charset="0"/>
-                <a:cs typeface="Courier New" panose="02070309020205020404" pitchFamily="49" charset="0"/>
-              </a:rPr>
-              <a:t>("id", </a:t>
-            </a:r>
-            <a:r>
-              <a:rPr lang="fr-FR" sz="1200" dirty="0" err="1">
-                <a:latin typeface="Courier New" panose="02070309020205020404" pitchFamily="49" charset="0"/>
-                <a:cs typeface="Courier New" panose="02070309020205020404" pitchFamily="49" charset="0"/>
-              </a:rPr>
-              <a:t>IntegerType</a:t>
-            </a:r>
-            <a:r>
-              <a:rPr lang="fr-FR" sz="1200" dirty="0">
-                <a:latin typeface="Courier New" panose="02070309020205020404" pitchFamily="49" charset="0"/>
-                <a:cs typeface="Courier New" panose="02070309020205020404" pitchFamily="49" charset="0"/>
-              </a:rPr>
-              <a:t>(), </a:t>
-            </a:r>
-            <a:r>
-              <a:rPr lang="fr-FR" sz="1200" dirty="0" err="1">
-                <a:latin typeface="Courier New" panose="02070309020205020404" pitchFamily="49" charset="0"/>
-                <a:cs typeface="Courier New" panose="02070309020205020404" pitchFamily="49" charset="0"/>
-              </a:rPr>
-              <a:t>True</a:t>
-            </a:r>
-            <a:r>
-              <a:rPr lang="fr-FR" sz="1200" dirty="0">
-                <a:latin typeface="Courier New" panose="02070309020205020404" pitchFamily="49" charset="0"/>
-                <a:cs typeface="Courier New" panose="02070309020205020404" pitchFamily="49" charset="0"/>
-              </a:rPr>
-              <a:t>),</a:t>
-            </a:r>
-            <a:br>
-              <a:rPr lang="fr-FR" sz="1200" dirty="0">
-                <a:latin typeface="Courier New" panose="02070309020205020404" pitchFamily="49" charset="0"/>
-                <a:cs typeface="Courier New" panose="02070309020205020404" pitchFamily="49" charset="0"/>
-              </a:rPr>
-            </a:br>
-            <a:r>
-              <a:rPr lang="fr-FR" sz="1200" dirty="0">
-                <a:latin typeface="Courier New" panose="02070309020205020404" pitchFamily="49" charset="0"/>
-                <a:cs typeface="Courier New" panose="02070309020205020404" pitchFamily="49" charset="0"/>
-              </a:rPr>
-              <a:t>       </a:t>
-            </a:r>
-            <a:r>
-              <a:rPr lang="fr-FR" sz="1200" dirty="0" err="1">
-                <a:latin typeface="Courier New" panose="02070309020205020404" pitchFamily="49" charset="0"/>
-                <a:cs typeface="Courier New" panose="02070309020205020404" pitchFamily="49" charset="0"/>
-              </a:rPr>
-              <a:t>StructField</a:t>
-            </a:r>
-            <a:r>
-              <a:rPr lang="fr-FR" sz="1200" dirty="0">
-                <a:latin typeface="Courier New" panose="02070309020205020404" pitchFamily="49" charset="0"/>
-                <a:cs typeface="Courier New" panose="02070309020205020404" pitchFamily="49" charset="0"/>
-              </a:rPr>
-              <a:t>("ra", </a:t>
-            </a:r>
-            <a:r>
-              <a:rPr lang="fr-FR" sz="1200" dirty="0" err="1">
-                <a:latin typeface="Courier New" panose="02070309020205020404" pitchFamily="49" charset="0"/>
-                <a:cs typeface="Courier New" panose="02070309020205020404" pitchFamily="49" charset="0"/>
-              </a:rPr>
-              <a:t>DoubleType</a:t>
-            </a:r>
-            <a:r>
-              <a:rPr lang="fr-FR" sz="1200" dirty="0">
-                <a:latin typeface="Courier New" panose="02070309020205020404" pitchFamily="49" charset="0"/>
-                <a:cs typeface="Courier New" panose="02070309020205020404" pitchFamily="49" charset="0"/>
-              </a:rPr>
-              <a:t>(), </a:t>
-            </a:r>
-            <a:r>
-              <a:rPr lang="fr-FR" sz="1200" dirty="0" err="1">
-                <a:latin typeface="Courier New" panose="02070309020205020404" pitchFamily="49" charset="0"/>
-                <a:cs typeface="Courier New" panose="02070309020205020404" pitchFamily="49" charset="0"/>
-              </a:rPr>
-              <a:t>True</a:t>
-            </a:r>
-            <a:r>
-              <a:rPr lang="fr-FR" sz="1200" dirty="0">
-                <a:latin typeface="Courier New" panose="02070309020205020404" pitchFamily="49" charset="0"/>
-                <a:cs typeface="Courier New" panose="02070309020205020404" pitchFamily="49" charset="0"/>
-              </a:rPr>
-              <a:t>),</a:t>
-            </a:r>
-            <a:br>
-              <a:rPr lang="fr-FR" sz="1200" dirty="0">
-                <a:latin typeface="Courier New" panose="02070309020205020404" pitchFamily="49" charset="0"/>
-                <a:cs typeface="Courier New" panose="02070309020205020404" pitchFamily="49" charset="0"/>
-              </a:rPr>
-            </a:br>
-            <a:r>
-              <a:rPr lang="fr-FR" sz="1200" dirty="0">
-                <a:latin typeface="Courier New" panose="02070309020205020404" pitchFamily="49" charset="0"/>
-                <a:cs typeface="Courier New" panose="02070309020205020404" pitchFamily="49" charset="0"/>
-              </a:rPr>
-              <a:t>       </a:t>
-            </a:r>
-            <a:r>
-              <a:rPr lang="fr-FR" sz="1200" dirty="0" err="1">
-                <a:latin typeface="Courier New" panose="02070309020205020404" pitchFamily="49" charset="0"/>
-                <a:cs typeface="Courier New" panose="02070309020205020404" pitchFamily="49" charset="0"/>
-              </a:rPr>
-              <a:t>StructField</a:t>
-            </a:r>
-            <a:r>
-              <a:rPr lang="fr-FR" sz="1200" dirty="0">
-                <a:latin typeface="Courier New" panose="02070309020205020404" pitchFamily="49" charset="0"/>
-                <a:cs typeface="Courier New" panose="02070309020205020404" pitchFamily="49" charset="0"/>
-              </a:rPr>
-              <a:t>("</a:t>
-            </a:r>
-            <a:r>
-              <a:rPr lang="fr-FR" sz="1200" dirty="0" err="1">
-                <a:latin typeface="Courier New" panose="02070309020205020404" pitchFamily="49" charset="0"/>
-                <a:cs typeface="Courier New" panose="02070309020205020404" pitchFamily="49" charset="0"/>
-              </a:rPr>
-              <a:t>dec</a:t>
-            </a:r>
-            <a:r>
-              <a:rPr lang="fr-FR" sz="1200" dirty="0">
-                <a:latin typeface="Courier New" panose="02070309020205020404" pitchFamily="49" charset="0"/>
-                <a:cs typeface="Courier New" panose="02070309020205020404" pitchFamily="49" charset="0"/>
-              </a:rPr>
-              <a:t>", </a:t>
-            </a:r>
-            <a:r>
-              <a:rPr lang="fr-FR" sz="1200" dirty="0" err="1">
-                <a:latin typeface="Courier New" panose="02070309020205020404" pitchFamily="49" charset="0"/>
-                <a:cs typeface="Courier New" panose="02070309020205020404" pitchFamily="49" charset="0"/>
-              </a:rPr>
-              <a:t>DoubleType</a:t>
-            </a:r>
-            <a:r>
-              <a:rPr lang="fr-FR" sz="1200" dirty="0">
-                <a:latin typeface="Courier New" panose="02070309020205020404" pitchFamily="49" charset="0"/>
-                <a:cs typeface="Courier New" panose="02070309020205020404" pitchFamily="49" charset="0"/>
-              </a:rPr>
-              <a:t>(), </a:t>
-            </a:r>
-            <a:r>
-              <a:rPr lang="fr-FR" sz="1200" dirty="0" err="1">
-                <a:latin typeface="Courier New" panose="02070309020205020404" pitchFamily="49" charset="0"/>
-                <a:cs typeface="Courier New" panose="02070309020205020404" pitchFamily="49" charset="0"/>
-              </a:rPr>
-              <a:t>True</a:t>
-            </a:r>
-            <a:r>
-              <a:rPr lang="fr-FR" sz="1200" dirty="0">
-                <a:latin typeface="Courier New" panose="02070309020205020404" pitchFamily="49" charset="0"/>
-                <a:cs typeface="Courier New" panose="02070309020205020404" pitchFamily="49" charset="0"/>
-              </a:rPr>
-              <a:t>),</a:t>
-            </a:r>
-            <a:br>
-              <a:rPr lang="fr-FR" sz="1200" dirty="0">
-                <a:latin typeface="Courier New" panose="02070309020205020404" pitchFamily="49" charset="0"/>
-                <a:cs typeface="Courier New" panose="02070309020205020404" pitchFamily="49" charset="0"/>
-              </a:rPr>
-            </a:br>
-            <a:r>
-              <a:rPr lang="fr-FR" sz="1200" dirty="0">
-                <a:latin typeface="Courier New" panose="02070309020205020404" pitchFamily="49" charset="0"/>
-                <a:cs typeface="Courier New" panose="02070309020205020404" pitchFamily="49" charset="0"/>
-              </a:rPr>
-              <a:t>       </a:t>
-            </a:r>
-            <a:r>
-              <a:rPr lang="fr-FR" sz="1200" dirty="0" err="1">
-                <a:latin typeface="Courier New" panose="02070309020205020404" pitchFamily="49" charset="0"/>
-                <a:cs typeface="Courier New" panose="02070309020205020404" pitchFamily="49" charset="0"/>
-              </a:rPr>
-              <a:t>StructField</a:t>
-            </a:r>
-            <a:r>
-              <a:rPr lang="fr-FR" sz="1200" dirty="0">
-                <a:latin typeface="Courier New" panose="02070309020205020404" pitchFamily="49" charset="0"/>
-                <a:cs typeface="Courier New" panose="02070309020205020404" pitchFamily="49" charset="0"/>
-              </a:rPr>
-              <a:t>("image", </a:t>
-            </a:r>
-            <a:r>
-              <a:rPr lang="fr-FR" sz="1200" dirty="0" err="1">
-                <a:latin typeface="Courier New" panose="02070309020205020404" pitchFamily="49" charset="0"/>
-                <a:cs typeface="Courier New" panose="02070309020205020404" pitchFamily="49" charset="0"/>
-              </a:rPr>
-              <a:t>ArrayType</a:t>
-            </a:r>
-            <a:r>
-              <a:rPr lang="fr-FR" sz="1200" dirty="0">
-                <a:latin typeface="Courier New" panose="02070309020205020404" pitchFamily="49" charset="0"/>
-                <a:cs typeface="Courier New" panose="02070309020205020404" pitchFamily="49" charset="0"/>
-              </a:rPr>
-              <a:t>(</a:t>
-            </a:r>
-            <a:r>
-              <a:rPr lang="fr-FR" sz="1200" dirty="0" err="1">
-                <a:latin typeface="Courier New" panose="02070309020205020404" pitchFamily="49" charset="0"/>
-                <a:cs typeface="Courier New" panose="02070309020205020404" pitchFamily="49" charset="0"/>
-              </a:rPr>
-              <a:t>ArrayType</a:t>
-            </a:r>
-            <a:r>
-              <a:rPr lang="fr-FR" sz="1200" dirty="0">
-                <a:latin typeface="Courier New" panose="02070309020205020404" pitchFamily="49" charset="0"/>
-                <a:cs typeface="Courier New" panose="02070309020205020404" pitchFamily="49" charset="0"/>
-              </a:rPr>
-              <a:t>(</a:t>
-            </a:r>
-            <a:r>
-              <a:rPr lang="fr-FR" sz="1200" dirty="0" err="1">
-                <a:latin typeface="Courier New" panose="02070309020205020404" pitchFamily="49" charset="0"/>
-                <a:cs typeface="Courier New" panose="02070309020205020404" pitchFamily="49" charset="0"/>
-              </a:rPr>
-              <a:t>DoubleType</a:t>
-            </a:r>
-            <a:r>
-              <a:rPr lang="fr-FR" sz="1200" dirty="0">
-                <a:latin typeface="Courier New" panose="02070309020205020404" pitchFamily="49" charset="0"/>
-                <a:cs typeface="Courier New" panose="02070309020205020404" pitchFamily="49" charset="0"/>
-              </a:rPr>
-              <a:t>()), </a:t>
-            </a:r>
-            <a:r>
-              <a:rPr lang="fr-FR" sz="1200" dirty="0" err="1">
-                <a:latin typeface="Courier New" panose="02070309020205020404" pitchFamily="49" charset="0"/>
-                <a:cs typeface="Courier New" panose="02070309020205020404" pitchFamily="49" charset="0"/>
-              </a:rPr>
-              <a:t>True</a:t>
-            </a:r>
-            <a:r>
-              <a:rPr lang="fr-FR" sz="1200" dirty="0" smtClean="0">
-                <a:latin typeface="Courier New" panose="02070309020205020404" pitchFamily="49" charset="0"/>
-                <a:cs typeface="Courier New" panose="02070309020205020404" pitchFamily="49" charset="0"/>
-              </a:rPr>
-              <a:t>))])</a:t>
-            </a:r>
-          </a:p>
-          <a:p>
-            <a:endParaRPr lang="fr-FR" sz="1200" dirty="0">
-              <a:latin typeface="Courier New" panose="02070309020205020404" pitchFamily="49" charset="0"/>
-              <a:cs typeface="Courier New" panose="02070309020205020404" pitchFamily="49" charset="0"/>
-            </a:endParaRPr>
-          </a:p>
-          <a:p>
-            <a:r>
-              <a:rPr lang="fr-FR" sz="1200" dirty="0" smtClean="0">
-                <a:latin typeface="Courier New" panose="02070309020205020404" pitchFamily="49" charset="0"/>
-                <a:cs typeface="Courier New" panose="02070309020205020404" pitchFamily="49" charset="0"/>
-              </a:rPr>
-              <a:t>    return </a:t>
-            </a:r>
-            <a:r>
-              <a:rPr lang="fr-FR" sz="1200" dirty="0" err="1" smtClean="0">
-                <a:latin typeface="Courier New" panose="02070309020205020404" pitchFamily="49" charset="0"/>
-                <a:cs typeface="Courier New" panose="02070309020205020404" pitchFamily="49" charset="0"/>
-              </a:rPr>
-              <a:t>schema</a:t>
-            </a:r>
-            <a:endParaRPr lang="fr-FR" sz="1200" dirty="0" smtClean="0">
-              <a:latin typeface="Courier New" panose="02070309020205020404" pitchFamily="49" charset="0"/>
-              <a:cs typeface="Courier New" panose="02070309020205020404" pitchFamily="49" charset="0"/>
-            </a:endParaRPr>
           </a:p>
         </p:txBody>
       </p:sp>
@@ -3663,8 +3464,8 @@
         </p:nvSpPr>
         <p:spPr>
           <a:xfrm>
-            <a:off x="486902" y="2852350"/>
-            <a:ext cx="7901522" cy="3231654"/>
+            <a:off x="683568" y="3578240"/>
+            <a:ext cx="6878806" cy="2308324"/>
           </a:xfrm>
           <a:prstGeom prst="rect">
             <a:avLst/>
@@ -3687,807 +3488,460 @@
           <a:lstStyle/>
           <a:p>
             <a:r>
+              <a:rPr lang="fr-FR" sz="1200" dirty="0" err="1">
+                <a:latin typeface="Courier New" panose="02070309020205020404" pitchFamily="49" charset="0"/>
+                <a:cs typeface="Courier New" panose="02070309020205020404" pitchFamily="49" charset="0"/>
+              </a:rPr>
+              <a:t>def</a:t>
+            </a:r>
+            <a:r>
+              <a:rPr lang="fr-FR" sz="1200" dirty="0">
+                <a:latin typeface="Courier New" panose="02070309020205020404" pitchFamily="49" charset="0"/>
+                <a:cs typeface="Courier New" panose="02070309020205020404" pitchFamily="49" charset="0"/>
+              </a:rPr>
+              <a:t> </a:t>
+            </a:r>
+            <a:r>
+              <a:rPr lang="fr-FR" sz="1200" dirty="0" err="1">
+                <a:latin typeface="Courier New" panose="02070309020205020404" pitchFamily="49" charset="0"/>
+                <a:cs typeface="Courier New" panose="02070309020205020404" pitchFamily="49" charset="0"/>
+              </a:rPr>
+              <a:t>analyze</a:t>
+            </a:r>
+            <a:r>
+              <a:rPr lang="fr-FR" sz="1200" dirty="0">
+                <a:latin typeface="Courier New" panose="02070309020205020404" pitchFamily="49" charset="0"/>
+                <a:cs typeface="Courier New" panose="02070309020205020404" pitchFamily="49" charset="0"/>
+              </a:rPr>
+              <a:t>(x):</a:t>
+            </a:r>
+            <a:br>
+              <a:rPr lang="fr-FR" sz="1200" dirty="0">
+                <a:latin typeface="Courier New" panose="02070309020205020404" pitchFamily="49" charset="0"/>
+                <a:cs typeface="Courier New" panose="02070309020205020404" pitchFamily="49" charset="0"/>
+              </a:rPr>
+            </a:br>
+            <a:r>
+              <a:rPr lang="fr-FR" sz="1200" dirty="0">
+                <a:latin typeface="Courier New" panose="02070309020205020404" pitchFamily="49" charset="0"/>
+                <a:cs typeface="Courier New" panose="02070309020205020404" pitchFamily="49" charset="0"/>
+              </a:rPr>
+              <a:t>    return '</a:t>
+            </a:r>
+            <a:r>
+              <a:rPr lang="fr-FR" sz="1200" dirty="0" err="1">
+                <a:latin typeface="Courier New" panose="02070309020205020404" pitchFamily="49" charset="0"/>
+                <a:cs typeface="Courier New" panose="02070309020205020404" pitchFamily="49" charset="0"/>
+              </a:rPr>
+              <a:t>analyze</a:t>
+            </a:r>
+            <a:r>
+              <a:rPr lang="fr-FR" sz="1200" dirty="0">
+                <a:latin typeface="Courier New" panose="02070309020205020404" pitchFamily="49" charset="0"/>
+                <a:cs typeface="Courier New" panose="02070309020205020404" pitchFamily="49" charset="0"/>
+              </a:rPr>
+              <a:t> image', x[0]</a:t>
+            </a:r>
+            <a:br>
+              <a:rPr lang="fr-FR" sz="1200" dirty="0">
+                <a:latin typeface="Courier New" panose="02070309020205020404" pitchFamily="49" charset="0"/>
+                <a:cs typeface="Courier New" panose="02070309020205020404" pitchFamily="49" charset="0"/>
+              </a:rPr>
+            </a:br>
+            <a:r>
+              <a:rPr lang="fr-FR" sz="1200" dirty="0">
+                <a:latin typeface="Courier New" panose="02070309020205020404" pitchFamily="49" charset="0"/>
+                <a:cs typeface="Courier New" panose="02070309020205020404" pitchFamily="49" charset="0"/>
+              </a:rPr>
+              <a:t/>
+            </a:r>
+            <a:br>
+              <a:rPr lang="fr-FR" sz="1200" dirty="0">
+                <a:latin typeface="Courier New" panose="02070309020205020404" pitchFamily="49" charset="0"/>
+                <a:cs typeface="Courier New" panose="02070309020205020404" pitchFamily="49" charset="0"/>
+              </a:rPr>
+            </a:br>
+            <a:r>
+              <a:rPr lang="fr-FR" sz="1200" dirty="0" err="1">
+                <a:latin typeface="Courier New" panose="02070309020205020404" pitchFamily="49" charset="0"/>
+                <a:cs typeface="Courier New" panose="02070309020205020404" pitchFamily="49" charset="0"/>
+              </a:rPr>
+              <a:t>def</a:t>
+            </a:r>
+            <a:r>
+              <a:rPr lang="fr-FR" sz="1200" dirty="0">
+                <a:latin typeface="Courier New" panose="02070309020205020404" pitchFamily="49" charset="0"/>
+                <a:cs typeface="Courier New" panose="02070309020205020404" pitchFamily="49" charset="0"/>
+              </a:rPr>
+              <a:t> </a:t>
+            </a:r>
+            <a:r>
+              <a:rPr lang="fr-FR" sz="1200" dirty="0" err="1">
+                <a:latin typeface="Courier New" panose="02070309020205020404" pitchFamily="49" charset="0"/>
+                <a:cs typeface="Courier New" panose="02070309020205020404" pitchFamily="49" charset="0"/>
+              </a:rPr>
+              <a:t>read_images</a:t>
+            </a:r>
+            <a:r>
+              <a:rPr lang="fr-FR" sz="1200" dirty="0">
+                <a:latin typeface="Courier New" panose="02070309020205020404" pitchFamily="49" charset="0"/>
+                <a:cs typeface="Courier New" panose="02070309020205020404" pitchFamily="49" charset="0"/>
+              </a:rPr>
+              <a:t>(</a:t>
+            </a:r>
+            <a:r>
+              <a:rPr lang="fr-FR" sz="1200" dirty="0" err="1">
+                <a:latin typeface="Courier New" panose="02070309020205020404" pitchFamily="49" charset="0"/>
+                <a:cs typeface="Courier New" panose="02070309020205020404" pitchFamily="49" charset="0"/>
+              </a:rPr>
+              <a:t>spark</a:t>
+            </a:r>
+            <a:r>
+              <a:rPr lang="fr-FR" sz="1200" dirty="0">
+                <a:latin typeface="Courier New" panose="02070309020205020404" pitchFamily="49" charset="0"/>
+                <a:cs typeface="Courier New" panose="02070309020205020404" pitchFamily="49" charset="0"/>
+              </a:rPr>
+              <a:t>):</a:t>
+            </a:r>
+            <a:br>
+              <a:rPr lang="fr-FR" sz="1200" dirty="0">
+                <a:latin typeface="Courier New" panose="02070309020205020404" pitchFamily="49" charset="0"/>
+                <a:cs typeface="Courier New" panose="02070309020205020404" pitchFamily="49" charset="0"/>
+              </a:rPr>
+            </a:br>
+            <a:r>
+              <a:rPr lang="fr-FR" sz="1200" dirty="0">
+                <a:latin typeface="Courier New" panose="02070309020205020404" pitchFamily="49" charset="0"/>
+                <a:cs typeface="Courier New" panose="02070309020205020404" pitchFamily="49" charset="0"/>
+              </a:rPr>
+              <a:t>    </a:t>
+            </a:r>
+            <a:r>
+              <a:rPr lang="fr-FR" sz="1200" dirty="0" err="1">
+                <a:latin typeface="Courier New" panose="02070309020205020404" pitchFamily="49" charset="0"/>
+                <a:cs typeface="Courier New" panose="02070309020205020404" pitchFamily="49" charset="0"/>
+              </a:rPr>
+              <a:t>df</a:t>
+            </a:r>
+            <a:r>
+              <a:rPr lang="fr-FR" sz="1200" dirty="0">
+                <a:latin typeface="Courier New" panose="02070309020205020404" pitchFamily="49" charset="0"/>
+                <a:cs typeface="Courier New" panose="02070309020205020404" pitchFamily="49" charset="0"/>
+              </a:rPr>
+              <a:t> = </a:t>
+            </a:r>
+            <a:r>
+              <a:rPr lang="fr-FR" sz="1200" dirty="0" err="1">
+                <a:latin typeface="Courier New" panose="02070309020205020404" pitchFamily="49" charset="0"/>
+                <a:cs typeface="Courier New" panose="02070309020205020404" pitchFamily="49" charset="0"/>
+              </a:rPr>
+              <a:t>spark.read.format</a:t>
+            </a:r>
+            <a:r>
+              <a:rPr lang="fr-FR" sz="1200" dirty="0">
+                <a:latin typeface="Courier New" panose="02070309020205020404" pitchFamily="49" charset="0"/>
+                <a:cs typeface="Courier New" panose="02070309020205020404" pitchFamily="49" charset="0"/>
+              </a:rPr>
+              <a:t>("</a:t>
+            </a:r>
+            <a:r>
+              <a:rPr lang="fr-FR" sz="1200" dirty="0" err="1">
+                <a:latin typeface="Courier New" panose="02070309020205020404" pitchFamily="49" charset="0"/>
+                <a:cs typeface="Courier New" panose="02070309020205020404" pitchFamily="49" charset="0"/>
+              </a:rPr>
+              <a:t>com.databricks.spark.avro</a:t>
+            </a:r>
+            <a:r>
+              <a:rPr lang="fr-FR" sz="1200" dirty="0">
+                <a:latin typeface="Courier New" panose="02070309020205020404" pitchFamily="49" charset="0"/>
+                <a:cs typeface="Courier New" panose="02070309020205020404" pitchFamily="49" charset="0"/>
+              </a:rPr>
+              <a:t>").</a:t>
+            </a:r>
+            <a:r>
+              <a:rPr lang="fr-FR" sz="1200" dirty="0" err="1">
+                <a:latin typeface="Courier New" panose="02070309020205020404" pitchFamily="49" charset="0"/>
+                <a:cs typeface="Courier New" panose="02070309020205020404" pitchFamily="49" charset="0"/>
+              </a:rPr>
+              <a:t>load</a:t>
+            </a:r>
+            <a:r>
+              <a:rPr lang="fr-FR" sz="1200" dirty="0">
+                <a:latin typeface="Courier New" panose="02070309020205020404" pitchFamily="49" charset="0"/>
+                <a:cs typeface="Courier New" panose="02070309020205020404" pitchFamily="49" charset="0"/>
+              </a:rPr>
+              <a:t>("./images")</a:t>
+            </a:r>
+            <a:br>
+              <a:rPr lang="fr-FR" sz="1200" dirty="0">
+                <a:latin typeface="Courier New" panose="02070309020205020404" pitchFamily="49" charset="0"/>
+                <a:cs typeface="Courier New" panose="02070309020205020404" pitchFamily="49" charset="0"/>
+              </a:rPr>
+            </a:br>
+            <a:r>
+              <a:rPr lang="fr-FR" sz="1200" dirty="0">
+                <a:latin typeface="Courier New" panose="02070309020205020404" pitchFamily="49" charset="0"/>
+                <a:cs typeface="Courier New" panose="02070309020205020404" pitchFamily="49" charset="0"/>
+              </a:rPr>
+              <a:t/>
+            </a:r>
+            <a:br>
+              <a:rPr lang="fr-FR" sz="1200" dirty="0">
+                <a:latin typeface="Courier New" panose="02070309020205020404" pitchFamily="49" charset="0"/>
+                <a:cs typeface="Courier New" panose="02070309020205020404" pitchFamily="49" charset="0"/>
+              </a:rPr>
+            </a:br>
+            <a:r>
+              <a:rPr lang="fr-FR" sz="1200" dirty="0">
+                <a:latin typeface="Courier New" panose="02070309020205020404" pitchFamily="49" charset="0"/>
+                <a:cs typeface="Courier New" panose="02070309020205020404" pitchFamily="49" charset="0"/>
+              </a:rPr>
+              <a:t>    </a:t>
+            </a:r>
+            <a:r>
+              <a:rPr lang="fr-FR" sz="1200" dirty="0" err="1">
+                <a:latin typeface="Courier New" panose="02070309020205020404" pitchFamily="49" charset="0"/>
+                <a:cs typeface="Courier New" panose="02070309020205020404" pitchFamily="49" charset="0"/>
+              </a:rPr>
+              <a:t>rdd</a:t>
+            </a:r>
+            <a:r>
+              <a:rPr lang="fr-FR" sz="1200" dirty="0">
+                <a:latin typeface="Courier New" panose="02070309020205020404" pitchFamily="49" charset="0"/>
+                <a:cs typeface="Courier New" panose="02070309020205020404" pitchFamily="49" charset="0"/>
+              </a:rPr>
+              <a:t> = </a:t>
+            </a:r>
+            <a:r>
+              <a:rPr lang="fr-FR" sz="1200" dirty="0" smtClean="0">
+                <a:latin typeface="Courier New" panose="02070309020205020404" pitchFamily="49" charset="0"/>
+                <a:cs typeface="Courier New" panose="02070309020205020404" pitchFamily="49" charset="0"/>
+              </a:rPr>
+              <a:t>(</a:t>
+            </a:r>
+            <a:r>
               <a:rPr lang="fr-FR" sz="1200" dirty="0" err="1" smtClean="0">
                 <a:latin typeface="Courier New" panose="02070309020205020404" pitchFamily="49" charset="0"/>
                 <a:cs typeface="Courier New" panose="02070309020205020404" pitchFamily="49" charset="0"/>
               </a:rPr>
-              <a:t>def</a:t>
-            </a:r>
-            <a:r>
-              <a:rPr lang="fr-FR" sz="1200" dirty="0" smtClean="0">
-                <a:latin typeface="Courier New" panose="02070309020205020404" pitchFamily="49" charset="0"/>
-                <a:cs typeface="Courier New" panose="02070309020205020404" pitchFamily="49" charset="0"/>
-              </a:rPr>
-              <a:t> </a:t>
-            </a:r>
-            <a:r>
-              <a:rPr lang="fr-FR" sz="1200" dirty="0" err="1" smtClean="0">
-                <a:latin typeface="Courier New" panose="02070309020205020404" pitchFamily="49" charset="0"/>
-                <a:cs typeface="Courier New" panose="02070309020205020404" pitchFamily="49" charset="0"/>
-              </a:rPr>
-              <a:t>create_image</a:t>
-            </a:r>
-            <a:r>
-              <a:rPr lang="fr-FR" sz="1200" dirty="0" smtClean="0">
-                <a:latin typeface="Courier New" panose="02070309020205020404" pitchFamily="49" charset="0"/>
-                <a:cs typeface="Courier New" panose="02070309020205020404" pitchFamily="49" charset="0"/>
-              </a:rPr>
-              <a:t>(</a:t>
-            </a:r>
-            <a:r>
-              <a:rPr lang="fr-FR" sz="1200" dirty="0" err="1" smtClean="0">
-                <a:latin typeface="Courier New" panose="02070309020205020404" pitchFamily="49" charset="0"/>
-                <a:cs typeface="Courier New" panose="02070309020205020404" pitchFamily="49" charset="0"/>
-              </a:rPr>
-              <a:t>spark</a:t>
-            </a:r>
-            <a:r>
-              <a:rPr lang="fr-FR" sz="1200" dirty="0" smtClean="0">
-                <a:latin typeface="Courier New" panose="02070309020205020404" pitchFamily="49" charset="0"/>
-                <a:cs typeface="Courier New" panose="02070309020205020404" pitchFamily="49" charset="0"/>
-              </a:rPr>
-              <a:t>):</a:t>
-            </a:r>
-          </a:p>
-          <a:p>
-            <a:r>
-              <a:rPr lang="fr-FR" sz="1200" dirty="0">
-                <a:latin typeface="Courier New" panose="02070309020205020404" pitchFamily="49" charset="0"/>
-                <a:cs typeface="Courier New" panose="02070309020205020404" pitchFamily="49" charset="0"/>
-              </a:rPr>
-              <a:t>    </a:t>
-            </a:r>
-            <a:r>
-              <a:rPr lang="fr-FR" sz="1200" dirty="0" err="1">
-                <a:latin typeface="Courier New" panose="02070309020205020404" pitchFamily="49" charset="0"/>
-                <a:cs typeface="Courier New" panose="02070309020205020404" pitchFamily="49" charset="0"/>
-              </a:rPr>
-              <a:t>rows</a:t>
-            </a:r>
-            <a:r>
-              <a:rPr lang="fr-FR" sz="1200" dirty="0">
-                <a:latin typeface="Courier New" panose="02070309020205020404" pitchFamily="49" charset="0"/>
-                <a:cs typeface="Courier New" panose="02070309020205020404" pitchFamily="49" charset="0"/>
-              </a:rPr>
-              <a:t> = </a:t>
-            </a:r>
-            <a:r>
-              <a:rPr lang="fr-FR" sz="1200" dirty="0" smtClean="0">
-                <a:latin typeface="Courier New" panose="02070309020205020404" pitchFamily="49" charset="0"/>
-                <a:cs typeface="Courier New" panose="02070309020205020404" pitchFamily="49" charset="0"/>
-              </a:rPr>
-              <a:t>3;</a:t>
-            </a:r>
-            <a:r>
-              <a:rPr lang="fr-FR" sz="1200" dirty="0">
-                <a:latin typeface="Courier New" panose="02070309020205020404" pitchFamily="49" charset="0"/>
-                <a:cs typeface="Courier New" panose="02070309020205020404" pitchFamily="49" charset="0"/>
-              </a:rPr>
-              <a:t>    cols = </a:t>
-            </a:r>
-            <a:r>
-              <a:rPr lang="fr-FR" sz="1200" dirty="0" smtClean="0">
-                <a:latin typeface="Courier New" panose="02070309020205020404" pitchFamily="49" charset="0"/>
-                <a:cs typeface="Courier New" panose="02070309020205020404" pitchFamily="49" charset="0"/>
-              </a:rPr>
-              <a:t>3; </a:t>
-            </a:r>
-            <a:r>
-              <a:rPr lang="fr-FR" sz="1200" dirty="0" err="1" smtClean="0">
-                <a:latin typeface="Courier New" panose="02070309020205020404" pitchFamily="49" charset="0"/>
-                <a:cs typeface="Courier New" panose="02070309020205020404" pitchFamily="49" charset="0"/>
-              </a:rPr>
-              <a:t>region_size</a:t>
-            </a:r>
-            <a:r>
-              <a:rPr lang="fr-FR" sz="1200" dirty="0" smtClean="0">
-                <a:latin typeface="Courier New" panose="02070309020205020404" pitchFamily="49" charset="0"/>
-                <a:cs typeface="Courier New" panose="02070309020205020404" pitchFamily="49" charset="0"/>
-              </a:rPr>
-              <a:t> </a:t>
-            </a:r>
-            <a:r>
-              <a:rPr lang="fr-FR" sz="1200" dirty="0">
-                <a:latin typeface="Courier New" panose="02070309020205020404" pitchFamily="49" charset="0"/>
-                <a:cs typeface="Courier New" panose="02070309020205020404" pitchFamily="49" charset="0"/>
-              </a:rPr>
-              <a:t>= 4000</a:t>
-            </a:r>
-            <a:br>
-              <a:rPr lang="fr-FR" sz="1200" dirty="0">
-                <a:latin typeface="Courier New" panose="02070309020205020404" pitchFamily="49" charset="0"/>
-                <a:cs typeface="Courier New" panose="02070309020205020404" pitchFamily="49" charset="0"/>
-              </a:rPr>
-            </a:br>
-            <a:r>
-              <a:rPr lang="fr-FR" sz="1200" dirty="0">
-                <a:latin typeface="Courier New" panose="02070309020205020404" pitchFamily="49" charset="0"/>
-                <a:cs typeface="Courier New" panose="02070309020205020404" pitchFamily="49" charset="0"/>
-              </a:rPr>
-              <a:t/>
-            </a:r>
-            <a:br>
-              <a:rPr lang="fr-FR" sz="1200" dirty="0">
-                <a:latin typeface="Courier New" panose="02070309020205020404" pitchFamily="49" charset="0"/>
-                <a:cs typeface="Courier New" panose="02070309020205020404" pitchFamily="49" charset="0"/>
-              </a:rPr>
-            </a:br>
-            <a:r>
-              <a:rPr lang="fr-FR" sz="1200" dirty="0">
-                <a:latin typeface="Courier New" panose="02070309020205020404" pitchFamily="49" charset="0"/>
-                <a:cs typeface="Courier New" panose="02070309020205020404" pitchFamily="49" charset="0"/>
-              </a:rPr>
-              <a:t>    </a:t>
-            </a:r>
-            <a:r>
-              <a:rPr lang="fr-FR" sz="1200" dirty="0" err="1">
-                <a:latin typeface="Courier New" panose="02070309020205020404" pitchFamily="49" charset="0"/>
-                <a:cs typeface="Courier New" panose="02070309020205020404" pitchFamily="49" charset="0"/>
-              </a:rPr>
-              <a:t>regions</a:t>
-            </a:r>
-            <a:r>
-              <a:rPr lang="fr-FR" sz="1200" dirty="0">
-                <a:latin typeface="Courier New" panose="02070309020205020404" pitchFamily="49" charset="0"/>
-                <a:cs typeface="Courier New" panose="02070309020205020404" pitchFamily="49" charset="0"/>
-              </a:rPr>
-              <a:t> = </a:t>
-            </a:r>
-            <a:r>
-              <a:rPr lang="fr-FR" sz="1200" dirty="0" smtClean="0">
-                <a:latin typeface="Courier New" panose="02070309020205020404" pitchFamily="49" charset="0"/>
-                <a:cs typeface="Courier New" panose="02070309020205020404" pitchFamily="49" charset="0"/>
-              </a:rPr>
-              <a:t>[]; </a:t>
-            </a:r>
-            <a:r>
-              <a:rPr lang="fr-FR" sz="1200" dirty="0" err="1" smtClean="0">
-                <a:latin typeface="Courier New" panose="02070309020205020404" pitchFamily="49" charset="0"/>
-                <a:cs typeface="Courier New" panose="02070309020205020404" pitchFamily="49" charset="0"/>
-              </a:rPr>
-              <a:t>region_id</a:t>
-            </a:r>
-            <a:r>
-              <a:rPr lang="fr-FR" sz="1200" dirty="0" smtClean="0">
-                <a:latin typeface="Courier New" panose="02070309020205020404" pitchFamily="49" charset="0"/>
-                <a:cs typeface="Courier New" panose="02070309020205020404" pitchFamily="49" charset="0"/>
-              </a:rPr>
-              <a:t> </a:t>
-            </a:r>
-            <a:r>
-              <a:rPr lang="fr-FR" sz="1200" dirty="0">
-                <a:latin typeface="Courier New" panose="02070309020205020404" pitchFamily="49" charset="0"/>
-                <a:cs typeface="Courier New" panose="02070309020205020404" pitchFamily="49" charset="0"/>
-              </a:rPr>
-              <a:t>= 0</a:t>
-            </a:r>
-            <a:br>
-              <a:rPr lang="fr-FR" sz="1200" dirty="0">
-                <a:latin typeface="Courier New" panose="02070309020205020404" pitchFamily="49" charset="0"/>
-                <a:cs typeface="Courier New" panose="02070309020205020404" pitchFamily="49" charset="0"/>
-              </a:rPr>
-            </a:br>
-            <a:r>
-              <a:rPr lang="fr-FR" sz="1200" dirty="0">
-                <a:latin typeface="Courier New" panose="02070309020205020404" pitchFamily="49" charset="0"/>
-                <a:cs typeface="Courier New" panose="02070309020205020404" pitchFamily="49" charset="0"/>
-              </a:rPr>
-              <a:t/>
-            </a:r>
-            <a:br>
-              <a:rPr lang="fr-FR" sz="1200" dirty="0">
-                <a:latin typeface="Courier New" panose="02070309020205020404" pitchFamily="49" charset="0"/>
-                <a:cs typeface="Courier New" panose="02070309020205020404" pitchFamily="49" charset="0"/>
-              </a:rPr>
-            </a:br>
-            <a:r>
-              <a:rPr lang="fr-FR" sz="1200" dirty="0">
-                <a:latin typeface="Courier New" panose="02070309020205020404" pitchFamily="49" charset="0"/>
-                <a:cs typeface="Courier New" panose="02070309020205020404" pitchFamily="49" charset="0"/>
-              </a:rPr>
-              <a:t>    # </a:t>
-            </a:r>
-            <a:r>
-              <a:rPr lang="fr-FR" sz="1200" dirty="0" err="1">
-                <a:latin typeface="Courier New" panose="02070309020205020404" pitchFamily="49" charset="0"/>
-                <a:cs typeface="Courier New" panose="02070309020205020404" pitchFamily="49" charset="0"/>
-              </a:rPr>
-              <a:t>initialize</a:t>
-            </a:r>
-            <a:r>
-              <a:rPr lang="fr-FR" sz="1200" dirty="0">
-                <a:latin typeface="Courier New" panose="02070309020205020404" pitchFamily="49" charset="0"/>
-                <a:cs typeface="Courier New" panose="02070309020205020404" pitchFamily="49" charset="0"/>
-              </a:rPr>
-              <a:t> </a:t>
-            </a:r>
-            <a:r>
-              <a:rPr lang="fr-FR" sz="1200" dirty="0" err="1">
-                <a:latin typeface="Courier New" panose="02070309020205020404" pitchFamily="49" charset="0"/>
-                <a:cs typeface="Courier New" panose="02070309020205020404" pitchFamily="49" charset="0"/>
-              </a:rPr>
-              <a:t>region</a:t>
-            </a:r>
-            <a:r>
-              <a:rPr lang="fr-FR" sz="1200" dirty="0">
-                <a:latin typeface="Courier New" panose="02070309020205020404" pitchFamily="49" charset="0"/>
-                <a:cs typeface="Courier New" panose="02070309020205020404" pitchFamily="49" charset="0"/>
-              </a:rPr>
-              <a:t> </a:t>
-            </a:r>
-            <a:r>
-              <a:rPr lang="fr-FR" sz="1200" dirty="0" err="1">
-                <a:latin typeface="Courier New" panose="02070309020205020404" pitchFamily="49" charset="0"/>
-                <a:cs typeface="Courier New" panose="02070309020205020404" pitchFamily="49" charset="0"/>
-              </a:rPr>
-              <a:t>descriptors</a:t>
-            </a:r>
-            <a:r>
-              <a:rPr lang="fr-FR" sz="1200" dirty="0">
-                <a:latin typeface="Courier New" panose="02070309020205020404" pitchFamily="49" charset="0"/>
-                <a:cs typeface="Courier New" panose="02070309020205020404" pitchFamily="49" charset="0"/>
-              </a:rPr>
-              <a:t/>
-            </a:r>
-            <a:br>
-              <a:rPr lang="fr-FR" sz="1200" dirty="0">
-                <a:latin typeface="Courier New" panose="02070309020205020404" pitchFamily="49" charset="0"/>
-                <a:cs typeface="Courier New" panose="02070309020205020404" pitchFamily="49" charset="0"/>
-              </a:rPr>
-            </a:br>
-            <a:r>
-              <a:rPr lang="fr-FR" sz="1200" dirty="0">
-                <a:latin typeface="Courier New" panose="02070309020205020404" pitchFamily="49" charset="0"/>
-                <a:cs typeface="Courier New" panose="02070309020205020404" pitchFamily="49" charset="0"/>
-              </a:rPr>
-              <a:t>    for r in range(</a:t>
-            </a:r>
-            <a:r>
-              <a:rPr lang="fr-FR" sz="1200" dirty="0" err="1">
-                <a:latin typeface="Courier New" panose="02070309020205020404" pitchFamily="49" charset="0"/>
-                <a:cs typeface="Courier New" panose="02070309020205020404" pitchFamily="49" charset="0"/>
-              </a:rPr>
-              <a:t>rows</a:t>
-            </a:r>
-            <a:r>
-              <a:rPr lang="fr-FR" sz="1200" dirty="0">
-                <a:latin typeface="Courier New" panose="02070309020205020404" pitchFamily="49" charset="0"/>
-                <a:cs typeface="Courier New" panose="02070309020205020404" pitchFamily="49" charset="0"/>
-              </a:rPr>
-              <a:t>):</a:t>
-            </a:r>
-            <a:br>
-              <a:rPr lang="fr-FR" sz="1200" dirty="0">
-                <a:latin typeface="Courier New" panose="02070309020205020404" pitchFamily="49" charset="0"/>
-                <a:cs typeface="Courier New" panose="02070309020205020404" pitchFamily="49" charset="0"/>
-              </a:rPr>
-            </a:br>
-            <a:r>
-              <a:rPr lang="fr-FR" sz="1200" dirty="0">
-                <a:latin typeface="Courier New" panose="02070309020205020404" pitchFamily="49" charset="0"/>
-                <a:cs typeface="Courier New" panose="02070309020205020404" pitchFamily="49" charset="0"/>
-              </a:rPr>
-              <a:t>        for c in range(cols</a:t>
-            </a:r>
-            <a:r>
-              <a:rPr lang="fr-FR" sz="1200" dirty="0" smtClean="0">
-                <a:latin typeface="Courier New" panose="02070309020205020404" pitchFamily="49" charset="0"/>
-                <a:cs typeface="Courier New" panose="02070309020205020404" pitchFamily="49" charset="0"/>
-              </a:rPr>
-              <a:t>):</a:t>
-            </a:r>
-          </a:p>
-          <a:p>
-            <a:r>
-              <a:rPr lang="fr-FR" sz="1200" dirty="0">
-                <a:latin typeface="Courier New" panose="02070309020205020404" pitchFamily="49" charset="0"/>
-                <a:cs typeface="Courier New" panose="02070309020205020404" pitchFamily="49" charset="0"/>
-              </a:rPr>
-              <a:t> </a:t>
-            </a:r>
-            <a:r>
-              <a:rPr lang="fr-FR" sz="1200" dirty="0" smtClean="0">
-                <a:latin typeface="Courier New" panose="02070309020205020404" pitchFamily="49" charset="0"/>
-                <a:cs typeface="Courier New" panose="02070309020205020404" pitchFamily="49" charset="0"/>
-              </a:rPr>
-              <a:t>           ra = ...; </a:t>
-            </a:r>
-            <a:r>
-              <a:rPr lang="fr-FR" sz="1200" dirty="0" err="1" smtClean="0">
-                <a:latin typeface="Courier New" panose="02070309020205020404" pitchFamily="49" charset="0"/>
-                <a:cs typeface="Courier New" panose="02070309020205020404" pitchFamily="49" charset="0"/>
-              </a:rPr>
-              <a:t>dec</a:t>
-            </a:r>
-            <a:r>
-              <a:rPr lang="fr-FR" sz="1200" dirty="0" smtClean="0">
-                <a:latin typeface="Courier New" panose="02070309020205020404" pitchFamily="49" charset="0"/>
-                <a:cs typeface="Courier New" panose="02070309020205020404" pitchFamily="49" charset="0"/>
-              </a:rPr>
-              <a:t> = ...</a:t>
-            </a:r>
-            <a:r>
-              <a:rPr lang="fr-FR" sz="1200" dirty="0">
-                <a:latin typeface="Courier New" panose="02070309020205020404" pitchFamily="49" charset="0"/>
-                <a:cs typeface="Courier New" panose="02070309020205020404" pitchFamily="49" charset="0"/>
-              </a:rPr>
-              <a:t/>
-            </a:r>
-            <a:br>
-              <a:rPr lang="fr-FR" sz="1200" dirty="0">
-                <a:latin typeface="Courier New" panose="02070309020205020404" pitchFamily="49" charset="0"/>
-                <a:cs typeface="Courier New" panose="02070309020205020404" pitchFamily="49" charset="0"/>
-              </a:rPr>
-            </a:br>
-            <a:r>
-              <a:rPr lang="fr-FR" sz="1200" dirty="0">
-                <a:latin typeface="Courier New" panose="02070309020205020404" pitchFamily="49" charset="0"/>
-                <a:cs typeface="Courier New" panose="02070309020205020404" pitchFamily="49" charset="0"/>
-              </a:rPr>
-              <a:t>            </a:t>
-            </a:r>
-            <a:r>
-              <a:rPr lang="fr-FR" sz="1200" dirty="0" err="1">
-                <a:latin typeface="Courier New" panose="02070309020205020404" pitchFamily="49" charset="0"/>
-                <a:cs typeface="Courier New" panose="02070309020205020404" pitchFamily="49" charset="0"/>
-              </a:rPr>
-              <a:t>regions.append</a:t>
-            </a:r>
-            <a:r>
-              <a:rPr lang="fr-FR" sz="1200" dirty="0">
-                <a:latin typeface="Courier New" panose="02070309020205020404" pitchFamily="49" charset="0"/>
-                <a:cs typeface="Courier New" panose="02070309020205020404" pitchFamily="49" charset="0"/>
-              </a:rPr>
-              <a:t>((</a:t>
-            </a:r>
-            <a:r>
-              <a:rPr lang="fr-FR" sz="1200" dirty="0" err="1">
-                <a:latin typeface="Courier New" panose="02070309020205020404" pitchFamily="49" charset="0"/>
-                <a:cs typeface="Courier New" panose="02070309020205020404" pitchFamily="49" charset="0"/>
-              </a:rPr>
-              <a:t>region_id</a:t>
-            </a:r>
-            <a:r>
-              <a:rPr lang="fr-FR" sz="1200" dirty="0">
-                <a:latin typeface="Courier New" panose="02070309020205020404" pitchFamily="49" charset="0"/>
-                <a:cs typeface="Courier New" panose="02070309020205020404" pitchFamily="49" charset="0"/>
-              </a:rPr>
-              <a:t>, </a:t>
-            </a:r>
-            <a:r>
-              <a:rPr lang="fr-FR" sz="1200" dirty="0" smtClean="0">
-                <a:latin typeface="Courier New" panose="02070309020205020404" pitchFamily="49" charset="0"/>
-                <a:cs typeface="Courier New" panose="02070309020205020404" pitchFamily="49" charset="0"/>
-              </a:rPr>
-              <a:t>ra, </a:t>
-            </a:r>
-            <a:r>
-              <a:rPr lang="fr-FR" sz="1200" dirty="0" err="1" smtClean="0">
-                <a:latin typeface="Courier New" panose="02070309020205020404" pitchFamily="49" charset="0"/>
-                <a:cs typeface="Courier New" panose="02070309020205020404" pitchFamily="49" charset="0"/>
-              </a:rPr>
-              <a:t>dec</a:t>
-            </a:r>
-            <a:r>
-              <a:rPr lang="fr-FR" sz="1200" dirty="0">
-                <a:latin typeface="Courier New" panose="02070309020205020404" pitchFamily="49" charset="0"/>
-                <a:cs typeface="Courier New" panose="02070309020205020404" pitchFamily="49" charset="0"/>
-              </a:rPr>
-              <a:t>))</a:t>
-            </a:r>
-            <a:br>
-              <a:rPr lang="fr-FR" sz="1200" dirty="0">
-                <a:latin typeface="Courier New" panose="02070309020205020404" pitchFamily="49" charset="0"/>
-                <a:cs typeface="Courier New" panose="02070309020205020404" pitchFamily="49" charset="0"/>
-              </a:rPr>
-            </a:br>
-            <a:r>
-              <a:rPr lang="fr-FR" sz="1200" dirty="0">
-                <a:latin typeface="Courier New" panose="02070309020205020404" pitchFamily="49" charset="0"/>
-                <a:cs typeface="Courier New" panose="02070309020205020404" pitchFamily="49" charset="0"/>
-              </a:rPr>
-              <a:t>            </a:t>
-            </a:r>
-            <a:r>
-              <a:rPr lang="fr-FR" sz="1200" dirty="0" err="1">
-                <a:latin typeface="Courier New" panose="02070309020205020404" pitchFamily="49" charset="0"/>
-                <a:cs typeface="Courier New" panose="02070309020205020404" pitchFamily="49" charset="0"/>
-              </a:rPr>
-              <a:t>region_id</a:t>
-            </a:r>
-            <a:r>
-              <a:rPr lang="fr-FR" sz="1200" dirty="0">
-                <a:latin typeface="Courier New" panose="02070309020205020404" pitchFamily="49" charset="0"/>
-                <a:cs typeface="Courier New" panose="02070309020205020404" pitchFamily="49" charset="0"/>
-              </a:rPr>
-              <a:t> += 1</a:t>
-            </a:r>
-            <a:br>
-              <a:rPr lang="fr-FR" sz="1200" dirty="0">
-                <a:latin typeface="Courier New" panose="02070309020205020404" pitchFamily="49" charset="0"/>
-                <a:cs typeface="Courier New" panose="02070309020205020404" pitchFamily="49" charset="0"/>
-              </a:rPr>
-            </a:br>
-            <a:r>
-              <a:rPr lang="fr-FR" sz="1200" dirty="0">
-                <a:latin typeface="Courier New" panose="02070309020205020404" pitchFamily="49" charset="0"/>
-                <a:cs typeface="Courier New" panose="02070309020205020404" pitchFamily="49" charset="0"/>
-              </a:rPr>
-              <a:t/>
-            </a:r>
-            <a:br>
-              <a:rPr lang="fr-FR" sz="1200" dirty="0">
-                <a:latin typeface="Courier New" panose="02070309020205020404" pitchFamily="49" charset="0"/>
-                <a:cs typeface="Courier New" panose="02070309020205020404" pitchFamily="49" charset="0"/>
-              </a:rPr>
-            </a:br>
-            <a:r>
-              <a:rPr lang="fr-FR" sz="1200" dirty="0">
-                <a:latin typeface="Courier New" panose="02070309020205020404" pitchFamily="49" charset="0"/>
-                <a:cs typeface="Courier New" panose="02070309020205020404" pitchFamily="49" charset="0"/>
-              </a:rPr>
-              <a:t>    </a:t>
-            </a:r>
-            <a:r>
-              <a:rPr lang="fr-FR" sz="1200" dirty="0" err="1">
-                <a:latin typeface="Courier New" panose="02070309020205020404" pitchFamily="49" charset="0"/>
-                <a:cs typeface="Courier New" panose="02070309020205020404" pitchFamily="49" charset="0"/>
-              </a:rPr>
-              <a:t>rdd</a:t>
-            </a:r>
-            <a:r>
-              <a:rPr lang="fr-FR" sz="1200" dirty="0">
-                <a:latin typeface="Courier New" panose="02070309020205020404" pitchFamily="49" charset="0"/>
-                <a:cs typeface="Courier New" panose="02070309020205020404" pitchFamily="49" charset="0"/>
-              </a:rPr>
-              <a:t> = </a:t>
-            </a:r>
-            <a:r>
-              <a:rPr lang="fr-FR" sz="1200" dirty="0" err="1">
-                <a:latin typeface="Courier New" panose="02070309020205020404" pitchFamily="49" charset="0"/>
-                <a:cs typeface="Courier New" panose="02070309020205020404" pitchFamily="49" charset="0"/>
-              </a:rPr>
-              <a:t>sc.parallelize</a:t>
-            </a:r>
-            <a:r>
-              <a:rPr lang="fr-FR" sz="1200" dirty="0">
-                <a:latin typeface="Courier New" panose="02070309020205020404" pitchFamily="49" charset="0"/>
-                <a:cs typeface="Courier New" panose="02070309020205020404" pitchFamily="49" charset="0"/>
-              </a:rPr>
-              <a:t>(</a:t>
-            </a:r>
-            <a:r>
-              <a:rPr lang="fr-FR" sz="1200" dirty="0" err="1">
-                <a:latin typeface="Courier New" panose="02070309020205020404" pitchFamily="49" charset="0"/>
-                <a:cs typeface="Courier New" panose="02070309020205020404" pitchFamily="49" charset="0"/>
-              </a:rPr>
-              <a:t>regions</a:t>
-            </a:r>
-            <a:r>
-              <a:rPr lang="fr-FR" sz="1200" dirty="0" smtClean="0">
-                <a:latin typeface="Courier New" panose="02070309020205020404" pitchFamily="49" charset="0"/>
-                <a:cs typeface="Courier New" panose="02070309020205020404" pitchFamily="49" charset="0"/>
-              </a:rPr>
-              <a:t>).</a:t>
-            </a:r>
-            <a:r>
-              <a:rPr lang="fr-FR" sz="1200" dirty="0" err="1" smtClean="0">
-                <a:latin typeface="Courier New" panose="02070309020205020404" pitchFamily="49" charset="0"/>
-                <a:cs typeface="Courier New" panose="02070309020205020404" pitchFamily="49" charset="0"/>
-              </a:rPr>
-              <a:t>map</a:t>
-            </a:r>
-            <a:r>
-              <a:rPr lang="fr-FR" sz="1200" dirty="0" smtClean="0">
-                <a:latin typeface="Courier New" panose="02070309020205020404" pitchFamily="49" charset="0"/>
-                <a:cs typeface="Courier New" panose="02070309020205020404" pitchFamily="49" charset="0"/>
-              </a:rPr>
-              <a:t>(lambda x: </a:t>
-            </a:r>
-            <a:r>
-              <a:rPr lang="fr-FR" sz="1200" dirty="0" err="1" smtClean="0">
-                <a:latin typeface="Courier New" panose="02070309020205020404" pitchFamily="49" charset="0"/>
-                <a:cs typeface="Courier New" panose="02070309020205020404" pitchFamily="49" charset="0"/>
-              </a:rPr>
-              <a:t>fill_image</a:t>
-            </a:r>
-            <a:r>
-              <a:rPr lang="fr-FR" sz="1200" dirty="0" smtClean="0">
-                <a:latin typeface="Courier New" panose="02070309020205020404" pitchFamily="49" charset="0"/>
-                <a:cs typeface="Courier New" panose="02070309020205020404" pitchFamily="49" charset="0"/>
-              </a:rPr>
-              <a:t>(x))</a:t>
-            </a:r>
-          </a:p>
-          <a:p>
-            <a:r>
-              <a:rPr lang="fr-FR" sz="1200" dirty="0">
-                <a:latin typeface="Courier New" panose="02070309020205020404" pitchFamily="49" charset="0"/>
-                <a:cs typeface="Courier New" panose="02070309020205020404" pitchFamily="49" charset="0"/>
-              </a:rPr>
-              <a:t/>
-            </a:r>
-            <a:br>
-              <a:rPr lang="fr-FR" sz="1200" dirty="0">
-                <a:latin typeface="Courier New" panose="02070309020205020404" pitchFamily="49" charset="0"/>
-                <a:cs typeface="Courier New" panose="02070309020205020404" pitchFamily="49" charset="0"/>
-              </a:rPr>
-            </a:br>
-            <a:r>
-              <a:rPr lang="fr-FR" sz="1200" dirty="0">
-                <a:latin typeface="Courier New" panose="02070309020205020404" pitchFamily="49" charset="0"/>
-                <a:cs typeface="Courier New" panose="02070309020205020404" pitchFamily="49" charset="0"/>
-              </a:rPr>
-              <a:t>    </a:t>
-            </a:r>
-            <a:r>
-              <a:rPr lang="fr-FR" sz="1200" dirty="0" err="1">
-                <a:latin typeface="Courier New" panose="02070309020205020404" pitchFamily="49" charset="0"/>
-                <a:cs typeface="Courier New" panose="02070309020205020404" pitchFamily="49" charset="0"/>
-              </a:rPr>
-              <a:t>df</a:t>
-            </a:r>
-            <a:r>
-              <a:rPr lang="fr-FR" sz="1200" dirty="0">
-                <a:latin typeface="Courier New" panose="02070309020205020404" pitchFamily="49" charset="0"/>
-                <a:cs typeface="Courier New" panose="02070309020205020404" pitchFamily="49" charset="0"/>
-              </a:rPr>
-              <a:t> = </a:t>
-            </a:r>
-            <a:r>
-              <a:rPr lang="fr-FR" sz="1200" dirty="0" err="1">
-                <a:latin typeface="Courier New" panose="02070309020205020404" pitchFamily="49" charset="0"/>
-                <a:cs typeface="Courier New" panose="02070309020205020404" pitchFamily="49" charset="0"/>
-              </a:rPr>
-              <a:t>spark.createDataFrame</a:t>
-            </a:r>
-            <a:r>
-              <a:rPr lang="fr-FR" sz="1200" dirty="0">
-                <a:latin typeface="Courier New" panose="02070309020205020404" pitchFamily="49" charset="0"/>
-                <a:cs typeface="Courier New" panose="02070309020205020404" pitchFamily="49" charset="0"/>
-              </a:rPr>
-              <a:t>(</a:t>
-            </a:r>
-            <a:r>
-              <a:rPr lang="fr-FR" sz="1200" dirty="0" err="1">
-                <a:latin typeface="Courier New" panose="02070309020205020404" pitchFamily="49" charset="0"/>
-                <a:cs typeface="Courier New" panose="02070309020205020404" pitchFamily="49" charset="0"/>
-              </a:rPr>
-              <a:t>rdd</a:t>
-            </a:r>
-            <a:r>
-              <a:rPr lang="fr-FR" sz="1200" dirty="0">
-                <a:latin typeface="Courier New" panose="02070309020205020404" pitchFamily="49" charset="0"/>
-                <a:cs typeface="Courier New" panose="02070309020205020404" pitchFamily="49" charset="0"/>
-              </a:rPr>
-              <a:t>, </a:t>
-            </a:r>
-            <a:r>
-              <a:rPr lang="fr-FR" sz="1200" dirty="0" err="1" smtClean="0">
-                <a:latin typeface="Courier New" panose="02070309020205020404" pitchFamily="49" charset="0"/>
-                <a:cs typeface="Courier New" panose="02070309020205020404" pitchFamily="49" charset="0"/>
-              </a:rPr>
-              <a:t>make_schema</a:t>
-            </a:r>
-            <a:r>
-              <a:rPr lang="fr-FR" sz="1200" dirty="0" smtClean="0">
-                <a:latin typeface="Courier New" panose="02070309020205020404" pitchFamily="49" charset="0"/>
-                <a:cs typeface="Courier New" panose="02070309020205020404" pitchFamily="49" charset="0"/>
-              </a:rPr>
-              <a:t>())</a:t>
-            </a:r>
-          </a:p>
-          <a:p>
-            <a:r>
-              <a:rPr lang="fr-FR" sz="1200" dirty="0">
-                <a:latin typeface="Courier New" panose="02070309020205020404" pitchFamily="49" charset="0"/>
-                <a:cs typeface="Courier New" panose="02070309020205020404" pitchFamily="49" charset="0"/>
-              </a:rPr>
-              <a:t/>
-            </a:r>
-            <a:br>
-              <a:rPr lang="fr-FR" sz="1200" dirty="0">
-                <a:latin typeface="Courier New" panose="02070309020205020404" pitchFamily="49" charset="0"/>
-                <a:cs typeface="Courier New" panose="02070309020205020404" pitchFamily="49" charset="0"/>
-              </a:rPr>
-            </a:br>
-            <a:r>
-              <a:rPr lang="fr-FR" sz="1200" dirty="0" smtClean="0">
-                <a:latin typeface="Courier New" panose="02070309020205020404" pitchFamily="49" charset="0"/>
-                <a:cs typeface="Courier New" panose="02070309020205020404" pitchFamily="49" charset="0"/>
-              </a:rPr>
-              <a:t> </a:t>
-            </a:r>
-            <a:r>
-              <a:rPr lang="fr-FR" sz="1200" dirty="0">
-                <a:latin typeface="Courier New" panose="02070309020205020404" pitchFamily="49" charset="0"/>
-                <a:cs typeface="Courier New" panose="02070309020205020404" pitchFamily="49" charset="0"/>
-              </a:rPr>
-              <a:t>   </a:t>
-            </a:r>
-            <a:r>
-              <a:rPr lang="fr-FR" sz="1200" dirty="0" err="1">
-                <a:latin typeface="Courier New" panose="02070309020205020404" pitchFamily="49" charset="0"/>
-                <a:cs typeface="Courier New" panose="02070309020205020404" pitchFamily="49" charset="0"/>
-              </a:rPr>
-              <a:t>df.write.format</a:t>
-            </a:r>
-            <a:r>
-              <a:rPr lang="fr-FR" sz="1200" dirty="0">
-                <a:latin typeface="Courier New" panose="02070309020205020404" pitchFamily="49" charset="0"/>
-                <a:cs typeface="Courier New" panose="02070309020205020404" pitchFamily="49" charset="0"/>
-              </a:rPr>
-              <a:t>("</a:t>
-            </a:r>
-            <a:r>
-              <a:rPr lang="fr-FR" sz="1200" dirty="0" err="1">
-                <a:latin typeface="Courier New" panose="02070309020205020404" pitchFamily="49" charset="0"/>
-                <a:cs typeface="Courier New" panose="02070309020205020404" pitchFamily="49" charset="0"/>
-              </a:rPr>
-              <a:t>com.databricks.spark.avro</a:t>
-            </a:r>
-            <a:r>
-              <a:rPr lang="fr-FR" sz="1200" dirty="0">
-                <a:latin typeface="Courier New" panose="02070309020205020404" pitchFamily="49" charset="0"/>
-                <a:cs typeface="Courier New" panose="02070309020205020404" pitchFamily="49" charset="0"/>
-              </a:rPr>
-              <a:t>").mode("</a:t>
-            </a:r>
-            <a:r>
-              <a:rPr lang="fr-FR" sz="1200" dirty="0" err="1">
-                <a:latin typeface="Courier New" panose="02070309020205020404" pitchFamily="49" charset="0"/>
-                <a:cs typeface="Courier New" panose="02070309020205020404" pitchFamily="49" charset="0"/>
-              </a:rPr>
-              <a:t>overwrite</a:t>
-            </a:r>
-            <a:r>
-              <a:rPr lang="fr-FR" sz="1200" dirty="0">
-                <a:latin typeface="Courier New" panose="02070309020205020404" pitchFamily="49" charset="0"/>
-                <a:cs typeface="Courier New" panose="02070309020205020404" pitchFamily="49" charset="0"/>
-              </a:rPr>
-              <a:t>").</a:t>
-            </a:r>
-            <a:r>
-              <a:rPr lang="fr-FR" sz="1200" dirty="0" err="1">
-                <a:latin typeface="Courier New" panose="02070309020205020404" pitchFamily="49" charset="0"/>
-                <a:cs typeface="Courier New" panose="02070309020205020404" pitchFamily="49" charset="0"/>
-              </a:rPr>
-              <a:t>save</a:t>
-            </a:r>
-            <a:r>
-              <a:rPr lang="fr-FR" sz="1200" dirty="0">
-                <a:latin typeface="Courier New" panose="02070309020205020404" pitchFamily="49" charset="0"/>
-                <a:cs typeface="Courier New" panose="02070309020205020404" pitchFamily="49" charset="0"/>
-              </a:rPr>
-              <a:t>("./images</a:t>
-            </a:r>
-            <a:r>
-              <a:rPr lang="fr-FR" sz="1200" dirty="0" smtClean="0">
-                <a:latin typeface="Courier New" panose="02070309020205020404" pitchFamily="49" charset="0"/>
-                <a:cs typeface="Courier New" panose="02070309020205020404" pitchFamily="49" charset="0"/>
-              </a:rPr>
-              <a:t>")</a:t>
-            </a:r>
-          </a:p>
-        </p:txBody>
-      </p:sp>
-      <p:sp>
-        <p:nvSpPr>
-          <p:cNvPr id="5" name="ZoneTexte 4"/>
-          <p:cNvSpPr txBox="1"/>
-          <p:nvPr/>
-        </p:nvSpPr>
-        <p:spPr>
-          <a:xfrm>
-            <a:off x="6446358" y="4150821"/>
-            <a:ext cx="2230098" cy="646331"/>
-          </a:xfrm>
-          <a:prstGeom prst="rect">
-            <a:avLst/>
-          </a:prstGeom>
-          <a:solidFill>
-            <a:schemeClr val="accent2">
-              <a:lumMod val="20000"/>
-              <a:lumOff val="80000"/>
-            </a:schemeClr>
-          </a:solidFill>
-          <a:ln>
-            <a:solidFill>
-              <a:srgbClr val="0070C0"/>
-            </a:solidFill>
-          </a:ln>
-        </p:spPr>
-        <p:txBody>
-          <a:bodyPr wrap="none" rtlCol="0">
-            <a:spAutoFit/>
-          </a:bodyPr>
-          <a:lstStyle/>
-          <a:p>
-            <a:r>
-              <a:rPr lang="fr-FR" sz="1200" dirty="0" err="1" smtClean="0">
-                <a:latin typeface="Courier New" panose="02070309020205020404" pitchFamily="49" charset="0"/>
-                <a:cs typeface="Courier New" panose="02070309020205020404" pitchFamily="49" charset="0"/>
-              </a:rPr>
-              <a:t>def</a:t>
-            </a:r>
-            <a:r>
-              <a:rPr lang="fr-FR" sz="1200" dirty="0" smtClean="0">
-                <a:latin typeface="Courier New" panose="02070309020205020404" pitchFamily="49" charset="0"/>
-                <a:cs typeface="Courier New" panose="02070309020205020404" pitchFamily="49" charset="0"/>
-              </a:rPr>
-              <a:t> </a:t>
-            </a:r>
-            <a:r>
-              <a:rPr lang="fr-FR" sz="1200" dirty="0" err="1" smtClean="0">
-                <a:latin typeface="Courier New" panose="02070309020205020404" pitchFamily="49" charset="0"/>
-                <a:cs typeface="Courier New" panose="02070309020205020404" pitchFamily="49" charset="0"/>
-              </a:rPr>
-              <a:t>fill_image</a:t>
-            </a:r>
-            <a:r>
-              <a:rPr lang="fr-FR" sz="1200" dirty="0" smtClean="0">
-                <a:latin typeface="Courier New" panose="02070309020205020404" pitchFamily="49" charset="0"/>
-                <a:cs typeface="Courier New" panose="02070309020205020404" pitchFamily="49" charset="0"/>
-              </a:rPr>
-              <a:t>(image):</a:t>
-            </a:r>
-          </a:p>
-          <a:p>
-            <a:r>
-              <a:rPr lang="fr-FR" sz="1200" dirty="0" smtClean="0">
-                <a:latin typeface="Courier New" panose="02070309020205020404" pitchFamily="49" charset="0"/>
-                <a:cs typeface="Courier New" panose="02070309020205020404" pitchFamily="49" charset="0"/>
-              </a:rPr>
-              <a:t>    </a:t>
-            </a:r>
-            <a:r>
-              <a:rPr lang="fr-FR" sz="1200" dirty="0" err="1" smtClean="0">
-                <a:latin typeface="Courier New" panose="02070309020205020404" pitchFamily="49" charset="0"/>
-                <a:cs typeface="Courier New" panose="02070309020205020404" pitchFamily="49" charset="0"/>
-              </a:rPr>
-              <a:t>filled</a:t>
-            </a:r>
-            <a:r>
-              <a:rPr lang="fr-FR" sz="1200" dirty="0" smtClean="0">
-                <a:latin typeface="Courier New" panose="02070309020205020404" pitchFamily="49" charset="0"/>
-                <a:cs typeface="Courier New" panose="02070309020205020404" pitchFamily="49" charset="0"/>
-              </a:rPr>
-              <a:t> = ...</a:t>
-            </a:r>
-          </a:p>
-          <a:p>
-            <a:r>
-              <a:rPr lang="fr-FR" sz="1200" dirty="0">
-                <a:latin typeface="Courier New" panose="02070309020205020404" pitchFamily="49" charset="0"/>
-                <a:cs typeface="Courier New" panose="02070309020205020404" pitchFamily="49" charset="0"/>
-              </a:rPr>
-              <a:t> </a:t>
-            </a:r>
-            <a:r>
-              <a:rPr lang="fr-FR" sz="1200" dirty="0" smtClean="0">
-                <a:latin typeface="Courier New" panose="02070309020205020404" pitchFamily="49" charset="0"/>
-                <a:cs typeface="Courier New" panose="02070309020205020404" pitchFamily="49" charset="0"/>
-              </a:rPr>
-              <a:t>   return </a:t>
-            </a:r>
-            <a:r>
-              <a:rPr lang="fr-FR" sz="1200" dirty="0" err="1" smtClean="0">
-                <a:latin typeface="Courier New" panose="02070309020205020404" pitchFamily="49" charset="0"/>
-                <a:cs typeface="Courier New" panose="02070309020205020404" pitchFamily="49" charset="0"/>
-              </a:rPr>
-              <a:t>filled</a:t>
+              <a:t>df.rdd</a:t>
             </a:r>
             <a:endParaRPr lang="fr-FR" sz="1200" dirty="0" smtClean="0">
               <a:latin typeface="Courier New" panose="02070309020205020404" pitchFamily="49" charset="0"/>
               <a:cs typeface="Courier New" panose="02070309020205020404" pitchFamily="49" charset="0"/>
             </a:endParaRPr>
           </a:p>
+          <a:p>
+            <a:r>
+              <a:rPr lang="fr-FR" sz="1200" dirty="0">
+                <a:latin typeface="Courier New" panose="02070309020205020404" pitchFamily="49" charset="0"/>
+                <a:cs typeface="Courier New" panose="02070309020205020404" pitchFamily="49" charset="0"/>
+              </a:rPr>
+              <a:t> </a:t>
+            </a:r>
+            <a:r>
+              <a:rPr lang="fr-FR" sz="1200" dirty="0" smtClean="0">
+                <a:latin typeface="Courier New" panose="02070309020205020404" pitchFamily="49" charset="0"/>
+                <a:cs typeface="Courier New" panose="02070309020205020404" pitchFamily="49" charset="0"/>
+              </a:rPr>
+              <a:t>           .</a:t>
+            </a:r>
+            <a:r>
+              <a:rPr lang="fr-FR" sz="1200" dirty="0" err="1" smtClean="0">
+                <a:latin typeface="Courier New" panose="02070309020205020404" pitchFamily="49" charset="0"/>
+                <a:cs typeface="Courier New" panose="02070309020205020404" pitchFamily="49" charset="0"/>
+              </a:rPr>
+              <a:t>filter</a:t>
+            </a:r>
+            <a:r>
+              <a:rPr lang="fr-FR" sz="1200" dirty="0" smtClean="0">
+                <a:latin typeface="Courier New" panose="02070309020205020404" pitchFamily="49" charset="0"/>
+                <a:cs typeface="Courier New" panose="02070309020205020404" pitchFamily="49" charset="0"/>
+              </a:rPr>
+              <a:t>(lambda </a:t>
+            </a:r>
+            <a:r>
+              <a:rPr lang="fr-FR" sz="1200" dirty="0">
+                <a:latin typeface="Courier New" panose="02070309020205020404" pitchFamily="49" charset="0"/>
+                <a:cs typeface="Courier New" panose="02070309020205020404" pitchFamily="49" charset="0"/>
+              </a:rPr>
+              <a:t>x: </a:t>
+            </a:r>
+            <a:r>
+              <a:rPr lang="fr-FR" sz="1200" dirty="0" smtClean="0">
+                <a:latin typeface="Courier New" panose="02070309020205020404" pitchFamily="49" charset="0"/>
+                <a:cs typeface="Courier New" panose="02070309020205020404" pitchFamily="49" charset="0"/>
+              </a:rPr>
+              <a:t>x[1] == 3)</a:t>
+            </a:r>
+            <a:r>
+              <a:rPr lang="fr-FR" sz="1200" dirty="0">
+                <a:latin typeface="Courier New" panose="02070309020205020404" pitchFamily="49" charset="0"/>
+                <a:cs typeface="Courier New" panose="02070309020205020404" pitchFamily="49" charset="0"/>
+              </a:rPr>
+              <a:t/>
+            </a:r>
+            <a:br>
+              <a:rPr lang="fr-FR" sz="1200" dirty="0">
+                <a:latin typeface="Courier New" panose="02070309020205020404" pitchFamily="49" charset="0"/>
+                <a:cs typeface="Courier New" panose="02070309020205020404" pitchFamily="49" charset="0"/>
+              </a:rPr>
+            </a:br>
+            <a:r>
+              <a:rPr lang="fr-FR" sz="1200" dirty="0">
+                <a:latin typeface="Courier New" panose="02070309020205020404" pitchFamily="49" charset="0"/>
+                <a:cs typeface="Courier New" panose="02070309020205020404" pitchFamily="49" charset="0"/>
+              </a:rPr>
+              <a:t>   </a:t>
+            </a:r>
+            <a:r>
+              <a:rPr lang="fr-FR" sz="1200" dirty="0" smtClean="0">
+                <a:latin typeface="Courier New" panose="02070309020205020404" pitchFamily="49" charset="0"/>
+                <a:cs typeface="Courier New" panose="02070309020205020404" pitchFamily="49" charset="0"/>
+              </a:rPr>
+              <a:t>         .</a:t>
+            </a:r>
+            <a:r>
+              <a:rPr lang="fr-FR" sz="1200" dirty="0" err="1">
+                <a:latin typeface="Courier New" panose="02070309020205020404" pitchFamily="49" charset="0"/>
+                <a:cs typeface="Courier New" panose="02070309020205020404" pitchFamily="49" charset="0"/>
+              </a:rPr>
+              <a:t>map</a:t>
+            </a:r>
+            <a:r>
+              <a:rPr lang="fr-FR" sz="1200" dirty="0">
+                <a:latin typeface="Courier New" panose="02070309020205020404" pitchFamily="49" charset="0"/>
+                <a:cs typeface="Courier New" panose="02070309020205020404" pitchFamily="49" charset="0"/>
+              </a:rPr>
+              <a:t>(lambda x: </a:t>
+            </a:r>
+            <a:r>
+              <a:rPr lang="fr-FR" sz="1200" dirty="0" err="1" smtClean="0">
+                <a:latin typeface="Courier New" panose="02070309020205020404" pitchFamily="49" charset="0"/>
+                <a:cs typeface="Courier New" panose="02070309020205020404" pitchFamily="49" charset="0"/>
+              </a:rPr>
+              <a:t>analyze</a:t>
+            </a:r>
+            <a:r>
+              <a:rPr lang="fr-FR" sz="1200" dirty="0" smtClean="0">
+                <a:latin typeface="Courier New" panose="02070309020205020404" pitchFamily="49" charset="0"/>
+                <a:cs typeface="Courier New" panose="02070309020205020404" pitchFamily="49" charset="0"/>
+              </a:rPr>
+              <a:t>(x)))</a:t>
+            </a:r>
+            <a:r>
+              <a:rPr lang="fr-FR" sz="1200" dirty="0">
+                <a:latin typeface="Courier New" panose="02070309020205020404" pitchFamily="49" charset="0"/>
+                <a:cs typeface="Courier New" panose="02070309020205020404" pitchFamily="49" charset="0"/>
+              </a:rPr>
+              <a:t/>
+            </a:r>
+            <a:br>
+              <a:rPr lang="fr-FR" sz="1200" dirty="0">
+                <a:latin typeface="Courier New" panose="02070309020205020404" pitchFamily="49" charset="0"/>
+                <a:cs typeface="Courier New" panose="02070309020205020404" pitchFamily="49" charset="0"/>
+              </a:rPr>
+            </a:br>
+            <a:r>
+              <a:rPr lang="fr-FR" sz="1200" dirty="0">
+                <a:latin typeface="Courier New" panose="02070309020205020404" pitchFamily="49" charset="0"/>
+                <a:cs typeface="Courier New" panose="02070309020205020404" pitchFamily="49" charset="0"/>
+              </a:rPr>
+              <a:t/>
+            </a:r>
+            <a:br>
+              <a:rPr lang="fr-FR" sz="1200" dirty="0">
+                <a:latin typeface="Courier New" panose="02070309020205020404" pitchFamily="49" charset="0"/>
+                <a:cs typeface="Courier New" panose="02070309020205020404" pitchFamily="49" charset="0"/>
+              </a:rPr>
+            </a:br>
+            <a:r>
+              <a:rPr lang="fr-FR" sz="1200" dirty="0">
+                <a:latin typeface="Courier New" panose="02070309020205020404" pitchFamily="49" charset="0"/>
+                <a:cs typeface="Courier New" panose="02070309020205020404" pitchFamily="49" charset="0"/>
+              </a:rPr>
+              <a:t>    </a:t>
+            </a:r>
+            <a:r>
+              <a:rPr lang="fr-FR" sz="1200" dirty="0" err="1">
+                <a:latin typeface="Courier New" panose="02070309020205020404" pitchFamily="49" charset="0"/>
+                <a:cs typeface="Courier New" panose="02070309020205020404" pitchFamily="49" charset="0"/>
+              </a:rPr>
+              <a:t>result</a:t>
+            </a:r>
+            <a:r>
+              <a:rPr lang="fr-FR" sz="1200" dirty="0">
+                <a:latin typeface="Courier New" panose="02070309020205020404" pitchFamily="49" charset="0"/>
+                <a:cs typeface="Courier New" panose="02070309020205020404" pitchFamily="49" charset="0"/>
+              </a:rPr>
+              <a:t> = </a:t>
+            </a:r>
+            <a:r>
+              <a:rPr lang="fr-FR" sz="1200" dirty="0" err="1" smtClean="0">
+                <a:latin typeface="Courier New" panose="02070309020205020404" pitchFamily="49" charset="0"/>
+                <a:cs typeface="Courier New" panose="02070309020205020404" pitchFamily="49" charset="0"/>
+              </a:rPr>
+              <a:t>rdd.collect</a:t>
+            </a:r>
+            <a:r>
+              <a:rPr lang="fr-FR" sz="1200" dirty="0">
+                <a:latin typeface="Courier New" panose="02070309020205020404" pitchFamily="49" charset="0"/>
+                <a:cs typeface="Courier New" panose="02070309020205020404" pitchFamily="49" charset="0"/>
+              </a:rPr>
+              <a:t>()</a:t>
+            </a:r>
+            <a:br>
+              <a:rPr lang="fr-FR" sz="1200" dirty="0">
+                <a:latin typeface="Courier New" panose="02070309020205020404" pitchFamily="49" charset="0"/>
+                <a:cs typeface="Courier New" panose="02070309020205020404" pitchFamily="49" charset="0"/>
+              </a:rPr>
+            </a:br>
+            <a:r>
+              <a:rPr lang="fr-FR" sz="1200" dirty="0">
+                <a:latin typeface="Courier New" panose="02070309020205020404" pitchFamily="49" charset="0"/>
+                <a:cs typeface="Courier New" panose="02070309020205020404" pitchFamily="49" charset="0"/>
+              </a:rPr>
+              <a:t>    </a:t>
+            </a:r>
+            <a:r>
+              <a:rPr lang="fr-FR" sz="1200" dirty="0" err="1">
+                <a:latin typeface="Courier New" panose="02070309020205020404" pitchFamily="49" charset="0"/>
+                <a:cs typeface="Courier New" panose="02070309020205020404" pitchFamily="49" charset="0"/>
+              </a:rPr>
+              <a:t>print</a:t>
+            </a:r>
+            <a:r>
+              <a:rPr lang="fr-FR" sz="1200" dirty="0">
+                <a:latin typeface="Courier New" panose="02070309020205020404" pitchFamily="49" charset="0"/>
+                <a:cs typeface="Courier New" panose="02070309020205020404" pitchFamily="49" charset="0"/>
+              </a:rPr>
+              <a:t>(</a:t>
+            </a:r>
+            <a:r>
+              <a:rPr lang="fr-FR" sz="1200" dirty="0" err="1">
+                <a:latin typeface="Courier New" panose="02070309020205020404" pitchFamily="49" charset="0"/>
+                <a:cs typeface="Courier New" panose="02070309020205020404" pitchFamily="49" charset="0"/>
+              </a:rPr>
+              <a:t>result</a:t>
+            </a:r>
+            <a:r>
+              <a:rPr lang="fr-FR" sz="1200" dirty="0">
+                <a:latin typeface="Courier New" panose="02070309020205020404" pitchFamily="49" charset="0"/>
+                <a:cs typeface="Courier New" panose="02070309020205020404" pitchFamily="49" charset="0"/>
+              </a:rPr>
+              <a:t>)</a:t>
+            </a:r>
+            <a:endParaRPr lang="fr-FR" sz="1200" dirty="0" smtClean="0">
+              <a:latin typeface="Courier New" panose="02070309020205020404" pitchFamily="49" charset="0"/>
+              <a:cs typeface="Courier New" panose="02070309020205020404" pitchFamily="49" charset="0"/>
+            </a:endParaRPr>
+          </a:p>
         </p:txBody>
       </p:sp>
     </p:spTree>
     <p:extLst>
       <p:ext uri="{BB962C8B-B14F-4D97-AF65-F5344CB8AC3E}">
-        <p14:creationId xmlns:p14="http://schemas.microsoft.com/office/powerpoint/2010/main" val="398435638"/>
+        <p14:creationId xmlns:p14="http://schemas.microsoft.com/office/powerpoint/2010/main" val="2659078028"/>
       </p:ext>
     </p:extLst>
   </p:cSld>
@@ -4539,8 +3993,80 @@
           <a:lstStyle/>
           <a:p>
             <a:r>
+              <a:rPr lang="fr-FR" dirty="0"/>
+              <a:t>Utilisation </a:t>
+            </a:r>
+            <a:r>
               <a:rPr lang="fr-FR" dirty="0" smtClean="0"/>
-              <a:t>Utilisation des images</a:t>
+              <a:t>des </a:t>
+            </a:r>
+            <a:r>
+              <a:rPr lang="fr-FR" dirty="0"/>
+              <a:t>images</a:t>
+            </a:r>
+          </a:p>
+        </p:txBody>
+      </p:sp>
+      <p:sp>
+        <p:nvSpPr>
+          <p:cNvPr id="3" name="Espace réservé du contenu 2"/>
+          <p:cNvSpPr>
+            <a:spLocks noGrp="1"/>
+          </p:cNvSpPr>
+          <p:nvPr>
+            <p:ph idx="1"/>
+          </p:nvPr>
+        </p:nvSpPr>
+        <p:spPr/>
+        <p:txBody>
+          <a:bodyPr/>
+          <a:lstStyle/>
+          <a:p>
+            <a:r>
+              <a:rPr lang="fr-FR" dirty="0" smtClean="0"/>
+              <a:t>Avec l’utilisation des </a:t>
+            </a:r>
+            <a:r>
+              <a:rPr lang="fr-FR" dirty="0" err="1" smtClean="0"/>
+              <a:t>DataFrame</a:t>
+            </a:r>
+            <a:endParaRPr lang="fr-FR" dirty="0" smtClean="0"/>
+          </a:p>
+          <a:p>
+            <a:pPr lvl="1"/>
+            <a:r>
+              <a:rPr lang="fr-FR" dirty="0" smtClean="0"/>
+              <a:t>Gestion des données en colonnes</a:t>
+            </a:r>
+          </a:p>
+          <a:p>
+            <a:pPr lvl="1"/>
+            <a:r>
+              <a:rPr lang="fr-FR" dirty="0" smtClean="0"/>
+              <a:t>Indexation des images par </a:t>
+            </a:r>
+            <a:r>
+              <a:rPr lang="fr-FR" dirty="0" err="1" smtClean="0"/>
+              <a:t>run</a:t>
+            </a:r>
+            <a:r>
+              <a:rPr lang="fr-FR" dirty="0" smtClean="0"/>
+              <a:t>/patch/ra/</a:t>
+            </a:r>
+            <a:r>
+              <a:rPr lang="fr-FR" dirty="0" err="1" smtClean="0"/>
+              <a:t>dec</a:t>
+            </a:r>
+            <a:r>
+              <a:rPr lang="fr-FR" dirty="0" smtClean="0"/>
+              <a:t>/…</a:t>
+            </a:r>
+          </a:p>
+          <a:p>
+            <a:pPr lvl="1"/>
+            <a:r>
+              <a:rPr lang="fr-FR" dirty="0" smtClean="0"/>
+              <a:t>Possibilité de sélectionner des images directement</a:t>
             </a:r>
             <a:endParaRPr lang="fr-FR" dirty="0"/>
           </a:p>
@@ -4548,14 +4074,14 @@
       </p:sp>
       <p:sp>
         <p:nvSpPr>
-          <p:cNvPr id="4" name="ZoneTexte 3"/>
+          <p:cNvPr id="6" name="ZoneTexte 5"/>
           <p:cNvSpPr txBox="1"/>
           <p:nvPr/>
         </p:nvSpPr>
         <p:spPr>
           <a:xfrm>
-            <a:off x="683568" y="1124744"/>
-            <a:ext cx="6878806" cy="1938992"/>
+            <a:off x="683568" y="3794264"/>
+            <a:ext cx="5949064" cy="2123658"/>
           </a:xfrm>
           <a:prstGeom prst="rect">
             <a:avLst/>
@@ -4700,18 +4226,18 @@
               </a:rPr>
             </a:br>
             <a:r>
-              <a:rPr lang="fr-FR" sz="1200" dirty="0">
-                <a:latin typeface="Courier New" panose="02070309020205020404" pitchFamily="49" charset="0"/>
-                <a:cs typeface="Courier New" panose="02070309020205020404" pitchFamily="49" charset="0"/>
-              </a:rPr>
-              <a:t>    </a:t>
+              <a:rPr lang="fr-FR" sz="1200" dirty="0" smtClean="0">
+                <a:latin typeface="Courier New" panose="02070309020205020404" pitchFamily="49" charset="0"/>
+                <a:cs typeface="Courier New" panose="02070309020205020404" pitchFamily="49" charset="0"/>
+              </a:rPr>
+              <a:t>    </a:t>
             </a:r>
             <a:r>
               <a:rPr lang="fr-FR" sz="1200" dirty="0" err="1">
                 <a:latin typeface="Courier New" panose="02070309020205020404" pitchFamily="49" charset="0"/>
                 <a:cs typeface="Courier New" panose="02070309020205020404" pitchFamily="49" charset="0"/>
               </a:rPr>
-              <a:t>df</a:t>
+              <a:t>analyze</a:t>
             </a:r>
             <a:r>
               <a:rPr lang="fr-FR" sz="1200" dirty="0">
@@ -4725,244 +4251,273 @@
                 <a:latin typeface="Courier New" panose="02070309020205020404" pitchFamily="49" charset="0"/>
                 <a:cs typeface="Courier New" panose="02070309020205020404" pitchFamily="49" charset="0"/>
               </a:rPr>
-              <a:t>spark.read.format</a:t>
-            </a:r>
-            <a:r>
-              <a:rPr lang="fr-FR" sz="1200" dirty="0">
-                <a:latin typeface="Courier New" panose="02070309020205020404" pitchFamily="49" charset="0"/>
-                <a:cs typeface="Courier New" panose="02070309020205020404" pitchFamily="49" charset="0"/>
-              </a:rPr>
-              <a:t>("</a:t>
+              <a:t>functions.udf</a:t>
+            </a:r>
+            <a:r>
+              <a:rPr lang="fr-FR" sz="1200" dirty="0">
+                <a:latin typeface="Courier New" panose="02070309020205020404" pitchFamily="49" charset="0"/>
+                <a:cs typeface="Courier New" panose="02070309020205020404" pitchFamily="49" charset="0"/>
+              </a:rPr>
+              <a:t>(lambda m: </a:t>
             </a:r>
             <a:r>
               <a:rPr lang="fr-FR" sz="1200" dirty="0" err="1">
                 <a:latin typeface="Courier New" panose="02070309020205020404" pitchFamily="49" charset="0"/>
                 <a:cs typeface="Courier New" panose="02070309020205020404" pitchFamily="49" charset="0"/>
               </a:rPr>
-              <a:t>com.databricks.spark.avro</a:t>
-            </a:r>
-            <a:r>
-              <a:rPr lang="fr-FR" sz="1200" dirty="0">
-                <a:latin typeface="Courier New" panose="02070309020205020404" pitchFamily="49" charset="0"/>
-                <a:cs typeface="Courier New" panose="02070309020205020404" pitchFamily="49" charset="0"/>
-              </a:rPr>
-              <a:t>").</a:t>
-            </a:r>
-            <a:r>
-              <a:rPr lang="fr-FR" sz="1200" dirty="0" err="1">
-                <a:latin typeface="Courier New" panose="02070309020205020404" pitchFamily="49" charset="0"/>
-                <a:cs typeface="Courier New" panose="02070309020205020404" pitchFamily="49" charset="0"/>
-              </a:rPr>
-              <a:t>load</a:t>
-            </a:r>
-            <a:r>
-              <a:rPr lang="fr-FR" sz="1200" dirty="0">
-                <a:latin typeface="Courier New" panose="02070309020205020404" pitchFamily="49" charset="0"/>
-                <a:cs typeface="Courier New" panose="02070309020205020404" pitchFamily="49" charset="0"/>
-              </a:rPr>
-              <a:t>("./images")</a:t>
-            </a:r>
-            <a:br>
-              <a:rPr lang="fr-FR" sz="1200" dirty="0">
-                <a:latin typeface="Courier New" panose="02070309020205020404" pitchFamily="49" charset="0"/>
-                <a:cs typeface="Courier New" panose="02070309020205020404" pitchFamily="49" charset="0"/>
-              </a:rPr>
-            </a:br>
-            <a:r>
-              <a:rPr lang="fr-FR" sz="1200" dirty="0">
-                <a:latin typeface="Courier New" panose="02070309020205020404" pitchFamily="49" charset="0"/>
-                <a:cs typeface="Courier New" panose="02070309020205020404" pitchFamily="49" charset="0"/>
-              </a:rPr>
-              <a:t/>
-            </a:r>
-            <a:br>
-              <a:rPr lang="fr-FR" sz="1200" dirty="0">
-                <a:latin typeface="Courier New" panose="02070309020205020404" pitchFamily="49" charset="0"/>
-                <a:cs typeface="Courier New" panose="02070309020205020404" pitchFamily="49" charset="0"/>
-              </a:rPr>
-            </a:br>
-            <a:r>
-              <a:rPr lang="fr-FR" sz="1200" dirty="0">
-                <a:latin typeface="Courier New" panose="02070309020205020404" pitchFamily="49" charset="0"/>
-                <a:cs typeface="Courier New" panose="02070309020205020404" pitchFamily="49" charset="0"/>
-              </a:rPr>
-              <a:t>    </a:t>
-            </a:r>
-            <a:r>
-              <a:rPr lang="fr-FR" sz="1200" dirty="0" err="1" smtClean="0">
-                <a:latin typeface="Courier New" panose="02070309020205020404" pitchFamily="49" charset="0"/>
-                <a:cs typeface="Courier New" panose="02070309020205020404" pitchFamily="49" charset="0"/>
-              </a:rPr>
-              <a:t>rdd</a:t>
+              <a:t>analyze</a:t>
+            </a:r>
+            <a:r>
+              <a:rPr lang="fr-FR" sz="1200" dirty="0">
+                <a:latin typeface="Courier New" panose="02070309020205020404" pitchFamily="49" charset="0"/>
+                <a:cs typeface="Courier New" panose="02070309020205020404" pitchFamily="49" charset="0"/>
+              </a:rPr>
+              <a:t>(m), &lt;type</a:t>
             </a:r>
             <a:r>
               <a:rPr lang="fr-FR" sz="1200" dirty="0" smtClean="0">
                 <a:latin typeface="Courier New" panose="02070309020205020404" pitchFamily="49" charset="0"/>
                 <a:cs typeface="Courier New" panose="02070309020205020404" pitchFamily="49" charset="0"/>
               </a:rPr>
-              <a:t> </a:t>
-            </a:r>
-            <a:r>
-              <a:rPr lang="fr-FR" sz="1200" dirty="0">
-                <a:latin typeface="Courier New" panose="02070309020205020404" pitchFamily="49" charset="0"/>
-                <a:cs typeface="Courier New" panose="02070309020205020404" pitchFamily="49" charset="0"/>
-              </a:rPr>
-              <a:t>= </a:t>
-            </a:r>
-            <a:r>
-              <a:rPr lang="fr-FR" sz="1200" dirty="0" err="1">
-                <a:latin typeface="Courier New" panose="02070309020205020404" pitchFamily="49" charset="0"/>
-                <a:cs typeface="Courier New" panose="02070309020205020404" pitchFamily="49" charset="0"/>
-              </a:rPr>
-              <a:t>df.rdd.map</a:t>
-            </a:r>
-            <a:r>
-              <a:rPr lang="fr-FR" sz="1200" dirty="0">
-                <a:latin typeface="Courier New" panose="02070309020205020404" pitchFamily="49" charset="0"/>
-                <a:cs typeface="Courier New" panose="02070309020205020404" pitchFamily="49" charset="0"/>
-              </a:rPr>
-              <a:t>(lambda x: </a:t>
-            </a:r>
-            <a:r>
-              <a:rPr lang="fr-FR" sz="1200" dirty="0" err="1" smtClean="0">
-                <a:latin typeface="Courier New" panose="02070309020205020404" pitchFamily="49" charset="0"/>
-                <a:cs typeface="Courier New" panose="02070309020205020404" pitchFamily="49" charset="0"/>
-              </a:rPr>
-              <a:t>analyze</a:t>
-            </a:r>
-            <a:r>
-              <a:rPr lang="fr-FR" sz="1200" dirty="0" smtClean="0">
-                <a:latin typeface="Courier New" panose="02070309020205020404" pitchFamily="49" charset="0"/>
-                <a:cs typeface="Courier New" panose="02070309020205020404" pitchFamily="49" charset="0"/>
-              </a:rPr>
-              <a:t>(x))</a:t>
-            </a:r>
-            <a:r>
-              <a:rPr lang="fr-FR" sz="1200" dirty="0">
-                <a:latin typeface="Courier New" panose="02070309020205020404" pitchFamily="49" charset="0"/>
-                <a:cs typeface="Courier New" panose="02070309020205020404" pitchFamily="49" charset="0"/>
-              </a:rPr>
-              <a:t/>
-            </a:r>
-            <a:br>
-              <a:rPr lang="fr-FR" sz="1200" dirty="0">
-                <a:latin typeface="Courier New" panose="02070309020205020404" pitchFamily="49" charset="0"/>
-                <a:cs typeface="Courier New" panose="02070309020205020404" pitchFamily="49" charset="0"/>
-              </a:rPr>
-            </a:br>
-            <a:r>
-              <a:rPr lang="fr-FR" sz="1200" dirty="0">
-                <a:latin typeface="Courier New" panose="02070309020205020404" pitchFamily="49" charset="0"/>
-                <a:cs typeface="Courier New" panose="02070309020205020404" pitchFamily="49" charset="0"/>
-              </a:rPr>
-              <a:t/>
-            </a:r>
-            <a:br>
-              <a:rPr lang="fr-FR" sz="1200" dirty="0">
-                <a:latin typeface="Courier New" panose="02070309020205020404" pitchFamily="49" charset="0"/>
-                <a:cs typeface="Courier New" panose="02070309020205020404" pitchFamily="49" charset="0"/>
-              </a:rPr>
-            </a:br>
-            <a:r>
-              <a:rPr lang="fr-FR" sz="1200" dirty="0">
-                <a:latin typeface="Courier New" panose="02070309020205020404" pitchFamily="49" charset="0"/>
-                <a:cs typeface="Courier New" panose="02070309020205020404" pitchFamily="49" charset="0"/>
-              </a:rPr>
-              <a:t>    </a:t>
-            </a:r>
-            <a:r>
-              <a:rPr lang="fr-FR" sz="1200" dirty="0" err="1">
-                <a:latin typeface="Courier New" panose="02070309020205020404" pitchFamily="49" charset="0"/>
-                <a:cs typeface="Courier New" panose="02070309020205020404" pitchFamily="49" charset="0"/>
-              </a:rPr>
-              <a:t>result</a:t>
-            </a:r>
-            <a:r>
-              <a:rPr lang="fr-FR" sz="1200" dirty="0">
-                <a:latin typeface="Courier New" panose="02070309020205020404" pitchFamily="49" charset="0"/>
-                <a:cs typeface="Courier New" panose="02070309020205020404" pitchFamily="49" charset="0"/>
-              </a:rPr>
-              <a:t> = </a:t>
-            </a:r>
-            <a:r>
-              <a:rPr lang="fr-FR" sz="1200" dirty="0" err="1" smtClean="0">
-                <a:latin typeface="Courier New" panose="02070309020205020404" pitchFamily="49" charset="0"/>
-                <a:cs typeface="Courier New" panose="02070309020205020404" pitchFamily="49" charset="0"/>
-              </a:rPr>
-              <a:t>rdd.collect</a:t>
-            </a:r>
-            <a:r>
-              <a:rPr lang="fr-FR" sz="1200" dirty="0">
-                <a:latin typeface="Courier New" panose="02070309020205020404" pitchFamily="49" charset="0"/>
-                <a:cs typeface="Courier New" panose="02070309020205020404" pitchFamily="49" charset="0"/>
-              </a:rPr>
-              <a:t>()</a:t>
-            </a:r>
-            <a:br>
-              <a:rPr lang="fr-FR" sz="1200" dirty="0">
-                <a:latin typeface="Courier New" panose="02070309020205020404" pitchFamily="49" charset="0"/>
-                <a:cs typeface="Courier New" panose="02070309020205020404" pitchFamily="49" charset="0"/>
-              </a:rPr>
-            </a:br>
-            <a:r>
-              <a:rPr lang="fr-FR" sz="1200" dirty="0">
-                <a:latin typeface="Courier New" panose="02070309020205020404" pitchFamily="49" charset="0"/>
-                <a:cs typeface="Courier New" panose="02070309020205020404" pitchFamily="49" charset="0"/>
-              </a:rPr>
-              <a:t>    </a:t>
-            </a:r>
-            <a:r>
-              <a:rPr lang="fr-FR" sz="1200" dirty="0" err="1">
-                <a:latin typeface="Courier New" panose="02070309020205020404" pitchFamily="49" charset="0"/>
-                <a:cs typeface="Courier New" panose="02070309020205020404" pitchFamily="49" charset="0"/>
-              </a:rPr>
-              <a:t>print</a:t>
-            </a:r>
-            <a:r>
-              <a:rPr lang="fr-FR" sz="1200" dirty="0">
-                <a:latin typeface="Courier New" panose="02070309020205020404" pitchFamily="49" charset="0"/>
-                <a:cs typeface="Courier New" panose="02070309020205020404" pitchFamily="49" charset="0"/>
-              </a:rPr>
-              <a:t>(</a:t>
-            </a:r>
-            <a:r>
-              <a:rPr lang="fr-FR" sz="1200" dirty="0" err="1">
-                <a:latin typeface="Courier New" panose="02070309020205020404" pitchFamily="49" charset="0"/>
-                <a:cs typeface="Courier New" panose="02070309020205020404" pitchFamily="49" charset="0"/>
-              </a:rPr>
-              <a:t>result</a:t>
-            </a:r>
-            <a:r>
-              <a:rPr lang="fr-FR" sz="1200" dirty="0">
-                <a:latin typeface="Courier New" panose="02070309020205020404" pitchFamily="49" charset="0"/>
-                <a:cs typeface="Courier New" panose="02070309020205020404" pitchFamily="49" charset="0"/>
-              </a:rPr>
-              <a:t>)</a:t>
-            </a:r>
+              <a:t>&gt;)</a:t>
+            </a:r>
+          </a:p>
+          <a:p>
             <a:endParaRPr lang="fr-FR" sz="1200" dirty="0" smtClean="0">
               <a:latin typeface="Courier New" panose="02070309020205020404" pitchFamily="49" charset="0"/>
               <a:cs typeface="Courier New" panose="02070309020205020404" pitchFamily="49" charset="0"/>
             </a:endParaRPr>
           </a:p>
+          <a:p>
+            <a:r>
+              <a:rPr lang="fr-FR" sz="1200" dirty="0" smtClean="0">
+                <a:latin typeface="Courier New" panose="02070309020205020404" pitchFamily="49" charset="0"/>
+                <a:cs typeface="Courier New" panose="02070309020205020404" pitchFamily="49" charset="0"/>
+              </a:rPr>
+              <a:t>    </a:t>
+            </a:r>
+            <a:r>
+              <a:rPr lang="fr-FR" sz="1200" dirty="0" err="1" smtClean="0">
+                <a:latin typeface="Courier New" panose="02070309020205020404" pitchFamily="49" charset="0"/>
+                <a:cs typeface="Courier New" panose="02070309020205020404" pitchFamily="49" charset="0"/>
+              </a:rPr>
+              <a:t>df</a:t>
+            </a:r>
+            <a:r>
+              <a:rPr lang="fr-FR" sz="1200" dirty="0" smtClean="0">
+                <a:latin typeface="Courier New" panose="02070309020205020404" pitchFamily="49" charset="0"/>
+                <a:cs typeface="Courier New" panose="02070309020205020404" pitchFamily="49" charset="0"/>
+              </a:rPr>
+              <a:t> </a:t>
+            </a:r>
+            <a:r>
+              <a:rPr lang="fr-FR" sz="1200" dirty="0">
+                <a:latin typeface="Courier New" panose="02070309020205020404" pitchFamily="49" charset="0"/>
+                <a:cs typeface="Courier New" panose="02070309020205020404" pitchFamily="49" charset="0"/>
+              </a:rPr>
+              <a:t>= </a:t>
+            </a:r>
+            <a:r>
+              <a:rPr lang="fr-FR" sz="1200" dirty="0" smtClean="0">
+                <a:latin typeface="Courier New" panose="02070309020205020404" pitchFamily="49" charset="0"/>
+                <a:cs typeface="Courier New" panose="02070309020205020404" pitchFamily="49" charset="0"/>
+              </a:rPr>
+              <a:t>(</a:t>
+            </a:r>
+            <a:r>
+              <a:rPr lang="fr-FR" sz="1200" dirty="0" err="1" smtClean="0">
+                <a:latin typeface="Courier New" panose="02070309020205020404" pitchFamily="49" charset="0"/>
+                <a:cs typeface="Courier New" panose="02070309020205020404" pitchFamily="49" charset="0"/>
+              </a:rPr>
+              <a:t>spark.read.load</a:t>
+            </a:r>
+            <a:r>
+              <a:rPr lang="fr-FR" sz="1200" dirty="0">
+                <a:latin typeface="Courier New" panose="02070309020205020404" pitchFamily="49" charset="0"/>
+                <a:cs typeface="Courier New" panose="02070309020205020404" pitchFamily="49" charset="0"/>
+              </a:rPr>
+              <a:t>("./images</a:t>
+            </a:r>
+            <a:r>
+              <a:rPr lang="fr-FR" sz="1200" dirty="0" smtClean="0">
+                <a:latin typeface="Courier New" panose="02070309020205020404" pitchFamily="49" charset="0"/>
+                <a:cs typeface="Courier New" panose="02070309020205020404" pitchFamily="49" charset="0"/>
+              </a:rPr>
+              <a:t>")</a:t>
+            </a:r>
+          </a:p>
+          <a:p>
+            <a:r>
+              <a:rPr lang="fr-FR" sz="1200" dirty="0">
+                <a:latin typeface="Courier New" panose="02070309020205020404" pitchFamily="49" charset="0"/>
+                <a:cs typeface="Courier New" panose="02070309020205020404" pitchFamily="49" charset="0"/>
+              </a:rPr>
+              <a:t> </a:t>
+            </a:r>
+            <a:r>
+              <a:rPr lang="fr-FR" sz="1200" dirty="0" smtClean="0">
+                <a:latin typeface="Courier New" panose="02070309020205020404" pitchFamily="49" charset="0"/>
+                <a:cs typeface="Courier New" panose="02070309020205020404" pitchFamily="49" charset="0"/>
+              </a:rPr>
+              <a:t>           .</a:t>
+            </a:r>
+            <a:r>
+              <a:rPr lang="fr-FR" sz="1200" dirty="0" err="1">
+                <a:latin typeface="Courier New" panose="02070309020205020404" pitchFamily="49" charset="0"/>
+                <a:cs typeface="Courier New" panose="02070309020205020404" pitchFamily="49" charset="0"/>
+              </a:rPr>
+              <a:t>filter</a:t>
+            </a:r>
+            <a:r>
+              <a:rPr lang="fr-FR" sz="1200" dirty="0">
+                <a:latin typeface="Courier New" panose="02070309020205020404" pitchFamily="49" charset="0"/>
+                <a:cs typeface="Courier New" panose="02070309020205020404" pitchFamily="49" charset="0"/>
+              </a:rPr>
+              <a:t>(</a:t>
+            </a:r>
+            <a:r>
+              <a:rPr lang="fr-FR" sz="1200" dirty="0" err="1">
+                <a:latin typeface="Courier New" panose="02070309020205020404" pitchFamily="49" charset="0"/>
+                <a:cs typeface="Courier New" panose="02070309020205020404" pitchFamily="49" charset="0"/>
+              </a:rPr>
+              <a:t>df.run</a:t>
+            </a:r>
+            <a:r>
+              <a:rPr lang="fr-FR" sz="1200" dirty="0">
+                <a:latin typeface="Courier New" panose="02070309020205020404" pitchFamily="49" charset="0"/>
+                <a:cs typeface="Courier New" panose="02070309020205020404" pitchFamily="49" charset="0"/>
+              </a:rPr>
+              <a:t> == 3</a:t>
+            </a:r>
+            <a:r>
+              <a:rPr lang="fr-FR" sz="1200" dirty="0" smtClean="0">
+                <a:latin typeface="Courier New" panose="02070309020205020404" pitchFamily="49" charset="0"/>
+                <a:cs typeface="Courier New" panose="02070309020205020404" pitchFamily="49" charset="0"/>
+              </a:rPr>
+              <a:t>)</a:t>
+            </a:r>
+          </a:p>
+          <a:p>
+            <a:r>
+              <a:rPr lang="fr-FR" sz="1200" dirty="0">
+                <a:latin typeface="Courier New" panose="02070309020205020404" pitchFamily="49" charset="0"/>
+                <a:cs typeface="Courier New" panose="02070309020205020404" pitchFamily="49" charset="0"/>
+              </a:rPr>
+              <a:t> </a:t>
+            </a:r>
+            <a:r>
+              <a:rPr lang="fr-FR" sz="1200" dirty="0" smtClean="0">
+                <a:latin typeface="Courier New" panose="02070309020205020404" pitchFamily="49" charset="0"/>
+                <a:cs typeface="Courier New" panose="02070309020205020404" pitchFamily="49" charset="0"/>
+              </a:rPr>
+              <a:t>           .</a:t>
+            </a:r>
+            <a:r>
+              <a:rPr lang="fr-FR" sz="1200" dirty="0">
+                <a:latin typeface="Courier New" panose="02070309020205020404" pitchFamily="49" charset="0"/>
+                <a:cs typeface="Courier New" panose="02070309020205020404" pitchFamily="49" charset="0"/>
+              </a:rPr>
+              <a:t>select(</a:t>
+            </a:r>
+            <a:r>
+              <a:rPr lang="fr-FR" sz="1200" dirty="0" err="1">
+                <a:latin typeface="Courier New" panose="02070309020205020404" pitchFamily="49" charset="0"/>
+                <a:cs typeface="Courier New" panose="02070309020205020404" pitchFamily="49" charset="0"/>
+              </a:rPr>
+              <a:t>df.run</a:t>
+            </a:r>
+            <a:r>
+              <a:rPr lang="fr-FR" sz="1200" dirty="0">
+                <a:latin typeface="Courier New" panose="02070309020205020404" pitchFamily="49" charset="0"/>
+                <a:cs typeface="Courier New" panose="02070309020205020404" pitchFamily="49" charset="0"/>
+              </a:rPr>
+              <a:t>, </a:t>
+            </a:r>
+            <a:r>
+              <a:rPr lang="fr-FR" sz="1200" dirty="0" err="1" smtClean="0">
+                <a:latin typeface="Courier New" panose="02070309020205020404" pitchFamily="49" charset="0"/>
+                <a:cs typeface="Courier New" panose="02070309020205020404" pitchFamily="49" charset="0"/>
+              </a:rPr>
+              <a:t>analyze</a:t>
+            </a:r>
+            <a:r>
+              <a:rPr lang="fr-FR" sz="1200" dirty="0" smtClean="0">
+                <a:latin typeface="Courier New" panose="02070309020205020404" pitchFamily="49" charset="0"/>
+                <a:cs typeface="Courier New" panose="02070309020205020404" pitchFamily="49" charset="0"/>
+              </a:rPr>
+              <a:t>(</a:t>
+            </a:r>
+            <a:r>
+              <a:rPr lang="fr-FR" sz="1200" dirty="0" err="1" smtClean="0">
+                <a:latin typeface="Courier New" panose="02070309020205020404" pitchFamily="49" charset="0"/>
+                <a:cs typeface="Courier New" panose="02070309020205020404" pitchFamily="49" charset="0"/>
+              </a:rPr>
+              <a:t>df.image</a:t>
+            </a:r>
+            <a:r>
+              <a:rPr lang="fr-FR" sz="1200" dirty="0">
+                <a:latin typeface="Courier New" panose="02070309020205020404" pitchFamily="49" charset="0"/>
+                <a:cs typeface="Courier New" panose="02070309020205020404" pitchFamily="49" charset="0"/>
+              </a:rPr>
+              <a:t>).alias('image</a:t>
+            </a:r>
+            <a:r>
+              <a:rPr lang="fr-FR" sz="1200" dirty="0" smtClean="0">
+                <a:latin typeface="Courier New" panose="02070309020205020404" pitchFamily="49" charset="0"/>
+                <a:cs typeface="Courier New" panose="02070309020205020404" pitchFamily="49" charset="0"/>
+              </a:rPr>
+              <a:t>')))</a:t>
+            </a:r>
+            <a:endParaRPr lang="fr-FR" sz="1200" dirty="0">
+              <a:latin typeface="Courier New" panose="02070309020205020404" pitchFamily="49" charset="0"/>
+              <a:cs typeface="Courier New" panose="02070309020205020404" pitchFamily="49" charset="0"/>
+            </a:endParaRPr>
+          </a:p>
+          <a:p>
+            <a:endParaRPr lang="fr-FR" sz="1200" dirty="0" smtClean="0">
+              <a:latin typeface="Courier New" panose="02070309020205020404" pitchFamily="49" charset="0"/>
+              <a:cs typeface="Courier New" panose="02070309020205020404" pitchFamily="49" charset="0"/>
+            </a:endParaRPr>
+          </a:p>
+          <a:p>
+            <a:r>
+              <a:rPr lang="fr-FR" sz="1200" dirty="0" smtClean="0">
+                <a:latin typeface="Courier New" panose="02070309020205020404" pitchFamily="49" charset="0"/>
+                <a:cs typeface="Courier New" panose="02070309020205020404" pitchFamily="49" charset="0"/>
+              </a:rPr>
+              <a:t>    </a:t>
+            </a:r>
+            <a:r>
+              <a:rPr lang="fr-FR" sz="1200" dirty="0" err="1" smtClean="0">
+                <a:latin typeface="Courier New" panose="02070309020205020404" pitchFamily="49" charset="0"/>
+                <a:cs typeface="Courier New" panose="02070309020205020404" pitchFamily="49" charset="0"/>
+              </a:rPr>
+              <a:t>df.show</a:t>
+            </a:r>
+            <a:r>
+              <a:rPr lang="fr-FR" sz="1200" dirty="0">
+                <a:latin typeface="Courier New" panose="02070309020205020404" pitchFamily="49" charset="0"/>
+                <a:cs typeface="Courier New" panose="02070309020205020404" pitchFamily="49" charset="0"/>
+              </a:rPr>
+              <a:t>()</a:t>
+            </a:r>
+            <a:endParaRPr lang="fr-FR" sz="1200" dirty="0" smtClean="0">
+              <a:latin typeface="Courier New" panose="02070309020205020404" pitchFamily="49" charset="0"/>
+              <a:cs typeface="Courier New" panose="02070309020205020404" pitchFamily="49" charset="0"/>
+            </a:endParaRPr>
+          </a:p>
         </p:txBody>
       </p:sp>
     </p:spTree>
     <p:extLst>
       <p:ext uri="{BB962C8B-B14F-4D97-AF65-F5344CB8AC3E}">
-        <p14:creationId xmlns:p14="http://schemas.microsoft.com/office/powerpoint/2010/main" val="2659078028"/>
+        <p14:creationId xmlns:p14="http://schemas.microsoft.com/office/powerpoint/2010/main" val="958728930"/>
       </p:ext>
     </p:extLst>
   </p:cSld>
   <p:clrMapOvr>
     <a:masterClrMapping/>
   </p:clrMapOvr>
-  <p:timing>
-    <p:tnLst>
-      <p:par>
-        <p:cTn id="1" dur="indefinite" restart="never" nodeType="tmRoot"/>
-      </p:par>
-    </p:tnLst>
-  </p:timing>
 </p:sld>
 </file>
 
@@ -4983,6 +4538,276 @@
           <a:chExt cx="0" cy="0"/>
         </a:xfrm>
       </p:grpSpPr>
+      <p:pic>
+        <p:nvPicPr>
+          <p:cNvPr id="2" name="Image 1"/>
+          <p:cNvPicPr>
+            <a:picLocks noChangeAspect="1"/>
+          </p:cNvPicPr>
+          <p:nvPr/>
+        </p:nvPicPr>
+        <p:blipFill>
+          <a:blip r:embed="rId2" cstate="print">
+            <a:extLst>
+              <a:ext uri="{28A0092B-C50C-407E-A947-70E740481C1C}">
+                <a14:useLocalDpi xmlns:a14="http://schemas.microsoft.com/office/drawing/2010/main" val="0"/>
+              </a:ext>
+            </a:extLst>
+          </a:blip>
+          <a:stretch>
+            <a:fillRect/>
+          </a:stretch>
+        </p:blipFill>
+        <p:spPr>
+          <a:xfrm>
+            <a:off x="107505" y="260648"/>
+            <a:ext cx="5248582" cy="2952328"/>
+          </a:xfrm>
+          <a:prstGeom prst="rect">
+            <a:avLst/>
+          </a:prstGeom>
+        </p:spPr>
+      </p:pic>
+      <p:pic>
+        <p:nvPicPr>
+          <p:cNvPr id="3" name="Image 2"/>
+          <p:cNvPicPr>
+            <a:picLocks noChangeAspect="1"/>
+          </p:cNvPicPr>
+          <p:nvPr/>
+        </p:nvPicPr>
+        <p:blipFill>
+          <a:blip r:embed="rId3" cstate="print">
+            <a:extLst>
+              <a:ext uri="{28A0092B-C50C-407E-A947-70E740481C1C}">
+                <a14:useLocalDpi xmlns:a14="http://schemas.microsoft.com/office/drawing/2010/main" val="0"/>
+              </a:ext>
+            </a:extLst>
+          </a:blip>
+          <a:stretch>
+            <a:fillRect/>
+          </a:stretch>
+        </p:blipFill>
+        <p:spPr>
+          <a:xfrm>
+            <a:off x="296033" y="3386531"/>
+            <a:ext cx="5068055" cy="2850781"/>
+          </a:xfrm>
+          <a:prstGeom prst="rect">
+            <a:avLst/>
+          </a:prstGeom>
+        </p:spPr>
+      </p:pic>
+      <p:pic>
+        <p:nvPicPr>
+          <p:cNvPr id="4" name="Image 3"/>
+          <p:cNvPicPr>
+            <a:picLocks noChangeAspect="1"/>
+          </p:cNvPicPr>
+          <p:nvPr/>
+        </p:nvPicPr>
+        <p:blipFill>
+          <a:blip r:embed="rId4" cstate="print">
+            <a:extLst>
+              <a:ext uri="{28A0092B-C50C-407E-A947-70E740481C1C}">
+                <a14:useLocalDpi xmlns:a14="http://schemas.microsoft.com/office/drawing/2010/main" val="0"/>
+              </a:ext>
+            </a:extLst>
+          </a:blip>
+          <a:stretch>
+            <a:fillRect/>
+          </a:stretch>
+        </p:blipFill>
+        <p:spPr>
+          <a:xfrm>
+            <a:off x="4072452" y="476672"/>
+            <a:ext cx="4315972" cy="2427734"/>
+          </a:xfrm>
+          <a:prstGeom prst="rect">
+            <a:avLst/>
+          </a:prstGeom>
+        </p:spPr>
+      </p:pic>
+      <p:pic>
+        <p:nvPicPr>
+          <p:cNvPr id="5" name="Image 4"/>
+          <p:cNvPicPr>
+            <a:picLocks noChangeAspect="1"/>
+          </p:cNvPicPr>
+          <p:nvPr/>
+        </p:nvPicPr>
+        <p:blipFill>
+          <a:blip r:embed="rId5">
+            <a:extLst>
+              <a:ext uri="{28A0092B-C50C-407E-A947-70E740481C1C}">
+                <a14:useLocalDpi xmlns:a14="http://schemas.microsoft.com/office/drawing/2010/main" val="0"/>
+              </a:ext>
+            </a:extLst>
+          </a:blip>
+          <a:stretch>
+            <a:fillRect/>
+          </a:stretch>
+        </p:blipFill>
+        <p:spPr>
+          <a:xfrm>
+            <a:off x="3923928" y="3496529"/>
+            <a:ext cx="4850869" cy="2524759"/>
+          </a:xfrm>
+          <a:prstGeom prst="rect">
+            <a:avLst/>
+          </a:prstGeom>
+        </p:spPr>
+      </p:pic>
+    </p:spTree>
+    <p:extLst>
+      <p:ext uri="{BB962C8B-B14F-4D97-AF65-F5344CB8AC3E}">
+        <p14:creationId xmlns:p14="http://schemas.microsoft.com/office/powerpoint/2010/main" val="4001238111"/>
+      </p:ext>
+    </p:extLst>
+  </p:cSld>
+  <p:clrMapOvr>
+    <a:masterClrMapping/>
+  </p:clrMapOvr>
+</p:sld>
+</file>
+
+<file path=ppt/slides/slide13.xml><?xml version="1.0" encoding="utf-8"?>
+<p:sld xmlns:a="http://schemas.openxmlformats.org/drawingml/2006/main" xmlns:r="http://schemas.openxmlformats.org/officeDocument/2006/relationships" xmlns:p="http://schemas.openxmlformats.org/presentationml/2006/main">
+  <p:cSld>
+    <p:spTree>
+      <p:nvGrpSpPr>
+        <p:cNvPr id="1" name=""/>
+        <p:cNvGrpSpPr/>
+        <p:nvPr/>
+      </p:nvGrpSpPr>
+      <p:grpSpPr>
+        <a:xfrm>
+          <a:off x="0" y="0"/>
+          <a:ext cx="0" cy="0"/>
+          <a:chOff x="0" y="0"/>
+          <a:chExt cx="0" cy="0"/>
+        </a:xfrm>
+      </p:grpSpPr>
+      <p:pic>
+        <p:nvPicPr>
+          <p:cNvPr id="5" name="Image 4"/>
+          <p:cNvPicPr>
+            <a:picLocks noChangeAspect="1"/>
+          </p:cNvPicPr>
+          <p:nvPr/>
+        </p:nvPicPr>
+        <p:blipFill>
+          <a:blip r:embed="rId2">
+            <a:extLst>
+              <a:ext uri="{28A0092B-C50C-407E-A947-70E740481C1C}">
+                <a14:useLocalDpi xmlns:a14="http://schemas.microsoft.com/office/drawing/2010/main" val="0"/>
+              </a:ext>
+            </a:extLst>
+          </a:blip>
+          <a:stretch>
+            <a:fillRect/>
+          </a:stretch>
+        </p:blipFill>
+        <p:spPr>
+          <a:xfrm>
+            <a:off x="2267744" y="952155"/>
+            <a:ext cx="6408712" cy="4239860"/>
+          </a:xfrm>
+          <a:prstGeom prst="rect">
+            <a:avLst/>
+          </a:prstGeom>
+        </p:spPr>
+      </p:pic>
+      <p:pic>
+        <p:nvPicPr>
+          <p:cNvPr id="6" name="Image 5"/>
+          <p:cNvPicPr>
+            <a:picLocks noChangeAspect="1"/>
+          </p:cNvPicPr>
+          <p:nvPr/>
+        </p:nvPicPr>
+        <p:blipFill>
+          <a:blip r:embed="rId3">
+            <a:extLst>
+              <a:ext uri="{28A0092B-C50C-407E-A947-70E740481C1C}">
+                <a14:useLocalDpi xmlns:a14="http://schemas.microsoft.com/office/drawing/2010/main" val="0"/>
+              </a:ext>
+            </a:extLst>
+          </a:blip>
+          <a:stretch>
+            <a:fillRect/>
+          </a:stretch>
+        </p:blipFill>
+        <p:spPr>
+          <a:xfrm>
+            <a:off x="251520" y="260648"/>
+            <a:ext cx="8059731" cy="360040"/>
+          </a:xfrm>
+          <a:prstGeom prst="rect">
+            <a:avLst/>
+          </a:prstGeom>
+        </p:spPr>
+      </p:pic>
+      <p:pic>
+        <p:nvPicPr>
+          <p:cNvPr id="7" name="Image 6"/>
+          <p:cNvPicPr>
+            <a:picLocks noChangeAspect="1"/>
+          </p:cNvPicPr>
+          <p:nvPr/>
+        </p:nvPicPr>
+        <p:blipFill>
+          <a:blip r:embed="rId4" cstate="print">
+            <a:extLst>
+              <a:ext uri="{28A0092B-C50C-407E-A947-70E740481C1C}">
+                <a14:useLocalDpi xmlns:a14="http://schemas.microsoft.com/office/drawing/2010/main" val="0"/>
+              </a:ext>
+            </a:extLst>
+          </a:blip>
+          <a:stretch>
+            <a:fillRect/>
+          </a:stretch>
+        </p:blipFill>
+        <p:spPr>
+          <a:xfrm>
+            <a:off x="395536" y="2492896"/>
+            <a:ext cx="6492214" cy="3651871"/>
+          </a:xfrm>
+          <a:prstGeom prst="rect">
+            <a:avLst/>
+          </a:prstGeom>
+        </p:spPr>
+      </p:pic>
+    </p:spTree>
+    <p:extLst>
+      <p:ext uri="{BB962C8B-B14F-4D97-AF65-F5344CB8AC3E}">
+        <p14:creationId xmlns:p14="http://schemas.microsoft.com/office/powerpoint/2010/main" val="1550826434"/>
+      </p:ext>
+    </p:extLst>
+  </p:cSld>
+  <p:clrMapOvr>
+    <a:masterClrMapping/>
+  </p:clrMapOvr>
+</p:sld>
+</file>
+
+<file path=ppt/slides/slide14.xml><?xml version="1.0" encoding="utf-8"?>
+<p:sld xmlns:a="http://schemas.openxmlformats.org/drawingml/2006/main" xmlns:r="http://schemas.openxmlformats.org/officeDocument/2006/relationships" xmlns:p="http://schemas.openxmlformats.org/presentationml/2006/main">
+  <p:cSld>
+    <p:spTree>
+      <p:nvGrpSpPr>
+        <p:cNvPr id="1" name=""/>
+        <p:cNvGrpSpPr/>
+        <p:nvPr/>
+      </p:nvGrpSpPr>
+      <p:grpSpPr>
+        <a:xfrm>
+          <a:off x="0" y="0"/>
+          <a:ext cx="0" cy="0"/>
+          <a:chOff x="0" y="0"/>
+          <a:chExt cx="0" cy="0"/>
+        </a:xfrm>
+      </p:grpSpPr>
       <p:sp>
         <p:nvSpPr>
           <p:cNvPr id="2" name="Titre 1"/>
@@ -5001,6 +4826,230 @@
           <a:lstStyle/>
           <a:p>
             <a:r>
+              <a:rPr lang="fr-FR" dirty="0" smtClean="0"/>
+              <a:t>Lecture</a:t>
+            </a:r>
+            <a:endParaRPr lang="fr-FR" dirty="0"/>
+          </a:p>
+        </p:txBody>
+      </p:sp>
+      <p:sp>
+        <p:nvSpPr>
+          <p:cNvPr id="3" name="Espace réservé du contenu 2"/>
+          <p:cNvSpPr>
+            <a:spLocks noGrp="1"/>
+          </p:cNvSpPr>
+          <p:nvPr>
+            <p:ph idx="1"/>
+          </p:nvPr>
+        </p:nvSpPr>
+        <p:spPr/>
+        <p:txBody>
+          <a:bodyPr/>
+          <a:lstStyle/>
+          <a:p>
+            <a:r>
+              <a:rPr lang="fr-FR" dirty="0" smtClean="0"/>
+              <a:t>Petit test:</a:t>
+            </a:r>
+          </a:p>
+          <a:p>
+            <a:pPr lvl="1"/>
+            <a:r>
+              <a:rPr lang="fr-FR" dirty="0" smtClean="0">
+                <a:solidFill>
+                  <a:srgbClr val="FF0000"/>
+                </a:solidFill>
+              </a:rPr>
+              <a:t>10 </a:t>
+            </a:r>
+            <a:r>
+              <a:rPr lang="fr-FR" dirty="0" smtClean="0"/>
+              <a:t>x 1000 images 1000x1000 double = 80 G</a:t>
+            </a:r>
+          </a:p>
+          <a:p>
+            <a:pPr lvl="1"/>
+            <a:r>
+              <a:rPr lang="fr-FR" dirty="0" smtClean="0"/>
+              <a:t>Programme:</a:t>
+            </a:r>
+          </a:p>
+          <a:p>
+            <a:pPr lvl="2"/>
+            <a:r>
+              <a:rPr lang="fr-FR" dirty="0" smtClean="0"/>
+              <a:t>Lecture des images avec sélection sur le premier critère (1/10)</a:t>
+            </a:r>
+          </a:p>
+          <a:p>
+            <a:pPr lvl="2"/>
+            <a:r>
+              <a:rPr lang="fr-FR" dirty="0" smtClean="0"/>
+              <a:t>Application d’une boucle de calcul (</a:t>
+            </a:r>
+            <a:r>
+              <a:rPr lang="fr-FR" dirty="0" err="1" smtClean="0"/>
+              <a:t>np.array</a:t>
+            </a:r>
+            <a:r>
+              <a:rPr lang="fr-FR" dirty="0" smtClean="0"/>
+              <a:t>) x N fois</a:t>
+            </a:r>
+          </a:p>
+          <a:p>
+            <a:pPr lvl="2"/>
+            <a:r>
+              <a:rPr lang="fr-FR" dirty="0" smtClean="0"/>
+              <a:t>Temps de lecture </a:t>
+            </a:r>
+          </a:p>
+          <a:p>
+            <a:pPr lvl="3"/>
+            <a:r>
+              <a:rPr lang="fr-FR" dirty="0" smtClean="0"/>
+              <a:t>0,5 secondes</a:t>
+            </a:r>
+            <a:endParaRPr lang="fr-FR" dirty="0"/>
+          </a:p>
+        </p:txBody>
+      </p:sp>
+      <p:graphicFrame>
+        <p:nvGraphicFramePr>
+          <p:cNvPr id="4" name="Graphique 3"/>
+          <p:cNvGraphicFramePr>
+            <a:graphicFrameLocks/>
+          </p:cNvGraphicFramePr>
+          <p:nvPr>
+            <p:extLst>
+              <p:ext uri="{D42A27DB-BD31-4B8C-83A1-F6EECF244321}">
+                <p14:modId xmlns:p14="http://schemas.microsoft.com/office/powerpoint/2010/main" val="2204672242"/>
+              </p:ext>
+            </p:extLst>
+          </p:nvPr>
+        </p:nvGraphicFramePr>
+        <p:xfrm>
+          <a:off x="4283968" y="3789040"/>
+          <a:ext cx="4572000" cy="2743200"/>
+        </p:xfrm>
+        <a:graphic>
+          <a:graphicData uri="http://schemas.openxmlformats.org/drawingml/2006/chart">
+            <c:chart xmlns:c="http://schemas.openxmlformats.org/drawingml/2006/chart" xmlns:r="http://schemas.openxmlformats.org/officeDocument/2006/relationships" r:id="rId2"/>
+          </a:graphicData>
+        </a:graphic>
+      </p:graphicFrame>
+      <p:sp>
+        <p:nvSpPr>
+          <p:cNvPr id="5" name="ZoneTexte 4"/>
+          <p:cNvSpPr txBox="1"/>
+          <p:nvPr/>
+        </p:nvSpPr>
+        <p:spPr>
+          <a:xfrm>
+            <a:off x="4572000" y="3933056"/>
+            <a:ext cx="1070293" cy="369332"/>
+          </a:xfrm>
+          <a:prstGeom prst="rect">
+            <a:avLst/>
+          </a:prstGeom>
+          <a:solidFill>
+            <a:srgbClr val="FFFF00"/>
+          </a:solidFill>
+        </p:spPr>
+        <p:txBody>
+          <a:bodyPr wrap="none" rtlCol="0">
+            <a:spAutoFit/>
+          </a:bodyPr>
+          <a:lstStyle/>
+          <a:p>
+            <a:r>
+              <a:rPr lang="fr-FR" dirty="0" smtClean="0"/>
+              <a:t>Temps (s)</a:t>
+            </a:r>
+            <a:endParaRPr lang="fr-FR" dirty="0"/>
+          </a:p>
+        </p:txBody>
+      </p:sp>
+      <p:sp>
+        <p:nvSpPr>
+          <p:cNvPr id="6" name="ZoneTexte 5"/>
+          <p:cNvSpPr txBox="1"/>
+          <p:nvPr/>
+        </p:nvSpPr>
+        <p:spPr>
+          <a:xfrm>
+            <a:off x="7694638" y="5733256"/>
+            <a:ext cx="333746" cy="369332"/>
+          </a:xfrm>
+          <a:prstGeom prst="rect">
+            <a:avLst/>
+          </a:prstGeom>
+          <a:solidFill>
+            <a:srgbClr val="FFFF00"/>
+          </a:solidFill>
+        </p:spPr>
+        <p:txBody>
+          <a:bodyPr wrap="none" rtlCol="0">
+            <a:spAutoFit/>
+          </a:bodyPr>
+          <a:lstStyle/>
+          <a:p>
+            <a:r>
+              <a:rPr lang="fr-FR" dirty="0" smtClean="0"/>
+              <a:t>N</a:t>
+            </a:r>
+            <a:endParaRPr lang="fr-FR" dirty="0"/>
+          </a:p>
+        </p:txBody>
+      </p:sp>
+    </p:spTree>
+    <p:extLst>
+      <p:ext uri="{BB962C8B-B14F-4D97-AF65-F5344CB8AC3E}">
+        <p14:creationId xmlns:p14="http://schemas.microsoft.com/office/powerpoint/2010/main" val="3233541780"/>
+      </p:ext>
+    </p:extLst>
+  </p:cSld>
+  <p:clrMapOvr>
+    <a:masterClrMapping/>
+  </p:clrMapOvr>
+</p:sld>
+</file>
+
+<file path=ppt/slides/slide15.xml><?xml version="1.0" encoding="utf-8"?>
+<p:sld xmlns:a="http://schemas.openxmlformats.org/drawingml/2006/main" xmlns:r="http://schemas.openxmlformats.org/officeDocument/2006/relationships" xmlns:p="http://schemas.openxmlformats.org/presentationml/2006/main">
+  <p:cSld>
+    <p:spTree>
+      <p:nvGrpSpPr>
+        <p:cNvPr id="1" name=""/>
+        <p:cNvGrpSpPr/>
+        <p:nvPr/>
+      </p:nvGrpSpPr>
+      <p:grpSpPr>
+        <a:xfrm>
+          <a:off x="0" y="0"/>
+          <a:ext cx="0" cy="0"/>
+          <a:chOff x="0" y="0"/>
+          <a:chExt cx="0" cy="0"/>
+        </a:xfrm>
+      </p:grpSpPr>
+      <p:sp>
+        <p:nvSpPr>
+          <p:cNvPr id="2" name="Titre 1"/>
+          <p:cNvSpPr>
+            <a:spLocks noGrp="1"/>
+          </p:cNvSpPr>
+          <p:nvPr>
+            <p:ph type="title"/>
+          </p:nvPr>
+        </p:nvSpPr>
+        <p:spPr/>
+        <p:txBody>
+          <a:bodyPr>
+            <a:normAutofit fontScale="90000"/>
+          </a:bodyPr>
+          <a:lstStyle/>
+          <a:p>
+            <a:r>
               <a:rPr lang="fr-FR" dirty="0" err="1" smtClean="0"/>
               <a:t>MongoDB</a:t>
             </a:r>
@@ -5017,7 +5066,7 @@
         <p:spPr>
           <a:xfrm>
             <a:off x="683568" y="1124744"/>
-            <a:ext cx="6692858" cy="3416320"/>
+            <a:ext cx="6692858" cy="2862322"/>
           </a:xfrm>
           <a:prstGeom prst="rect">
             <a:avLst/>
@@ -5244,14 +5293,12 @@
               <a:t>o.to_db</a:t>
             </a:r>
             <a:r>
-              <a:rPr lang="fr-FR" sz="1200" dirty="0">
+              <a:rPr lang="fr-FR" sz="1200" dirty="0" smtClean="0">
                 <a:latin typeface="Courier New" panose="02070309020205020404" pitchFamily="49" charset="0"/>
                 <a:cs typeface="Courier New" panose="02070309020205020404" pitchFamily="49" charset="0"/>
               </a:rPr>
               <a:t>()</a:t>
             </a:r>
-          </a:p>
-          <a:p>
             <a:endParaRPr lang="fr-FR" sz="1200" dirty="0">
               <a:latin typeface="Courier New" panose="02070309020205020404" pitchFamily="49" charset="0"/>
               <a:cs typeface="Courier New" panose="02070309020205020404" pitchFamily="49" charset="0"/>
@@ -5277,7 +5324,24 @@
                 <a:latin typeface="Courier New" panose="02070309020205020404" pitchFamily="49" charset="0"/>
                 <a:cs typeface="Courier New" panose="02070309020205020404" pitchFamily="49" charset="0"/>
               </a:rPr>
-              <a:t>['center'] = {'type': 'Point', '</a:t>
+              <a:t>['</a:t>
+            </a:r>
+            <a:r>
+              <a:rPr lang="fr-FR" sz="1200" dirty="0">
+                <a:solidFill>
+                  <a:srgbClr val="FF0000"/>
+                </a:solidFill>
+                <a:latin typeface="Courier New" panose="02070309020205020404" pitchFamily="49" charset="0"/>
+                <a:cs typeface="Courier New" panose="02070309020205020404" pitchFamily="49" charset="0"/>
+              </a:rPr>
+              <a:t>center</a:t>
+            </a:r>
+            <a:r>
+              <a:rPr lang="fr-FR" sz="1200" dirty="0">
+                <a:latin typeface="Courier New" panose="02070309020205020404" pitchFamily="49" charset="0"/>
+                <a:cs typeface="Courier New" panose="02070309020205020404" pitchFamily="49" charset="0"/>
+              </a:rPr>
+              <a:t>'] = {'type': 'Point', '</a:t>
             </a:r>
             <a:r>
               <a:rPr lang="fr-FR" sz="1200" dirty="0" err="1">
@@ -5323,55 +5387,51 @@
             </a:r>
           </a:p>
           <a:p>
-            <a:r>
-              <a:rPr lang="fr-FR" sz="1200" dirty="0">
-                <a:latin typeface="Courier New" panose="02070309020205020404" pitchFamily="49" charset="0"/>
-                <a:cs typeface="Courier New" panose="02070309020205020404" pitchFamily="49" charset="0"/>
-              </a:rPr>
-              <a:t>    </a:t>
+            <a:endParaRPr lang="fr-FR" sz="1200" dirty="0" smtClean="0">
+              <a:latin typeface="Courier New" panose="02070309020205020404" pitchFamily="49" charset="0"/>
+              <a:cs typeface="Courier New" panose="02070309020205020404" pitchFamily="49" charset="0"/>
+            </a:endParaRPr>
+          </a:p>
+          <a:p>
+            <a:endParaRPr lang="fr-FR" sz="1200" dirty="0" smtClean="0">
+              <a:latin typeface="Courier New" panose="02070309020205020404" pitchFamily="49" charset="0"/>
+              <a:cs typeface="Courier New" panose="02070309020205020404" pitchFamily="49" charset="0"/>
+            </a:endParaRPr>
+          </a:p>
+          <a:p>
+            <a:r>
+              <a:rPr lang="fr-FR" sz="1200" dirty="0" smtClean="0">
+                <a:latin typeface="Courier New" panose="02070309020205020404" pitchFamily="49" charset="0"/>
+                <a:cs typeface="Courier New" panose="02070309020205020404" pitchFamily="49" charset="0"/>
+              </a:rPr>
+              <a:t>    id </a:t>
+            </a:r>
+            <a:r>
+              <a:rPr lang="fr-FR" sz="1200" dirty="0">
+                <a:latin typeface="Courier New" panose="02070309020205020404" pitchFamily="49" charset="0"/>
+                <a:cs typeface="Courier New" panose="02070309020205020404" pitchFamily="49" charset="0"/>
+              </a:rPr>
+              <a:t>= </a:t>
             </a:r>
             <a:r>
               <a:rPr lang="fr-FR" sz="1200" dirty="0" err="1">
                 <a:latin typeface="Courier New" panose="02070309020205020404" pitchFamily="49" charset="0"/>
                 <a:cs typeface="Courier New" panose="02070309020205020404" pitchFamily="49" charset="0"/>
               </a:rPr>
-              <a:t>try</a:t>
-            </a:r>
-            <a:r>
-              <a:rPr lang="fr-FR" sz="1200" dirty="0">
-                <a:latin typeface="Courier New" panose="02070309020205020404" pitchFamily="49" charset="0"/>
-                <a:cs typeface="Courier New" panose="02070309020205020404" pitchFamily="49" charset="0"/>
-              </a:rPr>
-              <a:t>:</a:t>
-            </a:r>
-          </a:p>
-          <a:p>
-            <a:r>
-              <a:rPr lang="fr-FR" sz="1200" dirty="0">
-                <a:latin typeface="Courier New" panose="02070309020205020404" pitchFamily="49" charset="0"/>
-                <a:cs typeface="Courier New" panose="02070309020205020404" pitchFamily="49" charset="0"/>
-              </a:rPr>
-              <a:t>        id = </a:t>
+              <a:t>stars.insert_one</a:t>
+            </a:r>
+            <a:r>
+              <a:rPr lang="fr-FR" sz="1200" dirty="0">
+                <a:latin typeface="Courier New" panose="02070309020205020404" pitchFamily="49" charset="0"/>
+                <a:cs typeface="Courier New" panose="02070309020205020404" pitchFamily="49" charset="0"/>
+              </a:rPr>
+              <a:t>(</a:t>
             </a:r>
             <a:r>
               <a:rPr lang="fr-FR" sz="1200" dirty="0" err="1">
                 <a:latin typeface="Courier New" panose="02070309020205020404" pitchFamily="49" charset="0"/>
                 <a:cs typeface="Courier New" panose="02070309020205020404" pitchFamily="49" charset="0"/>
               </a:rPr>
-              <a:t>stars.insert_one</a:t>
-            </a:r>
-            <a:r>
-              <a:rPr lang="fr-FR" sz="1200" dirty="0">
-                <a:latin typeface="Courier New" panose="02070309020205020404" pitchFamily="49" charset="0"/>
-                <a:cs typeface="Courier New" panose="02070309020205020404" pitchFamily="49" charset="0"/>
-              </a:rPr>
-              <a:t>(</a:t>
-            </a:r>
-            <a:r>
-              <a:rPr lang="fr-FR" sz="1200" dirty="0" err="1">
-                <a:latin typeface="Courier New" panose="02070309020205020404" pitchFamily="49" charset="0"/>
-                <a:cs typeface="Courier New" panose="02070309020205020404" pitchFamily="49" charset="0"/>
-              </a:rPr>
               <a:t>object</a:t>
             </a:r>
             <a:r>
@@ -5380,96 +5440,6 @@
                 <a:cs typeface="Courier New" panose="02070309020205020404" pitchFamily="49" charset="0"/>
               </a:rPr>
               <a:t>)</a:t>
-            </a:r>
-          </a:p>
-          <a:p>
-            <a:r>
-              <a:rPr lang="fr-FR" sz="1200" dirty="0" smtClean="0">
-                <a:latin typeface="Courier New" panose="02070309020205020404" pitchFamily="49" charset="0"/>
-                <a:cs typeface="Courier New" panose="02070309020205020404" pitchFamily="49" charset="0"/>
-              </a:rPr>
-              <a:t>    </a:t>
-            </a:r>
-            <a:r>
-              <a:rPr lang="fr-FR" sz="1200" dirty="0" err="1" smtClean="0">
-                <a:latin typeface="Courier New" panose="02070309020205020404" pitchFamily="49" charset="0"/>
-                <a:cs typeface="Courier New" panose="02070309020205020404" pitchFamily="49" charset="0"/>
-              </a:rPr>
-              <a:t>except</a:t>
-            </a:r>
-            <a:r>
-              <a:rPr lang="fr-FR" sz="1200" dirty="0" smtClean="0">
-                <a:latin typeface="Courier New" panose="02070309020205020404" pitchFamily="49" charset="0"/>
-                <a:cs typeface="Courier New" panose="02070309020205020404" pitchFamily="49" charset="0"/>
-              </a:rPr>
-              <a:t> </a:t>
-            </a:r>
-            <a:r>
-              <a:rPr lang="fr-FR" sz="1200" dirty="0">
-                <a:latin typeface="Courier New" panose="02070309020205020404" pitchFamily="49" charset="0"/>
-                <a:cs typeface="Courier New" panose="02070309020205020404" pitchFamily="49" charset="0"/>
-              </a:rPr>
-              <a:t>Exception as e:</a:t>
-            </a:r>
-          </a:p>
-          <a:p>
-            <a:r>
-              <a:rPr lang="fr-FR" sz="1200" dirty="0" smtClean="0">
-                <a:latin typeface="Courier New" panose="02070309020205020404" pitchFamily="49" charset="0"/>
-                <a:cs typeface="Courier New" panose="02070309020205020404" pitchFamily="49" charset="0"/>
-              </a:rPr>
-              <a:t>        </a:t>
-            </a:r>
-            <a:r>
-              <a:rPr lang="fr-FR" sz="1200" dirty="0" err="1" smtClean="0">
-                <a:latin typeface="Courier New" panose="02070309020205020404" pitchFamily="49" charset="0"/>
-                <a:cs typeface="Courier New" panose="02070309020205020404" pitchFamily="49" charset="0"/>
-              </a:rPr>
-              <a:t>print</a:t>
-            </a:r>
-            <a:r>
-              <a:rPr lang="fr-FR" sz="1200" dirty="0" smtClean="0">
-                <a:latin typeface="Courier New" panose="02070309020205020404" pitchFamily="49" charset="0"/>
-                <a:cs typeface="Courier New" panose="02070309020205020404" pitchFamily="49" charset="0"/>
-              </a:rPr>
-              <a:t>(</a:t>
-            </a:r>
-            <a:r>
-              <a:rPr lang="fr-FR" sz="1200" dirty="0" err="1" smtClean="0">
-                <a:latin typeface="Courier New" panose="02070309020205020404" pitchFamily="49" charset="0"/>
-                <a:cs typeface="Courier New" panose="02070309020205020404" pitchFamily="49" charset="0"/>
-              </a:rPr>
-              <a:t>e.message</a:t>
-            </a:r>
-            <a:r>
-              <a:rPr lang="fr-FR" sz="1200" dirty="0">
-                <a:latin typeface="Courier New" panose="02070309020205020404" pitchFamily="49" charset="0"/>
-                <a:cs typeface="Courier New" panose="02070309020205020404" pitchFamily="49" charset="0"/>
-              </a:rPr>
-              <a:t>)</a:t>
-            </a:r>
-          </a:p>
-          <a:p>
-            <a:r>
-              <a:rPr lang="fr-FR" sz="1200" dirty="0">
-                <a:latin typeface="Courier New" panose="02070309020205020404" pitchFamily="49" charset="0"/>
-                <a:cs typeface="Courier New" panose="02070309020205020404" pitchFamily="49" charset="0"/>
-              </a:rPr>
-              <a:t>        </a:t>
-            </a:r>
-            <a:r>
-              <a:rPr lang="fr-FR" sz="1200" dirty="0" err="1">
-                <a:latin typeface="Courier New" panose="02070309020205020404" pitchFamily="49" charset="0"/>
-                <a:cs typeface="Courier New" panose="02070309020205020404" pitchFamily="49" charset="0"/>
-              </a:rPr>
-              <a:t>sys.exit</a:t>
-            </a:r>
-            <a:r>
-              <a:rPr lang="fr-FR" sz="1200" dirty="0">
-                <a:latin typeface="Courier New" panose="02070309020205020404" pitchFamily="49" charset="0"/>
-                <a:cs typeface="Courier New" panose="02070309020205020404" pitchFamily="49" charset="0"/>
-              </a:rPr>
-              <a:t>()</a:t>
             </a:r>
           </a:p>
           <a:p>
@@ -5491,7 +5461,24 @@
                 <a:latin typeface="Courier New" panose="02070309020205020404" pitchFamily="49" charset="0"/>
                 <a:cs typeface="Courier New" panose="02070309020205020404" pitchFamily="49" charset="0"/>
               </a:rPr>
-              <a:t>([('center', '2dsphere')])</a:t>
+              <a:t>([('</a:t>
+            </a:r>
+            <a:r>
+              <a:rPr lang="fr-FR" sz="1200" dirty="0">
+                <a:solidFill>
+                  <a:srgbClr val="FF0000"/>
+                </a:solidFill>
+                <a:latin typeface="Courier New" panose="02070309020205020404" pitchFamily="49" charset="0"/>
+                <a:cs typeface="Courier New" panose="02070309020205020404" pitchFamily="49" charset="0"/>
+              </a:rPr>
+              <a:t>center</a:t>
+            </a:r>
+            <a:r>
+              <a:rPr lang="fr-FR" sz="1200" dirty="0">
+                <a:latin typeface="Courier New" panose="02070309020205020404" pitchFamily="49" charset="0"/>
+                <a:cs typeface="Courier New" panose="02070309020205020404" pitchFamily="49" charset="0"/>
+              </a:rPr>
+              <a:t>', '2dsphere')])</a:t>
             </a:r>
             <a:endParaRPr lang="fr-FR" sz="1200" dirty="0" smtClean="0">
               <a:latin typeface="Courier New" panose="02070309020205020404" pitchFamily="49" charset="0"/>
@@ -5753,6 +5740,214 @@
           </a:p>
         </p:txBody>
       </p:sp>
+      <p:sp>
+        <p:nvSpPr>
+          <p:cNvPr id="3" name="ZoneTexte 2"/>
+          <p:cNvSpPr txBox="1"/>
+          <p:nvPr/>
+        </p:nvSpPr>
+        <p:spPr>
+          <a:xfrm>
+            <a:off x="3563888" y="2348880"/>
+            <a:ext cx="1812869" cy="369332"/>
+          </a:xfrm>
+          <a:prstGeom prst="rect">
+            <a:avLst/>
+          </a:prstGeom>
+          <a:solidFill>
+            <a:srgbClr val="FFFF00"/>
+          </a:solidFill>
+        </p:spPr>
+        <p:txBody>
+          <a:bodyPr wrap="none" rtlCol="0">
+            <a:spAutoFit/>
+          </a:bodyPr>
+          <a:lstStyle/>
+          <a:p>
+            <a:r>
+              <a:rPr lang="fr-FR" dirty="0" smtClean="0"/>
+              <a:t>Conversion BSON</a:t>
+            </a:r>
+            <a:endParaRPr lang="fr-FR" dirty="0"/>
+          </a:p>
+        </p:txBody>
+      </p:sp>
+      <p:cxnSp>
+        <p:nvCxnSpPr>
+          <p:cNvPr id="7" name="Connecteur droit avec flèche 6"/>
+          <p:cNvCxnSpPr/>
+          <p:nvPr/>
+        </p:nvCxnSpPr>
+        <p:spPr>
+          <a:xfrm flipH="1">
+            <a:off x="2987824" y="2492896"/>
+            <a:ext cx="576064" cy="216024"/>
+          </a:xfrm>
+          <a:prstGeom prst="straightConnector1">
+            <a:avLst/>
+          </a:prstGeom>
+          <a:ln w="57150">
+            <a:solidFill>
+              <a:srgbClr val="FF0000"/>
+            </a:solidFill>
+            <a:headEnd type="none" w="med" len="med"/>
+            <a:tailEnd type="triangle" w="med" len="med"/>
+          </a:ln>
+        </p:spPr>
+        <p:style>
+          <a:lnRef idx="1">
+            <a:schemeClr val="accent1"/>
+          </a:lnRef>
+          <a:fillRef idx="0">
+            <a:schemeClr val="accent1"/>
+          </a:fillRef>
+          <a:effectRef idx="0">
+            <a:schemeClr val="accent1"/>
+          </a:effectRef>
+          <a:fontRef idx="minor">
+            <a:schemeClr val="tx1"/>
+          </a:fontRef>
+        </p:style>
+      </p:cxnSp>
+      <p:sp>
+        <p:nvSpPr>
+          <p:cNvPr id="8" name="ZoneTexte 7"/>
+          <p:cNvSpPr txBox="1"/>
+          <p:nvPr/>
+        </p:nvSpPr>
+        <p:spPr>
+          <a:xfrm>
+            <a:off x="5220072" y="3203684"/>
+            <a:ext cx="2104166" cy="646331"/>
+          </a:xfrm>
+          <a:prstGeom prst="rect">
+            <a:avLst/>
+          </a:prstGeom>
+          <a:solidFill>
+            <a:srgbClr val="FFFF00"/>
+          </a:solidFill>
+        </p:spPr>
+        <p:txBody>
+          <a:bodyPr wrap="none" rtlCol="0">
+            <a:spAutoFit/>
+          </a:bodyPr>
+          <a:lstStyle/>
+          <a:p>
+            <a:r>
+              <a:rPr lang="fr-FR" dirty="0" smtClean="0"/>
+              <a:t>Ajoute le support de</a:t>
+            </a:r>
+          </a:p>
+          <a:p>
+            <a:r>
+              <a:rPr lang="fr-FR" dirty="0" smtClean="0"/>
+              <a:t>L’indexation 2D</a:t>
+            </a:r>
+            <a:endParaRPr lang="fr-FR" dirty="0"/>
+          </a:p>
+        </p:txBody>
+      </p:sp>
+      <p:cxnSp>
+        <p:nvCxnSpPr>
+          <p:cNvPr id="9" name="Connecteur droit avec flèche 8"/>
+          <p:cNvCxnSpPr/>
+          <p:nvPr/>
+        </p:nvCxnSpPr>
+        <p:spPr>
+          <a:xfrm flipH="1" flipV="1">
+            <a:off x="3203848" y="3068960"/>
+            <a:ext cx="2075564" cy="278740"/>
+          </a:xfrm>
+          <a:prstGeom prst="straightConnector1">
+            <a:avLst/>
+          </a:prstGeom>
+          <a:ln w="57150">
+            <a:solidFill>
+              <a:srgbClr val="FF0000"/>
+            </a:solidFill>
+            <a:headEnd type="none" w="med" len="med"/>
+            <a:tailEnd type="triangle" w="med" len="med"/>
+          </a:ln>
+        </p:spPr>
+        <p:style>
+          <a:lnRef idx="1">
+            <a:schemeClr val="accent1"/>
+          </a:lnRef>
+          <a:fillRef idx="0">
+            <a:schemeClr val="accent1"/>
+          </a:fillRef>
+          <a:effectRef idx="0">
+            <a:schemeClr val="accent1"/>
+          </a:effectRef>
+          <a:fontRef idx="minor">
+            <a:schemeClr val="tx1"/>
+          </a:fontRef>
+        </p:style>
+      </p:cxnSp>
+      <p:sp>
+        <p:nvSpPr>
+          <p:cNvPr id="12" name="ZoneTexte 11"/>
+          <p:cNvSpPr txBox="1"/>
+          <p:nvPr/>
+        </p:nvSpPr>
+        <p:spPr>
+          <a:xfrm>
+            <a:off x="4847363" y="980728"/>
+            <a:ext cx="2059282" cy="369332"/>
+          </a:xfrm>
+          <a:prstGeom prst="rect">
+            <a:avLst/>
+          </a:prstGeom>
+          <a:solidFill>
+            <a:srgbClr val="FFFF00"/>
+          </a:solidFill>
+        </p:spPr>
+        <p:txBody>
+          <a:bodyPr wrap="none" rtlCol="0">
+            <a:spAutoFit/>
+          </a:bodyPr>
+          <a:lstStyle/>
+          <a:p>
+            <a:r>
+              <a:rPr lang="fr-FR" dirty="0" smtClean="0"/>
+              <a:t>Ingestion des objets</a:t>
+            </a:r>
+            <a:endParaRPr lang="fr-FR" dirty="0"/>
+          </a:p>
+        </p:txBody>
+      </p:sp>
+      <p:sp>
+        <p:nvSpPr>
+          <p:cNvPr id="13" name="ZoneTexte 12"/>
+          <p:cNvSpPr txBox="1"/>
+          <p:nvPr/>
+        </p:nvSpPr>
+        <p:spPr>
+          <a:xfrm>
+            <a:off x="4999763" y="4571836"/>
+            <a:ext cx="1962717" cy="369332"/>
+          </a:xfrm>
+          <a:prstGeom prst="rect">
+            <a:avLst/>
+          </a:prstGeom>
+          <a:solidFill>
+            <a:srgbClr val="FFFF00"/>
+          </a:solidFill>
+        </p:spPr>
+        <p:txBody>
+          <a:bodyPr wrap="none" rtlCol="0">
+            <a:spAutoFit/>
+          </a:bodyPr>
+          <a:lstStyle/>
+          <a:p>
+            <a:r>
+              <a:rPr lang="fr-FR" dirty="0" smtClean="0"/>
+              <a:t>Recherche d’objets</a:t>
+            </a:r>
+            <a:endParaRPr lang="fr-FR" dirty="0"/>
+          </a:p>
+        </p:txBody>
+      </p:sp>
     </p:spTree>
     <p:extLst>
       <p:ext uri="{BB962C8B-B14F-4D97-AF65-F5344CB8AC3E}">
@@ -5770,6 +5965,152 @@
       </p:par>
     </p:tnLst>
   </p:timing>
+</p:sld>
+</file>
+
+<file path=ppt/slides/slide16.xml><?xml version="1.0" encoding="utf-8"?>
+<p:sld xmlns:a="http://schemas.openxmlformats.org/drawingml/2006/main" xmlns:r="http://schemas.openxmlformats.org/officeDocument/2006/relationships" xmlns:p="http://schemas.openxmlformats.org/presentationml/2006/main">
+  <p:cSld>
+    <p:spTree>
+      <p:nvGrpSpPr>
+        <p:cNvPr id="1" name=""/>
+        <p:cNvGrpSpPr/>
+        <p:nvPr/>
+      </p:nvGrpSpPr>
+      <p:grpSpPr>
+        <a:xfrm>
+          <a:off x="0" y="0"/>
+          <a:ext cx="0" cy="0"/>
+          <a:chOff x="0" y="0"/>
+          <a:chExt cx="0" cy="0"/>
+        </a:xfrm>
+      </p:grpSpPr>
+      <p:sp>
+        <p:nvSpPr>
+          <p:cNvPr id="2" name="Titre 1"/>
+          <p:cNvSpPr>
+            <a:spLocks noGrp="1"/>
+          </p:cNvSpPr>
+          <p:nvPr>
+            <p:ph type="title"/>
+          </p:nvPr>
+        </p:nvSpPr>
+        <p:spPr/>
+        <p:txBody>
+          <a:bodyPr>
+            <a:normAutofit fontScale="90000"/>
+          </a:bodyPr>
+          <a:lstStyle/>
+          <a:p>
+            <a:r>
+              <a:rPr lang="fr-FR" dirty="0" smtClean="0"/>
+              <a:t>Le cluster au LAL</a:t>
+            </a:r>
+            <a:endParaRPr lang="fr-FR" dirty="0"/>
+          </a:p>
+        </p:txBody>
+      </p:sp>
+      <p:sp>
+        <p:nvSpPr>
+          <p:cNvPr id="3" name="Espace réservé du contenu 2"/>
+          <p:cNvSpPr>
+            <a:spLocks noGrp="1"/>
+          </p:cNvSpPr>
+          <p:nvPr>
+            <p:ph idx="1"/>
+          </p:nvPr>
+        </p:nvSpPr>
+        <p:spPr/>
+        <p:txBody>
+          <a:bodyPr/>
+          <a:lstStyle/>
+          <a:p>
+            <a:r>
+              <a:rPr lang="fr-FR" dirty="0" smtClean="0"/>
+              <a:t>Le cluster </a:t>
+            </a:r>
+            <a:r>
+              <a:rPr lang="fr-FR" dirty="0" err="1" smtClean="0"/>
+              <a:t>Spark</a:t>
+            </a:r>
+            <a:r>
+              <a:rPr lang="fr-FR" dirty="0" smtClean="0"/>
+              <a:t> est installé dans le cadre de </a:t>
+            </a:r>
+            <a:r>
+              <a:rPr lang="fr-FR" dirty="0" err="1" smtClean="0"/>
+              <a:t>VirtualData</a:t>
+            </a:r>
+            <a:r>
+              <a:rPr lang="fr-FR" dirty="0" smtClean="0"/>
+              <a:t> et du projet ERM/MRM de l’Université Paris-Sud</a:t>
+            </a:r>
+          </a:p>
+          <a:p>
+            <a:r>
+              <a:rPr lang="fr-FR" dirty="0" smtClean="0"/>
+              <a:t>La projet regroupe plusieurs équipes de recherche de l’U-</a:t>
+            </a:r>
+            <a:r>
+              <a:rPr lang="fr-FR" dirty="0" err="1" smtClean="0"/>
+              <a:t>PSud</a:t>
+            </a:r>
+            <a:r>
+              <a:rPr lang="fr-FR" dirty="0" smtClean="0"/>
+              <a:t> (médecine, génomique, bio-informatique, LSST) qui vont exploiter la technologie </a:t>
+            </a:r>
+            <a:r>
+              <a:rPr lang="fr-FR" dirty="0" err="1" smtClean="0"/>
+              <a:t>Spark</a:t>
+            </a:r>
+            <a:r>
+              <a:rPr lang="fr-FR" dirty="0" smtClean="0"/>
+              <a:t>.</a:t>
+            </a:r>
+          </a:p>
+          <a:p>
+            <a:r>
+              <a:rPr lang="fr-FR" dirty="0" smtClean="0"/>
+              <a:t>Une école </a:t>
+            </a:r>
+            <a:r>
+              <a:rPr lang="fr-FR" dirty="0" err="1" smtClean="0"/>
+              <a:t>Spark</a:t>
+            </a:r>
+            <a:r>
+              <a:rPr lang="fr-FR" dirty="0" smtClean="0"/>
+              <a:t> a été organisée </a:t>
+            </a:r>
+            <a:r>
+              <a:rPr lang="fr-FR" smtClean="0"/>
+              <a:t>récemment au LAL (avec </a:t>
+            </a:r>
+            <a:r>
+              <a:rPr lang="fr-FR" dirty="0" smtClean="0"/>
+              <a:t>un intervenant de </a:t>
+            </a:r>
+            <a:r>
+              <a:rPr lang="fr-FR" dirty="0" err="1" smtClean="0"/>
+              <a:t>Databricks</a:t>
+            </a:r>
+            <a:r>
+              <a:rPr lang="fr-FR" dirty="0" smtClean="0"/>
+              <a:t>)</a:t>
+            </a:r>
+            <a:endParaRPr lang="fr-FR" dirty="0"/>
+          </a:p>
+        </p:txBody>
+      </p:sp>
+    </p:spTree>
+    <p:extLst>
+      <p:ext uri="{BB962C8B-B14F-4D97-AF65-F5344CB8AC3E}">
+        <p14:creationId xmlns:p14="http://schemas.microsoft.com/office/powerpoint/2010/main" val="978756562"/>
+      </p:ext>
+    </p:extLst>
+  </p:cSld>
+  <p:clrMapOvr>
+    <a:masterClrMapping/>
+  </p:clrMapOvr>
 </p:sld>
 </file>
 
@@ -7310,7 +7651,7 @@
             <a:pPr lvl="2"/>
             <a:r>
               <a:rPr lang="fr-FR" dirty="0" smtClean="0"/>
-              <a:t>~ 400 000 CCD pour le demi ciel</a:t>
+              <a:t>~ 300 000 x 6 images de CCD pour le demi ciel</a:t>
             </a:r>
           </a:p>
           <a:p>
@@ -7323,7 +7664,10 @@
               <a:rPr lang="fr-FR" dirty="0" err="1" smtClean="0"/>
               <a:t>CCDs</a:t>
             </a:r>
-            <a:endParaRPr lang="fr-FR" dirty="0" smtClean="0"/>
+            <a:r>
+              <a:rPr lang="fr-FR" dirty="0" smtClean="0"/>
+              <a:t> / 6 filtres</a:t>
+            </a:r>
           </a:p>
           <a:p>
             <a:r>
@@ -7343,7 +7687,7 @@
             </a:r>
             <a:r>
               <a:rPr lang="fr-FR" dirty="0" smtClean="0"/>
-              <a:t> (1 fichier FITS)</a:t>
+              <a:t> (= 1 fichier FITS)</a:t>
             </a:r>
           </a:p>
           <a:p>
@@ -7568,7 +7912,7 @@
         <p:spPr/>
         <p:txBody>
           <a:bodyPr>
-            <a:normAutofit fontScale="85000" lnSpcReduction="20000"/>
+            <a:normAutofit fontScale="77500" lnSpcReduction="20000"/>
           </a:bodyPr>
           <a:lstStyle/>
           <a:p>
@@ -7629,6 +7973,29 @@
             <a:r>
               <a:rPr lang="fr-FR" dirty="0" smtClean="0"/>
               <a:t>Gestion d’un très grand nombre de fichiers de données</a:t>
+            </a:r>
+          </a:p>
+          <a:p>
+            <a:pPr lvl="1"/>
+            <a:r>
+              <a:rPr lang="fr-FR" dirty="0" smtClean="0"/>
+              <a:t>Structurés autour de plusieurs clés d’indexation (</a:t>
+            </a:r>
+            <a:r>
+              <a:rPr lang="fr-FR" dirty="0" err="1" smtClean="0"/>
+              <a:t>run</a:t>
+            </a:r>
+            <a:r>
+              <a:rPr lang="fr-FR" dirty="0" smtClean="0"/>
+              <a:t>, filtre, ra, </a:t>
+            </a:r>
+            <a:r>
+              <a:rPr lang="fr-FR" dirty="0" err="1" smtClean="0"/>
+              <a:t>dec</a:t>
+            </a:r>
+            <a:r>
+              <a:rPr lang="fr-FR" dirty="0" smtClean="0"/>
+              <a:t>, …)</a:t>
             </a:r>
           </a:p>
           <a:p>
@@ -7753,7 +8120,7 @@
           <a:p>
             <a:r>
               <a:rPr lang="fr-FR" dirty="0" smtClean="0"/>
-              <a:t>Valeurs utilisées</a:t>
+              <a:t>Valeurs utilisées pour la simulation</a:t>
             </a:r>
             <a:endParaRPr lang="fr-FR" dirty="0"/>
           </a:p>
@@ -8097,11 +8464,18 @@
           </a:p>
           <a:p>
             <a:r>
+              <a:rPr lang="fr-FR" dirty="0">
+                <a:latin typeface="Courier New" panose="02070309020205020404" pitchFamily="49" charset="0"/>
+                <a:cs typeface="Courier New" panose="02070309020205020404" pitchFamily="49" charset="0"/>
+              </a:rPr>
+              <a:t>4</a:t>
+            </a:r>
+            <a:r>
               <a:rPr lang="fr-FR" dirty="0" smtClean="0">
                 <a:latin typeface="Courier New" panose="02070309020205020404" pitchFamily="49" charset="0"/>
                 <a:cs typeface="Courier New" panose="02070309020205020404" pitchFamily="49" charset="0"/>
               </a:rPr>
-              <a:t>8000 x 8000 pixels</a:t>
+              <a:t>000 x 4000 pixels</a:t>
             </a:r>
           </a:p>
         </p:txBody>
@@ -8227,64 +8601,1655 @@
           <a:chExt cx="0" cy="0"/>
         </a:xfrm>
       </p:grpSpPr>
-      <p:pic>
-        <p:nvPicPr>
-          <p:cNvPr id="1026" name="Picture 2"/>
-          <p:cNvPicPr>
-            <a:picLocks noChangeAspect="1" noChangeArrowheads="1"/>
-          </p:cNvPicPr>
+      <p:sp>
+        <p:nvSpPr>
+          <p:cNvPr id="2" name="Titre 1"/>
+          <p:cNvSpPr>
+            <a:spLocks noGrp="1"/>
+          </p:cNvSpPr>
+          <p:nvPr>
+            <p:ph type="title"/>
+          </p:nvPr>
+        </p:nvSpPr>
+        <p:spPr/>
+        <p:txBody>
+          <a:bodyPr>
+            <a:normAutofit fontScale="90000"/>
+          </a:bodyPr>
+          <a:lstStyle/>
+          <a:p>
+            <a:r>
+              <a:rPr lang="fr-FR" dirty="0" smtClean="0"/>
+              <a:t>Création des images</a:t>
+            </a:r>
+            <a:endParaRPr lang="fr-FR" dirty="0"/>
+          </a:p>
+        </p:txBody>
+      </p:sp>
+      <p:sp>
+        <p:nvSpPr>
+          <p:cNvPr id="6" name="ZoneTexte 5"/>
+          <p:cNvSpPr txBox="1"/>
           <p:nvPr/>
-        </p:nvPicPr>
-        <p:blipFill>
-          <a:blip r:embed="rId2">
-            <a:extLst>
-              <a:ext uri="{28A0092B-C50C-407E-A947-70E740481C1C}">
-                <a14:useLocalDpi xmlns:a14="http://schemas.microsoft.com/office/drawing/2010/main" val="0"/>
-              </a:ext>
-            </a:extLst>
-          </a:blip>
-          <a:srcRect/>
-          <a:stretch>
-            <a:fillRect/>
-          </a:stretch>
-        </p:blipFill>
-        <p:spPr bwMode="auto">
+        </p:nvSpPr>
+        <p:spPr>
           <a:xfrm>
-            <a:off x="809625" y="971550"/>
-            <a:ext cx="7524750" cy="4914900"/>
+            <a:off x="179512" y="1052736"/>
+            <a:ext cx="6785832" cy="1754326"/>
           </a:xfrm>
           <a:prstGeom prst="rect">
             <a:avLst/>
           </a:prstGeom>
-          <a:noFill/>
+          <a:solidFill>
+            <a:schemeClr val="accent3">
+              <a:lumMod val="20000"/>
+              <a:lumOff val="80000"/>
+            </a:schemeClr>
+          </a:solidFill>
           <a:ln>
-            <a:noFill/>
+            <a:solidFill>
+              <a:srgbClr val="0070C0"/>
+            </a:solidFill>
           </a:ln>
-          <a:extLst>
-            <a:ext uri="{909E8E84-426E-40DD-AFC4-6F175D3DCCD1}">
-              <a14:hiddenFill xmlns:a14="http://schemas.microsoft.com/office/drawing/2010/main">
+        </p:spPr>
+        <p:txBody>
+          <a:bodyPr wrap="none" rtlCol="0">
+            <a:spAutoFit/>
+          </a:bodyPr>
+          <a:lstStyle/>
+          <a:p>
+            <a:r>
+              <a:rPr lang="fr-FR" sz="1200" dirty="0" err="1" smtClean="0">
+                <a:latin typeface="Courier New" panose="02070309020205020404" pitchFamily="49" charset="0"/>
+                <a:cs typeface="Courier New" panose="02070309020205020404" pitchFamily="49" charset="0"/>
+              </a:rPr>
+              <a:t>def</a:t>
+            </a:r>
+            <a:r>
+              <a:rPr lang="fr-FR" sz="1200" dirty="0" smtClean="0">
+                <a:latin typeface="Courier New" panose="02070309020205020404" pitchFamily="49" charset="0"/>
+                <a:cs typeface="Courier New" panose="02070309020205020404" pitchFamily="49" charset="0"/>
+              </a:rPr>
+              <a:t> </a:t>
+            </a:r>
+            <a:r>
+              <a:rPr lang="fr-FR" sz="1200" dirty="0" err="1" smtClean="0">
+                <a:latin typeface="Courier New" panose="02070309020205020404" pitchFamily="49" charset="0"/>
+                <a:cs typeface="Courier New" panose="02070309020205020404" pitchFamily="49" charset="0"/>
+              </a:rPr>
+              <a:t>make_schema</a:t>
+            </a:r>
+            <a:r>
+              <a:rPr lang="fr-FR" sz="1200" dirty="0" smtClean="0">
+                <a:latin typeface="Courier New" panose="02070309020205020404" pitchFamily="49" charset="0"/>
+                <a:cs typeface="Courier New" panose="02070309020205020404" pitchFamily="49" charset="0"/>
+              </a:rPr>
+              <a:t>():</a:t>
+            </a:r>
+          </a:p>
+          <a:p>
+            <a:r>
+              <a:rPr lang="fr-FR" sz="1200" dirty="0" smtClean="0">
+                <a:latin typeface="Courier New" panose="02070309020205020404" pitchFamily="49" charset="0"/>
+                <a:cs typeface="Courier New" panose="02070309020205020404" pitchFamily="49" charset="0"/>
+              </a:rPr>
+              <a:t>    </a:t>
+            </a:r>
+            <a:r>
+              <a:rPr lang="fr-FR" sz="1200" dirty="0" err="1" smtClean="0">
+                <a:latin typeface="Courier New" panose="02070309020205020404" pitchFamily="49" charset="0"/>
+                <a:cs typeface="Courier New" panose="02070309020205020404" pitchFamily="49" charset="0"/>
+              </a:rPr>
+              <a:t>schema</a:t>
+            </a:r>
+            <a:r>
+              <a:rPr lang="fr-FR" sz="1200" dirty="0" smtClean="0">
+                <a:latin typeface="Courier New" panose="02070309020205020404" pitchFamily="49" charset="0"/>
+                <a:cs typeface="Courier New" panose="02070309020205020404" pitchFamily="49" charset="0"/>
+              </a:rPr>
+              <a:t> </a:t>
+            </a:r>
+            <a:r>
+              <a:rPr lang="fr-FR" sz="1200" dirty="0">
+                <a:latin typeface="Courier New" panose="02070309020205020404" pitchFamily="49" charset="0"/>
+                <a:cs typeface="Courier New" panose="02070309020205020404" pitchFamily="49" charset="0"/>
+              </a:rPr>
+              <a:t>= </a:t>
+            </a:r>
+            <a:r>
+              <a:rPr lang="fr-FR" sz="1200" dirty="0" err="1">
+                <a:latin typeface="Courier New" panose="02070309020205020404" pitchFamily="49" charset="0"/>
+                <a:cs typeface="Courier New" panose="02070309020205020404" pitchFamily="49" charset="0"/>
+              </a:rPr>
+              <a:t>StructType</a:t>
+            </a:r>
+            <a:r>
+              <a:rPr lang="fr-FR" sz="1200" dirty="0">
+                <a:latin typeface="Courier New" panose="02070309020205020404" pitchFamily="49" charset="0"/>
+                <a:cs typeface="Courier New" panose="02070309020205020404" pitchFamily="49" charset="0"/>
+              </a:rPr>
+              <a:t>([</a:t>
+            </a:r>
+          </a:p>
+          <a:p>
+            <a:r>
+              <a:rPr lang="fr-FR" sz="1200" dirty="0">
+                <a:latin typeface="Courier New" panose="02070309020205020404" pitchFamily="49" charset="0"/>
+                <a:cs typeface="Courier New" panose="02070309020205020404" pitchFamily="49" charset="0"/>
+              </a:rPr>
+              <a:t>       </a:t>
+            </a:r>
+            <a:r>
+              <a:rPr lang="fr-FR" sz="1200" dirty="0" err="1">
+                <a:latin typeface="Courier New" panose="02070309020205020404" pitchFamily="49" charset="0"/>
+                <a:cs typeface="Courier New" panose="02070309020205020404" pitchFamily="49" charset="0"/>
+              </a:rPr>
+              <a:t>StructField</a:t>
+            </a:r>
+            <a:r>
+              <a:rPr lang="fr-FR" sz="1200" dirty="0">
+                <a:latin typeface="Courier New" panose="02070309020205020404" pitchFamily="49" charset="0"/>
+                <a:cs typeface="Courier New" panose="02070309020205020404" pitchFamily="49" charset="0"/>
+              </a:rPr>
+              <a:t>("id", </a:t>
+            </a:r>
+            <a:r>
+              <a:rPr lang="fr-FR" sz="1200" dirty="0" err="1">
+                <a:latin typeface="Courier New" panose="02070309020205020404" pitchFamily="49" charset="0"/>
+                <a:cs typeface="Courier New" panose="02070309020205020404" pitchFamily="49" charset="0"/>
+              </a:rPr>
+              <a:t>IntegerType</a:t>
+            </a:r>
+            <a:r>
+              <a:rPr lang="fr-FR" sz="1200" dirty="0">
+                <a:latin typeface="Courier New" panose="02070309020205020404" pitchFamily="49" charset="0"/>
+                <a:cs typeface="Courier New" panose="02070309020205020404" pitchFamily="49" charset="0"/>
+              </a:rPr>
+              <a:t>(), </a:t>
+            </a:r>
+            <a:r>
+              <a:rPr lang="fr-FR" sz="1200" dirty="0" err="1">
+                <a:latin typeface="Courier New" panose="02070309020205020404" pitchFamily="49" charset="0"/>
+                <a:cs typeface="Courier New" panose="02070309020205020404" pitchFamily="49" charset="0"/>
+              </a:rPr>
+              <a:t>True</a:t>
+            </a:r>
+            <a:r>
+              <a:rPr lang="fr-FR" sz="1200" dirty="0">
+                <a:latin typeface="Courier New" panose="02070309020205020404" pitchFamily="49" charset="0"/>
+                <a:cs typeface="Courier New" panose="02070309020205020404" pitchFamily="49" charset="0"/>
+              </a:rPr>
+              <a:t>),</a:t>
+            </a:r>
+            <a:br>
+              <a:rPr lang="fr-FR" sz="1200" dirty="0">
+                <a:latin typeface="Courier New" panose="02070309020205020404" pitchFamily="49" charset="0"/>
+                <a:cs typeface="Courier New" panose="02070309020205020404" pitchFamily="49" charset="0"/>
+              </a:rPr>
+            </a:br>
+            <a:r>
+              <a:rPr lang="fr-FR" sz="1200" dirty="0">
+                <a:latin typeface="Courier New" panose="02070309020205020404" pitchFamily="49" charset="0"/>
+                <a:cs typeface="Courier New" panose="02070309020205020404" pitchFamily="49" charset="0"/>
+              </a:rPr>
+              <a:t>       </a:t>
+            </a:r>
+            <a:r>
+              <a:rPr lang="fr-FR" sz="1200" dirty="0" err="1">
+                <a:latin typeface="Courier New" panose="02070309020205020404" pitchFamily="49" charset="0"/>
+                <a:cs typeface="Courier New" panose="02070309020205020404" pitchFamily="49" charset="0"/>
+              </a:rPr>
+              <a:t>StructField</a:t>
+            </a:r>
+            <a:r>
+              <a:rPr lang="fr-FR" sz="1200" dirty="0">
+                <a:latin typeface="Courier New" panose="02070309020205020404" pitchFamily="49" charset="0"/>
+                <a:cs typeface="Courier New" panose="02070309020205020404" pitchFamily="49" charset="0"/>
+              </a:rPr>
+              <a:t>("</a:t>
+            </a:r>
+            <a:r>
+              <a:rPr lang="fr-FR" sz="1200" dirty="0" err="1" smtClean="0">
+                <a:latin typeface="Courier New" panose="02070309020205020404" pitchFamily="49" charset="0"/>
+                <a:cs typeface="Courier New" panose="02070309020205020404" pitchFamily="49" charset="0"/>
+              </a:rPr>
+              <a:t>run</a:t>
+            </a:r>
+            <a:r>
+              <a:rPr lang="fr-FR" sz="1200" dirty="0" smtClean="0">
+                <a:latin typeface="Courier New" panose="02070309020205020404" pitchFamily="49" charset="0"/>
+                <a:cs typeface="Courier New" panose="02070309020205020404" pitchFamily="49" charset="0"/>
+              </a:rPr>
+              <a:t>", </a:t>
+            </a:r>
+            <a:r>
+              <a:rPr lang="fr-FR" sz="1200" dirty="0" err="1" smtClean="0">
+                <a:latin typeface="Courier New" panose="02070309020205020404" pitchFamily="49" charset="0"/>
+                <a:cs typeface="Courier New" panose="02070309020205020404" pitchFamily="49" charset="0"/>
+              </a:rPr>
+              <a:t>IntegerType</a:t>
+            </a:r>
+            <a:r>
+              <a:rPr lang="fr-FR" sz="1200" dirty="0">
+                <a:latin typeface="Courier New" panose="02070309020205020404" pitchFamily="49" charset="0"/>
+                <a:cs typeface="Courier New" panose="02070309020205020404" pitchFamily="49" charset="0"/>
+              </a:rPr>
+              <a:t>(), </a:t>
+            </a:r>
+            <a:r>
+              <a:rPr lang="fr-FR" sz="1200" dirty="0" err="1">
+                <a:latin typeface="Courier New" panose="02070309020205020404" pitchFamily="49" charset="0"/>
+                <a:cs typeface="Courier New" panose="02070309020205020404" pitchFamily="49" charset="0"/>
+              </a:rPr>
+              <a:t>True</a:t>
+            </a:r>
+            <a:r>
+              <a:rPr lang="fr-FR" sz="1200" dirty="0">
+                <a:latin typeface="Courier New" panose="02070309020205020404" pitchFamily="49" charset="0"/>
+                <a:cs typeface="Courier New" panose="02070309020205020404" pitchFamily="49" charset="0"/>
+              </a:rPr>
+              <a:t>),</a:t>
+            </a:r>
+            <a:br>
+              <a:rPr lang="fr-FR" sz="1200" dirty="0">
+                <a:latin typeface="Courier New" panose="02070309020205020404" pitchFamily="49" charset="0"/>
+                <a:cs typeface="Courier New" panose="02070309020205020404" pitchFamily="49" charset="0"/>
+              </a:rPr>
+            </a:br>
+            <a:r>
+              <a:rPr lang="fr-FR" sz="1200" dirty="0">
+                <a:latin typeface="Courier New" panose="02070309020205020404" pitchFamily="49" charset="0"/>
+                <a:cs typeface="Courier New" panose="02070309020205020404" pitchFamily="49" charset="0"/>
+              </a:rPr>
+              <a:t>       </a:t>
+            </a:r>
+            <a:r>
+              <a:rPr lang="fr-FR" sz="1200" dirty="0" err="1">
+                <a:latin typeface="Courier New" panose="02070309020205020404" pitchFamily="49" charset="0"/>
+                <a:cs typeface="Courier New" panose="02070309020205020404" pitchFamily="49" charset="0"/>
+              </a:rPr>
+              <a:t>StructField</a:t>
+            </a:r>
+            <a:r>
+              <a:rPr lang="fr-FR" sz="1200" dirty="0">
+                <a:latin typeface="Courier New" panose="02070309020205020404" pitchFamily="49" charset="0"/>
+                <a:cs typeface="Courier New" panose="02070309020205020404" pitchFamily="49" charset="0"/>
+              </a:rPr>
+              <a:t>("ra", </a:t>
+            </a:r>
+            <a:r>
+              <a:rPr lang="fr-FR" sz="1200" dirty="0" err="1">
+                <a:latin typeface="Courier New" panose="02070309020205020404" pitchFamily="49" charset="0"/>
+                <a:cs typeface="Courier New" panose="02070309020205020404" pitchFamily="49" charset="0"/>
+              </a:rPr>
+              <a:t>DoubleType</a:t>
+            </a:r>
+            <a:r>
+              <a:rPr lang="fr-FR" sz="1200" dirty="0">
+                <a:latin typeface="Courier New" panose="02070309020205020404" pitchFamily="49" charset="0"/>
+                <a:cs typeface="Courier New" panose="02070309020205020404" pitchFamily="49" charset="0"/>
+              </a:rPr>
+              <a:t>(), </a:t>
+            </a:r>
+            <a:r>
+              <a:rPr lang="fr-FR" sz="1200" dirty="0" err="1">
+                <a:latin typeface="Courier New" panose="02070309020205020404" pitchFamily="49" charset="0"/>
+                <a:cs typeface="Courier New" panose="02070309020205020404" pitchFamily="49" charset="0"/>
+              </a:rPr>
+              <a:t>True</a:t>
+            </a:r>
+            <a:r>
+              <a:rPr lang="fr-FR" sz="1200" dirty="0">
+                <a:latin typeface="Courier New" panose="02070309020205020404" pitchFamily="49" charset="0"/>
+                <a:cs typeface="Courier New" panose="02070309020205020404" pitchFamily="49" charset="0"/>
+              </a:rPr>
+              <a:t>),</a:t>
+            </a:r>
+            <a:br>
+              <a:rPr lang="fr-FR" sz="1200" dirty="0">
+                <a:latin typeface="Courier New" panose="02070309020205020404" pitchFamily="49" charset="0"/>
+                <a:cs typeface="Courier New" panose="02070309020205020404" pitchFamily="49" charset="0"/>
+              </a:rPr>
+            </a:br>
+            <a:r>
+              <a:rPr lang="fr-FR" sz="1200" dirty="0">
+                <a:latin typeface="Courier New" panose="02070309020205020404" pitchFamily="49" charset="0"/>
+                <a:cs typeface="Courier New" panose="02070309020205020404" pitchFamily="49" charset="0"/>
+              </a:rPr>
+              <a:t>       </a:t>
+            </a:r>
+            <a:r>
+              <a:rPr lang="fr-FR" sz="1200" dirty="0" err="1">
+                <a:latin typeface="Courier New" panose="02070309020205020404" pitchFamily="49" charset="0"/>
+                <a:cs typeface="Courier New" panose="02070309020205020404" pitchFamily="49" charset="0"/>
+              </a:rPr>
+              <a:t>StructField</a:t>
+            </a:r>
+            <a:r>
+              <a:rPr lang="fr-FR" sz="1200" dirty="0">
+                <a:latin typeface="Courier New" panose="02070309020205020404" pitchFamily="49" charset="0"/>
+                <a:cs typeface="Courier New" panose="02070309020205020404" pitchFamily="49" charset="0"/>
+              </a:rPr>
+              <a:t>("</a:t>
+            </a:r>
+            <a:r>
+              <a:rPr lang="fr-FR" sz="1200" dirty="0" err="1">
+                <a:latin typeface="Courier New" panose="02070309020205020404" pitchFamily="49" charset="0"/>
+                <a:cs typeface="Courier New" panose="02070309020205020404" pitchFamily="49" charset="0"/>
+              </a:rPr>
+              <a:t>dec</a:t>
+            </a:r>
+            <a:r>
+              <a:rPr lang="fr-FR" sz="1200" dirty="0">
+                <a:latin typeface="Courier New" panose="02070309020205020404" pitchFamily="49" charset="0"/>
+                <a:cs typeface="Courier New" panose="02070309020205020404" pitchFamily="49" charset="0"/>
+              </a:rPr>
+              <a:t>", </a:t>
+            </a:r>
+            <a:r>
+              <a:rPr lang="fr-FR" sz="1200" dirty="0" err="1">
+                <a:latin typeface="Courier New" panose="02070309020205020404" pitchFamily="49" charset="0"/>
+                <a:cs typeface="Courier New" panose="02070309020205020404" pitchFamily="49" charset="0"/>
+              </a:rPr>
+              <a:t>DoubleType</a:t>
+            </a:r>
+            <a:r>
+              <a:rPr lang="fr-FR" sz="1200" dirty="0">
+                <a:latin typeface="Courier New" panose="02070309020205020404" pitchFamily="49" charset="0"/>
+                <a:cs typeface="Courier New" panose="02070309020205020404" pitchFamily="49" charset="0"/>
+              </a:rPr>
+              <a:t>(), </a:t>
+            </a:r>
+            <a:r>
+              <a:rPr lang="fr-FR" sz="1200" dirty="0" err="1">
+                <a:latin typeface="Courier New" panose="02070309020205020404" pitchFamily="49" charset="0"/>
+                <a:cs typeface="Courier New" panose="02070309020205020404" pitchFamily="49" charset="0"/>
+              </a:rPr>
+              <a:t>True</a:t>
+            </a:r>
+            <a:r>
+              <a:rPr lang="fr-FR" sz="1200" dirty="0">
+                <a:latin typeface="Courier New" panose="02070309020205020404" pitchFamily="49" charset="0"/>
+                <a:cs typeface="Courier New" panose="02070309020205020404" pitchFamily="49" charset="0"/>
+              </a:rPr>
+              <a:t>),</a:t>
+            </a:r>
+            <a:br>
+              <a:rPr lang="fr-FR" sz="1200" dirty="0">
+                <a:latin typeface="Courier New" panose="02070309020205020404" pitchFamily="49" charset="0"/>
+                <a:cs typeface="Courier New" panose="02070309020205020404" pitchFamily="49" charset="0"/>
+              </a:rPr>
+            </a:br>
+            <a:r>
+              <a:rPr lang="fr-FR" sz="1200" dirty="0">
+                <a:latin typeface="Courier New" panose="02070309020205020404" pitchFamily="49" charset="0"/>
+                <a:cs typeface="Courier New" panose="02070309020205020404" pitchFamily="49" charset="0"/>
+              </a:rPr>
+              <a:t>       </a:t>
+            </a:r>
+            <a:r>
+              <a:rPr lang="fr-FR" sz="1200" dirty="0" err="1">
+                <a:latin typeface="Courier New" panose="02070309020205020404" pitchFamily="49" charset="0"/>
+                <a:cs typeface="Courier New" panose="02070309020205020404" pitchFamily="49" charset="0"/>
+              </a:rPr>
+              <a:t>StructField</a:t>
+            </a:r>
+            <a:r>
+              <a:rPr lang="fr-FR" sz="1200" dirty="0">
+                <a:latin typeface="Courier New" panose="02070309020205020404" pitchFamily="49" charset="0"/>
+                <a:cs typeface="Courier New" panose="02070309020205020404" pitchFamily="49" charset="0"/>
+              </a:rPr>
+              <a:t>("image", </a:t>
+            </a:r>
+            <a:r>
+              <a:rPr lang="fr-FR" sz="1200" dirty="0" err="1">
+                <a:latin typeface="Courier New" panose="02070309020205020404" pitchFamily="49" charset="0"/>
+                <a:cs typeface="Courier New" panose="02070309020205020404" pitchFamily="49" charset="0"/>
+              </a:rPr>
+              <a:t>ArrayType</a:t>
+            </a:r>
+            <a:r>
+              <a:rPr lang="fr-FR" sz="1200" dirty="0">
+                <a:latin typeface="Courier New" panose="02070309020205020404" pitchFamily="49" charset="0"/>
+                <a:cs typeface="Courier New" panose="02070309020205020404" pitchFamily="49" charset="0"/>
+              </a:rPr>
+              <a:t>(</a:t>
+            </a:r>
+            <a:r>
+              <a:rPr lang="fr-FR" sz="1200" dirty="0" err="1">
+                <a:latin typeface="Courier New" panose="02070309020205020404" pitchFamily="49" charset="0"/>
+                <a:cs typeface="Courier New" panose="02070309020205020404" pitchFamily="49" charset="0"/>
+              </a:rPr>
+              <a:t>ArrayType</a:t>
+            </a:r>
+            <a:r>
+              <a:rPr lang="fr-FR" sz="1200" dirty="0">
+                <a:latin typeface="Courier New" panose="02070309020205020404" pitchFamily="49" charset="0"/>
+                <a:cs typeface="Courier New" panose="02070309020205020404" pitchFamily="49" charset="0"/>
+              </a:rPr>
+              <a:t>(</a:t>
+            </a:r>
+            <a:r>
+              <a:rPr lang="fr-FR" sz="1200" dirty="0" err="1">
+                <a:latin typeface="Courier New" panose="02070309020205020404" pitchFamily="49" charset="0"/>
+                <a:cs typeface="Courier New" panose="02070309020205020404" pitchFamily="49" charset="0"/>
+              </a:rPr>
+              <a:t>DoubleType</a:t>
+            </a:r>
+            <a:r>
+              <a:rPr lang="fr-FR" sz="1200" dirty="0">
+                <a:latin typeface="Courier New" panose="02070309020205020404" pitchFamily="49" charset="0"/>
+                <a:cs typeface="Courier New" panose="02070309020205020404" pitchFamily="49" charset="0"/>
+              </a:rPr>
+              <a:t>()), </a:t>
+            </a:r>
+            <a:r>
+              <a:rPr lang="fr-FR" sz="1200" dirty="0" err="1">
+                <a:latin typeface="Courier New" panose="02070309020205020404" pitchFamily="49" charset="0"/>
+                <a:cs typeface="Courier New" panose="02070309020205020404" pitchFamily="49" charset="0"/>
+              </a:rPr>
+              <a:t>True</a:t>
+            </a:r>
+            <a:r>
+              <a:rPr lang="fr-FR" sz="1200" dirty="0" smtClean="0">
+                <a:latin typeface="Courier New" panose="02070309020205020404" pitchFamily="49" charset="0"/>
+                <a:cs typeface="Courier New" panose="02070309020205020404" pitchFamily="49" charset="0"/>
+              </a:rPr>
+              <a:t>))])</a:t>
+            </a:r>
+          </a:p>
+          <a:p>
+            <a:endParaRPr lang="fr-FR" sz="1200" dirty="0">
+              <a:latin typeface="Courier New" panose="02070309020205020404" pitchFamily="49" charset="0"/>
+              <a:cs typeface="Courier New" panose="02070309020205020404" pitchFamily="49" charset="0"/>
+            </a:endParaRPr>
+          </a:p>
+          <a:p>
+            <a:r>
+              <a:rPr lang="fr-FR" sz="1200" dirty="0" smtClean="0">
+                <a:latin typeface="Courier New" panose="02070309020205020404" pitchFamily="49" charset="0"/>
+                <a:cs typeface="Courier New" panose="02070309020205020404" pitchFamily="49" charset="0"/>
+              </a:rPr>
+              <a:t>    return </a:t>
+            </a:r>
+            <a:r>
+              <a:rPr lang="fr-FR" sz="1200" dirty="0" err="1" smtClean="0">
+                <a:latin typeface="Courier New" panose="02070309020205020404" pitchFamily="49" charset="0"/>
+                <a:cs typeface="Courier New" panose="02070309020205020404" pitchFamily="49" charset="0"/>
+              </a:rPr>
+              <a:t>schema</a:t>
+            </a:r>
+            <a:endParaRPr lang="fr-FR" sz="1200" dirty="0" smtClean="0">
+              <a:latin typeface="Courier New" panose="02070309020205020404" pitchFamily="49" charset="0"/>
+              <a:cs typeface="Courier New" panose="02070309020205020404" pitchFamily="49" charset="0"/>
+            </a:endParaRPr>
+          </a:p>
+        </p:txBody>
+      </p:sp>
+      <p:sp>
+        <p:nvSpPr>
+          <p:cNvPr id="4" name="ZoneTexte 3"/>
+          <p:cNvSpPr txBox="1"/>
+          <p:nvPr/>
+        </p:nvSpPr>
+        <p:spPr>
+          <a:xfrm>
+            <a:off x="486902" y="3212976"/>
+            <a:ext cx="5856090" cy="3416320"/>
+          </a:xfrm>
+          <a:prstGeom prst="rect">
+            <a:avLst/>
+          </a:prstGeom>
+          <a:solidFill>
+            <a:schemeClr val="bg1">
+              <a:lumMod val="95000"/>
+            </a:schemeClr>
+          </a:solidFill>
+          <a:ln>
+            <a:solidFill>
+              <a:srgbClr val="0070C0"/>
+            </a:solidFill>
+          </a:ln>
+        </p:spPr>
+        <p:txBody>
+          <a:bodyPr wrap="none" rtlCol="0">
+            <a:spAutoFit/>
+          </a:bodyPr>
+          <a:lstStyle/>
+          <a:p>
+            <a:r>
+              <a:rPr lang="fr-FR" sz="1200" dirty="0" err="1" smtClean="0">
+                <a:latin typeface="Courier New" panose="02070309020205020404" pitchFamily="49" charset="0"/>
+                <a:cs typeface="Courier New" panose="02070309020205020404" pitchFamily="49" charset="0"/>
+              </a:rPr>
+              <a:t>def</a:t>
+            </a:r>
+            <a:r>
+              <a:rPr lang="fr-FR" sz="1200" dirty="0" smtClean="0">
+                <a:latin typeface="Courier New" panose="02070309020205020404" pitchFamily="49" charset="0"/>
+                <a:cs typeface="Courier New" panose="02070309020205020404" pitchFamily="49" charset="0"/>
+              </a:rPr>
+              <a:t> </a:t>
+            </a:r>
+            <a:r>
+              <a:rPr lang="fr-FR" sz="1200" dirty="0" err="1" smtClean="0">
+                <a:latin typeface="Courier New" panose="02070309020205020404" pitchFamily="49" charset="0"/>
+                <a:cs typeface="Courier New" panose="02070309020205020404" pitchFamily="49" charset="0"/>
+              </a:rPr>
+              <a:t>create_image</a:t>
+            </a:r>
+            <a:r>
+              <a:rPr lang="fr-FR" sz="1200" dirty="0" smtClean="0">
+                <a:latin typeface="Courier New" panose="02070309020205020404" pitchFamily="49" charset="0"/>
+                <a:cs typeface="Courier New" panose="02070309020205020404" pitchFamily="49" charset="0"/>
+              </a:rPr>
+              <a:t>(</a:t>
+            </a:r>
+            <a:r>
+              <a:rPr lang="fr-FR" sz="1200" dirty="0" err="1" smtClean="0">
+                <a:latin typeface="Courier New" panose="02070309020205020404" pitchFamily="49" charset="0"/>
+                <a:cs typeface="Courier New" panose="02070309020205020404" pitchFamily="49" charset="0"/>
+              </a:rPr>
+              <a:t>spark</a:t>
+            </a:r>
+            <a:r>
+              <a:rPr lang="fr-FR" sz="1200" dirty="0" smtClean="0">
+                <a:latin typeface="Courier New" panose="02070309020205020404" pitchFamily="49" charset="0"/>
+                <a:cs typeface="Courier New" panose="02070309020205020404" pitchFamily="49" charset="0"/>
+              </a:rPr>
+              <a:t>):</a:t>
+            </a:r>
+          </a:p>
+          <a:p>
+            <a:r>
+              <a:rPr lang="fr-FR" sz="1200" dirty="0">
+                <a:latin typeface="Courier New" panose="02070309020205020404" pitchFamily="49" charset="0"/>
+                <a:cs typeface="Courier New" panose="02070309020205020404" pitchFamily="49" charset="0"/>
+              </a:rPr>
+              <a:t> </a:t>
+            </a:r>
+            <a:r>
+              <a:rPr lang="fr-FR" sz="1200" dirty="0" smtClean="0">
+                <a:latin typeface="Courier New" panose="02070309020205020404" pitchFamily="49" charset="0"/>
+                <a:cs typeface="Courier New" panose="02070309020205020404" pitchFamily="49" charset="0"/>
+              </a:rPr>
+              <a:t>   </a:t>
+            </a:r>
+            <a:r>
+              <a:rPr lang="fr-FR" sz="1200" dirty="0" err="1" smtClean="0">
+                <a:latin typeface="Courier New" panose="02070309020205020404" pitchFamily="49" charset="0"/>
+                <a:cs typeface="Courier New" panose="02070309020205020404" pitchFamily="49" charset="0"/>
+              </a:rPr>
+              <a:t>runs</a:t>
+            </a:r>
+            <a:r>
+              <a:rPr lang="fr-FR" sz="1200" dirty="0" smtClean="0">
+                <a:latin typeface="Courier New" panose="02070309020205020404" pitchFamily="49" charset="0"/>
+                <a:cs typeface="Courier New" panose="02070309020205020404" pitchFamily="49" charset="0"/>
+              </a:rPr>
+              <a:t> = ...</a:t>
+            </a:r>
+          </a:p>
+          <a:p>
+            <a:r>
+              <a:rPr lang="fr-FR" sz="1200" dirty="0">
+                <a:latin typeface="Courier New" panose="02070309020205020404" pitchFamily="49" charset="0"/>
+                <a:cs typeface="Courier New" panose="02070309020205020404" pitchFamily="49" charset="0"/>
+              </a:rPr>
+              <a:t>    </a:t>
+            </a:r>
+            <a:r>
+              <a:rPr lang="fr-FR" sz="1200" dirty="0" err="1">
+                <a:latin typeface="Courier New" panose="02070309020205020404" pitchFamily="49" charset="0"/>
+                <a:cs typeface="Courier New" panose="02070309020205020404" pitchFamily="49" charset="0"/>
+              </a:rPr>
+              <a:t>rows</a:t>
+            </a:r>
+            <a:r>
+              <a:rPr lang="fr-FR" sz="1200" dirty="0">
+                <a:latin typeface="Courier New" panose="02070309020205020404" pitchFamily="49" charset="0"/>
+                <a:cs typeface="Courier New" panose="02070309020205020404" pitchFamily="49" charset="0"/>
+              </a:rPr>
+              <a:t> = </a:t>
+            </a:r>
+            <a:r>
+              <a:rPr lang="fr-FR" sz="1200" dirty="0" smtClean="0">
+                <a:latin typeface="Courier New" panose="02070309020205020404" pitchFamily="49" charset="0"/>
+                <a:cs typeface="Courier New" panose="02070309020205020404" pitchFamily="49" charset="0"/>
+              </a:rPr>
+              <a:t>3;</a:t>
+            </a:r>
+            <a:r>
+              <a:rPr lang="fr-FR" sz="1200" dirty="0">
+                <a:latin typeface="Courier New" panose="02070309020205020404" pitchFamily="49" charset="0"/>
+                <a:cs typeface="Courier New" panose="02070309020205020404" pitchFamily="49" charset="0"/>
+              </a:rPr>
+              <a:t> </a:t>
+            </a:r>
+            <a:r>
+              <a:rPr lang="fr-FR" sz="1200" dirty="0" smtClean="0">
+                <a:latin typeface="Courier New" panose="02070309020205020404" pitchFamily="49" charset="0"/>
+                <a:cs typeface="Courier New" panose="02070309020205020404" pitchFamily="49" charset="0"/>
+              </a:rPr>
+              <a:t>cols </a:t>
+            </a:r>
+            <a:r>
+              <a:rPr lang="fr-FR" sz="1200" dirty="0">
+                <a:latin typeface="Courier New" panose="02070309020205020404" pitchFamily="49" charset="0"/>
+                <a:cs typeface="Courier New" panose="02070309020205020404" pitchFamily="49" charset="0"/>
+              </a:rPr>
+              <a:t>= </a:t>
+            </a:r>
+            <a:r>
+              <a:rPr lang="fr-FR" sz="1200" dirty="0" smtClean="0">
+                <a:latin typeface="Courier New" panose="02070309020205020404" pitchFamily="49" charset="0"/>
+                <a:cs typeface="Courier New" panose="02070309020205020404" pitchFamily="49" charset="0"/>
+              </a:rPr>
+              <a:t>3; </a:t>
+            </a:r>
+            <a:r>
+              <a:rPr lang="fr-FR" sz="1200" dirty="0" err="1" smtClean="0">
+                <a:latin typeface="Courier New" panose="02070309020205020404" pitchFamily="49" charset="0"/>
+                <a:cs typeface="Courier New" panose="02070309020205020404" pitchFamily="49" charset="0"/>
+              </a:rPr>
+              <a:t>region_size</a:t>
+            </a:r>
+            <a:r>
+              <a:rPr lang="fr-FR" sz="1200" dirty="0" smtClean="0">
+                <a:latin typeface="Courier New" panose="02070309020205020404" pitchFamily="49" charset="0"/>
+                <a:cs typeface="Courier New" panose="02070309020205020404" pitchFamily="49" charset="0"/>
+              </a:rPr>
+              <a:t> </a:t>
+            </a:r>
+            <a:r>
+              <a:rPr lang="fr-FR" sz="1200" dirty="0">
+                <a:latin typeface="Courier New" panose="02070309020205020404" pitchFamily="49" charset="0"/>
+                <a:cs typeface="Courier New" panose="02070309020205020404" pitchFamily="49" charset="0"/>
+              </a:rPr>
+              <a:t>= 4000</a:t>
+            </a:r>
+            <a:br>
+              <a:rPr lang="fr-FR" sz="1200" dirty="0">
+                <a:latin typeface="Courier New" panose="02070309020205020404" pitchFamily="49" charset="0"/>
+                <a:cs typeface="Courier New" panose="02070309020205020404" pitchFamily="49" charset="0"/>
+              </a:rPr>
+            </a:br>
+            <a:r>
+              <a:rPr lang="fr-FR" sz="1200" dirty="0">
+                <a:latin typeface="Courier New" panose="02070309020205020404" pitchFamily="49" charset="0"/>
+                <a:cs typeface="Courier New" panose="02070309020205020404" pitchFamily="49" charset="0"/>
+              </a:rPr>
+              <a:t>    </a:t>
+            </a:r>
+            <a:r>
+              <a:rPr lang="fr-FR" sz="1200" dirty="0" smtClean="0">
+                <a:latin typeface="Courier New" panose="02070309020205020404" pitchFamily="49" charset="0"/>
+                <a:cs typeface="Courier New" panose="02070309020205020404" pitchFamily="49" charset="0"/>
+              </a:rPr>
+              <a:t>images </a:t>
+            </a:r>
+            <a:r>
+              <a:rPr lang="fr-FR" sz="1200" dirty="0">
+                <a:latin typeface="Courier New" panose="02070309020205020404" pitchFamily="49" charset="0"/>
+                <a:cs typeface="Courier New" panose="02070309020205020404" pitchFamily="49" charset="0"/>
+              </a:rPr>
+              <a:t>= </a:t>
+            </a:r>
+            <a:r>
+              <a:rPr lang="fr-FR" sz="1200" dirty="0" smtClean="0">
+                <a:latin typeface="Courier New" panose="02070309020205020404" pitchFamily="49" charset="0"/>
+                <a:cs typeface="Courier New" panose="02070309020205020404" pitchFamily="49" charset="0"/>
+              </a:rPr>
+              <a:t>[]; </a:t>
+            </a:r>
+            <a:r>
+              <a:rPr lang="fr-FR" sz="1200" dirty="0" err="1" smtClean="0">
+                <a:latin typeface="Courier New" panose="02070309020205020404" pitchFamily="49" charset="0"/>
+                <a:cs typeface="Courier New" panose="02070309020205020404" pitchFamily="49" charset="0"/>
+              </a:rPr>
+              <a:t>image_id</a:t>
+            </a:r>
+            <a:r>
+              <a:rPr lang="fr-FR" sz="1200" dirty="0" smtClean="0">
+                <a:latin typeface="Courier New" panose="02070309020205020404" pitchFamily="49" charset="0"/>
+                <a:cs typeface="Courier New" panose="02070309020205020404" pitchFamily="49" charset="0"/>
+              </a:rPr>
+              <a:t> </a:t>
+            </a:r>
+            <a:r>
+              <a:rPr lang="fr-FR" sz="1200" dirty="0">
+                <a:latin typeface="Courier New" panose="02070309020205020404" pitchFamily="49" charset="0"/>
+                <a:cs typeface="Courier New" panose="02070309020205020404" pitchFamily="49" charset="0"/>
+              </a:rPr>
+              <a:t>= 0</a:t>
+            </a:r>
+            <a:br>
+              <a:rPr lang="fr-FR" sz="1200" dirty="0">
+                <a:latin typeface="Courier New" panose="02070309020205020404" pitchFamily="49" charset="0"/>
+                <a:cs typeface="Courier New" panose="02070309020205020404" pitchFamily="49" charset="0"/>
+              </a:rPr>
+            </a:br>
+            <a:r>
+              <a:rPr lang="fr-FR" sz="1200" dirty="0">
+                <a:latin typeface="Courier New" panose="02070309020205020404" pitchFamily="49" charset="0"/>
+                <a:cs typeface="Courier New" panose="02070309020205020404" pitchFamily="49" charset="0"/>
+              </a:rPr>
+              <a:t/>
+            </a:r>
+            <a:br>
+              <a:rPr lang="fr-FR" sz="1200" dirty="0">
+                <a:latin typeface="Courier New" panose="02070309020205020404" pitchFamily="49" charset="0"/>
+                <a:cs typeface="Courier New" panose="02070309020205020404" pitchFamily="49" charset="0"/>
+              </a:rPr>
+            </a:br>
+            <a:r>
+              <a:rPr lang="fr-FR" sz="1200" dirty="0">
+                <a:latin typeface="Courier New" panose="02070309020205020404" pitchFamily="49" charset="0"/>
+                <a:cs typeface="Courier New" panose="02070309020205020404" pitchFamily="49" charset="0"/>
+              </a:rPr>
+              <a:t>    # </a:t>
+            </a:r>
+            <a:r>
+              <a:rPr lang="fr-FR" sz="1200" dirty="0" err="1">
+                <a:latin typeface="Courier New" panose="02070309020205020404" pitchFamily="49" charset="0"/>
+                <a:cs typeface="Courier New" panose="02070309020205020404" pitchFamily="49" charset="0"/>
+              </a:rPr>
+              <a:t>initialize</a:t>
+            </a:r>
+            <a:r>
+              <a:rPr lang="fr-FR" sz="1200" dirty="0">
+                <a:latin typeface="Courier New" panose="02070309020205020404" pitchFamily="49" charset="0"/>
+                <a:cs typeface="Courier New" panose="02070309020205020404" pitchFamily="49" charset="0"/>
+              </a:rPr>
+              <a:t> </a:t>
+            </a:r>
+            <a:r>
+              <a:rPr lang="fr-FR" sz="1200" dirty="0" smtClean="0">
+                <a:latin typeface="Courier New" panose="02070309020205020404" pitchFamily="49" charset="0"/>
+                <a:cs typeface="Courier New" panose="02070309020205020404" pitchFamily="49" charset="0"/>
+              </a:rPr>
+              <a:t>image </a:t>
+            </a:r>
+            <a:r>
+              <a:rPr lang="fr-FR" sz="1200" dirty="0" err="1" smtClean="0">
+                <a:latin typeface="Courier New" panose="02070309020205020404" pitchFamily="49" charset="0"/>
+                <a:cs typeface="Courier New" panose="02070309020205020404" pitchFamily="49" charset="0"/>
+              </a:rPr>
+              <a:t>descriptors</a:t>
+            </a:r>
+            <a:endParaRPr lang="fr-FR" sz="1200" dirty="0" smtClean="0">
+              <a:latin typeface="Courier New" panose="02070309020205020404" pitchFamily="49" charset="0"/>
+              <a:cs typeface="Courier New" panose="02070309020205020404" pitchFamily="49" charset="0"/>
+            </a:endParaRPr>
+          </a:p>
+          <a:p>
+            <a:r>
+              <a:rPr lang="fr-FR" sz="1200" dirty="0">
+                <a:latin typeface="Courier New" panose="02070309020205020404" pitchFamily="49" charset="0"/>
+                <a:cs typeface="Courier New" panose="02070309020205020404" pitchFamily="49" charset="0"/>
+              </a:rPr>
+              <a:t> </a:t>
+            </a:r>
+            <a:r>
+              <a:rPr lang="fr-FR" sz="1200" dirty="0" smtClean="0">
+                <a:latin typeface="Courier New" panose="02070309020205020404" pitchFamily="49" charset="0"/>
+                <a:cs typeface="Courier New" panose="02070309020205020404" pitchFamily="49" charset="0"/>
+              </a:rPr>
+              <a:t>   for </a:t>
+            </a:r>
+            <a:r>
+              <a:rPr lang="fr-FR" sz="1200" dirty="0" err="1" smtClean="0">
+                <a:latin typeface="Courier New" panose="02070309020205020404" pitchFamily="49" charset="0"/>
+                <a:cs typeface="Courier New" panose="02070309020205020404" pitchFamily="49" charset="0"/>
+              </a:rPr>
+              <a:t>run</a:t>
+            </a:r>
+            <a:r>
+              <a:rPr lang="fr-FR" sz="1200" dirty="0" smtClean="0">
+                <a:latin typeface="Courier New" panose="02070309020205020404" pitchFamily="49" charset="0"/>
+                <a:cs typeface="Courier New" panose="02070309020205020404" pitchFamily="49" charset="0"/>
+              </a:rPr>
+              <a:t> in range(</a:t>
+            </a:r>
+            <a:r>
+              <a:rPr lang="fr-FR" sz="1200" dirty="0" err="1" smtClean="0">
+                <a:latin typeface="Courier New" panose="02070309020205020404" pitchFamily="49" charset="0"/>
+                <a:cs typeface="Courier New" panose="02070309020205020404" pitchFamily="49" charset="0"/>
+              </a:rPr>
+              <a:t>runs</a:t>
+            </a:r>
+            <a:r>
+              <a:rPr lang="fr-FR" sz="1200" dirty="0" smtClean="0">
+                <a:latin typeface="Courier New" panose="02070309020205020404" pitchFamily="49" charset="0"/>
+                <a:cs typeface="Courier New" panose="02070309020205020404" pitchFamily="49" charset="0"/>
+              </a:rPr>
+              <a:t>)</a:t>
+            </a:r>
+            <a:r>
+              <a:rPr lang="fr-FR" sz="1200" dirty="0">
+                <a:latin typeface="Courier New" panose="02070309020205020404" pitchFamily="49" charset="0"/>
+                <a:cs typeface="Courier New" panose="02070309020205020404" pitchFamily="49" charset="0"/>
+              </a:rPr>
+              <a:t/>
+            </a:r>
+            <a:br>
+              <a:rPr lang="fr-FR" sz="1200" dirty="0">
+                <a:latin typeface="Courier New" panose="02070309020205020404" pitchFamily="49" charset="0"/>
+                <a:cs typeface="Courier New" panose="02070309020205020404" pitchFamily="49" charset="0"/>
+              </a:rPr>
+            </a:br>
+            <a:r>
+              <a:rPr lang="fr-FR" sz="1200" dirty="0" smtClean="0">
+                <a:latin typeface="Courier New" panose="02070309020205020404" pitchFamily="49" charset="0"/>
+                <a:cs typeface="Courier New" panose="02070309020205020404" pitchFamily="49" charset="0"/>
+              </a:rPr>
+              <a:t>    </a:t>
+            </a:r>
+            <a:r>
+              <a:rPr lang="fr-FR" sz="1200" dirty="0">
+                <a:latin typeface="Courier New" panose="02070309020205020404" pitchFamily="49" charset="0"/>
+                <a:cs typeface="Courier New" panose="02070309020205020404" pitchFamily="49" charset="0"/>
+              </a:rPr>
+              <a:t>    for r in range(</a:t>
+            </a:r>
+            <a:r>
+              <a:rPr lang="fr-FR" sz="1200" dirty="0" err="1">
+                <a:latin typeface="Courier New" panose="02070309020205020404" pitchFamily="49" charset="0"/>
+                <a:cs typeface="Courier New" panose="02070309020205020404" pitchFamily="49" charset="0"/>
+              </a:rPr>
+              <a:t>rows</a:t>
+            </a:r>
+            <a:r>
+              <a:rPr lang="fr-FR" sz="1200" dirty="0">
+                <a:latin typeface="Courier New" panose="02070309020205020404" pitchFamily="49" charset="0"/>
+                <a:cs typeface="Courier New" panose="02070309020205020404" pitchFamily="49" charset="0"/>
+              </a:rPr>
+              <a:t>):</a:t>
+            </a:r>
+            <a:br>
+              <a:rPr lang="fr-FR" sz="1200" dirty="0">
+                <a:latin typeface="Courier New" panose="02070309020205020404" pitchFamily="49" charset="0"/>
+                <a:cs typeface="Courier New" panose="02070309020205020404" pitchFamily="49" charset="0"/>
+              </a:rPr>
+            </a:br>
+            <a:r>
+              <a:rPr lang="fr-FR" sz="1200" dirty="0">
+                <a:latin typeface="Courier New" panose="02070309020205020404" pitchFamily="49" charset="0"/>
+                <a:cs typeface="Courier New" panose="02070309020205020404" pitchFamily="49" charset="0"/>
+              </a:rPr>
+              <a:t>    </a:t>
+            </a:r>
+            <a:r>
+              <a:rPr lang="fr-FR" sz="1200" dirty="0" smtClean="0">
+                <a:latin typeface="Courier New" panose="02070309020205020404" pitchFamily="49" charset="0"/>
+                <a:cs typeface="Courier New" panose="02070309020205020404" pitchFamily="49" charset="0"/>
+              </a:rPr>
+              <a:t>    </a:t>
+            </a:r>
+            <a:r>
+              <a:rPr lang="fr-FR" sz="1200" dirty="0">
+                <a:latin typeface="Courier New" panose="02070309020205020404" pitchFamily="49" charset="0"/>
+                <a:cs typeface="Courier New" panose="02070309020205020404" pitchFamily="49" charset="0"/>
+              </a:rPr>
+              <a:t>    for c in range(cols</a:t>
+            </a:r>
+            <a:r>
+              <a:rPr lang="fr-FR" sz="1200" dirty="0" smtClean="0">
+                <a:latin typeface="Courier New" panose="02070309020205020404" pitchFamily="49" charset="0"/>
+                <a:cs typeface="Courier New" panose="02070309020205020404" pitchFamily="49" charset="0"/>
+              </a:rPr>
+              <a:t>):</a:t>
+            </a:r>
+          </a:p>
+          <a:p>
+            <a:r>
+              <a:rPr lang="fr-FR" sz="1200" dirty="0">
+                <a:latin typeface="Courier New" panose="02070309020205020404" pitchFamily="49" charset="0"/>
+                <a:cs typeface="Courier New" panose="02070309020205020404" pitchFamily="49" charset="0"/>
+              </a:rPr>
+              <a:t> </a:t>
+            </a:r>
+            <a:r>
+              <a:rPr lang="fr-FR" sz="1200" dirty="0" smtClean="0">
+                <a:latin typeface="Courier New" panose="02070309020205020404" pitchFamily="49" charset="0"/>
+                <a:cs typeface="Courier New" panose="02070309020205020404" pitchFamily="49" charset="0"/>
+              </a:rPr>
+              <a:t>               ra = ...; </a:t>
+            </a:r>
+            <a:r>
+              <a:rPr lang="fr-FR" sz="1200" dirty="0" err="1" smtClean="0">
+                <a:latin typeface="Courier New" panose="02070309020205020404" pitchFamily="49" charset="0"/>
+                <a:cs typeface="Courier New" panose="02070309020205020404" pitchFamily="49" charset="0"/>
+              </a:rPr>
+              <a:t>dec</a:t>
+            </a:r>
+            <a:r>
+              <a:rPr lang="fr-FR" sz="1200" dirty="0" smtClean="0">
+                <a:latin typeface="Courier New" panose="02070309020205020404" pitchFamily="49" charset="0"/>
+                <a:cs typeface="Courier New" panose="02070309020205020404" pitchFamily="49" charset="0"/>
+              </a:rPr>
+              <a:t> = ...</a:t>
+            </a:r>
+            <a:r>
+              <a:rPr lang="fr-FR" sz="1200" dirty="0">
+                <a:latin typeface="Courier New" panose="02070309020205020404" pitchFamily="49" charset="0"/>
+                <a:cs typeface="Courier New" panose="02070309020205020404" pitchFamily="49" charset="0"/>
+              </a:rPr>
+              <a:t/>
+            </a:r>
+            <a:br>
+              <a:rPr lang="fr-FR" sz="1200" dirty="0">
+                <a:latin typeface="Courier New" panose="02070309020205020404" pitchFamily="49" charset="0"/>
+                <a:cs typeface="Courier New" panose="02070309020205020404" pitchFamily="49" charset="0"/>
+              </a:rPr>
+            </a:br>
+            <a:r>
+              <a:rPr lang="fr-FR" sz="1200" dirty="0" smtClean="0">
+                <a:latin typeface="Courier New" panose="02070309020205020404" pitchFamily="49" charset="0"/>
+                <a:cs typeface="Courier New" panose="02070309020205020404" pitchFamily="49" charset="0"/>
+              </a:rPr>
+              <a:t>    </a:t>
+            </a:r>
+            <a:r>
+              <a:rPr lang="fr-FR" sz="1200" dirty="0">
+                <a:latin typeface="Courier New" panose="02070309020205020404" pitchFamily="49" charset="0"/>
+                <a:cs typeface="Courier New" panose="02070309020205020404" pitchFamily="49" charset="0"/>
+              </a:rPr>
+              <a:t>            </a:t>
+            </a:r>
+            <a:r>
+              <a:rPr lang="fr-FR" sz="1200" dirty="0" err="1" smtClean="0">
+                <a:latin typeface="Courier New" panose="02070309020205020404" pitchFamily="49" charset="0"/>
+                <a:cs typeface="Courier New" panose="02070309020205020404" pitchFamily="49" charset="0"/>
+              </a:rPr>
+              <a:t>images.append</a:t>
+            </a:r>
+            <a:r>
+              <a:rPr lang="fr-FR" sz="1200" dirty="0" smtClean="0">
+                <a:latin typeface="Courier New" panose="02070309020205020404" pitchFamily="49" charset="0"/>
+                <a:cs typeface="Courier New" panose="02070309020205020404" pitchFamily="49" charset="0"/>
+              </a:rPr>
+              <a:t>((</a:t>
+            </a:r>
+            <a:r>
+              <a:rPr lang="fr-FR" sz="1200" dirty="0" err="1" smtClean="0">
+                <a:latin typeface="Courier New" panose="02070309020205020404" pitchFamily="49" charset="0"/>
+                <a:cs typeface="Courier New" panose="02070309020205020404" pitchFamily="49" charset="0"/>
+              </a:rPr>
+              <a:t>image_id</a:t>
+            </a:r>
+            <a:r>
+              <a:rPr lang="fr-FR" sz="1200" dirty="0" smtClean="0">
+                <a:latin typeface="Courier New" panose="02070309020205020404" pitchFamily="49" charset="0"/>
+                <a:cs typeface="Courier New" panose="02070309020205020404" pitchFamily="49" charset="0"/>
+              </a:rPr>
+              <a:t>, </a:t>
+            </a:r>
+            <a:r>
+              <a:rPr lang="fr-FR" sz="1200" dirty="0" err="1" smtClean="0">
+                <a:latin typeface="Courier New" panose="02070309020205020404" pitchFamily="49" charset="0"/>
+                <a:cs typeface="Courier New" panose="02070309020205020404" pitchFamily="49" charset="0"/>
+              </a:rPr>
+              <a:t>run</a:t>
+            </a:r>
+            <a:r>
+              <a:rPr lang="fr-FR" sz="1200" dirty="0" smtClean="0">
+                <a:latin typeface="Courier New" panose="02070309020205020404" pitchFamily="49" charset="0"/>
+                <a:cs typeface="Courier New" panose="02070309020205020404" pitchFamily="49" charset="0"/>
+              </a:rPr>
+              <a:t>, ra, </a:t>
+            </a:r>
+            <a:r>
+              <a:rPr lang="fr-FR" sz="1200" dirty="0" err="1" smtClean="0">
+                <a:latin typeface="Courier New" panose="02070309020205020404" pitchFamily="49" charset="0"/>
+                <a:cs typeface="Courier New" panose="02070309020205020404" pitchFamily="49" charset="0"/>
+              </a:rPr>
+              <a:t>dec</a:t>
+            </a:r>
+            <a:r>
+              <a:rPr lang="fr-FR" sz="1200" dirty="0">
+                <a:latin typeface="Courier New" panose="02070309020205020404" pitchFamily="49" charset="0"/>
+                <a:cs typeface="Courier New" panose="02070309020205020404" pitchFamily="49" charset="0"/>
+              </a:rPr>
+              <a:t>))</a:t>
+            </a:r>
+            <a:br>
+              <a:rPr lang="fr-FR" sz="1200" dirty="0">
+                <a:latin typeface="Courier New" panose="02070309020205020404" pitchFamily="49" charset="0"/>
+                <a:cs typeface="Courier New" panose="02070309020205020404" pitchFamily="49" charset="0"/>
+              </a:rPr>
+            </a:br>
+            <a:r>
+              <a:rPr lang="fr-FR" sz="1200" dirty="0">
+                <a:latin typeface="Courier New" panose="02070309020205020404" pitchFamily="49" charset="0"/>
+                <a:cs typeface="Courier New" panose="02070309020205020404" pitchFamily="49" charset="0"/>
+              </a:rPr>
+              <a:t>    </a:t>
+            </a:r>
+            <a:r>
+              <a:rPr lang="fr-FR" sz="1200" dirty="0" smtClean="0">
+                <a:latin typeface="Courier New" panose="02070309020205020404" pitchFamily="49" charset="0"/>
+                <a:cs typeface="Courier New" panose="02070309020205020404" pitchFamily="49" charset="0"/>
+              </a:rPr>
+              <a:t>    </a:t>
+            </a:r>
+            <a:r>
+              <a:rPr lang="fr-FR" sz="1200" dirty="0">
+                <a:latin typeface="Courier New" panose="02070309020205020404" pitchFamily="49" charset="0"/>
+                <a:cs typeface="Courier New" panose="02070309020205020404" pitchFamily="49" charset="0"/>
+              </a:rPr>
+              <a:t>        </a:t>
+            </a:r>
+            <a:r>
+              <a:rPr lang="fr-FR" sz="1200" dirty="0" err="1" smtClean="0">
+                <a:latin typeface="Courier New" panose="02070309020205020404" pitchFamily="49" charset="0"/>
+                <a:cs typeface="Courier New" panose="02070309020205020404" pitchFamily="49" charset="0"/>
+              </a:rPr>
+              <a:t>image_id</a:t>
+            </a:r>
+            <a:r>
+              <a:rPr lang="fr-FR" sz="1200" dirty="0" smtClean="0">
+                <a:latin typeface="Courier New" panose="02070309020205020404" pitchFamily="49" charset="0"/>
+                <a:cs typeface="Courier New" panose="02070309020205020404" pitchFamily="49" charset="0"/>
+              </a:rPr>
+              <a:t> </a:t>
+            </a:r>
+            <a:r>
+              <a:rPr lang="fr-FR" sz="1200" dirty="0">
+                <a:latin typeface="Courier New" panose="02070309020205020404" pitchFamily="49" charset="0"/>
+                <a:cs typeface="Courier New" panose="02070309020205020404" pitchFamily="49" charset="0"/>
+              </a:rPr>
+              <a:t>+= 1</a:t>
+            </a:r>
+            <a:br>
+              <a:rPr lang="fr-FR" sz="1200" dirty="0">
+                <a:latin typeface="Courier New" panose="02070309020205020404" pitchFamily="49" charset="0"/>
+                <a:cs typeface="Courier New" panose="02070309020205020404" pitchFamily="49" charset="0"/>
+              </a:rPr>
+            </a:br>
+            <a:r>
+              <a:rPr lang="fr-FR" sz="1200" dirty="0">
+                <a:latin typeface="Courier New" panose="02070309020205020404" pitchFamily="49" charset="0"/>
+                <a:cs typeface="Courier New" panose="02070309020205020404" pitchFamily="49" charset="0"/>
+              </a:rPr>
+              <a:t/>
+            </a:r>
+            <a:br>
+              <a:rPr lang="fr-FR" sz="1200" dirty="0">
+                <a:latin typeface="Courier New" panose="02070309020205020404" pitchFamily="49" charset="0"/>
+                <a:cs typeface="Courier New" panose="02070309020205020404" pitchFamily="49" charset="0"/>
+              </a:rPr>
+            </a:br>
+            <a:r>
+              <a:rPr lang="fr-FR" sz="1200" dirty="0">
+                <a:latin typeface="Courier New" panose="02070309020205020404" pitchFamily="49" charset="0"/>
+                <a:cs typeface="Courier New" panose="02070309020205020404" pitchFamily="49" charset="0"/>
+              </a:rPr>
+              <a:t>    </a:t>
+            </a:r>
+            <a:r>
+              <a:rPr lang="fr-FR" sz="1200" dirty="0" err="1">
                 <a:solidFill>
-                  <a:schemeClr val="accent1"/>
+                  <a:srgbClr val="FF0000"/>
                 </a:solidFill>
-              </a14:hiddenFill>
-            </a:ext>
-            <a:ext uri="{91240B29-F687-4F45-9708-019B960494DF}">
-              <a14:hiddenLine xmlns:a14="http://schemas.microsoft.com/office/drawing/2010/main" w="9525">
+                <a:latin typeface="Courier New" panose="02070309020205020404" pitchFamily="49" charset="0"/>
+                <a:cs typeface="Courier New" panose="02070309020205020404" pitchFamily="49" charset="0"/>
+              </a:rPr>
+              <a:t>rdd</a:t>
+            </a:r>
+            <a:r>
+              <a:rPr lang="fr-FR" sz="1200" dirty="0">
                 <a:solidFill>
-                  <a:schemeClr val="tx1"/>
+                  <a:srgbClr val="FF0000"/>
                 </a:solidFill>
-                <a:miter lim="800000"/>
-                <a:headEnd/>
-                <a:tailEnd/>
-              </a14:hiddenLine>
-            </a:ext>
-          </a:extLst>
+                <a:latin typeface="Courier New" panose="02070309020205020404" pitchFamily="49" charset="0"/>
+                <a:cs typeface="Courier New" panose="02070309020205020404" pitchFamily="49" charset="0"/>
+              </a:rPr>
+              <a:t> = </a:t>
+            </a:r>
+            <a:r>
+              <a:rPr lang="fr-FR" sz="1200" dirty="0" err="1" smtClean="0">
+                <a:solidFill>
+                  <a:srgbClr val="FF0000"/>
+                </a:solidFill>
+                <a:latin typeface="Courier New" panose="02070309020205020404" pitchFamily="49" charset="0"/>
+                <a:cs typeface="Courier New" panose="02070309020205020404" pitchFamily="49" charset="0"/>
+              </a:rPr>
+              <a:t>sc.parallelize</a:t>
+            </a:r>
+            <a:r>
+              <a:rPr lang="fr-FR" sz="1200" dirty="0" smtClean="0">
+                <a:solidFill>
+                  <a:srgbClr val="FF0000"/>
+                </a:solidFill>
+                <a:latin typeface="Courier New" panose="02070309020205020404" pitchFamily="49" charset="0"/>
+                <a:cs typeface="Courier New" panose="02070309020205020404" pitchFamily="49" charset="0"/>
+              </a:rPr>
+              <a:t>(images).</a:t>
+            </a:r>
+            <a:r>
+              <a:rPr lang="fr-FR" sz="1200" dirty="0" err="1" smtClean="0">
+                <a:solidFill>
+                  <a:srgbClr val="FF0000"/>
+                </a:solidFill>
+                <a:latin typeface="Courier New" panose="02070309020205020404" pitchFamily="49" charset="0"/>
+                <a:cs typeface="Courier New" panose="02070309020205020404" pitchFamily="49" charset="0"/>
+              </a:rPr>
+              <a:t>map</a:t>
+            </a:r>
+            <a:r>
+              <a:rPr lang="fr-FR" sz="1200" dirty="0" smtClean="0">
+                <a:solidFill>
+                  <a:srgbClr val="FF0000"/>
+                </a:solidFill>
+                <a:latin typeface="Courier New" panose="02070309020205020404" pitchFamily="49" charset="0"/>
+                <a:cs typeface="Courier New" panose="02070309020205020404" pitchFamily="49" charset="0"/>
+              </a:rPr>
+              <a:t>(lambda x: </a:t>
+            </a:r>
+            <a:r>
+              <a:rPr lang="fr-FR" sz="1200" dirty="0" err="1" smtClean="0">
+                <a:solidFill>
+                  <a:srgbClr val="FF0000"/>
+                </a:solidFill>
+                <a:latin typeface="Courier New" panose="02070309020205020404" pitchFamily="49" charset="0"/>
+                <a:cs typeface="Courier New" panose="02070309020205020404" pitchFamily="49" charset="0"/>
+              </a:rPr>
+              <a:t>fill_image</a:t>
+            </a:r>
+            <a:r>
+              <a:rPr lang="fr-FR" sz="1200" dirty="0" smtClean="0">
+                <a:solidFill>
+                  <a:srgbClr val="FF0000"/>
+                </a:solidFill>
+                <a:latin typeface="Courier New" panose="02070309020205020404" pitchFamily="49" charset="0"/>
+                <a:cs typeface="Courier New" panose="02070309020205020404" pitchFamily="49" charset="0"/>
+              </a:rPr>
+              <a:t>(x))</a:t>
+            </a:r>
+            <a:r>
+              <a:rPr lang="fr-FR" sz="1200" dirty="0">
+                <a:solidFill>
+                  <a:srgbClr val="FF0000"/>
+                </a:solidFill>
+                <a:latin typeface="Courier New" panose="02070309020205020404" pitchFamily="49" charset="0"/>
+                <a:cs typeface="Courier New" panose="02070309020205020404" pitchFamily="49" charset="0"/>
+              </a:rPr>
+              <a:t/>
+            </a:r>
+            <a:br>
+              <a:rPr lang="fr-FR" sz="1200" dirty="0">
+                <a:solidFill>
+                  <a:srgbClr val="FF0000"/>
+                </a:solidFill>
+                <a:latin typeface="Courier New" panose="02070309020205020404" pitchFamily="49" charset="0"/>
+                <a:cs typeface="Courier New" panose="02070309020205020404" pitchFamily="49" charset="0"/>
+              </a:rPr>
+            </a:br>
+            <a:r>
+              <a:rPr lang="fr-FR" sz="1200" dirty="0">
+                <a:solidFill>
+                  <a:srgbClr val="FF0000"/>
+                </a:solidFill>
+                <a:latin typeface="Courier New" panose="02070309020205020404" pitchFamily="49" charset="0"/>
+                <a:cs typeface="Courier New" panose="02070309020205020404" pitchFamily="49" charset="0"/>
+              </a:rPr>
+              <a:t>    </a:t>
+            </a:r>
+            <a:r>
+              <a:rPr lang="fr-FR" sz="1200" dirty="0" err="1">
+                <a:solidFill>
+                  <a:srgbClr val="FF0000"/>
+                </a:solidFill>
+                <a:latin typeface="Courier New" panose="02070309020205020404" pitchFamily="49" charset="0"/>
+                <a:cs typeface="Courier New" panose="02070309020205020404" pitchFamily="49" charset="0"/>
+              </a:rPr>
+              <a:t>df</a:t>
+            </a:r>
+            <a:r>
+              <a:rPr lang="fr-FR" sz="1200" dirty="0">
+                <a:solidFill>
+                  <a:srgbClr val="FF0000"/>
+                </a:solidFill>
+                <a:latin typeface="Courier New" panose="02070309020205020404" pitchFamily="49" charset="0"/>
+                <a:cs typeface="Courier New" panose="02070309020205020404" pitchFamily="49" charset="0"/>
+              </a:rPr>
+              <a:t> = </a:t>
+            </a:r>
+            <a:r>
+              <a:rPr lang="fr-FR" sz="1200" dirty="0" err="1">
+                <a:solidFill>
+                  <a:srgbClr val="FF0000"/>
+                </a:solidFill>
+                <a:latin typeface="Courier New" panose="02070309020205020404" pitchFamily="49" charset="0"/>
+                <a:cs typeface="Courier New" panose="02070309020205020404" pitchFamily="49" charset="0"/>
+              </a:rPr>
+              <a:t>spark.createDataFrame</a:t>
+            </a:r>
+            <a:r>
+              <a:rPr lang="fr-FR" sz="1200" dirty="0">
+                <a:solidFill>
+                  <a:srgbClr val="FF0000"/>
+                </a:solidFill>
+                <a:latin typeface="Courier New" panose="02070309020205020404" pitchFamily="49" charset="0"/>
+                <a:cs typeface="Courier New" panose="02070309020205020404" pitchFamily="49" charset="0"/>
+              </a:rPr>
+              <a:t>(</a:t>
+            </a:r>
+            <a:r>
+              <a:rPr lang="fr-FR" sz="1200" dirty="0" err="1">
+                <a:solidFill>
+                  <a:srgbClr val="FF0000"/>
+                </a:solidFill>
+                <a:latin typeface="Courier New" panose="02070309020205020404" pitchFamily="49" charset="0"/>
+                <a:cs typeface="Courier New" panose="02070309020205020404" pitchFamily="49" charset="0"/>
+              </a:rPr>
+              <a:t>rdd</a:t>
+            </a:r>
+            <a:r>
+              <a:rPr lang="fr-FR" sz="1200" dirty="0">
+                <a:solidFill>
+                  <a:srgbClr val="FF0000"/>
+                </a:solidFill>
+                <a:latin typeface="Courier New" panose="02070309020205020404" pitchFamily="49" charset="0"/>
+                <a:cs typeface="Courier New" panose="02070309020205020404" pitchFamily="49" charset="0"/>
+              </a:rPr>
+              <a:t>, </a:t>
+            </a:r>
+            <a:r>
+              <a:rPr lang="fr-FR" sz="1200" dirty="0" err="1" smtClean="0">
+                <a:solidFill>
+                  <a:srgbClr val="FF0000"/>
+                </a:solidFill>
+                <a:latin typeface="Courier New" panose="02070309020205020404" pitchFamily="49" charset="0"/>
+                <a:cs typeface="Courier New" panose="02070309020205020404" pitchFamily="49" charset="0"/>
+              </a:rPr>
+              <a:t>make_schema</a:t>
+            </a:r>
+            <a:r>
+              <a:rPr lang="fr-FR" sz="1200" dirty="0" smtClean="0">
+                <a:solidFill>
+                  <a:srgbClr val="FF0000"/>
+                </a:solidFill>
+                <a:latin typeface="Courier New" panose="02070309020205020404" pitchFamily="49" charset="0"/>
+                <a:cs typeface="Courier New" panose="02070309020205020404" pitchFamily="49" charset="0"/>
+              </a:rPr>
+              <a:t>())</a:t>
+            </a:r>
+            <a:r>
+              <a:rPr lang="fr-FR" sz="1200" dirty="0">
+                <a:solidFill>
+                  <a:srgbClr val="FF0000"/>
+                </a:solidFill>
+                <a:latin typeface="Courier New" panose="02070309020205020404" pitchFamily="49" charset="0"/>
+                <a:cs typeface="Courier New" panose="02070309020205020404" pitchFamily="49" charset="0"/>
+              </a:rPr>
+              <a:t/>
+            </a:r>
+            <a:br>
+              <a:rPr lang="fr-FR" sz="1200" dirty="0">
+                <a:solidFill>
+                  <a:srgbClr val="FF0000"/>
+                </a:solidFill>
+                <a:latin typeface="Courier New" panose="02070309020205020404" pitchFamily="49" charset="0"/>
+                <a:cs typeface="Courier New" panose="02070309020205020404" pitchFamily="49" charset="0"/>
+              </a:rPr>
+            </a:br>
+            <a:r>
+              <a:rPr lang="fr-FR" sz="1200" dirty="0" smtClean="0">
+                <a:solidFill>
+                  <a:srgbClr val="FF0000"/>
+                </a:solidFill>
+                <a:latin typeface="Courier New" panose="02070309020205020404" pitchFamily="49" charset="0"/>
+                <a:cs typeface="Courier New" panose="02070309020205020404" pitchFamily="49" charset="0"/>
+              </a:rPr>
+              <a:t> </a:t>
+            </a:r>
+            <a:r>
+              <a:rPr lang="fr-FR" sz="1200" dirty="0">
+                <a:solidFill>
+                  <a:srgbClr val="FF0000"/>
+                </a:solidFill>
+                <a:latin typeface="Courier New" panose="02070309020205020404" pitchFamily="49" charset="0"/>
+                <a:cs typeface="Courier New" panose="02070309020205020404" pitchFamily="49" charset="0"/>
+              </a:rPr>
+              <a:t>   </a:t>
+            </a:r>
+            <a:r>
+              <a:rPr lang="fr-FR" sz="1200" dirty="0" err="1">
+                <a:solidFill>
+                  <a:srgbClr val="FF0000"/>
+                </a:solidFill>
+                <a:latin typeface="Courier New" panose="02070309020205020404" pitchFamily="49" charset="0"/>
+                <a:cs typeface="Courier New" panose="02070309020205020404" pitchFamily="49" charset="0"/>
+              </a:rPr>
+              <a:t>df.write.format</a:t>
+            </a:r>
+            <a:r>
+              <a:rPr lang="fr-FR" sz="1200" dirty="0">
+                <a:solidFill>
+                  <a:srgbClr val="FF0000"/>
+                </a:solidFill>
+                <a:latin typeface="Courier New" panose="02070309020205020404" pitchFamily="49" charset="0"/>
+                <a:cs typeface="Courier New" panose="02070309020205020404" pitchFamily="49" charset="0"/>
+              </a:rPr>
+              <a:t>("</a:t>
+            </a:r>
+            <a:r>
+              <a:rPr lang="fr-FR" sz="1200" dirty="0" err="1">
+                <a:solidFill>
+                  <a:srgbClr val="FF0000"/>
+                </a:solidFill>
+                <a:latin typeface="Courier New" panose="02070309020205020404" pitchFamily="49" charset="0"/>
+                <a:cs typeface="Courier New" panose="02070309020205020404" pitchFamily="49" charset="0"/>
+              </a:rPr>
+              <a:t>com.databricks.spark.avro</a:t>
+            </a:r>
+            <a:r>
+              <a:rPr lang="fr-FR" sz="1200" dirty="0" smtClean="0">
+                <a:solidFill>
+                  <a:srgbClr val="FF0000"/>
+                </a:solidFill>
+                <a:latin typeface="Courier New" panose="02070309020205020404" pitchFamily="49" charset="0"/>
+                <a:cs typeface="Courier New" panose="02070309020205020404" pitchFamily="49" charset="0"/>
+              </a:rPr>
+              <a:t>") \</a:t>
+            </a:r>
+          </a:p>
+          <a:p>
+            <a:r>
+              <a:rPr lang="fr-FR" sz="1200" dirty="0">
+                <a:solidFill>
+                  <a:srgbClr val="FF0000"/>
+                </a:solidFill>
+                <a:latin typeface="Courier New" panose="02070309020205020404" pitchFamily="49" charset="0"/>
+                <a:cs typeface="Courier New" panose="02070309020205020404" pitchFamily="49" charset="0"/>
+              </a:rPr>
+              <a:t> </a:t>
+            </a:r>
+            <a:r>
+              <a:rPr lang="fr-FR" sz="1200" dirty="0" smtClean="0">
+                <a:solidFill>
+                  <a:srgbClr val="FF0000"/>
+                </a:solidFill>
+                <a:latin typeface="Courier New" panose="02070309020205020404" pitchFamily="49" charset="0"/>
+                <a:cs typeface="Courier New" panose="02070309020205020404" pitchFamily="49" charset="0"/>
+              </a:rPr>
+              <a:t>           .</a:t>
+            </a:r>
+            <a:r>
+              <a:rPr lang="fr-FR" sz="1200" dirty="0">
+                <a:solidFill>
+                  <a:srgbClr val="FF0000"/>
+                </a:solidFill>
+                <a:latin typeface="Courier New" panose="02070309020205020404" pitchFamily="49" charset="0"/>
+                <a:cs typeface="Courier New" panose="02070309020205020404" pitchFamily="49" charset="0"/>
+              </a:rPr>
+              <a:t>mode("</a:t>
+            </a:r>
+            <a:r>
+              <a:rPr lang="fr-FR" sz="1200" dirty="0" err="1">
+                <a:solidFill>
+                  <a:srgbClr val="FF0000"/>
+                </a:solidFill>
+                <a:latin typeface="Courier New" panose="02070309020205020404" pitchFamily="49" charset="0"/>
+                <a:cs typeface="Courier New" panose="02070309020205020404" pitchFamily="49" charset="0"/>
+              </a:rPr>
+              <a:t>overwrite</a:t>
+            </a:r>
+            <a:r>
+              <a:rPr lang="fr-FR" sz="1200" dirty="0" smtClean="0">
+                <a:solidFill>
+                  <a:srgbClr val="FF0000"/>
+                </a:solidFill>
+                <a:latin typeface="Courier New" panose="02070309020205020404" pitchFamily="49" charset="0"/>
+                <a:cs typeface="Courier New" panose="02070309020205020404" pitchFamily="49" charset="0"/>
+              </a:rPr>
+              <a:t>") \</a:t>
+            </a:r>
+          </a:p>
+          <a:p>
+            <a:r>
+              <a:rPr lang="fr-FR" sz="1200" dirty="0">
+                <a:solidFill>
+                  <a:srgbClr val="FF0000"/>
+                </a:solidFill>
+                <a:latin typeface="Courier New" panose="02070309020205020404" pitchFamily="49" charset="0"/>
+                <a:cs typeface="Courier New" panose="02070309020205020404" pitchFamily="49" charset="0"/>
+              </a:rPr>
+              <a:t> </a:t>
+            </a:r>
+            <a:r>
+              <a:rPr lang="fr-FR" sz="1200" dirty="0" smtClean="0">
+                <a:solidFill>
+                  <a:srgbClr val="FF0000"/>
+                </a:solidFill>
+                <a:latin typeface="Courier New" panose="02070309020205020404" pitchFamily="49" charset="0"/>
+                <a:cs typeface="Courier New" panose="02070309020205020404" pitchFamily="49" charset="0"/>
+              </a:rPr>
+              <a:t>           .</a:t>
+            </a:r>
+            <a:r>
+              <a:rPr lang="fr-FR" sz="1200" dirty="0" err="1">
+                <a:solidFill>
+                  <a:srgbClr val="FF0000"/>
+                </a:solidFill>
+                <a:latin typeface="Courier New" panose="02070309020205020404" pitchFamily="49" charset="0"/>
+                <a:cs typeface="Courier New" panose="02070309020205020404" pitchFamily="49" charset="0"/>
+              </a:rPr>
+              <a:t>save</a:t>
+            </a:r>
+            <a:r>
+              <a:rPr lang="fr-FR" sz="1200" dirty="0">
+                <a:solidFill>
+                  <a:srgbClr val="FF0000"/>
+                </a:solidFill>
+                <a:latin typeface="Courier New" panose="02070309020205020404" pitchFamily="49" charset="0"/>
+                <a:cs typeface="Courier New" panose="02070309020205020404" pitchFamily="49" charset="0"/>
+              </a:rPr>
+              <a:t>("./images</a:t>
+            </a:r>
+            <a:r>
+              <a:rPr lang="fr-FR" sz="1200" dirty="0" smtClean="0">
+                <a:solidFill>
+                  <a:srgbClr val="FF0000"/>
+                </a:solidFill>
+                <a:latin typeface="Courier New" panose="02070309020205020404" pitchFamily="49" charset="0"/>
+                <a:cs typeface="Courier New" panose="02070309020205020404" pitchFamily="49" charset="0"/>
+              </a:rPr>
+              <a:t>")</a:t>
+            </a:r>
+          </a:p>
+        </p:txBody>
+      </p:sp>
+      <p:sp>
+        <p:nvSpPr>
+          <p:cNvPr id="5" name="ZoneTexte 4"/>
+          <p:cNvSpPr txBox="1"/>
+          <p:nvPr/>
+        </p:nvSpPr>
+        <p:spPr>
+          <a:xfrm>
+            <a:off x="6446358" y="4150821"/>
+            <a:ext cx="2230098" cy="646331"/>
+          </a:xfrm>
+          <a:prstGeom prst="rect">
+            <a:avLst/>
+          </a:prstGeom>
+          <a:solidFill>
+            <a:schemeClr val="accent2">
+              <a:lumMod val="20000"/>
+              <a:lumOff val="80000"/>
+            </a:schemeClr>
+          </a:solidFill>
+          <a:ln>
+            <a:solidFill>
+              <a:srgbClr val="0070C0"/>
+            </a:solidFill>
+          </a:ln>
         </p:spPr>
-      </p:pic>
+        <p:txBody>
+          <a:bodyPr wrap="none" rtlCol="0">
+            <a:spAutoFit/>
+          </a:bodyPr>
+          <a:lstStyle/>
+          <a:p>
+            <a:r>
+              <a:rPr lang="fr-FR" sz="1200" dirty="0" err="1" smtClean="0">
+                <a:latin typeface="Courier New" panose="02070309020205020404" pitchFamily="49" charset="0"/>
+                <a:cs typeface="Courier New" panose="02070309020205020404" pitchFamily="49" charset="0"/>
+              </a:rPr>
+              <a:t>def</a:t>
+            </a:r>
+            <a:r>
+              <a:rPr lang="fr-FR" sz="1200" dirty="0" smtClean="0">
+                <a:latin typeface="Courier New" panose="02070309020205020404" pitchFamily="49" charset="0"/>
+                <a:cs typeface="Courier New" panose="02070309020205020404" pitchFamily="49" charset="0"/>
+              </a:rPr>
+              <a:t> </a:t>
+            </a:r>
+            <a:r>
+              <a:rPr lang="fr-FR" sz="1200" dirty="0" err="1" smtClean="0">
+                <a:latin typeface="Courier New" panose="02070309020205020404" pitchFamily="49" charset="0"/>
+                <a:cs typeface="Courier New" panose="02070309020205020404" pitchFamily="49" charset="0"/>
+              </a:rPr>
+              <a:t>fill_image</a:t>
+            </a:r>
+            <a:r>
+              <a:rPr lang="fr-FR" sz="1200" dirty="0" smtClean="0">
+                <a:latin typeface="Courier New" panose="02070309020205020404" pitchFamily="49" charset="0"/>
+                <a:cs typeface="Courier New" panose="02070309020205020404" pitchFamily="49" charset="0"/>
+              </a:rPr>
+              <a:t>(image):</a:t>
+            </a:r>
+          </a:p>
+          <a:p>
+            <a:r>
+              <a:rPr lang="fr-FR" sz="1200" dirty="0" smtClean="0">
+                <a:latin typeface="Courier New" panose="02070309020205020404" pitchFamily="49" charset="0"/>
+                <a:cs typeface="Courier New" panose="02070309020205020404" pitchFamily="49" charset="0"/>
+              </a:rPr>
+              <a:t>    </a:t>
+            </a:r>
+            <a:r>
+              <a:rPr lang="fr-FR" sz="1200" dirty="0" err="1" smtClean="0">
+                <a:latin typeface="Courier New" panose="02070309020205020404" pitchFamily="49" charset="0"/>
+                <a:cs typeface="Courier New" panose="02070309020205020404" pitchFamily="49" charset="0"/>
+              </a:rPr>
+              <a:t>filled</a:t>
+            </a:r>
+            <a:r>
+              <a:rPr lang="fr-FR" sz="1200" dirty="0" smtClean="0">
+                <a:latin typeface="Courier New" panose="02070309020205020404" pitchFamily="49" charset="0"/>
+                <a:cs typeface="Courier New" panose="02070309020205020404" pitchFamily="49" charset="0"/>
+              </a:rPr>
+              <a:t> = ...</a:t>
+            </a:r>
+          </a:p>
+          <a:p>
+            <a:r>
+              <a:rPr lang="fr-FR" sz="1200" dirty="0">
+                <a:latin typeface="Courier New" panose="02070309020205020404" pitchFamily="49" charset="0"/>
+                <a:cs typeface="Courier New" panose="02070309020205020404" pitchFamily="49" charset="0"/>
+              </a:rPr>
+              <a:t> </a:t>
+            </a:r>
+            <a:r>
+              <a:rPr lang="fr-FR" sz="1200" dirty="0" smtClean="0">
+                <a:latin typeface="Courier New" panose="02070309020205020404" pitchFamily="49" charset="0"/>
+                <a:cs typeface="Courier New" panose="02070309020205020404" pitchFamily="49" charset="0"/>
+              </a:rPr>
+              <a:t>   return </a:t>
+            </a:r>
+            <a:r>
+              <a:rPr lang="fr-FR" sz="1200" dirty="0" err="1" smtClean="0">
+                <a:latin typeface="Courier New" panose="02070309020205020404" pitchFamily="49" charset="0"/>
+                <a:cs typeface="Courier New" panose="02070309020205020404" pitchFamily="49" charset="0"/>
+              </a:rPr>
+              <a:t>filled</a:t>
+            </a:r>
+            <a:endParaRPr lang="fr-FR" sz="1200" dirty="0" smtClean="0">
+              <a:latin typeface="Courier New" panose="02070309020205020404" pitchFamily="49" charset="0"/>
+              <a:cs typeface="Courier New" panose="02070309020205020404" pitchFamily="49" charset="0"/>
+            </a:endParaRPr>
+          </a:p>
+        </p:txBody>
+      </p:sp>
+      <p:sp>
+        <p:nvSpPr>
+          <p:cNvPr id="3" name="Accolade fermante 2"/>
+          <p:cNvSpPr/>
+          <p:nvPr/>
+        </p:nvSpPr>
+        <p:spPr>
+          <a:xfrm>
+            <a:off x="6516216" y="5589240"/>
+            <a:ext cx="360040" cy="936104"/>
+          </a:xfrm>
+          <a:prstGeom prst="rightBrace">
+            <a:avLst/>
+          </a:prstGeom>
+          <a:ln w="57150"/>
+        </p:spPr>
+        <p:style>
+          <a:lnRef idx="1">
+            <a:schemeClr val="accent1"/>
+          </a:lnRef>
+          <a:fillRef idx="0">
+            <a:schemeClr val="accent1"/>
+          </a:fillRef>
+          <a:effectRef idx="0">
+            <a:schemeClr val="accent1"/>
+          </a:effectRef>
+          <a:fontRef idx="minor">
+            <a:schemeClr val="tx1"/>
+          </a:fontRef>
+        </p:style>
+        <p:txBody>
+          <a:bodyPr rtlCol="0" anchor="ctr"/>
+          <a:lstStyle/>
+          <a:p>
+            <a:pPr algn="ctr"/>
+            <a:endParaRPr lang="fr-FR"/>
+          </a:p>
+        </p:txBody>
+      </p:sp>
+      <p:sp>
+        <p:nvSpPr>
+          <p:cNvPr id="7" name="ZoneTexte 6"/>
+          <p:cNvSpPr txBox="1"/>
+          <p:nvPr/>
+        </p:nvSpPr>
+        <p:spPr>
+          <a:xfrm>
+            <a:off x="7092280" y="5805264"/>
+            <a:ext cx="707245" cy="369332"/>
+          </a:xfrm>
+          <a:prstGeom prst="rect">
+            <a:avLst/>
+          </a:prstGeom>
+          <a:solidFill>
+            <a:srgbClr val="FFFF00"/>
+          </a:solidFill>
+        </p:spPr>
+        <p:txBody>
+          <a:bodyPr wrap="none" rtlCol="0">
+            <a:spAutoFit/>
+          </a:bodyPr>
+          <a:lstStyle/>
+          <a:p>
+            <a:r>
+              <a:rPr lang="fr-FR" dirty="0" err="1" smtClean="0"/>
+              <a:t>Spark</a:t>
+            </a:r>
+            <a:endParaRPr lang="fr-FR" dirty="0"/>
+          </a:p>
+        </p:txBody>
+      </p:sp>
     </p:spTree>
     <p:extLst>
       <p:ext uri="{BB962C8B-B14F-4D97-AF65-F5344CB8AC3E}">
-        <p14:creationId xmlns:p14="http://schemas.microsoft.com/office/powerpoint/2010/main" val="3004235530"/>
+        <p14:creationId xmlns:p14="http://schemas.microsoft.com/office/powerpoint/2010/main" val="398435638"/>
       </p:ext>
     </p:extLst>
   </p:cSld>
